--- a/images/pics_slides/pics_slides.pptx
+++ b/images/pics_slides/pics_slides.pptx
@@ -4063,7 +4063,7 @@
         </p:nvGrpSpPr>
         <p:grpSpPr>
           <a:xfrm>
-            <a:off x="4260400" y="1891553"/>
+            <a:off x="5548143" y="977152"/>
             <a:ext cx="2948796" cy="3348907"/>
             <a:chOff x="1375337" y="744220"/>
             <a:chExt cx="4093134" cy="4648517"/>

--- a/images/pics_slides/pics_slides.pptx
+++ b/images/pics_slides/pics_slides.pptx
@@ -8,6 +8,7 @@
     <p:sldId id="256" r:id="rId2"/>
     <p:sldId id="257" r:id="rId3"/>
     <p:sldId id="258" r:id="rId4"/>
+    <p:sldId id="259" r:id="rId5"/>
   </p:sldIdLst>
   <p:sldSz cx="12192000" cy="6858000"/>
   <p:notesSz cx="6858000" cy="9144000"/>
@@ -245,7 +246,7 @@
           <a:p>
             <a:fld id="{4A31C449-260C-4C88-9D36-C81523339FAD}" type="datetimeFigureOut">
               <a:rPr lang="en-US" smtClean="0"/>
-              <a:t>2/28/2022</a:t>
+              <a:t>3/14/2022</a:t>
             </a:fld>
             <a:endParaRPr lang="en-US"/>
           </a:p>
@@ -415,7 +416,7 @@
           <a:p>
             <a:fld id="{4A31C449-260C-4C88-9D36-C81523339FAD}" type="datetimeFigureOut">
               <a:rPr lang="en-US" smtClean="0"/>
-              <a:t>2/28/2022</a:t>
+              <a:t>3/14/2022</a:t>
             </a:fld>
             <a:endParaRPr lang="en-US"/>
           </a:p>
@@ -595,7 +596,7 @@
           <a:p>
             <a:fld id="{4A31C449-260C-4C88-9D36-C81523339FAD}" type="datetimeFigureOut">
               <a:rPr lang="en-US" smtClean="0"/>
-              <a:t>2/28/2022</a:t>
+              <a:t>3/14/2022</a:t>
             </a:fld>
             <a:endParaRPr lang="en-US"/>
           </a:p>
@@ -765,7 +766,7 @@
           <a:p>
             <a:fld id="{4A31C449-260C-4C88-9D36-C81523339FAD}" type="datetimeFigureOut">
               <a:rPr lang="en-US" smtClean="0"/>
-              <a:t>2/28/2022</a:t>
+              <a:t>3/14/2022</a:t>
             </a:fld>
             <a:endParaRPr lang="en-US"/>
           </a:p>
@@ -1011,7 +1012,7 @@
           <a:p>
             <a:fld id="{4A31C449-260C-4C88-9D36-C81523339FAD}" type="datetimeFigureOut">
               <a:rPr lang="en-US" smtClean="0"/>
-              <a:t>2/28/2022</a:t>
+              <a:t>3/14/2022</a:t>
             </a:fld>
             <a:endParaRPr lang="en-US"/>
           </a:p>
@@ -1243,7 +1244,7 @@
           <a:p>
             <a:fld id="{4A31C449-260C-4C88-9D36-C81523339FAD}" type="datetimeFigureOut">
               <a:rPr lang="en-US" smtClean="0"/>
-              <a:t>2/28/2022</a:t>
+              <a:t>3/14/2022</a:t>
             </a:fld>
             <a:endParaRPr lang="en-US"/>
           </a:p>
@@ -1610,7 +1611,7 @@
           <a:p>
             <a:fld id="{4A31C449-260C-4C88-9D36-C81523339FAD}" type="datetimeFigureOut">
               <a:rPr lang="en-US" smtClean="0"/>
-              <a:t>2/28/2022</a:t>
+              <a:t>3/14/2022</a:t>
             </a:fld>
             <a:endParaRPr lang="en-US"/>
           </a:p>
@@ -1728,7 +1729,7 @@
           <a:p>
             <a:fld id="{4A31C449-260C-4C88-9D36-C81523339FAD}" type="datetimeFigureOut">
               <a:rPr lang="en-US" smtClean="0"/>
-              <a:t>2/28/2022</a:t>
+              <a:t>3/14/2022</a:t>
             </a:fld>
             <a:endParaRPr lang="en-US"/>
           </a:p>
@@ -1823,7 +1824,7 @@
           <a:p>
             <a:fld id="{4A31C449-260C-4C88-9D36-C81523339FAD}" type="datetimeFigureOut">
               <a:rPr lang="en-US" smtClean="0"/>
-              <a:t>2/28/2022</a:t>
+              <a:t>3/14/2022</a:t>
             </a:fld>
             <a:endParaRPr lang="en-US"/>
           </a:p>
@@ -2100,7 +2101,7 @@
           <a:p>
             <a:fld id="{4A31C449-260C-4C88-9D36-C81523339FAD}" type="datetimeFigureOut">
               <a:rPr lang="en-US" smtClean="0"/>
-              <a:t>2/28/2022</a:t>
+              <a:t>3/14/2022</a:t>
             </a:fld>
             <a:endParaRPr lang="en-US"/>
           </a:p>
@@ -2353,7 +2354,7 @@
           <a:p>
             <a:fld id="{4A31C449-260C-4C88-9D36-C81523339FAD}" type="datetimeFigureOut">
               <a:rPr lang="en-US" smtClean="0"/>
-              <a:t>2/28/2022</a:t>
+              <a:t>3/14/2022</a:t>
             </a:fld>
             <a:endParaRPr lang="en-US"/>
           </a:p>
@@ -2566,7 +2567,7 @@
           <a:p>
             <a:fld id="{4A31C449-260C-4C88-9D36-C81523339FAD}" type="datetimeFigureOut">
               <a:rPr lang="en-US" smtClean="0"/>
-              <a:t>2/28/2022</a:t>
+              <a:t>3/14/2022</a:t>
             </a:fld>
             <a:endParaRPr lang="en-US"/>
           </a:p>
@@ -4074,7 +4075,7 @@
             <p:cNvPr id="4" name="Graphic 21">
               <a:extLst>
                 <a:ext uri="{FF2B5EF4-FFF2-40B4-BE49-F238E27FC236}">
-                  <a16:creationId xmlns="" xmlns:a16="http://schemas.microsoft.com/office/drawing/2014/main" xmlns:lc="http://schemas.openxmlformats.org/drawingml/2006/lockedCanvas" id="{4320B773-4CEB-E940-A9DD-79DF6FCDEFCB}"/>
+                  <a16:creationId xmlns:lc="http://schemas.openxmlformats.org/drawingml/2006/lockedCanvas" xmlns:a16="http://schemas.microsoft.com/office/drawing/2014/main" xmlns="" id="{4320B773-4CEB-E940-A9DD-79DF6FCDEFCB}"/>
                 </a:ext>
               </a:extLst>
             </p:cNvPr>
@@ -4134,7 +4135,7 @@
             <p:cNvPr id="5" name="TextBox 12">
               <a:extLst>
                 <a:ext uri="{FF2B5EF4-FFF2-40B4-BE49-F238E27FC236}">
-                  <a16:creationId xmlns="" xmlns:a16="http://schemas.microsoft.com/office/drawing/2014/main" xmlns:lc="http://schemas.openxmlformats.org/drawingml/2006/lockedCanvas" id="{5CC1F16D-CB68-B24B-90B1-3A527B9AF19A}"/>
+                  <a16:creationId xmlns:lc="http://schemas.openxmlformats.org/drawingml/2006/lockedCanvas" xmlns:a16="http://schemas.microsoft.com/office/drawing/2014/main" xmlns="" id="{5CC1F16D-CB68-B24B-90B1-3A527B9AF19A}"/>
                 </a:ext>
               </a:extLst>
             </p:cNvPr>
@@ -4322,6 +4323,179 @@
     <p:extLst>
       <p:ext uri="{BB962C8B-B14F-4D97-AF65-F5344CB8AC3E}">
         <p14:creationId xmlns:p14="http://schemas.microsoft.com/office/powerpoint/2010/main" val="3380984913"/>
+      </p:ext>
+    </p:extLst>
+  </p:cSld>
+  <p:clrMapOvr>
+    <a:masterClrMapping/>
+  </p:clrMapOvr>
+</p:sld>
+</file>
+
+<file path=ppt/slides/slide4.xml><?xml version="1.0" encoding="utf-8"?>
+<p:sld xmlns:a="http://schemas.openxmlformats.org/drawingml/2006/main" xmlns:r="http://schemas.openxmlformats.org/officeDocument/2006/relationships" xmlns:p="http://schemas.openxmlformats.org/presentationml/2006/main">
+  <p:cSld>
+    <p:spTree>
+      <p:nvGrpSpPr>
+        <p:cNvPr id="1" name=""/>
+        <p:cNvGrpSpPr/>
+        <p:nvPr/>
+      </p:nvGrpSpPr>
+      <p:grpSpPr>
+        <a:xfrm>
+          <a:off x="0" y="0"/>
+          <a:ext cx="0" cy="0"/>
+          <a:chOff x="0" y="0"/>
+          <a:chExt cx="0" cy="0"/>
+        </a:xfrm>
+      </p:grpSpPr>
+      <p:grpSp>
+        <p:nvGrpSpPr>
+          <p:cNvPr id="13" name="Group 12"/>
+          <p:cNvGrpSpPr/>
+          <p:nvPr/>
+        </p:nvGrpSpPr>
+        <p:grpSpPr>
+          <a:xfrm>
+            <a:off x="-1580626" y="389646"/>
+            <a:ext cx="13772626" cy="6078707"/>
+            <a:chOff x="-1580626" y="389646"/>
+            <a:chExt cx="13772626" cy="6078707"/>
+          </a:xfrm>
+        </p:grpSpPr>
+        <p:pic>
+          <p:nvPicPr>
+            <p:cNvPr id="4" name="Picture 3"/>
+            <p:cNvPicPr>
+              <a:picLocks noChangeAspect="1"/>
+            </p:cNvPicPr>
+            <p:nvPr/>
+          </p:nvPicPr>
+          <p:blipFill>
+            <a:blip r:embed="rId2">
+              <a:extLst>
+                <a:ext uri="{28A0092B-C50C-407E-A947-70E740481C1C}">
+                  <a14:useLocalDpi xmlns:a14="http://schemas.microsoft.com/office/drawing/2010/main" val="0"/>
+                </a:ext>
+              </a:extLst>
+            </a:blip>
+            <a:stretch>
+              <a:fillRect/>
+            </a:stretch>
+          </p:blipFill>
+          <p:spPr>
+            <a:xfrm>
+              <a:off x="0" y="389646"/>
+              <a:ext cx="12192000" cy="6078707"/>
+            </a:xfrm>
+            <a:prstGeom prst="rect">
+              <a:avLst/>
+            </a:prstGeom>
+          </p:spPr>
+        </p:pic>
+        <p:cxnSp>
+          <p:nvCxnSpPr>
+            <p:cNvPr id="6" name="Straight Arrow Connector 5"/>
+            <p:cNvCxnSpPr/>
+            <p:nvPr/>
+          </p:nvCxnSpPr>
+          <p:spPr>
+            <a:xfrm>
+              <a:off x="-546847" y="6293224"/>
+              <a:ext cx="546847" cy="5976"/>
+            </a:xfrm>
+            <a:prstGeom prst="straightConnector1">
+              <a:avLst/>
+            </a:prstGeom>
+            <a:ln w="57150">
+              <a:headEnd type="none" w="med" len="med"/>
+              <a:tailEnd type="arrow" w="med" len="med"/>
+            </a:ln>
+          </p:spPr>
+          <p:style>
+            <a:lnRef idx="3">
+              <a:schemeClr val="accent2"/>
+            </a:lnRef>
+            <a:fillRef idx="0">
+              <a:schemeClr val="accent2"/>
+            </a:fillRef>
+            <a:effectRef idx="2">
+              <a:schemeClr val="accent2"/>
+            </a:effectRef>
+            <a:fontRef idx="minor">
+              <a:schemeClr val="tx1"/>
+            </a:fontRef>
+          </p:style>
+        </p:cxnSp>
+        <p:sp>
+          <p:nvSpPr>
+            <p:cNvPr id="11" name="TextBox 10"/>
+            <p:cNvSpPr txBox="1"/>
+            <p:nvPr/>
+          </p:nvSpPr>
+          <p:spPr>
+            <a:xfrm>
+              <a:off x="-1580626" y="5695025"/>
+              <a:ext cx="1580626" cy="523220"/>
+            </a:xfrm>
+            <a:prstGeom prst="rect">
+              <a:avLst/>
+            </a:prstGeom>
+            <a:noFill/>
+          </p:spPr>
+          <p:txBody>
+            <a:bodyPr wrap="none" rtlCol="0">
+              <a:spAutoFit/>
+            </a:bodyPr>
+            <a:lstStyle/>
+            <a:p>
+              <a:r>
+                <a:rPr lang="en-US" sz="2800" b="1" dirty="0" smtClean="0"/>
+                <a:t>New Icon</a:t>
+              </a:r>
+              <a:endParaRPr lang="en-US" sz="2800" b="1" dirty="0"/>
+            </a:p>
+          </p:txBody>
+        </p:sp>
+        <p:cxnSp>
+          <p:nvCxnSpPr>
+            <p:cNvPr id="12" name="Straight Arrow Connector 11"/>
+            <p:cNvCxnSpPr/>
+            <p:nvPr/>
+          </p:nvCxnSpPr>
+          <p:spPr>
+            <a:xfrm>
+              <a:off x="4254555" y="2826525"/>
+              <a:ext cx="546847" cy="5976"/>
+            </a:xfrm>
+            <a:prstGeom prst="straightConnector1">
+              <a:avLst/>
+            </a:prstGeom>
+            <a:ln w="57150">
+              <a:headEnd type="arrow" w="med" len="med"/>
+              <a:tailEnd type="none" w="med" len="med"/>
+            </a:ln>
+          </p:spPr>
+          <p:style>
+            <a:lnRef idx="3">
+              <a:schemeClr val="accent2"/>
+            </a:lnRef>
+            <a:fillRef idx="0">
+              <a:schemeClr val="accent2"/>
+            </a:fillRef>
+            <a:effectRef idx="2">
+              <a:schemeClr val="accent2"/>
+            </a:effectRef>
+            <a:fontRef idx="minor">
+              <a:schemeClr val="tx1"/>
+            </a:fontRef>
+          </p:style>
+        </p:cxnSp>
+      </p:grpSp>
+    </p:spTree>
+    <p:extLst>
+      <p:ext uri="{BB962C8B-B14F-4D97-AF65-F5344CB8AC3E}">
+        <p14:creationId xmlns:p14="http://schemas.microsoft.com/office/powerpoint/2010/main" val="537937885"/>
       </p:ext>
     </p:extLst>
   </p:cSld>

--- a/images/pics_slides/pics_slides.pptx
+++ b/images/pics_slides/pics_slides.pptx
@@ -9,6 +9,7 @@
     <p:sldId id="257" r:id="rId3"/>
     <p:sldId id="258" r:id="rId4"/>
     <p:sldId id="259" r:id="rId5"/>
+    <p:sldId id="260" r:id="rId6"/>
   </p:sldIdLst>
   <p:sldSz cx="12192000" cy="6858000"/>
   <p:notesSz cx="6858000" cy="9144000"/>
@@ -246,7 +247,7 @@
           <a:p>
             <a:fld id="{4A31C449-260C-4C88-9D36-C81523339FAD}" type="datetimeFigureOut">
               <a:rPr lang="en-US" smtClean="0"/>
-              <a:t>3/14/2022</a:t>
+              <a:t>3/29/2022</a:t>
             </a:fld>
             <a:endParaRPr lang="en-US"/>
           </a:p>
@@ -416,7 +417,7 @@
           <a:p>
             <a:fld id="{4A31C449-260C-4C88-9D36-C81523339FAD}" type="datetimeFigureOut">
               <a:rPr lang="en-US" smtClean="0"/>
-              <a:t>3/14/2022</a:t>
+              <a:t>3/29/2022</a:t>
             </a:fld>
             <a:endParaRPr lang="en-US"/>
           </a:p>
@@ -596,7 +597,7 @@
           <a:p>
             <a:fld id="{4A31C449-260C-4C88-9D36-C81523339FAD}" type="datetimeFigureOut">
               <a:rPr lang="en-US" smtClean="0"/>
-              <a:t>3/14/2022</a:t>
+              <a:t>3/29/2022</a:t>
             </a:fld>
             <a:endParaRPr lang="en-US"/>
           </a:p>
@@ -766,7 +767,7 @@
           <a:p>
             <a:fld id="{4A31C449-260C-4C88-9D36-C81523339FAD}" type="datetimeFigureOut">
               <a:rPr lang="en-US" smtClean="0"/>
-              <a:t>3/14/2022</a:t>
+              <a:t>3/29/2022</a:t>
             </a:fld>
             <a:endParaRPr lang="en-US"/>
           </a:p>
@@ -1012,7 +1013,7 @@
           <a:p>
             <a:fld id="{4A31C449-260C-4C88-9D36-C81523339FAD}" type="datetimeFigureOut">
               <a:rPr lang="en-US" smtClean="0"/>
-              <a:t>3/14/2022</a:t>
+              <a:t>3/29/2022</a:t>
             </a:fld>
             <a:endParaRPr lang="en-US"/>
           </a:p>
@@ -1244,7 +1245,7 @@
           <a:p>
             <a:fld id="{4A31C449-260C-4C88-9D36-C81523339FAD}" type="datetimeFigureOut">
               <a:rPr lang="en-US" smtClean="0"/>
-              <a:t>3/14/2022</a:t>
+              <a:t>3/29/2022</a:t>
             </a:fld>
             <a:endParaRPr lang="en-US"/>
           </a:p>
@@ -1611,7 +1612,7 @@
           <a:p>
             <a:fld id="{4A31C449-260C-4C88-9D36-C81523339FAD}" type="datetimeFigureOut">
               <a:rPr lang="en-US" smtClean="0"/>
-              <a:t>3/14/2022</a:t>
+              <a:t>3/29/2022</a:t>
             </a:fld>
             <a:endParaRPr lang="en-US"/>
           </a:p>
@@ -1729,7 +1730,7 @@
           <a:p>
             <a:fld id="{4A31C449-260C-4C88-9D36-C81523339FAD}" type="datetimeFigureOut">
               <a:rPr lang="en-US" smtClean="0"/>
-              <a:t>3/14/2022</a:t>
+              <a:t>3/29/2022</a:t>
             </a:fld>
             <a:endParaRPr lang="en-US"/>
           </a:p>
@@ -1824,7 +1825,7 @@
           <a:p>
             <a:fld id="{4A31C449-260C-4C88-9D36-C81523339FAD}" type="datetimeFigureOut">
               <a:rPr lang="en-US" smtClean="0"/>
-              <a:t>3/14/2022</a:t>
+              <a:t>3/29/2022</a:t>
             </a:fld>
             <a:endParaRPr lang="en-US"/>
           </a:p>
@@ -2101,7 +2102,7 @@
           <a:p>
             <a:fld id="{4A31C449-260C-4C88-9D36-C81523339FAD}" type="datetimeFigureOut">
               <a:rPr lang="en-US" smtClean="0"/>
-              <a:t>3/14/2022</a:t>
+              <a:t>3/29/2022</a:t>
             </a:fld>
             <a:endParaRPr lang="en-US"/>
           </a:p>
@@ -2354,7 +2355,7 @@
           <a:p>
             <a:fld id="{4A31C449-260C-4C88-9D36-C81523339FAD}" type="datetimeFigureOut">
               <a:rPr lang="en-US" smtClean="0"/>
-              <a:t>3/14/2022</a:t>
+              <a:t>3/29/2022</a:t>
             </a:fld>
             <a:endParaRPr lang="en-US"/>
           </a:p>
@@ -2567,7 +2568,7 @@
           <a:p>
             <a:fld id="{4A31C449-260C-4C88-9D36-C81523339FAD}" type="datetimeFigureOut">
               <a:rPr lang="en-US" smtClean="0"/>
-              <a:t>3/14/2022</a:t>
+              <a:t>3/29/2022</a:t>
             </a:fld>
             <a:endParaRPr lang="en-US"/>
           </a:p>
@@ -4075,7 +4076,7 @@
             <p:cNvPr id="4" name="Graphic 21">
               <a:extLst>
                 <a:ext uri="{FF2B5EF4-FFF2-40B4-BE49-F238E27FC236}">
-                  <a16:creationId xmlns:lc="http://schemas.openxmlformats.org/drawingml/2006/lockedCanvas" xmlns:a16="http://schemas.microsoft.com/office/drawing/2014/main" xmlns="" id="{4320B773-4CEB-E940-A9DD-79DF6FCDEFCB}"/>
+                  <a16:creationId xmlns="" xmlns:a16="http://schemas.microsoft.com/office/drawing/2014/main" xmlns:lc="http://schemas.openxmlformats.org/drawingml/2006/lockedCanvas" id="{4320B773-4CEB-E940-A9DD-79DF6FCDEFCB}"/>
                 </a:ext>
               </a:extLst>
             </p:cNvPr>
@@ -4135,7 +4136,7 @@
             <p:cNvPr id="5" name="TextBox 12">
               <a:extLst>
                 <a:ext uri="{FF2B5EF4-FFF2-40B4-BE49-F238E27FC236}">
-                  <a16:creationId xmlns:lc="http://schemas.openxmlformats.org/drawingml/2006/lockedCanvas" xmlns:a16="http://schemas.microsoft.com/office/drawing/2014/main" xmlns="" id="{5CC1F16D-CB68-B24B-90B1-3A527B9AF19A}"/>
+                  <a16:creationId xmlns="" xmlns:a16="http://schemas.microsoft.com/office/drawing/2014/main" xmlns:lc="http://schemas.openxmlformats.org/drawingml/2006/lockedCanvas" id="{5CC1F16D-CB68-B24B-90B1-3A527B9AF19A}"/>
                 </a:ext>
               </a:extLst>
             </p:cNvPr>
@@ -4505,6 +4506,917 @@
 </p:sld>
 </file>
 
+<file path=ppt/slides/slide5.xml><?xml version="1.0" encoding="utf-8"?>
+<p:sld xmlns:a="http://schemas.openxmlformats.org/drawingml/2006/main" xmlns:r="http://schemas.openxmlformats.org/officeDocument/2006/relationships" xmlns:p="http://schemas.openxmlformats.org/presentationml/2006/main">
+  <p:cSld>
+    <p:spTree>
+      <p:nvGrpSpPr>
+        <p:cNvPr id="1" name=""/>
+        <p:cNvGrpSpPr/>
+        <p:nvPr/>
+      </p:nvGrpSpPr>
+      <p:grpSpPr>
+        <a:xfrm>
+          <a:off x="0" y="0"/>
+          <a:ext cx="0" cy="0"/>
+          <a:chOff x="0" y="0"/>
+          <a:chExt cx="0" cy="0"/>
+        </a:xfrm>
+      </p:grpSpPr>
+      <p:grpSp>
+        <p:nvGrpSpPr>
+          <p:cNvPr id="18" name="Group 17"/>
+          <p:cNvGrpSpPr/>
+          <p:nvPr/>
+        </p:nvGrpSpPr>
+        <p:grpSpPr>
+          <a:xfrm>
+            <a:off x="1241740" y="1054382"/>
+            <a:ext cx="9103531" cy="1474208"/>
+            <a:chOff x="1241740" y="1054382"/>
+            <a:chExt cx="9103531" cy="1474208"/>
+          </a:xfrm>
+        </p:grpSpPr>
+        <p:grpSp>
+          <p:nvGrpSpPr>
+            <p:cNvPr id="11" name="Group 10"/>
+            <p:cNvGrpSpPr/>
+            <p:nvPr/>
+          </p:nvGrpSpPr>
+          <p:grpSpPr>
+            <a:xfrm>
+              <a:off x="4574101" y="1066800"/>
+              <a:ext cx="2553487" cy="1156474"/>
+              <a:chOff x="4487863" y="1185069"/>
+              <a:chExt cx="2292350" cy="1038205"/>
+            </a:xfrm>
+          </p:grpSpPr>
+          <p:pic>
+            <p:nvPicPr>
+              <p:cNvPr id="4" name="Graphic 10">
+                <a:extLst>
+                  <a:ext uri="{FF2B5EF4-FFF2-40B4-BE49-F238E27FC236}">
+                    <a16:creationId xmlns:a16="http://schemas.microsoft.com/office/drawing/2014/main" xmlns="" id="{7249C1EC-5A69-3C4D-9DDF-0DB93BB70BC6}"/>
+                  </a:ext>
+                </a:extLst>
+              </p:cNvPr>
+              <p:cNvPicPr>
+                <a:picLocks noChangeAspect="1" noChangeArrowheads="1"/>
+              </p:cNvPicPr>
+              <p:nvPr/>
+            </p:nvPicPr>
+            <p:blipFill>
+              <a:blip r:embed="rId2" cstate="print">
+                <a:extLst>
+                  <a:ext uri="{28A0092B-C50C-407E-A947-70E740481C1C}">
+                    <a14:useLocalDpi xmlns:a14="http://schemas.microsoft.com/office/drawing/2010/main" val="0"/>
+                  </a:ext>
+                </a:extLst>
+              </a:blip>
+              <a:srcRect/>
+              <a:stretch>
+                <a:fillRect/>
+              </a:stretch>
+            </p:blipFill>
+            <p:spPr bwMode="auto">
+              <a:xfrm>
+                <a:off x="5246688" y="1185069"/>
+                <a:ext cx="762000" cy="762000"/>
+              </a:xfrm>
+              <a:prstGeom prst="rect">
+                <a:avLst/>
+              </a:prstGeom>
+              <a:noFill/>
+              <a:ln>
+                <a:noFill/>
+              </a:ln>
+              <a:extLst>
+                <a:ext uri="{909E8E84-426E-40DD-AFC4-6F175D3DCCD1}">
+                  <a14:hiddenFill xmlns:a14="http://schemas.microsoft.com/office/drawing/2010/main">
+                    <a:solidFill>
+                      <a:srgbClr val="FFFFFF"/>
+                    </a:solidFill>
+                  </a14:hiddenFill>
+                </a:ext>
+                <a:ext uri="{91240B29-F687-4F45-9708-019B960494DF}">
+                  <a14:hiddenLine xmlns:a14="http://schemas.microsoft.com/office/drawing/2010/main" w="9525">
+                    <a:solidFill>
+                      <a:srgbClr val="000000"/>
+                    </a:solidFill>
+                    <a:miter lim="800000"/>
+                    <a:headEnd/>
+                    <a:tailEnd/>
+                  </a14:hiddenLine>
+                </a:ext>
+              </a:extLst>
+            </p:spPr>
+          </p:pic>
+          <p:sp>
+            <p:nvSpPr>
+              <p:cNvPr id="5" name="TextBox 20">
+                <a:extLst>
+                  <a:ext uri="{FF2B5EF4-FFF2-40B4-BE49-F238E27FC236}">
+                    <a16:creationId xmlns:a16="http://schemas.microsoft.com/office/drawing/2014/main" xmlns="" id="{E5D4A7D0-5E44-1943-968A-C198F40D0E71}"/>
+                  </a:ext>
+                </a:extLst>
+              </p:cNvPr>
+              <p:cNvSpPr txBox="1">
+                <a:spLocks noChangeArrowheads="1"/>
+              </p:cNvSpPr>
+              <p:nvPr/>
+            </p:nvSpPr>
+            <p:spPr bwMode="auto">
+              <a:xfrm>
+                <a:off x="4487863" y="1946275"/>
+                <a:ext cx="2292350" cy="276999"/>
+              </a:xfrm>
+              <a:prstGeom prst="rect">
+                <a:avLst/>
+              </a:prstGeom>
+              <a:noFill/>
+              <a:ln>
+                <a:noFill/>
+              </a:ln>
+              <a:extLst>
+                <a:ext uri="{909E8E84-426E-40DD-AFC4-6F175D3DCCD1}">
+                  <a14:hiddenFill xmlns:a14="http://schemas.microsoft.com/office/drawing/2010/main">
+                    <a:solidFill>
+                      <a:srgbClr val="FFFFFF"/>
+                    </a:solidFill>
+                  </a14:hiddenFill>
+                </a:ext>
+                <a:ext uri="{91240B29-F687-4F45-9708-019B960494DF}">
+                  <a14:hiddenLine xmlns:a14="http://schemas.microsoft.com/office/drawing/2010/main" w="9525">
+                    <a:solidFill>
+                      <a:srgbClr val="000000"/>
+                    </a:solidFill>
+                    <a:miter lim="800000"/>
+                    <a:headEnd/>
+                    <a:tailEnd/>
+                  </a14:hiddenLine>
+                </a:ext>
+              </a:extLst>
+            </p:spPr>
+            <p:txBody>
+              <a:bodyPr>
+                <a:spAutoFit/>
+              </a:bodyPr>
+              <a:lstStyle>
+                <a:lvl1pPr>
+                  <a:defRPr>
+                    <a:solidFill>
+                      <a:schemeClr val="tx1"/>
+                    </a:solidFill>
+                    <a:latin typeface="Calibri" panose="020F0502020204030204" pitchFamily="34" charset="0"/>
+                  </a:defRPr>
+                </a:lvl1pPr>
+                <a:lvl2pPr marL="742950" indent="-285750">
+                  <a:defRPr>
+                    <a:solidFill>
+                      <a:schemeClr val="tx1"/>
+                    </a:solidFill>
+                    <a:latin typeface="Calibri" panose="020F0502020204030204" pitchFamily="34" charset="0"/>
+                  </a:defRPr>
+                </a:lvl2pPr>
+                <a:lvl3pPr marL="1143000" indent="-228600">
+                  <a:defRPr>
+                    <a:solidFill>
+                      <a:schemeClr val="tx1"/>
+                    </a:solidFill>
+                    <a:latin typeface="Calibri" panose="020F0502020204030204" pitchFamily="34" charset="0"/>
+                  </a:defRPr>
+                </a:lvl3pPr>
+                <a:lvl4pPr marL="1600200" indent="-228600">
+                  <a:defRPr>
+                    <a:solidFill>
+                      <a:schemeClr val="tx1"/>
+                    </a:solidFill>
+                    <a:latin typeface="Calibri" panose="020F0502020204030204" pitchFamily="34" charset="0"/>
+                  </a:defRPr>
+                </a:lvl4pPr>
+                <a:lvl5pPr marL="2057400" indent="-228600">
+                  <a:defRPr>
+                    <a:solidFill>
+                      <a:schemeClr val="tx1"/>
+                    </a:solidFill>
+                    <a:latin typeface="Calibri" panose="020F0502020204030204" pitchFamily="34" charset="0"/>
+                  </a:defRPr>
+                </a:lvl5pPr>
+                <a:lvl6pPr marL="2514600" indent="-228600" eaLnBrk="0" fontAlgn="base" hangingPunct="0">
+                  <a:spcBef>
+                    <a:spcPct val="0"/>
+                  </a:spcBef>
+                  <a:spcAft>
+                    <a:spcPct val="0"/>
+                  </a:spcAft>
+                  <a:defRPr>
+                    <a:solidFill>
+                      <a:schemeClr val="tx1"/>
+                    </a:solidFill>
+                    <a:latin typeface="Calibri" panose="020F0502020204030204" pitchFamily="34" charset="0"/>
+                  </a:defRPr>
+                </a:lvl6pPr>
+                <a:lvl7pPr marL="2971800" indent="-228600" eaLnBrk="0" fontAlgn="base" hangingPunct="0">
+                  <a:spcBef>
+                    <a:spcPct val="0"/>
+                  </a:spcBef>
+                  <a:spcAft>
+                    <a:spcPct val="0"/>
+                  </a:spcAft>
+                  <a:defRPr>
+                    <a:solidFill>
+                      <a:schemeClr val="tx1"/>
+                    </a:solidFill>
+                    <a:latin typeface="Calibri" panose="020F0502020204030204" pitchFamily="34" charset="0"/>
+                  </a:defRPr>
+                </a:lvl7pPr>
+                <a:lvl8pPr marL="3429000" indent="-228600" eaLnBrk="0" fontAlgn="base" hangingPunct="0">
+                  <a:spcBef>
+                    <a:spcPct val="0"/>
+                  </a:spcBef>
+                  <a:spcAft>
+                    <a:spcPct val="0"/>
+                  </a:spcAft>
+                  <a:defRPr>
+                    <a:solidFill>
+                      <a:schemeClr val="tx1"/>
+                    </a:solidFill>
+                    <a:latin typeface="Calibri" panose="020F0502020204030204" pitchFamily="34" charset="0"/>
+                  </a:defRPr>
+                </a:lvl8pPr>
+                <a:lvl9pPr marL="3886200" indent="-228600" eaLnBrk="0" fontAlgn="base" hangingPunct="0">
+                  <a:spcBef>
+                    <a:spcPct val="0"/>
+                  </a:spcBef>
+                  <a:spcAft>
+                    <a:spcPct val="0"/>
+                  </a:spcAft>
+                  <a:defRPr>
+                    <a:solidFill>
+                      <a:schemeClr val="tx1"/>
+                    </a:solidFill>
+                    <a:latin typeface="Calibri" panose="020F0502020204030204" pitchFamily="34" charset="0"/>
+                  </a:defRPr>
+                </a:lvl9pPr>
+              </a:lstStyle>
+              <a:p>
+                <a:pPr algn="ctr" eaLnBrk="1" hangingPunct="1"/>
+                <a:r>
+                  <a:rPr lang="en-US" altLang="en-US" sz="1200" dirty="0">
+                    <a:latin typeface="Arial" panose="020B0604020202020204" pitchFamily="34" charset="0"/>
+                    <a:ea typeface="Amazon Ember" panose="020B0603020204020204" pitchFamily="34" charset="0"/>
+                    <a:cs typeface="Arial" panose="020B0604020202020204" pitchFamily="34" charset="0"/>
+                  </a:rPr>
+                  <a:t>AWS Lambda</a:t>
+                </a:r>
+              </a:p>
+            </p:txBody>
+          </p:sp>
+        </p:grpSp>
+        <p:grpSp>
+          <p:nvGrpSpPr>
+            <p:cNvPr id="10" name="Group 9"/>
+            <p:cNvGrpSpPr/>
+            <p:nvPr/>
+          </p:nvGrpSpPr>
+          <p:grpSpPr>
+            <a:xfrm>
+              <a:off x="1241740" y="1066800"/>
+              <a:ext cx="2734894" cy="1372664"/>
+              <a:chOff x="1251604" y="1565275"/>
+              <a:chExt cx="2292350" cy="1150548"/>
+            </a:xfrm>
+          </p:grpSpPr>
+          <p:pic>
+            <p:nvPicPr>
+              <p:cNvPr id="6" name="Graphic 19">
+                <a:extLst>
+                  <a:ext uri="{FF2B5EF4-FFF2-40B4-BE49-F238E27FC236}">
+                    <a16:creationId xmlns:a16="http://schemas.microsoft.com/office/drawing/2014/main" xmlns="" id="{1FC33CE7-C98D-E547-BC90-92306552093A}"/>
+                  </a:ext>
+                </a:extLst>
+              </p:cNvPr>
+              <p:cNvPicPr>
+                <a:picLocks noChangeAspect="1" noChangeArrowheads="1"/>
+              </p:cNvPicPr>
+              <p:nvPr/>
+            </p:nvPicPr>
+            <p:blipFill>
+              <a:blip r:embed="rId3" cstate="print">
+                <a:extLst>
+                  <a:ext uri="{28A0092B-C50C-407E-A947-70E740481C1C}">
+                    <a14:useLocalDpi xmlns:a14="http://schemas.microsoft.com/office/drawing/2010/main" val="0"/>
+                  </a:ext>
+                </a:extLst>
+              </a:blip>
+              <a:srcRect/>
+              <a:stretch>
+                <a:fillRect/>
+              </a:stretch>
+            </p:blipFill>
+            <p:spPr bwMode="auto">
+              <a:xfrm>
+                <a:off x="2008841" y="1565275"/>
+                <a:ext cx="762000" cy="762000"/>
+              </a:xfrm>
+              <a:prstGeom prst="rect">
+                <a:avLst/>
+              </a:prstGeom>
+              <a:noFill/>
+              <a:ln>
+                <a:noFill/>
+              </a:ln>
+              <a:extLst>
+                <a:ext uri="{909E8E84-426E-40DD-AFC4-6F175D3DCCD1}">
+                  <a14:hiddenFill xmlns:a14="http://schemas.microsoft.com/office/drawing/2010/main">
+                    <a:solidFill>
+                      <a:srgbClr val="FFFFFF"/>
+                    </a:solidFill>
+                  </a14:hiddenFill>
+                </a:ext>
+                <a:ext uri="{91240B29-F687-4F45-9708-019B960494DF}">
+                  <a14:hiddenLine xmlns:a14="http://schemas.microsoft.com/office/drawing/2010/main" w="9525">
+                    <a:solidFill>
+                      <a:srgbClr val="000000"/>
+                    </a:solidFill>
+                    <a:miter lim="800000"/>
+                    <a:headEnd/>
+                    <a:tailEnd/>
+                  </a14:hiddenLine>
+                </a:ext>
+              </a:extLst>
+            </p:spPr>
+          </p:pic>
+          <p:sp>
+            <p:nvSpPr>
+              <p:cNvPr id="7" name="TextBox 11">
+                <a:extLst>
+                  <a:ext uri="{FF2B5EF4-FFF2-40B4-BE49-F238E27FC236}">
+                    <a16:creationId xmlns:a16="http://schemas.microsoft.com/office/drawing/2014/main" xmlns="" id="{0355EC56-8BE5-9F4E-BD29-5DC1160E4BC4}"/>
+                  </a:ext>
+                </a:extLst>
+              </p:cNvPr>
+              <p:cNvSpPr txBox="1">
+                <a:spLocks noChangeArrowheads="1"/>
+              </p:cNvSpPr>
+              <p:nvPr/>
+            </p:nvSpPr>
+            <p:spPr bwMode="auto">
+              <a:xfrm>
+                <a:off x="1251604" y="2328862"/>
+                <a:ext cx="2292350" cy="386961"/>
+              </a:xfrm>
+              <a:prstGeom prst="rect">
+                <a:avLst/>
+              </a:prstGeom>
+              <a:noFill/>
+              <a:ln>
+                <a:noFill/>
+              </a:ln>
+              <a:extLst>
+                <a:ext uri="{909E8E84-426E-40DD-AFC4-6F175D3DCCD1}">
+                  <a14:hiddenFill xmlns:a14="http://schemas.microsoft.com/office/drawing/2010/main">
+                    <a:solidFill>
+                      <a:srgbClr val="FFFFFF"/>
+                    </a:solidFill>
+                  </a14:hiddenFill>
+                </a:ext>
+                <a:ext uri="{91240B29-F687-4F45-9708-019B960494DF}">
+                  <a14:hiddenLine xmlns:a14="http://schemas.microsoft.com/office/drawing/2010/main" w="9525">
+                    <a:solidFill>
+                      <a:srgbClr val="000000"/>
+                    </a:solidFill>
+                    <a:miter lim="800000"/>
+                    <a:headEnd/>
+                    <a:tailEnd/>
+                  </a14:hiddenLine>
+                </a:ext>
+              </a:extLst>
+            </p:spPr>
+            <p:txBody>
+              <a:bodyPr>
+                <a:spAutoFit/>
+              </a:bodyPr>
+              <a:lstStyle>
+                <a:lvl1pPr>
+                  <a:defRPr>
+                    <a:solidFill>
+                      <a:schemeClr val="tx1"/>
+                    </a:solidFill>
+                    <a:latin typeface="Calibri" panose="020F0502020204030204" pitchFamily="34" charset="0"/>
+                  </a:defRPr>
+                </a:lvl1pPr>
+                <a:lvl2pPr marL="742950" indent="-285750">
+                  <a:defRPr>
+                    <a:solidFill>
+                      <a:schemeClr val="tx1"/>
+                    </a:solidFill>
+                    <a:latin typeface="Calibri" panose="020F0502020204030204" pitchFamily="34" charset="0"/>
+                  </a:defRPr>
+                </a:lvl2pPr>
+                <a:lvl3pPr marL="1143000" indent="-228600">
+                  <a:defRPr>
+                    <a:solidFill>
+                      <a:schemeClr val="tx1"/>
+                    </a:solidFill>
+                    <a:latin typeface="Calibri" panose="020F0502020204030204" pitchFamily="34" charset="0"/>
+                  </a:defRPr>
+                </a:lvl3pPr>
+                <a:lvl4pPr marL="1600200" indent="-228600">
+                  <a:defRPr>
+                    <a:solidFill>
+                      <a:schemeClr val="tx1"/>
+                    </a:solidFill>
+                    <a:latin typeface="Calibri" panose="020F0502020204030204" pitchFamily="34" charset="0"/>
+                  </a:defRPr>
+                </a:lvl4pPr>
+                <a:lvl5pPr marL="2057400" indent="-228600">
+                  <a:defRPr>
+                    <a:solidFill>
+                      <a:schemeClr val="tx1"/>
+                    </a:solidFill>
+                    <a:latin typeface="Calibri" panose="020F0502020204030204" pitchFamily="34" charset="0"/>
+                  </a:defRPr>
+                </a:lvl5pPr>
+                <a:lvl6pPr marL="2514600" indent="-228600" eaLnBrk="0" fontAlgn="base" hangingPunct="0">
+                  <a:spcBef>
+                    <a:spcPct val="0"/>
+                  </a:spcBef>
+                  <a:spcAft>
+                    <a:spcPct val="0"/>
+                  </a:spcAft>
+                  <a:defRPr>
+                    <a:solidFill>
+                      <a:schemeClr val="tx1"/>
+                    </a:solidFill>
+                    <a:latin typeface="Calibri" panose="020F0502020204030204" pitchFamily="34" charset="0"/>
+                  </a:defRPr>
+                </a:lvl6pPr>
+                <a:lvl7pPr marL="2971800" indent="-228600" eaLnBrk="0" fontAlgn="base" hangingPunct="0">
+                  <a:spcBef>
+                    <a:spcPct val="0"/>
+                  </a:spcBef>
+                  <a:spcAft>
+                    <a:spcPct val="0"/>
+                  </a:spcAft>
+                  <a:defRPr>
+                    <a:solidFill>
+                      <a:schemeClr val="tx1"/>
+                    </a:solidFill>
+                    <a:latin typeface="Calibri" panose="020F0502020204030204" pitchFamily="34" charset="0"/>
+                  </a:defRPr>
+                </a:lvl7pPr>
+                <a:lvl8pPr marL="3429000" indent="-228600" eaLnBrk="0" fontAlgn="base" hangingPunct="0">
+                  <a:spcBef>
+                    <a:spcPct val="0"/>
+                  </a:spcBef>
+                  <a:spcAft>
+                    <a:spcPct val="0"/>
+                  </a:spcAft>
+                  <a:defRPr>
+                    <a:solidFill>
+                      <a:schemeClr val="tx1"/>
+                    </a:solidFill>
+                    <a:latin typeface="Calibri" panose="020F0502020204030204" pitchFamily="34" charset="0"/>
+                  </a:defRPr>
+                </a:lvl8pPr>
+                <a:lvl9pPr marL="3886200" indent="-228600" eaLnBrk="0" fontAlgn="base" hangingPunct="0">
+                  <a:spcBef>
+                    <a:spcPct val="0"/>
+                  </a:spcBef>
+                  <a:spcAft>
+                    <a:spcPct val="0"/>
+                  </a:spcAft>
+                  <a:defRPr>
+                    <a:solidFill>
+                      <a:schemeClr val="tx1"/>
+                    </a:solidFill>
+                    <a:latin typeface="Calibri" panose="020F0502020204030204" pitchFamily="34" charset="0"/>
+                  </a:defRPr>
+                </a:lvl9pPr>
+              </a:lstStyle>
+              <a:p>
+                <a:pPr algn="ctr" eaLnBrk="1" hangingPunct="1"/>
+                <a:r>
+                  <a:rPr lang="en-US" altLang="en-US" sz="1200" dirty="0">
+                    <a:latin typeface="Arial" panose="020B0604020202020204" pitchFamily="34" charset="0"/>
+                    <a:ea typeface="Amazon Ember" panose="020B0603020204020204" pitchFamily="34" charset="0"/>
+                    <a:cs typeface="Arial" panose="020B0604020202020204" pitchFamily="34" charset="0"/>
+                  </a:rPr>
+                  <a:t>Amazon Elastic File System </a:t>
+                </a:r>
+                <a:endParaRPr lang="en-US" altLang="en-US" sz="1200" dirty="0" smtClean="0">
+                  <a:latin typeface="Arial" panose="020B0604020202020204" pitchFamily="34" charset="0"/>
+                  <a:ea typeface="Amazon Ember" panose="020B0603020204020204" pitchFamily="34" charset="0"/>
+                  <a:cs typeface="Arial" panose="020B0604020202020204" pitchFamily="34" charset="0"/>
+                </a:endParaRPr>
+              </a:p>
+              <a:p>
+                <a:pPr algn="ctr" eaLnBrk="1" hangingPunct="1"/>
+                <a:r>
+                  <a:rPr lang="en-US" altLang="en-US" sz="1200" dirty="0" smtClean="0">
+                    <a:latin typeface="Arial" panose="020B0604020202020204" pitchFamily="34" charset="0"/>
+                    <a:ea typeface="Amazon Ember" panose="020B0603020204020204" pitchFamily="34" charset="0"/>
+                    <a:cs typeface="Arial" panose="020B0604020202020204" pitchFamily="34" charset="0"/>
+                  </a:rPr>
+                  <a:t>(</a:t>
+                </a:r>
+                <a:r>
+                  <a:rPr lang="en-US" altLang="en-US" sz="1200" dirty="0">
+                    <a:latin typeface="Arial" panose="020B0604020202020204" pitchFamily="34" charset="0"/>
+                    <a:ea typeface="Amazon Ember" panose="020B0603020204020204" pitchFamily="34" charset="0"/>
+                    <a:cs typeface="Arial" panose="020B0604020202020204" pitchFamily="34" charset="0"/>
+                  </a:rPr>
+                  <a:t>Amazon EFS)</a:t>
+                </a:r>
+              </a:p>
+            </p:txBody>
+          </p:sp>
+        </p:grpSp>
+        <p:grpSp>
+          <p:nvGrpSpPr>
+            <p:cNvPr id="12" name="Group 11"/>
+            <p:cNvGrpSpPr/>
+            <p:nvPr/>
+          </p:nvGrpSpPr>
+          <p:grpSpPr>
+            <a:xfrm>
+              <a:off x="7725055" y="1066800"/>
+              <a:ext cx="2620216" cy="1461790"/>
+              <a:chOff x="7915182" y="2223274"/>
+              <a:chExt cx="2239962" cy="1225252"/>
+            </a:xfrm>
+          </p:grpSpPr>
+          <p:pic>
+            <p:nvPicPr>
+              <p:cNvPr id="8" name="Graphic 8">
+                <a:extLst>
+                  <a:ext uri="{FF2B5EF4-FFF2-40B4-BE49-F238E27FC236}">
+                    <a16:creationId xmlns:a16="http://schemas.microsoft.com/office/drawing/2014/main" xmlns="" id="{0D4A9B47-8231-EF4D-B9AB-A3D9E4B81350}"/>
+                  </a:ext>
+                </a:extLst>
+              </p:cNvPr>
+              <p:cNvPicPr>
+                <a:picLocks noChangeAspect="1" noChangeArrowheads="1"/>
+              </p:cNvPicPr>
+              <p:nvPr/>
+            </p:nvPicPr>
+            <p:blipFill>
+              <a:blip r:embed="rId4" cstate="print">
+                <a:extLst>
+                  <a:ext uri="{28A0092B-C50C-407E-A947-70E740481C1C}">
+                    <a14:useLocalDpi xmlns:a14="http://schemas.microsoft.com/office/drawing/2010/main" val="0"/>
+                  </a:ext>
+                </a:extLst>
+              </a:blip>
+              <a:srcRect/>
+              <a:stretch>
+                <a:fillRect/>
+              </a:stretch>
+            </p:blipFill>
+            <p:spPr bwMode="auto">
+              <a:xfrm>
+                <a:off x="8654957" y="2223274"/>
+                <a:ext cx="762000" cy="762000"/>
+              </a:xfrm>
+              <a:prstGeom prst="rect">
+                <a:avLst/>
+              </a:prstGeom>
+              <a:noFill/>
+              <a:ln>
+                <a:noFill/>
+              </a:ln>
+              <a:extLst>
+                <a:ext uri="{909E8E84-426E-40DD-AFC4-6F175D3DCCD1}">
+                  <a14:hiddenFill xmlns:a14="http://schemas.microsoft.com/office/drawing/2010/main">
+                    <a:solidFill>
+                      <a:srgbClr val="FFFFFF"/>
+                    </a:solidFill>
+                  </a14:hiddenFill>
+                </a:ext>
+                <a:ext uri="{91240B29-F687-4F45-9708-019B960494DF}">
+                  <a14:hiddenLine xmlns:a14="http://schemas.microsoft.com/office/drawing/2010/main" w="9525">
+                    <a:solidFill>
+                      <a:srgbClr val="000000"/>
+                    </a:solidFill>
+                    <a:miter lim="800000"/>
+                    <a:headEnd/>
+                    <a:tailEnd/>
+                  </a14:hiddenLine>
+                </a:ext>
+              </a:extLst>
+            </p:spPr>
+          </p:pic>
+          <p:sp>
+            <p:nvSpPr>
+              <p:cNvPr id="9" name="TextBox 9">
+                <a:extLst>
+                  <a:ext uri="{FF2B5EF4-FFF2-40B4-BE49-F238E27FC236}">
+                    <a16:creationId xmlns:a16="http://schemas.microsoft.com/office/drawing/2014/main" xmlns="" id="{5B6C5DC4-5A01-E14D-BEE5-909FCF8B05F2}"/>
+                  </a:ext>
+                </a:extLst>
+              </p:cNvPr>
+              <p:cNvSpPr txBox="1">
+                <a:spLocks noChangeArrowheads="1"/>
+              </p:cNvSpPr>
+              <p:nvPr/>
+            </p:nvSpPr>
+            <p:spPr bwMode="auto">
+              <a:xfrm>
+                <a:off x="7915182" y="2986861"/>
+                <a:ext cx="2239962" cy="461665"/>
+              </a:xfrm>
+              <a:prstGeom prst="rect">
+                <a:avLst/>
+              </a:prstGeom>
+              <a:noFill/>
+              <a:ln>
+                <a:noFill/>
+              </a:ln>
+              <a:extLst>
+                <a:ext uri="{909E8E84-426E-40DD-AFC4-6F175D3DCCD1}">
+                  <a14:hiddenFill xmlns:a14="http://schemas.microsoft.com/office/drawing/2010/main">
+                    <a:solidFill>
+                      <a:srgbClr val="FFFFFF"/>
+                    </a:solidFill>
+                  </a14:hiddenFill>
+                </a:ext>
+                <a:ext uri="{91240B29-F687-4F45-9708-019B960494DF}">
+                  <a14:hiddenLine xmlns:a14="http://schemas.microsoft.com/office/drawing/2010/main" w="9525">
+                    <a:solidFill>
+                      <a:srgbClr val="000000"/>
+                    </a:solidFill>
+                    <a:miter lim="800000"/>
+                    <a:headEnd/>
+                    <a:tailEnd/>
+                  </a14:hiddenLine>
+                </a:ext>
+              </a:extLst>
+            </p:spPr>
+            <p:txBody>
+              <a:bodyPr>
+                <a:spAutoFit/>
+              </a:bodyPr>
+              <a:lstStyle>
+                <a:lvl1pPr>
+                  <a:defRPr>
+                    <a:solidFill>
+                      <a:schemeClr val="tx1"/>
+                    </a:solidFill>
+                    <a:latin typeface="Calibri" panose="020F0502020204030204" pitchFamily="34" charset="0"/>
+                  </a:defRPr>
+                </a:lvl1pPr>
+                <a:lvl2pPr marL="742950" indent="-285750">
+                  <a:defRPr>
+                    <a:solidFill>
+                      <a:schemeClr val="tx1"/>
+                    </a:solidFill>
+                    <a:latin typeface="Calibri" panose="020F0502020204030204" pitchFamily="34" charset="0"/>
+                  </a:defRPr>
+                </a:lvl2pPr>
+                <a:lvl3pPr marL="1143000" indent="-228600">
+                  <a:defRPr>
+                    <a:solidFill>
+                      <a:schemeClr val="tx1"/>
+                    </a:solidFill>
+                    <a:latin typeface="Calibri" panose="020F0502020204030204" pitchFamily="34" charset="0"/>
+                  </a:defRPr>
+                </a:lvl3pPr>
+                <a:lvl4pPr marL="1600200" indent="-228600">
+                  <a:defRPr>
+                    <a:solidFill>
+                      <a:schemeClr val="tx1"/>
+                    </a:solidFill>
+                    <a:latin typeface="Calibri" panose="020F0502020204030204" pitchFamily="34" charset="0"/>
+                  </a:defRPr>
+                </a:lvl4pPr>
+                <a:lvl5pPr marL="2057400" indent="-228600">
+                  <a:defRPr>
+                    <a:solidFill>
+                      <a:schemeClr val="tx1"/>
+                    </a:solidFill>
+                    <a:latin typeface="Calibri" panose="020F0502020204030204" pitchFamily="34" charset="0"/>
+                  </a:defRPr>
+                </a:lvl5pPr>
+                <a:lvl6pPr marL="2514600" indent="-228600" eaLnBrk="0" fontAlgn="base" hangingPunct="0">
+                  <a:spcBef>
+                    <a:spcPct val="0"/>
+                  </a:spcBef>
+                  <a:spcAft>
+                    <a:spcPct val="0"/>
+                  </a:spcAft>
+                  <a:defRPr>
+                    <a:solidFill>
+                      <a:schemeClr val="tx1"/>
+                    </a:solidFill>
+                    <a:latin typeface="Calibri" panose="020F0502020204030204" pitchFamily="34" charset="0"/>
+                  </a:defRPr>
+                </a:lvl6pPr>
+                <a:lvl7pPr marL="2971800" indent="-228600" eaLnBrk="0" fontAlgn="base" hangingPunct="0">
+                  <a:spcBef>
+                    <a:spcPct val="0"/>
+                  </a:spcBef>
+                  <a:spcAft>
+                    <a:spcPct val="0"/>
+                  </a:spcAft>
+                  <a:defRPr>
+                    <a:solidFill>
+                      <a:schemeClr val="tx1"/>
+                    </a:solidFill>
+                    <a:latin typeface="Calibri" panose="020F0502020204030204" pitchFamily="34" charset="0"/>
+                  </a:defRPr>
+                </a:lvl7pPr>
+                <a:lvl8pPr marL="3429000" indent="-228600" eaLnBrk="0" fontAlgn="base" hangingPunct="0">
+                  <a:spcBef>
+                    <a:spcPct val="0"/>
+                  </a:spcBef>
+                  <a:spcAft>
+                    <a:spcPct val="0"/>
+                  </a:spcAft>
+                  <a:defRPr>
+                    <a:solidFill>
+                      <a:schemeClr val="tx1"/>
+                    </a:solidFill>
+                    <a:latin typeface="Calibri" panose="020F0502020204030204" pitchFamily="34" charset="0"/>
+                  </a:defRPr>
+                </a:lvl8pPr>
+                <a:lvl9pPr marL="3886200" indent="-228600" eaLnBrk="0" fontAlgn="base" hangingPunct="0">
+                  <a:spcBef>
+                    <a:spcPct val="0"/>
+                  </a:spcBef>
+                  <a:spcAft>
+                    <a:spcPct val="0"/>
+                  </a:spcAft>
+                  <a:defRPr>
+                    <a:solidFill>
+                      <a:schemeClr val="tx1"/>
+                    </a:solidFill>
+                    <a:latin typeface="Calibri" panose="020F0502020204030204" pitchFamily="34" charset="0"/>
+                  </a:defRPr>
+                </a:lvl9pPr>
+              </a:lstStyle>
+              <a:p>
+                <a:pPr algn="ctr" eaLnBrk="1" hangingPunct="1"/>
+                <a:r>
+                  <a:rPr lang="en-US" altLang="en-US" sz="1200" dirty="0">
+                    <a:latin typeface="Arial" panose="020B0604020202020204" pitchFamily="34" charset="0"/>
+                    <a:ea typeface="Amazon Ember" panose="020B0603020204020204" pitchFamily="34" charset="0"/>
+                    <a:cs typeface="Arial" panose="020B0604020202020204" pitchFamily="34" charset="0"/>
+                  </a:rPr>
+                  <a:t>Amazon Simple Storage Service (Amazon S3)</a:t>
+                </a:r>
+              </a:p>
+            </p:txBody>
+          </p:sp>
+        </p:grpSp>
+        <p:cxnSp>
+          <p:nvCxnSpPr>
+            <p:cNvPr id="14" name="Straight Arrow Connector 13"/>
+            <p:cNvCxnSpPr/>
+            <p:nvPr/>
+          </p:nvCxnSpPr>
+          <p:spPr>
+            <a:xfrm flipH="1">
+              <a:off x="6651812" y="1485298"/>
+              <a:ext cx="1308847" cy="0"/>
+            </a:xfrm>
+            <a:prstGeom prst="straightConnector1">
+              <a:avLst/>
+            </a:prstGeom>
+            <a:ln w="57150">
+              <a:solidFill>
+                <a:schemeClr val="accent1"/>
+              </a:solidFill>
+              <a:headEnd type="none" w="med" len="med"/>
+              <a:tailEnd type="arrow" w="med" len="med"/>
+            </a:ln>
+          </p:spPr>
+          <p:style>
+            <a:lnRef idx="1">
+              <a:schemeClr val="accent1"/>
+            </a:lnRef>
+            <a:fillRef idx="0">
+              <a:schemeClr val="accent1"/>
+            </a:fillRef>
+            <a:effectRef idx="0">
+              <a:schemeClr val="accent1"/>
+            </a:effectRef>
+            <a:fontRef idx="minor">
+              <a:schemeClr val="tx1"/>
+            </a:fontRef>
+          </p:style>
+        </p:cxnSp>
+        <p:cxnSp>
+          <p:nvCxnSpPr>
+            <p:cNvPr id="15" name="Straight Arrow Connector 14"/>
+            <p:cNvCxnSpPr/>
+            <p:nvPr/>
+          </p:nvCxnSpPr>
+          <p:spPr>
+            <a:xfrm flipH="1">
+              <a:off x="3657600" y="1485298"/>
+              <a:ext cx="1308847" cy="0"/>
+            </a:xfrm>
+            <a:prstGeom prst="straightConnector1">
+              <a:avLst/>
+            </a:prstGeom>
+            <a:ln w="57150">
+              <a:solidFill>
+                <a:schemeClr val="accent1"/>
+              </a:solidFill>
+              <a:headEnd type="none" w="med" len="med"/>
+              <a:tailEnd type="arrow" w="med" len="med"/>
+            </a:ln>
+          </p:spPr>
+          <p:style>
+            <a:lnRef idx="1">
+              <a:schemeClr val="accent1"/>
+            </a:lnRef>
+            <a:fillRef idx="0">
+              <a:schemeClr val="accent1"/>
+            </a:fillRef>
+            <a:effectRef idx="0">
+              <a:schemeClr val="accent1"/>
+            </a:effectRef>
+            <a:fontRef idx="minor">
+              <a:schemeClr val="tx1"/>
+            </a:fontRef>
+          </p:style>
+        </p:cxnSp>
+        <p:sp>
+          <p:nvSpPr>
+            <p:cNvPr id="16" name="TextBox 15"/>
+            <p:cNvSpPr txBox="1"/>
+            <p:nvPr/>
+          </p:nvSpPr>
+          <p:spPr>
+            <a:xfrm>
+              <a:off x="3982256" y="1054382"/>
+              <a:ext cx="611449" cy="369332"/>
+            </a:xfrm>
+            <a:prstGeom prst="rect">
+              <a:avLst/>
+            </a:prstGeom>
+            <a:noFill/>
+          </p:spPr>
+          <p:txBody>
+            <a:bodyPr wrap="none" rtlCol="0">
+              <a:spAutoFit/>
+            </a:bodyPr>
+            <a:lstStyle/>
+            <a:p>
+              <a:r>
+                <a:rPr lang="en-US" dirty="0" smtClean="0"/>
+                <a:t>Sync</a:t>
+              </a:r>
+              <a:endParaRPr lang="en-US" dirty="0"/>
+            </a:p>
+          </p:txBody>
+        </p:sp>
+        <p:sp>
+          <p:nvSpPr>
+            <p:cNvPr id="17" name="TextBox 16"/>
+            <p:cNvSpPr txBox="1"/>
+            <p:nvPr/>
+          </p:nvSpPr>
+          <p:spPr>
+            <a:xfrm>
+              <a:off x="7014597" y="1054382"/>
+              <a:ext cx="829394" cy="369332"/>
+            </a:xfrm>
+            <a:prstGeom prst="rect">
+              <a:avLst/>
+            </a:prstGeom>
+            <a:noFill/>
+          </p:spPr>
+          <p:txBody>
+            <a:bodyPr wrap="none" rtlCol="0">
+              <a:spAutoFit/>
+            </a:bodyPr>
+            <a:lstStyle/>
+            <a:p>
+              <a:r>
+                <a:rPr lang="en-US" dirty="0" smtClean="0"/>
+                <a:t>Trigger</a:t>
+              </a:r>
+              <a:endParaRPr lang="en-US" dirty="0"/>
+            </a:p>
+          </p:txBody>
+        </p:sp>
+      </p:grpSp>
+    </p:spTree>
+    <p:extLst>
+      <p:ext uri="{BB962C8B-B14F-4D97-AF65-F5344CB8AC3E}">
+        <p14:creationId xmlns:p14="http://schemas.microsoft.com/office/powerpoint/2010/main" val="1692419717"/>
+      </p:ext>
+    </p:extLst>
+  </p:cSld>
+  <p:clrMapOvr>
+    <a:masterClrMapping/>
+  </p:clrMapOvr>
+</p:sld>
+</file>
+
 <file path=ppt/theme/theme1.xml><?xml version="1.0" encoding="utf-8"?>
 <a:theme xmlns:a="http://schemas.openxmlformats.org/drawingml/2006/main" name="Office Theme">
   <a:themeElements>

--- a/images/pics_slides/pics_slides.pptx
+++ b/images/pics_slides/pics_slides.pptx
@@ -9,7 +9,6 @@
     <p:sldId id="257" r:id="rId3"/>
     <p:sldId id="258" r:id="rId4"/>
     <p:sldId id="259" r:id="rId5"/>
-    <p:sldId id="260" r:id="rId6"/>
   </p:sldIdLst>
   <p:sldSz cx="12192000" cy="6858000"/>
   <p:notesSz cx="6858000" cy="9144000"/>
@@ -247,7 +246,7 @@
           <a:p>
             <a:fld id="{4A31C449-260C-4C88-9D36-C81523339FAD}" type="datetimeFigureOut">
               <a:rPr lang="en-US" smtClean="0"/>
-              <a:t>3/29/2022</a:t>
+              <a:t>3/14/2022</a:t>
             </a:fld>
             <a:endParaRPr lang="en-US"/>
           </a:p>
@@ -417,7 +416,7 @@
           <a:p>
             <a:fld id="{4A31C449-260C-4C88-9D36-C81523339FAD}" type="datetimeFigureOut">
               <a:rPr lang="en-US" smtClean="0"/>
-              <a:t>3/29/2022</a:t>
+              <a:t>3/14/2022</a:t>
             </a:fld>
             <a:endParaRPr lang="en-US"/>
           </a:p>
@@ -597,7 +596,7 @@
           <a:p>
             <a:fld id="{4A31C449-260C-4C88-9D36-C81523339FAD}" type="datetimeFigureOut">
               <a:rPr lang="en-US" smtClean="0"/>
-              <a:t>3/29/2022</a:t>
+              <a:t>3/14/2022</a:t>
             </a:fld>
             <a:endParaRPr lang="en-US"/>
           </a:p>
@@ -767,7 +766,7 @@
           <a:p>
             <a:fld id="{4A31C449-260C-4C88-9D36-C81523339FAD}" type="datetimeFigureOut">
               <a:rPr lang="en-US" smtClean="0"/>
-              <a:t>3/29/2022</a:t>
+              <a:t>3/14/2022</a:t>
             </a:fld>
             <a:endParaRPr lang="en-US"/>
           </a:p>
@@ -1013,7 +1012,7 @@
           <a:p>
             <a:fld id="{4A31C449-260C-4C88-9D36-C81523339FAD}" type="datetimeFigureOut">
               <a:rPr lang="en-US" smtClean="0"/>
-              <a:t>3/29/2022</a:t>
+              <a:t>3/14/2022</a:t>
             </a:fld>
             <a:endParaRPr lang="en-US"/>
           </a:p>
@@ -1245,7 +1244,7 @@
           <a:p>
             <a:fld id="{4A31C449-260C-4C88-9D36-C81523339FAD}" type="datetimeFigureOut">
               <a:rPr lang="en-US" smtClean="0"/>
-              <a:t>3/29/2022</a:t>
+              <a:t>3/14/2022</a:t>
             </a:fld>
             <a:endParaRPr lang="en-US"/>
           </a:p>
@@ -1612,7 +1611,7 @@
           <a:p>
             <a:fld id="{4A31C449-260C-4C88-9D36-C81523339FAD}" type="datetimeFigureOut">
               <a:rPr lang="en-US" smtClean="0"/>
-              <a:t>3/29/2022</a:t>
+              <a:t>3/14/2022</a:t>
             </a:fld>
             <a:endParaRPr lang="en-US"/>
           </a:p>
@@ -1730,7 +1729,7 @@
           <a:p>
             <a:fld id="{4A31C449-260C-4C88-9D36-C81523339FAD}" type="datetimeFigureOut">
               <a:rPr lang="en-US" smtClean="0"/>
-              <a:t>3/29/2022</a:t>
+              <a:t>3/14/2022</a:t>
             </a:fld>
             <a:endParaRPr lang="en-US"/>
           </a:p>
@@ -1825,7 +1824,7 @@
           <a:p>
             <a:fld id="{4A31C449-260C-4C88-9D36-C81523339FAD}" type="datetimeFigureOut">
               <a:rPr lang="en-US" smtClean="0"/>
-              <a:t>3/29/2022</a:t>
+              <a:t>3/14/2022</a:t>
             </a:fld>
             <a:endParaRPr lang="en-US"/>
           </a:p>
@@ -2102,7 +2101,7 @@
           <a:p>
             <a:fld id="{4A31C449-260C-4C88-9D36-C81523339FAD}" type="datetimeFigureOut">
               <a:rPr lang="en-US" smtClean="0"/>
-              <a:t>3/29/2022</a:t>
+              <a:t>3/14/2022</a:t>
             </a:fld>
             <a:endParaRPr lang="en-US"/>
           </a:p>
@@ -2355,7 +2354,7 @@
           <a:p>
             <a:fld id="{4A31C449-260C-4C88-9D36-C81523339FAD}" type="datetimeFigureOut">
               <a:rPr lang="en-US" smtClean="0"/>
-              <a:t>3/29/2022</a:t>
+              <a:t>3/14/2022</a:t>
             </a:fld>
             <a:endParaRPr lang="en-US"/>
           </a:p>
@@ -2568,7 +2567,7 @@
           <a:p>
             <a:fld id="{4A31C449-260C-4C88-9D36-C81523339FAD}" type="datetimeFigureOut">
               <a:rPr lang="en-US" smtClean="0"/>
-              <a:t>3/29/2022</a:t>
+              <a:t>3/14/2022</a:t>
             </a:fld>
             <a:endParaRPr lang="en-US"/>
           </a:p>
@@ -4076,7 +4075,7 @@
             <p:cNvPr id="4" name="Graphic 21">
               <a:extLst>
                 <a:ext uri="{FF2B5EF4-FFF2-40B4-BE49-F238E27FC236}">
-                  <a16:creationId xmlns="" xmlns:a16="http://schemas.microsoft.com/office/drawing/2014/main" xmlns:lc="http://schemas.openxmlformats.org/drawingml/2006/lockedCanvas" id="{4320B773-4CEB-E940-A9DD-79DF6FCDEFCB}"/>
+                  <a16:creationId xmlns:lc="http://schemas.openxmlformats.org/drawingml/2006/lockedCanvas" xmlns:a16="http://schemas.microsoft.com/office/drawing/2014/main" xmlns="" id="{4320B773-4CEB-E940-A9DD-79DF6FCDEFCB}"/>
                 </a:ext>
               </a:extLst>
             </p:cNvPr>
@@ -4136,7 +4135,7 @@
             <p:cNvPr id="5" name="TextBox 12">
               <a:extLst>
                 <a:ext uri="{FF2B5EF4-FFF2-40B4-BE49-F238E27FC236}">
-                  <a16:creationId xmlns="" xmlns:a16="http://schemas.microsoft.com/office/drawing/2014/main" xmlns:lc="http://schemas.openxmlformats.org/drawingml/2006/lockedCanvas" id="{5CC1F16D-CB68-B24B-90B1-3A527B9AF19A}"/>
+                  <a16:creationId xmlns:lc="http://schemas.openxmlformats.org/drawingml/2006/lockedCanvas" xmlns:a16="http://schemas.microsoft.com/office/drawing/2014/main" xmlns="" id="{5CC1F16D-CB68-B24B-90B1-3A527B9AF19A}"/>
                 </a:ext>
               </a:extLst>
             </p:cNvPr>
@@ -4506,917 +4505,6 @@
 </p:sld>
 </file>
 
-<file path=ppt/slides/slide5.xml><?xml version="1.0" encoding="utf-8"?>
-<p:sld xmlns:a="http://schemas.openxmlformats.org/drawingml/2006/main" xmlns:r="http://schemas.openxmlformats.org/officeDocument/2006/relationships" xmlns:p="http://schemas.openxmlformats.org/presentationml/2006/main">
-  <p:cSld>
-    <p:spTree>
-      <p:nvGrpSpPr>
-        <p:cNvPr id="1" name=""/>
-        <p:cNvGrpSpPr/>
-        <p:nvPr/>
-      </p:nvGrpSpPr>
-      <p:grpSpPr>
-        <a:xfrm>
-          <a:off x="0" y="0"/>
-          <a:ext cx="0" cy="0"/>
-          <a:chOff x="0" y="0"/>
-          <a:chExt cx="0" cy="0"/>
-        </a:xfrm>
-      </p:grpSpPr>
-      <p:grpSp>
-        <p:nvGrpSpPr>
-          <p:cNvPr id="18" name="Group 17"/>
-          <p:cNvGrpSpPr/>
-          <p:nvPr/>
-        </p:nvGrpSpPr>
-        <p:grpSpPr>
-          <a:xfrm>
-            <a:off x="1241740" y="1054382"/>
-            <a:ext cx="9103531" cy="1474208"/>
-            <a:chOff x="1241740" y="1054382"/>
-            <a:chExt cx="9103531" cy="1474208"/>
-          </a:xfrm>
-        </p:grpSpPr>
-        <p:grpSp>
-          <p:nvGrpSpPr>
-            <p:cNvPr id="11" name="Group 10"/>
-            <p:cNvGrpSpPr/>
-            <p:nvPr/>
-          </p:nvGrpSpPr>
-          <p:grpSpPr>
-            <a:xfrm>
-              <a:off x="4574101" y="1066800"/>
-              <a:ext cx="2553487" cy="1156474"/>
-              <a:chOff x="4487863" y="1185069"/>
-              <a:chExt cx="2292350" cy="1038205"/>
-            </a:xfrm>
-          </p:grpSpPr>
-          <p:pic>
-            <p:nvPicPr>
-              <p:cNvPr id="4" name="Graphic 10">
-                <a:extLst>
-                  <a:ext uri="{FF2B5EF4-FFF2-40B4-BE49-F238E27FC236}">
-                    <a16:creationId xmlns:a16="http://schemas.microsoft.com/office/drawing/2014/main" xmlns="" id="{7249C1EC-5A69-3C4D-9DDF-0DB93BB70BC6}"/>
-                  </a:ext>
-                </a:extLst>
-              </p:cNvPr>
-              <p:cNvPicPr>
-                <a:picLocks noChangeAspect="1" noChangeArrowheads="1"/>
-              </p:cNvPicPr>
-              <p:nvPr/>
-            </p:nvPicPr>
-            <p:blipFill>
-              <a:blip r:embed="rId2" cstate="print">
-                <a:extLst>
-                  <a:ext uri="{28A0092B-C50C-407E-A947-70E740481C1C}">
-                    <a14:useLocalDpi xmlns:a14="http://schemas.microsoft.com/office/drawing/2010/main" val="0"/>
-                  </a:ext>
-                </a:extLst>
-              </a:blip>
-              <a:srcRect/>
-              <a:stretch>
-                <a:fillRect/>
-              </a:stretch>
-            </p:blipFill>
-            <p:spPr bwMode="auto">
-              <a:xfrm>
-                <a:off x="5246688" y="1185069"/>
-                <a:ext cx="762000" cy="762000"/>
-              </a:xfrm>
-              <a:prstGeom prst="rect">
-                <a:avLst/>
-              </a:prstGeom>
-              <a:noFill/>
-              <a:ln>
-                <a:noFill/>
-              </a:ln>
-              <a:extLst>
-                <a:ext uri="{909E8E84-426E-40DD-AFC4-6F175D3DCCD1}">
-                  <a14:hiddenFill xmlns:a14="http://schemas.microsoft.com/office/drawing/2010/main">
-                    <a:solidFill>
-                      <a:srgbClr val="FFFFFF"/>
-                    </a:solidFill>
-                  </a14:hiddenFill>
-                </a:ext>
-                <a:ext uri="{91240B29-F687-4F45-9708-019B960494DF}">
-                  <a14:hiddenLine xmlns:a14="http://schemas.microsoft.com/office/drawing/2010/main" w="9525">
-                    <a:solidFill>
-                      <a:srgbClr val="000000"/>
-                    </a:solidFill>
-                    <a:miter lim="800000"/>
-                    <a:headEnd/>
-                    <a:tailEnd/>
-                  </a14:hiddenLine>
-                </a:ext>
-              </a:extLst>
-            </p:spPr>
-          </p:pic>
-          <p:sp>
-            <p:nvSpPr>
-              <p:cNvPr id="5" name="TextBox 20">
-                <a:extLst>
-                  <a:ext uri="{FF2B5EF4-FFF2-40B4-BE49-F238E27FC236}">
-                    <a16:creationId xmlns:a16="http://schemas.microsoft.com/office/drawing/2014/main" xmlns="" id="{E5D4A7D0-5E44-1943-968A-C198F40D0E71}"/>
-                  </a:ext>
-                </a:extLst>
-              </p:cNvPr>
-              <p:cNvSpPr txBox="1">
-                <a:spLocks noChangeArrowheads="1"/>
-              </p:cNvSpPr>
-              <p:nvPr/>
-            </p:nvSpPr>
-            <p:spPr bwMode="auto">
-              <a:xfrm>
-                <a:off x="4487863" y="1946275"/>
-                <a:ext cx="2292350" cy="276999"/>
-              </a:xfrm>
-              <a:prstGeom prst="rect">
-                <a:avLst/>
-              </a:prstGeom>
-              <a:noFill/>
-              <a:ln>
-                <a:noFill/>
-              </a:ln>
-              <a:extLst>
-                <a:ext uri="{909E8E84-426E-40DD-AFC4-6F175D3DCCD1}">
-                  <a14:hiddenFill xmlns:a14="http://schemas.microsoft.com/office/drawing/2010/main">
-                    <a:solidFill>
-                      <a:srgbClr val="FFFFFF"/>
-                    </a:solidFill>
-                  </a14:hiddenFill>
-                </a:ext>
-                <a:ext uri="{91240B29-F687-4F45-9708-019B960494DF}">
-                  <a14:hiddenLine xmlns:a14="http://schemas.microsoft.com/office/drawing/2010/main" w="9525">
-                    <a:solidFill>
-                      <a:srgbClr val="000000"/>
-                    </a:solidFill>
-                    <a:miter lim="800000"/>
-                    <a:headEnd/>
-                    <a:tailEnd/>
-                  </a14:hiddenLine>
-                </a:ext>
-              </a:extLst>
-            </p:spPr>
-            <p:txBody>
-              <a:bodyPr>
-                <a:spAutoFit/>
-              </a:bodyPr>
-              <a:lstStyle>
-                <a:lvl1pPr>
-                  <a:defRPr>
-                    <a:solidFill>
-                      <a:schemeClr val="tx1"/>
-                    </a:solidFill>
-                    <a:latin typeface="Calibri" panose="020F0502020204030204" pitchFamily="34" charset="0"/>
-                  </a:defRPr>
-                </a:lvl1pPr>
-                <a:lvl2pPr marL="742950" indent="-285750">
-                  <a:defRPr>
-                    <a:solidFill>
-                      <a:schemeClr val="tx1"/>
-                    </a:solidFill>
-                    <a:latin typeface="Calibri" panose="020F0502020204030204" pitchFamily="34" charset="0"/>
-                  </a:defRPr>
-                </a:lvl2pPr>
-                <a:lvl3pPr marL="1143000" indent="-228600">
-                  <a:defRPr>
-                    <a:solidFill>
-                      <a:schemeClr val="tx1"/>
-                    </a:solidFill>
-                    <a:latin typeface="Calibri" panose="020F0502020204030204" pitchFamily="34" charset="0"/>
-                  </a:defRPr>
-                </a:lvl3pPr>
-                <a:lvl4pPr marL="1600200" indent="-228600">
-                  <a:defRPr>
-                    <a:solidFill>
-                      <a:schemeClr val="tx1"/>
-                    </a:solidFill>
-                    <a:latin typeface="Calibri" panose="020F0502020204030204" pitchFamily="34" charset="0"/>
-                  </a:defRPr>
-                </a:lvl4pPr>
-                <a:lvl5pPr marL="2057400" indent="-228600">
-                  <a:defRPr>
-                    <a:solidFill>
-                      <a:schemeClr val="tx1"/>
-                    </a:solidFill>
-                    <a:latin typeface="Calibri" panose="020F0502020204030204" pitchFamily="34" charset="0"/>
-                  </a:defRPr>
-                </a:lvl5pPr>
-                <a:lvl6pPr marL="2514600" indent="-228600" eaLnBrk="0" fontAlgn="base" hangingPunct="0">
-                  <a:spcBef>
-                    <a:spcPct val="0"/>
-                  </a:spcBef>
-                  <a:spcAft>
-                    <a:spcPct val="0"/>
-                  </a:spcAft>
-                  <a:defRPr>
-                    <a:solidFill>
-                      <a:schemeClr val="tx1"/>
-                    </a:solidFill>
-                    <a:latin typeface="Calibri" panose="020F0502020204030204" pitchFamily="34" charset="0"/>
-                  </a:defRPr>
-                </a:lvl6pPr>
-                <a:lvl7pPr marL="2971800" indent="-228600" eaLnBrk="0" fontAlgn="base" hangingPunct="0">
-                  <a:spcBef>
-                    <a:spcPct val="0"/>
-                  </a:spcBef>
-                  <a:spcAft>
-                    <a:spcPct val="0"/>
-                  </a:spcAft>
-                  <a:defRPr>
-                    <a:solidFill>
-                      <a:schemeClr val="tx1"/>
-                    </a:solidFill>
-                    <a:latin typeface="Calibri" panose="020F0502020204030204" pitchFamily="34" charset="0"/>
-                  </a:defRPr>
-                </a:lvl7pPr>
-                <a:lvl8pPr marL="3429000" indent="-228600" eaLnBrk="0" fontAlgn="base" hangingPunct="0">
-                  <a:spcBef>
-                    <a:spcPct val="0"/>
-                  </a:spcBef>
-                  <a:spcAft>
-                    <a:spcPct val="0"/>
-                  </a:spcAft>
-                  <a:defRPr>
-                    <a:solidFill>
-                      <a:schemeClr val="tx1"/>
-                    </a:solidFill>
-                    <a:latin typeface="Calibri" panose="020F0502020204030204" pitchFamily="34" charset="0"/>
-                  </a:defRPr>
-                </a:lvl8pPr>
-                <a:lvl9pPr marL="3886200" indent="-228600" eaLnBrk="0" fontAlgn="base" hangingPunct="0">
-                  <a:spcBef>
-                    <a:spcPct val="0"/>
-                  </a:spcBef>
-                  <a:spcAft>
-                    <a:spcPct val="0"/>
-                  </a:spcAft>
-                  <a:defRPr>
-                    <a:solidFill>
-                      <a:schemeClr val="tx1"/>
-                    </a:solidFill>
-                    <a:latin typeface="Calibri" panose="020F0502020204030204" pitchFamily="34" charset="0"/>
-                  </a:defRPr>
-                </a:lvl9pPr>
-              </a:lstStyle>
-              <a:p>
-                <a:pPr algn="ctr" eaLnBrk="1" hangingPunct="1"/>
-                <a:r>
-                  <a:rPr lang="en-US" altLang="en-US" sz="1200" dirty="0">
-                    <a:latin typeface="Arial" panose="020B0604020202020204" pitchFamily="34" charset="0"/>
-                    <a:ea typeface="Amazon Ember" panose="020B0603020204020204" pitchFamily="34" charset="0"/>
-                    <a:cs typeface="Arial" panose="020B0604020202020204" pitchFamily="34" charset="0"/>
-                  </a:rPr>
-                  <a:t>AWS Lambda</a:t>
-                </a:r>
-              </a:p>
-            </p:txBody>
-          </p:sp>
-        </p:grpSp>
-        <p:grpSp>
-          <p:nvGrpSpPr>
-            <p:cNvPr id="10" name="Group 9"/>
-            <p:cNvGrpSpPr/>
-            <p:nvPr/>
-          </p:nvGrpSpPr>
-          <p:grpSpPr>
-            <a:xfrm>
-              <a:off x="1241740" y="1066800"/>
-              <a:ext cx="2734894" cy="1372664"/>
-              <a:chOff x="1251604" y="1565275"/>
-              <a:chExt cx="2292350" cy="1150548"/>
-            </a:xfrm>
-          </p:grpSpPr>
-          <p:pic>
-            <p:nvPicPr>
-              <p:cNvPr id="6" name="Graphic 19">
-                <a:extLst>
-                  <a:ext uri="{FF2B5EF4-FFF2-40B4-BE49-F238E27FC236}">
-                    <a16:creationId xmlns:a16="http://schemas.microsoft.com/office/drawing/2014/main" xmlns="" id="{1FC33CE7-C98D-E547-BC90-92306552093A}"/>
-                  </a:ext>
-                </a:extLst>
-              </p:cNvPr>
-              <p:cNvPicPr>
-                <a:picLocks noChangeAspect="1" noChangeArrowheads="1"/>
-              </p:cNvPicPr>
-              <p:nvPr/>
-            </p:nvPicPr>
-            <p:blipFill>
-              <a:blip r:embed="rId3" cstate="print">
-                <a:extLst>
-                  <a:ext uri="{28A0092B-C50C-407E-A947-70E740481C1C}">
-                    <a14:useLocalDpi xmlns:a14="http://schemas.microsoft.com/office/drawing/2010/main" val="0"/>
-                  </a:ext>
-                </a:extLst>
-              </a:blip>
-              <a:srcRect/>
-              <a:stretch>
-                <a:fillRect/>
-              </a:stretch>
-            </p:blipFill>
-            <p:spPr bwMode="auto">
-              <a:xfrm>
-                <a:off x="2008841" y="1565275"/>
-                <a:ext cx="762000" cy="762000"/>
-              </a:xfrm>
-              <a:prstGeom prst="rect">
-                <a:avLst/>
-              </a:prstGeom>
-              <a:noFill/>
-              <a:ln>
-                <a:noFill/>
-              </a:ln>
-              <a:extLst>
-                <a:ext uri="{909E8E84-426E-40DD-AFC4-6F175D3DCCD1}">
-                  <a14:hiddenFill xmlns:a14="http://schemas.microsoft.com/office/drawing/2010/main">
-                    <a:solidFill>
-                      <a:srgbClr val="FFFFFF"/>
-                    </a:solidFill>
-                  </a14:hiddenFill>
-                </a:ext>
-                <a:ext uri="{91240B29-F687-4F45-9708-019B960494DF}">
-                  <a14:hiddenLine xmlns:a14="http://schemas.microsoft.com/office/drawing/2010/main" w="9525">
-                    <a:solidFill>
-                      <a:srgbClr val="000000"/>
-                    </a:solidFill>
-                    <a:miter lim="800000"/>
-                    <a:headEnd/>
-                    <a:tailEnd/>
-                  </a14:hiddenLine>
-                </a:ext>
-              </a:extLst>
-            </p:spPr>
-          </p:pic>
-          <p:sp>
-            <p:nvSpPr>
-              <p:cNvPr id="7" name="TextBox 11">
-                <a:extLst>
-                  <a:ext uri="{FF2B5EF4-FFF2-40B4-BE49-F238E27FC236}">
-                    <a16:creationId xmlns:a16="http://schemas.microsoft.com/office/drawing/2014/main" xmlns="" id="{0355EC56-8BE5-9F4E-BD29-5DC1160E4BC4}"/>
-                  </a:ext>
-                </a:extLst>
-              </p:cNvPr>
-              <p:cNvSpPr txBox="1">
-                <a:spLocks noChangeArrowheads="1"/>
-              </p:cNvSpPr>
-              <p:nvPr/>
-            </p:nvSpPr>
-            <p:spPr bwMode="auto">
-              <a:xfrm>
-                <a:off x="1251604" y="2328862"/>
-                <a:ext cx="2292350" cy="386961"/>
-              </a:xfrm>
-              <a:prstGeom prst="rect">
-                <a:avLst/>
-              </a:prstGeom>
-              <a:noFill/>
-              <a:ln>
-                <a:noFill/>
-              </a:ln>
-              <a:extLst>
-                <a:ext uri="{909E8E84-426E-40DD-AFC4-6F175D3DCCD1}">
-                  <a14:hiddenFill xmlns:a14="http://schemas.microsoft.com/office/drawing/2010/main">
-                    <a:solidFill>
-                      <a:srgbClr val="FFFFFF"/>
-                    </a:solidFill>
-                  </a14:hiddenFill>
-                </a:ext>
-                <a:ext uri="{91240B29-F687-4F45-9708-019B960494DF}">
-                  <a14:hiddenLine xmlns:a14="http://schemas.microsoft.com/office/drawing/2010/main" w="9525">
-                    <a:solidFill>
-                      <a:srgbClr val="000000"/>
-                    </a:solidFill>
-                    <a:miter lim="800000"/>
-                    <a:headEnd/>
-                    <a:tailEnd/>
-                  </a14:hiddenLine>
-                </a:ext>
-              </a:extLst>
-            </p:spPr>
-            <p:txBody>
-              <a:bodyPr>
-                <a:spAutoFit/>
-              </a:bodyPr>
-              <a:lstStyle>
-                <a:lvl1pPr>
-                  <a:defRPr>
-                    <a:solidFill>
-                      <a:schemeClr val="tx1"/>
-                    </a:solidFill>
-                    <a:latin typeface="Calibri" panose="020F0502020204030204" pitchFamily="34" charset="0"/>
-                  </a:defRPr>
-                </a:lvl1pPr>
-                <a:lvl2pPr marL="742950" indent="-285750">
-                  <a:defRPr>
-                    <a:solidFill>
-                      <a:schemeClr val="tx1"/>
-                    </a:solidFill>
-                    <a:latin typeface="Calibri" panose="020F0502020204030204" pitchFamily="34" charset="0"/>
-                  </a:defRPr>
-                </a:lvl2pPr>
-                <a:lvl3pPr marL="1143000" indent="-228600">
-                  <a:defRPr>
-                    <a:solidFill>
-                      <a:schemeClr val="tx1"/>
-                    </a:solidFill>
-                    <a:latin typeface="Calibri" panose="020F0502020204030204" pitchFamily="34" charset="0"/>
-                  </a:defRPr>
-                </a:lvl3pPr>
-                <a:lvl4pPr marL="1600200" indent="-228600">
-                  <a:defRPr>
-                    <a:solidFill>
-                      <a:schemeClr val="tx1"/>
-                    </a:solidFill>
-                    <a:latin typeface="Calibri" panose="020F0502020204030204" pitchFamily="34" charset="0"/>
-                  </a:defRPr>
-                </a:lvl4pPr>
-                <a:lvl5pPr marL="2057400" indent="-228600">
-                  <a:defRPr>
-                    <a:solidFill>
-                      <a:schemeClr val="tx1"/>
-                    </a:solidFill>
-                    <a:latin typeface="Calibri" panose="020F0502020204030204" pitchFamily="34" charset="0"/>
-                  </a:defRPr>
-                </a:lvl5pPr>
-                <a:lvl6pPr marL="2514600" indent="-228600" eaLnBrk="0" fontAlgn="base" hangingPunct="0">
-                  <a:spcBef>
-                    <a:spcPct val="0"/>
-                  </a:spcBef>
-                  <a:spcAft>
-                    <a:spcPct val="0"/>
-                  </a:spcAft>
-                  <a:defRPr>
-                    <a:solidFill>
-                      <a:schemeClr val="tx1"/>
-                    </a:solidFill>
-                    <a:latin typeface="Calibri" panose="020F0502020204030204" pitchFamily="34" charset="0"/>
-                  </a:defRPr>
-                </a:lvl6pPr>
-                <a:lvl7pPr marL="2971800" indent="-228600" eaLnBrk="0" fontAlgn="base" hangingPunct="0">
-                  <a:spcBef>
-                    <a:spcPct val="0"/>
-                  </a:spcBef>
-                  <a:spcAft>
-                    <a:spcPct val="0"/>
-                  </a:spcAft>
-                  <a:defRPr>
-                    <a:solidFill>
-                      <a:schemeClr val="tx1"/>
-                    </a:solidFill>
-                    <a:latin typeface="Calibri" panose="020F0502020204030204" pitchFamily="34" charset="0"/>
-                  </a:defRPr>
-                </a:lvl7pPr>
-                <a:lvl8pPr marL="3429000" indent="-228600" eaLnBrk="0" fontAlgn="base" hangingPunct="0">
-                  <a:spcBef>
-                    <a:spcPct val="0"/>
-                  </a:spcBef>
-                  <a:spcAft>
-                    <a:spcPct val="0"/>
-                  </a:spcAft>
-                  <a:defRPr>
-                    <a:solidFill>
-                      <a:schemeClr val="tx1"/>
-                    </a:solidFill>
-                    <a:latin typeface="Calibri" panose="020F0502020204030204" pitchFamily="34" charset="0"/>
-                  </a:defRPr>
-                </a:lvl8pPr>
-                <a:lvl9pPr marL="3886200" indent="-228600" eaLnBrk="0" fontAlgn="base" hangingPunct="0">
-                  <a:spcBef>
-                    <a:spcPct val="0"/>
-                  </a:spcBef>
-                  <a:spcAft>
-                    <a:spcPct val="0"/>
-                  </a:spcAft>
-                  <a:defRPr>
-                    <a:solidFill>
-                      <a:schemeClr val="tx1"/>
-                    </a:solidFill>
-                    <a:latin typeface="Calibri" panose="020F0502020204030204" pitchFamily="34" charset="0"/>
-                  </a:defRPr>
-                </a:lvl9pPr>
-              </a:lstStyle>
-              <a:p>
-                <a:pPr algn="ctr" eaLnBrk="1" hangingPunct="1"/>
-                <a:r>
-                  <a:rPr lang="en-US" altLang="en-US" sz="1200" dirty="0">
-                    <a:latin typeface="Arial" panose="020B0604020202020204" pitchFamily="34" charset="0"/>
-                    <a:ea typeface="Amazon Ember" panose="020B0603020204020204" pitchFamily="34" charset="0"/>
-                    <a:cs typeface="Arial" panose="020B0604020202020204" pitchFamily="34" charset="0"/>
-                  </a:rPr>
-                  <a:t>Amazon Elastic File System </a:t>
-                </a:r>
-                <a:endParaRPr lang="en-US" altLang="en-US" sz="1200" dirty="0" smtClean="0">
-                  <a:latin typeface="Arial" panose="020B0604020202020204" pitchFamily="34" charset="0"/>
-                  <a:ea typeface="Amazon Ember" panose="020B0603020204020204" pitchFamily="34" charset="0"/>
-                  <a:cs typeface="Arial" panose="020B0604020202020204" pitchFamily="34" charset="0"/>
-                </a:endParaRPr>
-              </a:p>
-              <a:p>
-                <a:pPr algn="ctr" eaLnBrk="1" hangingPunct="1"/>
-                <a:r>
-                  <a:rPr lang="en-US" altLang="en-US" sz="1200" dirty="0" smtClean="0">
-                    <a:latin typeface="Arial" panose="020B0604020202020204" pitchFamily="34" charset="0"/>
-                    <a:ea typeface="Amazon Ember" panose="020B0603020204020204" pitchFamily="34" charset="0"/>
-                    <a:cs typeface="Arial" panose="020B0604020202020204" pitchFamily="34" charset="0"/>
-                  </a:rPr>
-                  <a:t>(</a:t>
-                </a:r>
-                <a:r>
-                  <a:rPr lang="en-US" altLang="en-US" sz="1200" dirty="0">
-                    <a:latin typeface="Arial" panose="020B0604020202020204" pitchFamily="34" charset="0"/>
-                    <a:ea typeface="Amazon Ember" panose="020B0603020204020204" pitchFamily="34" charset="0"/>
-                    <a:cs typeface="Arial" panose="020B0604020202020204" pitchFamily="34" charset="0"/>
-                  </a:rPr>
-                  <a:t>Amazon EFS)</a:t>
-                </a:r>
-              </a:p>
-            </p:txBody>
-          </p:sp>
-        </p:grpSp>
-        <p:grpSp>
-          <p:nvGrpSpPr>
-            <p:cNvPr id="12" name="Group 11"/>
-            <p:cNvGrpSpPr/>
-            <p:nvPr/>
-          </p:nvGrpSpPr>
-          <p:grpSpPr>
-            <a:xfrm>
-              <a:off x="7725055" y="1066800"/>
-              <a:ext cx="2620216" cy="1461790"/>
-              <a:chOff x="7915182" y="2223274"/>
-              <a:chExt cx="2239962" cy="1225252"/>
-            </a:xfrm>
-          </p:grpSpPr>
-          <p:pic>
-            <p:nvPicPr>
-              <p:cNvPr id="8" name="Graphic 8">
-                <a:extLst>
-                  <a:ext uri="{FF2B5EF4-FFF2-40B4-BE49-F238E27FC236}">
-                    <a16:creationId xmlns:a16="http://schemas.microsoft.com/office/drawing/2014/main" xmlns="" id="{0D4A9B47-8231-EF4D-B9AB-A3D9E4B81350}"/>
-                  </a:ext>
-                </a:extLst>
-              </p:cNvPr>
-              <p:cNvPicPr>
-                <a:picLocks noChangeAspect="1" noChangeArrowheads="1"/>
-              </p:cNvPicPr>
-              <p:nvPr/>
-            </p:nvPicPr>
-            <p:blipFill>
-              <a:blip r:embed="rId4" cstate="print">
-                <a:extLst>
-                  <a:ext uri="{28A0092B-C50C-407E-A947-70E740481C1C}">
-                    <a14:useLocalDpi xmlns:a14="http://schemas.microsoft.com/office/drawing/2010/main" val="0"/>
-                  </a:ext>
-                </a:extLst>
-              </a:blip>
-              <a:srcRect/>
-              <a:stretch>
-                <a:fillRect/>
-              </a:stretch>
-            </p:blipFill>
-            <p:spPr bwMode="auto">
-              <a:xfrm>
-                <a:off x="8654957" y="2223274"/>
-                <a:ext cx="762000" cy="762000"/>
-              </a:xfrm>
-              <a:prstGeom prst="rect">
-                <a:avLst/>
-              </a:prstGeom>
-              <a:noFill/>
-              <a:ln>
-                <a:noFill/>
-              </a:ln>
-              <a:extLst>
-                <a:ext uri="{909E8E84-426E-40DD-AFC4-6F175D3DCCD1}">
-                  <a14:hiddenFill xmlns:a14="http://schemas.microsoft.com/office/drawing/2010/main">
-                    <a:solidFill>
-                      <a:srgbClr val="FFFFFF"/>
-                    </a:solidFill>
-                  </a14:hiddenFill>
-                </a:ext>
-                <a:ext uri="{91240B29-F687-4F45-9708-019B960494DF}">
-                  <a14:hiddenLine xmlns:a14="http://schemas.microsoft.com/office/drawing/2010/main" w="9525">
-                    <a:solidFill>
-                      <a:srgbClr val="000000"/>
-                    </a:solidFill>
-                    <a:miter lim="800000"/>
-                    <a:headEnd/>
-                    <a:tailEnd/>
-                  </a14:hiddenLine>
-                </a:ext>
-              </a:extLst>
-            </p:spPr>
-          </p:pic>
-          <p:sp>
-            <p:nvSpPr>
-              <p:cNvPr id="9" name="TextBox 9">
-                <a:extLst>
-                  <a:ext uri="{FF2B5EF4-FFF2-40B4-BE49-F238E27FC236}">
-                    <a16:creationId xmlns:a16="http://schemas.microsoft.com/office/drawing/2014/main" xmlns="" id="{5B6C5DC4-5A01-E14D-BEE5-909FCF8B05F2}"/>
-                  </a:ext>
-                </a:extLst>
-              </p:cNvPr>
-              <p:cNvSpPr txBox="1">
-                <a:spLocks noChangeArrowheads="1"/>
-              </p:cNvSpPr>
-              <p:nvPr/>
-            </p:nvSpPr>
-            <p:spPr bwMode="auto">
-              <a:xfrm>
-                <a:off x="7915182" y="2986861"/>
-                <a:ext cx="2239962" cy="461665"/>
-              </a:xfrm>
-              <a:prstGeom prst="rect">
-                <a:avLst/>
-              </a:prstGeom>
-              <a:noFill/>
-              <a:ln>
-                <a:noFill/>
-              </a:ln>
-              <a:extLst>
-                <a:ext uri="{909E8E84-426E-40DD-AFC4-6F175D3DCCD1}">
-                  <a14:hiddenFill xmlns:a14="http://schemas.microsoft.com/office/drawing/2010/main">
-                    <a:solidFill>
-                      <a:srgbClr val="FFFFFF"/>
-                    </a:solidFill>
-                  </a14:hiddenFill>
-                </a:ext>
-                <a:ext uri="{91240B29-F687-4F45-9708-019B960494DF}">
-                  <a14:hiddenLine xmlns:a14="http://schemas.microsoft.com/office/drawing/2010/main" w="9525">
-                    <a:solidFill>
-                      <a:srgbClr val="000000"/>
-                    </a:solidFill>
-                    <a:miter lim="800000"/>
-                    <a:headEnd/>
-                    <a:tailEnd/>
-                  </a14:hiddenLine>
-                </a:ext>
-              </a:extLst>
-            </p:spPr>
-            <p:txBody>
-              <a:bodyPr>
-                <a:spAutoFit/>
-              </a:bodyPr>
-              <a:lstStyle>
-                <a:lvl1pPr>
-                  <a:defRPr>
-                    <a:solidFill>
-                      <a:schemeClr val="tx1"/>
-                    </a:solidFill>
-                    <a:latin typeface="Calibri" panose="020F0502020204030204" pitchFamily="34" charset="0"/>
-                  </a:defRPr>
-                </a:lvl1pPr>
-                <a:lvl2pPr marL="742950" indent="-285750">
-                  <a:defRPr>
-                    <a:solidFill>
-                      <a:schemeClr val="tx1"/>
-                    </a:solidFill>
-                    <a:latin typeface="Calibri" panose="020F0502020204030204" pitchFamily="34" charset="0"/>
-                  </a:defRPr>
-                </a:lvl2pPr>
-                <a:lvl3pPr marL="1143000" indent="-228600">
-                  <a:defRPr>
-                    <a:solidFill>
-                      <a:schemeClr val="tx1"/>
-                    </a:solidFill>
-                    <a:latin typeface="Calibri" panose="020F0502020204030204" pitchFamily="34" charset="0"/>
-                  </a:defRPr>
-                </a:lvl3pPr>
-                <a:lvl4pPr marL="1600200" indent="-228600">
-                  <a:defRPr>
-                    <a:solidFill>
-                      <a:schemeClr val="tx1"/>
-                    </a:solidFill>
-                    <a:latin typeface="Calibri" panose="020F0502020204030204" pitchFamily="34" charset="0"/>
-                  </a:defRPr>
-                </a:lvl4pPr>
-                <a:lvl5pPr marL="2057400" indent="-228600">
-                  <a:defRPr>
-                    <a:solidFill>
-                      <a:schemeClr val="tx1"/>
-                    </a:solidFill>
-                    <a:latin typeface="Calibri" panose="020F0502020204030204" pitchFamily="34" charset="0"/>
-                  </a:defRPr>
-                </a:lvl5pPr>
-                <a:lvl6pPr marL="2514600" indent="-228600" eaLnBrk="0" fontAlgn="base" hangingPunct="0">
-                  <a:spcBef>
-                    <a:spcPct val="0"/>
-                  </a:spcBef>
-                  <a:spcAft>
-                    <a:spcPct val="0"/>
-                  </a:spcAft>
-                  <a:defRPr>
-                    <a:solidFill>
-                      <a:schemeClr val="tx1"/>
-                    </a:solidFill>
-                    <a:latin typeface="Calibri" panose="020F0502020204030204" pitchFamily="34" charset="0"/>
-                  </a:defRPr>
-                </a:lvl6pPr>
-                <a:lvl7pPr marL="2971800" indent="-228600" eaLnBrk="0" fontAlgn="base" hangingPunct="0">
-                  <a:spcBef>
-                    <a:spcPct val="0"/>
-                  </a:spcBef>
-                  <a:spcAft>
-                    <a:spcPct val="0"/>
-                  </a:spcAft>
-                  <a:defRPr>
-                    <a:solidFill>
-                      <a:schemeClr val="tx1"/>
-                    </a:solidFill>
-                    <a:latin typeface="Calibri" panose="020F0502020204030204" pitchFamily="34" charset="0"/>
-                  </a:defRPr>
-                </a:lvl7pPr>
-                <a:lvl8pPr marL="3429000" indent="-228600" eaLnBrk="0" fontAlgn="base" hangingPunct="0">
-                  <a:spcBef>
-                    <a:spcPct val="0"/>
-                  </a:spcBef>
-                  <a:spcAft>
-                    <a:spcPct val="0"/>
-                  </a:spcAft>
-                  <a:defRPr>
-                    <a:solidFill>
-                      <a:schemeClr val="tx1"/>
-                    </a:solidFill>
-                    <a:latin typeface="Calibri" panose="020F0502020204030204" pitchFamily="34" charset="0"/>
-                  </a:defRPr>
-                </a:lvl8pPr>
-                <a:lvl9pPr marL="3886200" indent="-228600" eaLnBrk="0" fontAlgn="base" hangingPunct="0">
-                  <a:spcBef>
-                    <a:spcPct val="0"/>
-                  </a:spcBef>
-                  <a:spcAft>
-                    <a:spcPct val="0"/>
-                  </a:spcAft>
-                  <a:defRPr>
-                    <a:solidFill>
-                      <a:schemeClr val="tx1"/>
-                    </a:solidFill>
-                    <a:latin typeface="Calibri" panose="020F0502020204030204" pitchFamily="34" charset="0"/>
-                  </a:defRPr>
-                </a:lvl9pPr>
-              </a:lstStyle>
-              <a:p>
-                <a:pPr algn="ctr" eaLnBrk="1" hangingPunct="1"/>
-                <a:r>
-                  <a:rPr lang="en-US" altLang="en-US" sz="1200" dirty="0">
-                    <a:latin typeface="Arial" panose="020B0604020202020204" pitchFamily="34" charset="0"/>
-                    <a:ea typeface="Amazon Ember" panose="020B0603020204020204" pitchFamily="34" charset="0"/>
-                    <a:cs typeface="Arial" panose="020B0604020202020204" pitchFamily="34" charset="0"/>
-                  </a:rPr>
-                  <a:t>Amazon Simple Storage Service (Amazon S3)</a:t>
-                </a:r>
-              </a:p>
-            </p:txBody>
-          </p:sp>
-        </p:grpSp>
-        <p:cxnSp>
-          <p:nvCxnSpPr>
-            <p:cNvPr id="14" name="Straight Arrow Connector 13"/>
-            <p:cNvCxnSpPr/>
-            <p:nvPr/>
-          </p:nvCxnSpPr>
-          <p:spPr>
-            <a:xfrm flipH="1">
-              <a:off x="6651812" y="1485298"/>
-              <a:ext cx="1308847" cy="0"/>
-            </a:xfrm>
-            <a:prstGeom prst="straightConnector1">
-              <a:avLst/>
-            </a:prstGeom>
-            <a:ln w="57150">
-              <a:solidFill>
-                <a:schemeClr val="accent1"/>
-              </a:solidFill>
-              <a:headEnd type="none" w="med" len="med"/>
-              <a:tailEnd type="arrow" w="med" len="med"/>
-            </a:ln>
-          </p:spPr>
-          <p:style>
-            <a:lnRef idx="1">
-              <a:schemeClr val="accent1"/>
-            </a:lnRef>
-            <a:fillRef idx="0">
-              <a:schemeClr val="accent1"/>
-            </a:fillRef>
-            <a:effectRef idx="0">
-              <a:schemeClr val="accent1"/>
-            </a:effectRef>
-            <a:fontRef idx="minor">
-              <a:schemeClr val="tx1"/>
-            </a:fontRef>
-          </p:style>
-        </p:cxnSp>
-        <p:cxnSp>
-          <p:nvCxnSpPr>
-            <p:cNvPr id="15" name="Straight Arrow Connector 14"/>
-            <p:cNvCxnSpPr/>
-            <p:nvPr/>
-          </p:nvCxnSpPr>
-          <p:spPr>
-            <a:xfrm flipH="1">
-              <a:off x="3657600" y="1485298"/>
-              <a:ext cx="1308847" cy="0"/>
-            </a:xfrm>
-            <a:prstGeom prst="straightConnector1">
-              <a:avLst/>
-            </a:prstGeom>
-            <a:ln w="57150">
-              <a:solidFill>
-                <a:schemeClr val="accent1"/>
-              </a:solidFill>
-              <a:headEnd type="none" w="med" len="med"/>
-              <a:tailEnd type="arrow" w="med" len="med"/>
-            </a:ln>
-          </p:spPr>
-          <p:style>
-            <a:lnRef idx="1">
-              <a:schemeClr val="accent1"/>
-            </a:lnRef>
-            <a:fillRef idx="0">
-              <a:schemeClr val="accent1"/>
-            </a:fillRef>
-            <a:effectRef idx="0">
-              <a:schemeClr val="accent1"/>
-            </a:effectRef>
-            <a:fontRef idx="minor">
-              <a:schemeClr val="tx1"/>
-            </a:fontRef>
-          </p:style>
-        </p:cxnSp>
-        <p:sp>
-          <p:nvSpPr>
-            <p:cNvPr id="16" name="TextBox 15"/>
-            <p:cNvSpPr txBox="1"/>
-            <p:nvPr/>
-          </p:nvSpPr>
-          <p:spPr>
-            <a:xfrm>
-              <a:off x="3982256" y="1054382"/>
-              <a:ext cx="611449" cy="369332"/>
-            </a:xfrm>
-            <a:prstGeom prst="rect">
-              <a:avLst/>
-            </a:prstGeom>
-            <a:noFill/>
-          </p:spPr>
-          <p:txBody>
-            <a:bodyPr wrap="none" rtlCol="0">
-              <a:spAutoFit/>
-            </a:bodyPr>
-            <a:lstStyle/>
-            <a:p>
-              <a:r>
-                <a:rPr lang="en-US" dirty="0" smtClean="0"/>
-                <a:t>Sync</a:t>
-              </a:r>
-              <a:endParaRPr lang="en-US" dirty="0"/>
-            </a:p>
-          </p:txBody>
-        </p:sp>
-        <p:sp>
-          <p:nvSpPr>
-            <p:cNvPr id="17" name="TextBox 16"/>
-            <p:cNvSpPr txBox="1"/>
-            <p:nvPr/>
-          </p:nvSpPr>
-          <p:spPr>
-            <a:xfrm>
-              <a:off x="7014597" y="1054382"/>
-              <a:ext cx="829394" cy="369332"/>
-            </a:xfrm>
-            <a:prstGeom prst="rect">
-              <a:avLst/>
-            </a:prstGeom>
-            <a:noFill/>
-          </p:spPr>
-          <p:txBody>
-            <a:bodyPr wrap="none" rtlCol="0">
-              <a:spAutoFit/>
-            </a:bodyPr>
-            <a:lstStyle/>
-            <a:p>
-              <a:r>
-                <a:rPr lang="en-US" dirty="0" smtClean="0"/>
-                <a:t>Trigger</a:t>
-              </a:r>
-              <a:endParaRPr lang="en-US" dirty="0"/>
-            </a:p>
-          </p:txBody>
-        </p:sp>
-      </p:grpSp>
-    </p:spTree>
-    <p:extLst>
-      <p:ext uri="{BB962C8B-B14F-4D97-AF65-F5344CB8AC3E}">
-        <p14:creationId xmlns:p14="http://schemas.microsoft.com/office/powerpoint/2010/main" val="1692419717"/>
-      </p:ext>
-    </p:extLst>
-  </p:cSld>
-  <p:clrMapOvr>
-    <a:masterClrMapping/>
-  </p:clrMapOvr>
-</p:sld>
-</file>
-
 <file path=ppt/theme/theme1.xml><?xml version="1.0" encoding="utf-8"?>
 <a:theme xmlns:a="http://schemas.openxmlformats.org/drawingml/2006/main" name="Office Theme">
   <a:themeElements>

--- a/images/pics_slides/pics_slides.pptx
+++ b/images/pics_slides/pics_slides.pptx
@@ -10,6 +10,8 @@
     <p:sldId id="258" r:id="rId4"/>
     <p:sldId id="259" r:id="rId5"/>
     <p:sldId id="260" r:id="rId6"/>
+    <p:sldId id="261" r:id="rId7"/>
+    <p:sldId id="262" r:id="rId8"/>
   </p:sldIdLst>
   <p:sldSz cx="12192000" cy="6858000"/>
   <p:notesSz cx="6858000" cy="9144000"/>
@@ -247,7 +249,7 @@
           <a:p>
             <a:fld id="{4A31C449-260C-4C88-9D36-C81523339FAD}" type="datetimeFigureOut">
               <a:rPr lang="en-US" smtClean="0"/>
-              <a:t>3/29/2022</a:t>
+              <a:t>3/31/2022</a:t>
             </a:fld>
             <a:endParaRPr lang="en-US"/>
           </a:p>
@@ -417,7 +419,7 @@
           <a:p>
             <a:fld id="{4A31C449-260C-4C88-9D36-C81523339FAD}" type="datetimeFigureOut">
               <a:rPr lang="en-US" smtClean="0"/>
-              <a:t>3/29/2022</a:t>
+              <a:t>3/31/2022</a:t>
             </a:fld>
             <a:endParaRPr lang="en-US"/>
           </a:p>
@@ -597,7 +599,7 @@
           <a:p>
             <a:fld id="{4A31C449-260C-4C88-9D36-C81523339FAD}" type="datetimeFigureOut">
               <a:rPr lang="en-US" smtClean="0"/>
-              <a:t>3/29/2022</a:t>
+              <a:t>3/31/2022</a:t>
             </a:fld>
             <a:endParaRPr lang="en-US"/>
           </a:p>
@@ -767,7 +769,7 @@
           <a:p>
             <a:fld id="{4A31C449-260C-4C88-9D36-C81523339FAD}" type="datetimeFigureOut">
               <a:rPr lang="en-US" smtClean="0"/>
-              <a:t>3/29/2022</a:t>
+              <a:t>3/31/2022</a:t>
             </a:fld>
             <a:endParaRPr lang="en-US"/>
           </a:p>
@@ -1013,7 +1015,7 @@
           <a:p>
             <a:fld id="{4A31C449-260C-4C88-9D36-C81523339FAD}" type="datetimeFigureOut">
               <a:rPr lang="en-US" smtClean="0"/>
-              <a:t>3/29/2022</a:t>
+              <a:t>3/31/2022</a:t>
             </a:fld>
             <a:endParaRPr lang="en-US"/>
           </a:p>
@@ -1245,7 +1247,7 @@
           <a:p>
             <a:fld id="{4A31C449-260C-4C88-9D36-C81523339FAD}" type="datetimeFigureOut">
               <a:rPr lang="en-US" smtClean="0"/>
-              <a:t>3/29/2022</a:t>
+              <a:t>3/31/2022</a:t>
             </a:fld>
             <a:endParaRPr lang="en-US"/>
           </a:p>
@@ -1612,7 +1614,7 @@
           <a:p>
             <a:fld id="{4A31C449-260C-4C88-9D36-C81523339FAD}" type="datetimeFigureOut">
               <a:rPr lang="en-US" smtClean="0"/>
-              <a:t>3/29/2022</a:t>
+              <a:t>3/31/2022</a:t>
             </a:fld>
             <a:endParaRPr lang="en-US"/>
           </a:p>
@@ -1730,7 +1732,7 @@
           <a:p>
             <a:fld id="{4A31C449-260C-4C88-9D36-C81523339FAD}" type="datetimeFigureOut">
               <a:rPr lang="en-US" smtClean="0"/>
-              <a:t>3/29/2022</a:t>
+              <a:t>3/31/2022</a:t>
             </a:fld>
             <a:endParaRPr lang="en-US"/>
           </a:p>
@@ -1825,7 +1827,7 @@
           <a:p>
             <a:fld id="{4A31C449-260C-4C88-9D36-C81523339FAD}" type="datetimeFigureOut">
               <a:rPr lang="en-US" smtClean="0"/>
-              <a:t>3/29/2022</a:t>
+              <a:t>3/31/2022</a:t>
             </a:fld>
             <a:endParaRPr lang="en-US"/>
           </a:p>
@@ -2102,7 +2104,7 @@
           <a:p>
             <a:fld id="{4A31C449-260C-4C88-9D36-C81523339FAD}" type="datetimeFigureOut">
               <a:rPr lang="en-US" smtClean="0"/>
-              <a:t>3/29/2022</a:t>
+              <a:t>3/31/2022</a:t>
             </a:fld>
             <a:endParaRPr lang="en-US"/>
           </a:p>
@@ -2355,7 +2357,7 @@
           <a:p>
             <a:fld id="{4A31C449-260C-4C88-9D36-C81523339FAD}" type="datetimeFigureOut">
               <a:rPr lang="en-US" smtClean="0"/>
-              <a:t>3/29/2022</a:t>
+              <a:t>3/31/2022</a:t>
             </a:fld>
             <a:endParaRPr lang="en-US"/>
           </a:p>
@@ -2568,7 +2570,7 @@
           <a:p>
             <a:fld id="{4A31C449-260C-4C88-9D36-C81523339FAD}" type="datetimeFigureOut">
               <a:rPr lang="en-US" smtClean="0"/>
-              <a:t>3/29/2022</a:t>
+              <a:t>3/31/2022</a:t>
             </a:fld>
             <a:endParaRPr lang="en-US"/>
           </a:p>
@@ -4076,7 +4078,7 @@
             <p:cNvPr id="4" name="Graphic 21">
               <a:extLst>
                 <a:ext uri="{FF2B5EF4-FFF2-40B4-BE49-F238E27FC236}">
-                  <a16:creationId xmlns="" xmlns:a16="http://schemas.microsoft.com/office/drawing/2014/main" xmlns:lc="http://schemas.openxmlformats.org/drawingml/2006/lockedCanvas" id="{4320B773-4CEB-E940-A9DD-79DF6FCDEFCB}"/>
+                  <a16:creationId xmlns:lc="http://schemas.openxmlformats.org/drawingml/2006/lockedCanvas" xmlns:a16="http://schemas.microsoft.com/office/drawing/2014/main" xmlns="" id="{4320B773-4CEB-E940-A9DD-79DF6FCDEFCB}"/>
                 </a:ext>
               </a:extLst>
             </p:cNvPr>
@@ -4136,7 +4138,7 @@
             <p:cNvPr id="5" name="TextBox 12">
               <a:extLst>
                 <a:ext uri="{FF2B5EF4-FFF2-40B4-BE49-F238E27FC236}">
-                  <a16:creationId xmlns="" xmlns:a16="http://schemas.microsoft.com/office/drawing/2014/main" xmlns:lc="http://schemas.openxmlformats.org/drawingml/2006/lockedCanvas" id="{5CC1F16D-CB68-B24B-90B1-3A527B9AF19A}"/>
+                  <a16:creationId xmlns:lc="http://schemas.openxmlformats.org/drawingml/2006/lockedCanvas" xmlns:a16="http://schemas.microsoft.com/office/drawing/2014/main" xmlns="" id="{5CC1F16D-CB68-B24B-90B1-3A527B9AF19A}"/>
                 </a:ext>
               </a:extLst>
             </p:cNvPr>
@@ -4556,7 +4558,7 @@
               <p:cNvPr id="4" name="Graphic 10">
                 <a:extLst>
                   <a:ext uri="{FF2B5EF4-FFF2-40B4-BE49-F238E27FC236}">
-                    <a16:creationId xmlns:a16="http://schemas.microsoft.com/office/drawing/2014/main" xmlns="" id="{7249C1EC-5A69-3C4D-9DDF-0DB93BB70BC6}"/>
+                    <a16:creationId xmlns="" xmlns:a16="http://schemas.microsoft.com/office/drawing/2014/main" id="{7249C1EC-5A69-3C4D-9DDF-0DB93BB70BC6}"/>
                   </a:ext>
                 </a:extLst>
               </p:cNvPr>
@@ -4616,7 +4618,7 @@
               <p:cNvPr id="5" name="TextBox 20">
                 <a:extLst>
                   <a:ext uri="{FF2B5EF4-FFF2-40B4-BE49-F238E27FC236}">
-                    <a16:creationId xmlns:a16="http://schemas.microsoft.com/office/drawing/2014/main" xmlns="" id="{E5D4A7D0-5E44-1943-968A-C198F40D0E71}"/>
+                    <a16:creationId xmlns="" xmlns:a16="http://schemas.microsoft.com/office/drawing/2014/main" id="{E5D4A7D0-5E44-1943-968A-C198F40D0E71}"/>
                   </a:ext>
                 </a:extLst>
               </p:cNvPr>
@@ -4792,7 +4794,7 @@
               <p:cNvPr id="6" name="Graphic 19">
                 <a:extLst>
                   <a:ext uri="{FF2B5EF4-FFF2-40B4-BE49-F238E27FC236}">
-                    <a16:creationId xmlns:a16="http://schemas.microsoft.com/office/drawing/2014/main" xmlns="" id="{1FC33CE7-C98D-E547-BC90-92306552093A}"/>
+                    <a16:creationId xmlns="" xmlns:a16="http://schemas.microsoft.com/office/drawing/2014/main" id="{1FC33CE7-C98D-E547-BC90-92306552093A}"/>
                   </a:ext>
                 </a:extLst>
               </p:cNvPr>
@@ -4852,7 +4854,7 @@
               <p:cNvPr id="7" name="TextBox 11">
                 <a:extLst>
                   <a:ext uri="{FF2B5EF4-FFF2-40B4-BE49-F238E27FC236}">
-                    <a16:creationId xmlns:a16="http://schemas.microsoft.com/office/drawing/2014/main" xmlns="" id="{0355EC56-8BE5-9F4E-BD29-5DC1160E4BC4}"/>
+                    <a16:creationId xmlns="" xmlns:a16="http://schemas.microsoft.com/office/drawing/2014/main" id="{0355EC56-8BE5-9F4E-BD29-5DC1160E4BC4}"/>
                   </a:ext>
                 </a:extLst>
               </p:cNvPr>
@@ -5052,7 +5054,7 @@
               <p:cNvPr id="8" name="Graphic 8">
                 <a:extLst>
                   <a:ext uri="{FF2B5EF4-FFF2-40B4-BE49-F238E27FC236}">
-                    <a16:creationId xmlns:a16="http://schemas.microsoft.com/office/drawing/2014/main" xmlns="" id="{0D4A9B47-8231-EF4D-B9AB-A3D9E4B81350}"/>
+                    <a16:creationId xmlns="" xmlns:a16="http://schemas.microsoft.com/office/drawing/2014/main" id="{0D4A9B47-8231-EF4D-B9AB-A3D9E4B81350}"/>
                   </a:ext>
                 </a:extLst>
               </p:cNvPr>
@@ -5112,7 +5114,7 @@
               <p:cNvPr id="9" name="TextBox 9">
                 <a:extLst>
                   <a:ext uri="{FF2B5EF4-FFF2-40B4-BE49-F238E27FC236}">
-                    <a16:creationId xmlns:a16="http://schemas.microsoft.com/office/drawing/2014/main" xmlns="" id="{5B6C5DC4-5A01-E14D-BEE5-909FCF8B05F2}"/>
+                    <a16:creationId xmlns="" xmlns:a16="http://schemas.microsoft.com/office/drawing/2014/main" id="{5B6C5DC4-5A01-E14D-BEE5-909FCF8B05F2}"/>
                   </a:ext>
                 </a:extLst>
               </p:cNvPr>
@@ -5408,6 +5410,2794 @@
     <p:extLst>
       <p:ext uri="{BB962C8B-B14F-4D97-AF65-F5344CB8AC3E}">
         <p14:creationId xmlns:p14="http://schemas.microsoft.com/office/powerpoint/2010/main" val="1692419717"/>
+      </p:ext>
+    </p:extLst>
+  </p:cSld>
+  <p:clrMapOvr>
+    <a:masterClrMapping/>
+  </p:clrMapOvr>
+</p:sld>
+</file>
+
+<file path=ppt/slides/slide6.xml><?xml version="1.0" encoding="utf-8"?>
+<p:sld xmlns:a="http://schemas.openxmlformats.org/drawingml/2006/main" xmlns:r="http://schemas.openxmlformats.org/officeDocument/2006/relationships" xmlns:p="http://schemas.openxmlformats.org/presentationml/2006/main">
+  <p:cSld>
+    <p:spTree>
+      <p:nvGrpSpPr>
+        <p:cNvPr id="1" name=""/>
+        <p:cNvGrpSpPr/>
+        <p:nvPr/>
+      </p:nvGrpSpPr>
+      <p:grpSpPr>
+        <a:xfrm>
+          <a:off x="0" y="0"/>
+          <a:ext cx="0" cy="0"/>
+          <a:chOff x="0" y="0"/>
+          <a:chExt cx="0" cy="0"/>
+        </a:xfrm>
+      </p:grpSpPr>
+      <p:grpSp>
+        <p:nvGrpSpPr>
+          <p:cNvPr id="45" name="Group 44"/>
+          <p:cNvGrpSpPr/>
+          <p:nvPr/>
+        </p:nvGrpSpPr>
+        <p:grpSpPr>
+          <a:xfrm>
+            <a:off x="1280246" y="496741"/>
+            <a:ext cx="6714207" cy="5862219"/>
+            <a:chOff x="1280246" y="496741"/>
+            <a:chExt cx="6714207" cy="5862219"/>
+          </a:xfrm>
+        </p:grpSpPr>
+        <p:grpSp>
+          <p:nvGrpSpPr>
+            <p:cNvPr id="5" name="Group 4"/>
+            <p:cNvGrpSpPr/>
+            <p:nvPr/>
+          </p:nvGrpSpPr>
+          <p:grpSpPr>
+            <a:xfrm>
+              <a:off x="4461110" y="2894177"/>
+              <a:ext cx="2553487" cy="1156474"/>
+              <a:chOff x="4487863" y="1185069"/>
+              <a:chExt cx="2292350" cy="1038205"/>
+            </a:xfrm>
+          </p:grpSpPr>
+          <p:pic>
+            <p:nvPicPr>
+              <p:cNvPr id="16" name="Graphic 10">
+                <a:extLst>
+                  <a:ext uri="{FF2B5EF4-FFF2-40B4-BE49-F238E27FC236}">
+                    <a16:creationId xmlns="" xmlns:a16="http://schemas.microsoft.com/office/drawing/2014/main" id="{7249C1EC-5A69-3C4D-9DDF-0DB93BB70BC6}"/>
+                  </a:ext>
+                </a:extLst>
+              </p:cNvPr>
+              <p:cNvPicPr>
+                <a:picLocks noChangeAspect="1" noChangeArrowheads="1"/>
+              </p:cNvPicPr>
+              <p:nvPr/>
+            </p:nvPicPr>
+            <p:blipFill>
+              <a:blip r:embed="rId2" cstate="print">
+                <a:extLst>
+                  <a:ext uri="{28A0092B-C50C-407E-A947-70E740481C1C}">
+                    <a14:useLocalDpi xmlns:a14="http://schemas.microsoft.com/office/drawing/2010/main" val="0"/>
+                  </a:ext>
+                </a:extLst>
+              </a:blip>
+              <a:srcRect/>
+              <a:stretch>
+                <a:fillRect/>
+              </a:stretch>
+            </p:blipFill>
+            <p:spPr bwMode="auto">
+              <a:xfrm>
+                <a:off x="5246688" y="1185069"/>
+                <a:ext cx="762000" cy="762000"/>
+              </a:xfrm>
+              <a:prstGeom prst="rect">
+                <a:avLst/>
+              </a:prstGeom>
+              <a:noFill/>
+              <a:ln>
+                <a:noFill/>
+              </a:ln>
+              <a:extLst>
+                <a:ext uri="{909E8E84-426E-40DD-AFC4-6F175D3DCCD1}">
+                  <a14:hiddenFill xmlns:a14="http://schemas.microsoft.com/office/drawing/2010/main">
+                    <a:solidFill>
+                      <a:srgbClr val="FFFFFF"/>
+                    </a:solidFill>
+                  </a14:hiddenFill>
+                </a:ext>
+                <a:ext uri="{91240B29-F687-4F45-9708-019B960494DF}">
+                  <a14:hiddenLine xmlns:a14="http://schemas.microsoft.com/office/drawing/2010/main" w="9525">
+                    <a:solidFill>
+                      <a:srgbClr val="000000"/>
+                    </a:solidFill>
+                    <a:miter lim="800000"/>
+                    <a:headEnd/>
+                    <a:tailEnd/>
+                  </a14:hiddenLine>
+                </a:ext>
+              </a:extLst>
+            </p:spPr>
+          </p:pic>
+          <p:sp>
+            <p:nvSpPr>
+              <p:cNvPr id="17" name="TextBox 20">
+                <a:extLst>
+                  <a:ext uri="{FF2B5EF4-FFF2-40B4-BE49-F238E27FC236}">
+                    <a16:creationId xmlns="" xmlns:a16="http://schemas.microsoft.com/office/drawing/2014/main" id="{E5D4A7D0-5E44-1943-968A-C198F40D0E71}"/>
+                  </a:ext>
+                </a:extLst>
+              </p:cNvPr>
+              <p:cNvSpPr txBox="1">
+                <a:spLocks noChangeArrowheads="1"/>
+              </p:cNvSpPr>
+              <p:nvPr/>
+            </p:nvSpPr>
+            <p:spPr bwMode="auto">
+              <a:xfrm>
+                <a:off x="4487863" y="1946275"/>
+                <a:ext cx="2292350" cy="276999"/>
+              </a:xfrm>
+              <a:prstGeom prst="rect">
+                <a:avLst/>
+              </a:prstGeom>
+              <a:noFill/>
+              <a:ln>
+                <a:noFill/>
+              </a:ln>
+              <a:extLst>
+                <a:ext uri="{909E8E84-426E-40DD-AFC4-6F175D3DCCD1}">
+                  <a14:hiddenFill xmlns:a14="http://schemas.microsoft.com/office/drawing/2010/main">
+                    <a:solidFill>
+                      <a:srgbClr val="FFFFFF"/>
+                    </a:solidFill>
+                  </a14:hiddenFill>
+                </a:ext>
+                <a:ext uri="{91240B29-F687-4F45-9708-019B960494DF}">
+                  <a14:hiddenLine xmlns:a14="http://schemas.microsoft.com/office/drawing/2010/main" w="9525">
+                    <a:solidFill>
+                      <a:srgbClr val="000000"/>
+                    </a:solidFill>
+                    <a:miter lim="800000"/>
+                    <a:headEnd/>
+                    <a:tailEnd/>
+                  </a14:hiddenLine>
+                </a:ext>
+              </a:extLst>
+            </p:spPr>
+            <p:txBody>
+              <a:bodyPr>
+                <a:spAutoFit/>
+              </a:bodyPr>
+              <a:lstStyle>
+                <a:lvl1pPr>
+                  <a:defRPr>
+                    <a:solidFill>
+                      <a:schemeClr val="tx1"/>
+                    </a:solidFill>
+                    <a:latin typeface="Calibri" panose="020F0502020204030204" pitchFamily="34" charset="0"/>
+                  </a:defRPr>
+                </a:lvl1pPr>
+                <a:lvl2pPr marL="742950" indent="-285750">
+                  <a:defRPr>
+                    <a:solidFill>
+                      <a:schemeClr val="tx1"/>
+                    </a:solidFill>
+                    <a:latin typeface="Calibri" panose="020F0502020204030204" pitchFamily="34" charset="0"/>
+                  </a:defRPr>
+                </a:lvl2pPr>
+                <a:lvl3pPr marL="1143000" indent="-228600">
+                  <a:defRPr>
+                    <a:solidFill>
+                      <a:schemeClr val="tx1"/>
+                    </a:solidFill>
+                    <a:latin typeface="Calibri" panose="020F0502020204030204" pitchFamily="34" charset="0"/>
+                  </a:defRPr>
+                </a:lvl3pPr>
+                <a:lvl4pPr marL="1600200" indent="-228600">
+                  <a:defRPr>
+                    <a:solidFill>
+                      <a:schemeClr val="tx1"/>
+                    </a:solidFill>
+                    <a:latin typeface="Calibri" panose="020F0502020204030204" pitchFamily="34" charset="0"/>
+                  </a:defRPr>
+                </a:lvl4pPr>
+                <a:lvl5pPr marL="2057400" indent="-228600">
+                  <a:defRPr>
+                    <a:solidFill>
+                      <a:schemeClr val="tx1"/>
+                    </a:solidFill>
+                    <a:latin typeface="Calibri" panose="020F0502020204030204" pitchFamily="34" charset="0"/>
+                  </a:defRPr>
+                </a:lvl5pPr>
+                <a:lvl6pPr marL="2514600" indent="-228600" eaLnBrk="0" fontAlgn="base" hangingPunct="0">
+                  <a:spcBef>
+                    <a:spcPct val="0"/>
+                  </a:spcBef>
+                  <a:spcAft>
+                    <a:spcPct val="0"/>
+                  </a:spcAft>
+                  <a:defRPr>
+                    <a:solidFill>
+                      <a:schemeClr val="tx1"/>
+                    </a:solidFill>
+                    <a:latin typeface="Calibri" panose="020F0502020204030204" pitchFamily="34" charset="0"/>
+                  </a:defRPr>
+                </a:lvl6pPr>
+                <a:lvl7pPr marL="2971800" indent="-228600" eaLnBrk="0" fontAlgn="base" hangingPunct="0">
+                  <a:spcBef>
+                    <a:spcPct val="0"/>
+                  </a:spcBef>
+                  <a:spcAft>
+                    <a:spcPct val="0"/>
+                  </a:spcAft>
+                  <a:defRPr>
+                    <a:solidFill>
+                      <a:schemeClr val="tx1"/>
+                    </a:solidFill>
+                    <a:latin typeface="Calibri" panose="020F0502020204030204" pitchFamily="34" charset="0"/>
+                  </a:defRPr>
+                </a:lvl7pPr>
+                <a:lvl8pPr marL="3429000" indent="-228600" eaLnBrk="0" fontAlgn="base" hangingPunct="0">
+                  <a:spcBef>
+                    <a:spcPct val="0"/>
+                  </a:spcBef>
+                  <a:spcAft>
+                    <a:spcPct val="0"/>
+                  </a:spcAft>
+                  <a:defRPr>
+                    <a:solidFill>
+                      <a:schemeClr val="tx1"/>
+                    </a:solidFill>
+                    <a:latin typeface="Calibri" panose="020F0502020204030204" pitchFamily="34" charset="0"/>
+                  </a:defRPr>
+                </a:lvl8pPr>
+                <a:lvl9pPr marL="3886200" indent="-228600" eaLnBrk="0" fontAlgn="base" hangingPunct="0">
+                  <a:spcBef>
+                    <a:spcPct val="0"/>
+                  </a:spcBef>
+                  <a:spcAft>
+                    <a:spcPct val="0"/>
+                  </a:spcAft>
+                  <a:defRPr>
+                    <a:solidFill>
+                      <a:schemeClr val="tx1"/>
+                    </a:solidFill>
+                    <a:latin typeface="Calibri" panose="020F0502020204030204" pitchFamily="34" charset="0"/>
+                  </a:defRPr>
+                </a:lvl9pPr>
+              </a:lstStyle>
+              <a:p>
+                <a:pPr algn="ctr" eaLnBrk="1" hangingPunct="1"/>
+                <a:r>
+                  <a:rPr lang="en-US" altLang="en-US" sz="1200" dirty="0">
+                    <a:latin typeface="Arial" panose="020B0604020202020204" pitchFamily="34" charset="0"/>
+                    <a:ea typeface="Amazon Ember" panose="020B0603020204020204" pitchFamily="34" charset="0"/>
+                    <a:cs typeface="Arial" panose="020B0604020202020204" pitchFamily="34" charset="0"/>
+                  </a:rPr>
+                  <a:t>AWS Lambda</a:t>
+                </a:r>
+              </a:p>
+            </p:txBody>
+          </p:sp>
+        </p:grpSp>
+        <p:grpSp>
+          <p:nvGrpSpPr>
+            <p:cNvPr id="6" name="Group 5"/>
+            <p:cNvGrpSpPr/>
+            <p:nvPr/>
+          </p:nvGrpSpPr>
+          <p:grpSpPr>
+            <a:xfrm>
+              <a:off x="4370406" y="4986296"/>
+              <a:ext cx="2734894" cy="1372664"/>
+              <a:chOff x="1251604" y="1565275"/>
+              <a:chExt cx="2292350" cy="1150548"/>
+            </a:xfrm>
+          </p:grpSpPr>
+          <p:pic>
+            <p:nvPicPr>
+              <p:cNvPr id="14" name="Graphic 19">
+                <a:extLst>
+                  <a:ext uri="{FF2B5EF4-FFF2-40B4-BE49-F238E27FC236}">
+                    <a16:creationId xmlns="" xmlns:a16="http://schemas.microsoft.com/office/drawing/2014/main" id="{1FC33CE7-C98D-E547-BC90-92306552093A}"/>
+                  </a:ext>
+                </a:extLst>
+              </p:cNvPr>
+              <p:cNvPicPr>
+                <a:picLocks noChangeAspect="1" noChangeArrowheads="1"/>
+              </p:cNvPicPr>
+              <p:nvPr/>
+            </p:nvPicPr>
+            <p:blipFill>
+              <a:blip r:embed="rId3" cstate="print">
+                <a:extLst>
+                  <a:ext uri="{28A0092B-C50C-407E-A947-70E740481C1C}">
+                    <a14:useLocalDpi xmlns:a14="http://schemas.microsoft.com/office/drawing/2010/main" val="0"/>
+                  </a:ext>
+                </a:extLst>
+              </a:blip>
+              <a:srcRect/>
+              <a:stretch>
+                <a:fillRect/>
+              </a:stretch>
+            </p:blipFill>
+            <p:spPr bwMode="auto">
+              <a:xfrm>
+                <a:off x="2008841" y="1565275"/>
+                <a:ext cx="762000" cy="762000"/>
+              </a:xfrm>
+              <a:prstGeom prst="rect">
+                <a:avLst/>
+              </a:prstGeom>
+              <a:noFill/>
+              <a:ln>
+                <a:noFill/>
+              </a:ln>
+              <a:extLst>
+                <a:ext uri="{909E8E84-426E-40DD-AFC4-6F175D3DCCD1}">
+                  <a14:hiddenFill xmlns:a14="http://schemas.microsoft.com/office/drawing/2010/main">
+                    <a:solidFill>
+                      <a:srgbClr val="FFFFFF"/>
+                    </a:solidFill>
+                  </a14:hiddenFill>
+                </a:ext>
+                <a:ext uri="{91240B29-F687-4F45-9708-019B960494DF}">
+                  <a14:hiddenLine xmlns:a14="http://schemas.microsoft.com/office/drawing/2010/main" w="9525">
+                    <a:solidFill>
+                      <a:srgbClr val="000000"/>
+                    </a:solidFill>
+                    <a:miter lim="800000"/>
+                    <a:headEnd/>
+                    <a:tailEnd/>
+                  </a14:hiddenLine>
+                </a:ext>
+              </a:extLst>
+            </p:spPr>
+          </p:pic>
+          <p:sp>
+            <p:nvSpPr>
+              <p:cNvPr id="15" name="TextBox 11">
+                <a:extLst>
+                  <a:ext uri="{FF2B5EF4-FFF2-40B4-BE49-F238E27FC236}">
+                    <a16:creationId xmlns="" xmlns:a16="http://schemas.microsoft.com/office/drawing/2014/main" id="{0355EC56-8BE5-9F4E-BD29-5DC1160E4BC4}"/>
+                  </a:ext>
+                </a:extLst>
+              </p:cNvPr>
+              <p:cNvSpPr txBox="1">
+                <a:spLocks noChangeArrowheads="1"/>
+              </p:cNvSpPr>
+              <p:nvPr/>
+            </p:nvSpPr>
+            <p:spPr bwMode="auto">
+              <a:xfrm>
+                <a:off x="1251604" y="2328862"/>
+                <a:ext cx="2292350" cy="386961"/>
+              </a:xfrm>
+              <a:prstGeom prst="rect">
+                <a:avLst/>
+              </a:prstGeom>
+              <a:noFill/>
+              <a:ln>
+                <a:noFill/>
+              </a:ln>
+              <a:extLst>
+                <a:ext uri="{909E8E84-426E-40DD-AFC4-6F175D3DCCD1}">
+                  <a14:hiddenFill xmlns:a14="http://schemas.microsoft.com/office/drawing/2010/main">
+                    <a:solidFill>
+                      <a:srgbClr val="FFFFFF"/>
+                    </a:solidFill>
+                  </a14:hiddenFill>
+                </a:ext>
+                <a:ext uri="{91240B29-F687-4F45-9708-019B960494DF}">
+                  <a14:hiddenLine xmlns:a14="http://schemas.microsoft.com/office/drawing/2010/main" w="9525">
+                    <a:solidFill>
+                      <a:srgbClr val="000000"/>
+                    </a:solidFill>
+                    <a:miter lim="800000"/>
+                    <a:headEnd/>
+                    <a:tailEnd/>
+                  </a14:hiddenLine>
+                </a:ext>
+              </a:extLst>
+            </p:spPr>
+            <p:txBody>
+              <a:bodyPr>
+                <a:spAutoFit/>
+              </a:bodyPr>
+              <a:lstStyle>
+                <a:lvl1pPr>
+                  <a:defRPr>
+                    <a:solidFill>
+                      <a:schemeClr val="tx1"/>
+                    </a:solidFill>
+                    <a:latin typeface="Calibri" panose="020F0502020204030204" pitchFamily="34" charset="0"/>
+                  </a:defRPr>
+                </a:lvl1pPr>
+                <a:lvl2pPr marL="742950" indent="-285750">
+                  <a:defRPr>
+                    <a:solidFill>
+                      <a:schemeClr val="tx1"/>
+                    </a:solidFill>
+                    <a:latin typeface="Calibri" panose="020F0502020204030204" pitchFamily="34" charset="0"/>
+                  </a:defRPr>
+                </a:lvl2pPr>
+                <a:lvl3pPr marL="1143000" indent="-228600">
+                  <a:defRPr>
+                    <a:solidFill>
+                      <a:schemeClr val="tx1"/>
+                    </a:solidFill>
+                    <a:latin typeface="Calibri" panose="020F0502020204030204" pitchFamily="34" charset="0"/>
+                  </a:defRPr>
+                </a:lvl3pPr>
+                <a:lvl4pPr marL="1600200" indent="-228600">
+                  <a:defRPr>
+                    <a:solidFill>
+                      <a:schemeClr val="tx1"/>
+                    </a:solidFill>
+                    <a:latin typeface="Calibri" panose="020F0502020204030204" pitchFamily="34" charset="0"/>
+                  </a:defRPr>
+                </a:lvl4pPr>
+                <a:lvl5pPr marL="2057400" indent="-228600">
+                  <a:defRPr>
+                    <a:solidFill>
+                      <a:schemeClr val="tx1"/>
+                    </a:solidFill>
+                    <a:latin typeface="Calibri" panose="020F0502020204030204" pitchFamily="34" charset="0"/>
+                  </a:defRPr>
+                </a:lvl5pPr>
+                <a:lvl6pPr marL="2514600" indent="-228600" eaLnBrk="0" fontAlgn="base" hangingPunct="0">
+                  <a:spcBef>
+                    <a:spcPct val="0"/>
+                  </a:spcBef>
+                  <a:spcAft>
+                    <a:spcPct val="0"/>
+                  </a:spcAft>
+                  <a:defRPr>
+                    <a:solidFill>
+                      <a:schemeClr val="tx1"/>
+                    </a:solidFill>
+                    <a:latin typeface="Calibri" panose="020F0502020204030204" pitchFamily="34" charset="0"/>
+                  </a:defRPr>
+                </a:lvl6pPr>
+                <a:lvl7pPr marL="2971800" indent="-228600" eaLnBrk="0" fontAlgn="base" hangingPunct="0">
+                  <a:spcBef>
+                    <a:spcPct val="0"/>
+                  </a:spcBef>
+                  <a:spcAft>
+                    <a:spcPct val="0"/>
+                  </a:spcAft>
+                  <a:defRPr>
+                    <a:solidFill>
+                      <a:schemeClr val="tx1"/>
+                    </a:solidFill>
+                    <a:latin typeface="Calibri" panose="020F0502020204030204" pitchFamily="34" charset="0"/>
+                  </a:defRPr>
+                </a:lvl7pPr>
+                <a:lvl8pPr marL="3429000" indent="-228600" eaLnBrk="0" fontAlgn="base" hangingPunct="0">
+                  <a:spcBef>
+                    <a:spcPct val="0"/>
+                  </a:spcBef>
+                  <a:spcAft>
+                    <a:spcPct val="0"/>
+                  </a:spcAft>
+                  <a:defRPr>
+                    <a:solidFill>
+                      <a:schemeClr val="tx1"/>
+                    </a:solidFill>
+                    <a:latin typeface="Calibri" panose="020F0502020204030204" pitchFamily="34" charset="0"/>
+                  </a:defRPr>
+                </a:lvl8pPr>
+                <a:lvl9pPr marL="3886200" indent="-228600" eaLnBrk="0" fontAlgn="base" hangingPunct="0">
+                  <a:spcBef>
+                    <a:spcPct val="0"/>
+                  </a:spcBef>
+                  <a:spcAft>
+                    <a:spcPct val="0"/>
+                  </a:spcAft>
+                  <a:defRPr>
+                    <a:solidFill>
+                      <a:schemeClr val="tx1"/>
+                    </a:solidFill>
+                    <a:latin typeface="Calibri" panose="020F0502020204030204" pitchFamily="34" charset="0"/>
+                  </a:defRPr>
+                </a:lvl9pPr>
+              </a:lstStyle>
+              <a:p>
+                <a:pPr algn="ctr" eaLnBrk="1" hangingPunct="1"/>
+                <a:r>
+                  <a:rPr lang="en-US" altLang="en-US" sz="1200" dirty="0">
+                    <a:latin typeface="Arial" panose="020B0604020202020204" pitchFamily="34" charset="0"/>
+                    <a:ea typeface="Amazon Ember" panose="020B0603020204020204" pitchFamily="34" charset="0"/>
+                    <a:cs typeface="Arial" panose="020B0604020202020204" pitchFamily="34" charset="0"/>
+                  </a:rPr>
+                  <a:t>Amazon Elastic File System </a:t>
+                </a:r>
+                <a:endParaRPr lang="en-US" altLang="en-US" sz="1200" dirty="0" smtClean="0">
+                  <a:latin typeface="Arial" panose="020B0604020202020204" pitchFamily="34" charset="0"/>
+                  <a:ea typeface="Amazon Ember" panose="020B0603020204020204" pitchFamily="34" charset="0"/>
+                  <a:cs typeface="Arial" panose="020B0604020202020204" pitchFamily="34" charset="0"/>
+                </a:endParaRPr>
+              </a:p>
+              <a:p>
+                <a:pPr algn="ctr" eaLnBrk="1" hangingPunct="1"/>
+                <a:r>
+                  <a:rPr lang="en-US" altLang="en-US" sz="1200" dirty="0" smtClean="0">
+                    <a:latin typeface="Arial" panose="020B0604020202020204" pitchFamily="34" charset="0"/>
+                    <a:ea typeface="Amazon Ember" panose="020B0603020204020204" pitchFamily="34" charset="0"/>
+                    <a:cs typeface="Arial" panose="020B0604020202020204" pitchFamily="34" charset="0"/>
+                  </a:rPr>
+                  <a:t>(</a:t>
+                </a:r>
+                <a:r>
+                  <a:rPr lang="en-US" altLang="en-US" sz="1200" dirty="0">
+                    <a:latin typeface="Arial" panose="020B0604020202020204" pitchFamily="34" charset="0"/>
+                    <a:ea typeface="Amazon Ember" panose="020B0603020204020204" pitchFamily="34" charset="0"/>
+                    <a:cs typeface="Arial" panose="020B0604020202020204" pitchFamily="34" charset="0"/>
+                  </a:rPr>
+                  <a:t>Amazon EFS)</a:t>
+                </a:r>
+              </a:p>
+            </p:txBody>
+          </p:sp>
+        </p:grpSp>
+        <p:grpSp>
+          <p:nvGrpSpPr>
+            <p:cNvPr id="7" name="Group 6"/>
+            <p:cNvGrpSpPr/>
+            <p:nvPr/>
+          </p:nvGrpSpPr>
+          <p:grpSpPr>
+            <a:xfrm>
+              <a:off x="4427745" y="496741"/>
+              <a:ext cx="2620216" cy="1461790"/>
+              <a:chOff x="7915182" y="2223274"/>
+              <a:chExt cx="2239962" cy="1225252"/>
+            </a:xfrm>
+          </p:grpSpPr>
+          <p:pic>
+            <p:nvPicPr>
+              <p:cNvPr id="12" name="Graphic 8">
+                <a:extLst>
+                  <a:ext uri="{FF2B5EF4-FFF2-40B4-BE49-F238E27FC236}">
+                    <a16:creationId xmlns="" xmlns:a16="http://schemas.microsoft.com/office/drawing/2014/main" id="{0D4A9B47-8231-EF4D-B9AB-A3D9E4B81350}"/>
+                  </a:ext>
+                </a:extLst>
+              </p:cNvPr>
+              <p:cNvPicPr>
+                <a:picLocks noChangeAspect="1" noChangeArrowheads="1"/>
+              </p:cNvPicPr>
+              <p:nvPr/>
+            </p:nvPicPr>
+            <p:blipFill>
+              <a:blip r:embed="rId4" cstate="print">
+                <a:extLst>
+                  <a:ext uri="{28A0092B-C50C-407E-A947-70E740481C1C}">
+                    <a14:useLocalDpi xmlns:a14="http://schemas.microsoft.com/office/drawing/2010/main" val="0"/>
+                  </a:ext>
+                </a:extLst>
+              </a:blip>
+              <a:srcRect/>
+              <a:stretch>
+                <a:fillRect/>
+              </a:stretch>
+            </p:blipFill>
+            <p:spPr bwMode="auto">
+              <a:xfrm>
+                <a:off x="8654957" y="2223274"/>
+                <a:ext cx="762000" cy="762000"/>
+              </a:xfrm>
+              <a:prstGeom prst="rect">
+                <a:avLst/>
+              </a:prstGeom>
+              <a:noFill/>
+              <a:ln>
+                <a:noFill/>
+              </a:ln>
+              <a:extLst>
+                <a:ext uri="{909E8E84-426E-40DD-AFC4-6F175D3DCCD1}">
+                  <a14:hiddenFill xmlns:a14="http://schemas.microsoft.com/office/drawing/2010/main">
+                    <a:solidFill>
+                      <a:srgbClr val="FFFFFF"/>
+                    </a:solidFill>
+                  </a14:hiddenFill>
+                </a:ext>
+                <a:ext uri="{91240B29-F687-4F45-9708-019B960494DF}">
+                  <a14:hiddenLine xmlns:a14="http://schemas.microsoft.com/office/drawing/2010/main" w="9525">
+                    <a:solidFill>
+                      <a:srgbClr val="000000"/>
+                    </a:solidFill>
+                    <a:miter lim="800000"/>
+                    <a:headEnd/>
+                    <a:tailEnd/>
+                  </a14:hiddenLine>
+                </a:ext>
+              </a:extLst>
+            </p:spPr>
+          </p:pic>
+          <p:sp>
+            <p:nvSpPr>
+              <p:cNvPr id="13" name="TextBox 9">
+                <a:extLst>
+                  <a:ext uri="{FF2B5EF4-FFF2-40B4-BE49-F238E27FC236}">
+                    <a16:creationId xmlns="" xmlns:a16="http://schemas.microsoft.com/office/drawing/2014/main" id="{5B6C5DC4-5A01-E14D-BEE5-909FCF8B05F2}"/>
+                  </a:ext>
+                </a:extLst>
+              </p:cNvPr>
+              <p:cNvSpPr txBox="1">
+                <a:spLocks noChangeArrowheads="1"/>
+              </p:cNvSpPr>
+              <p:nvPr/>
+            </p:nvSpPr>
+            <p:spPr bwMode="auto">
+              <a:xfrm>
+                <a:off x="7915182" y="2986861"/>
+                <a:ext cx="2239962" cy="461665"/>
+              </a:xfrm>
+              <a:prstGeom prst="rect">
+                <a:avLst/>
+              </a:prstGeom>
+              <a:noFill/>
+              <a:ln>
+                <a:noFill/>
+              </a:ln>
+              <a:extLst>
+                <a:ext uri="{909E8E84-426E-40DD-AFC4-6F175D3DCCD1}">
+                  <a14:hiddenFill xmlns:a14="http://schemas.microsoft.com/office/drawing/2010/main">
+                    <a:solidFill>
+                      <a:srgbClr val="FFFFFF"/>
+                    </a:solidFill>
+                  </a14:hiddenFill>
+                </a:ext>
+                <a:ext uri="{91240B29-F687-4F45-9708-019B960494DF}">
+                  <a14:hiddenLine xmlns:a14="http://schemas.microsoft.com/office/drawing/2010/main" w="9525">
+                    <a:solidFill>
+                      <a:srgbClr val="000000"/>
+                    </a:solidFill>
+                    <a:miter lim="800000"/>
+                    <a:headEnd/>
+                    <a:tailEnd/>
+                  </a14:hiddenLine>
+                </a:ext>
+              </a:extLst>
+            </p:spPr>
+            <p:txBody>
+              <a:bodyPr>
+                <a:spAutoFit/>
+              </a:bodyPr>
+              <a:lstStyle>
+                <a:lvl1pPr>
+                  <a:defRPr>
+                    <a:solidFill>
+                      <a:schemeClr val="tx1"/>
+                    </a:solidFill>
+                    <a:latin typeface="Calibri" panose="020F0502020204030204" pitchFamily="34" charset="0"/>
+                  </a:defRPr>
+                </a:lvl1pPr>
+                <a:lvl2pPr marL="742950" indent="-285750">
+                  <a:defRPr>
+                    <a:solidFill>
+                      <a:schemeClr val="tx1"/>
+                    </a:solidFill>
+                    <a:latin typeface="Calibri" panose="020F0502020204030204" pitchFamily="34" charset="0"/>
+                  </a:defRPr>
+                </a:lvl2pPr>
+                <a:lvl3pPr marL="1143000" indent="-228600">
+                  <a:defRPr>
+                    <a:solidFill>
+                      <a:schemeClr val="tx1"/>
+                    </a:solidFill>
+                    <a:latin typeface="Calibri" panose="020F0502020204030204" pitchFamily="34" charset="0"/>
+                  </a:defRPr>
+                </a:lvl3pPr>
+                <a:lvl4pPr marL="1600200" indent="-228600">
+                  <a:defRPr>
+                    <a:solidFill>
+                      <a:schemeClr val="tx1"/>
+                    </a:solidFill>
+                    <a:latin typeface="Calibri" panose="020F0502020204030204" pitchFamily="34" charset="0"/>
+                  </a:defRPr>
+                </a:lvl4pPr>
+                <a:lvl5pPr marL="2057400" indent="-228600">
+                  <a:defRPr>
+                    <a:solidFill>
+                      <a:schemeClr val="tx1"/>
+                    </a:solidFill>
+                    <a:latin typeface="Calibri" panose="020F0502020204030204" pitchFamily="34" charset="0"/>
+                  </a:defRPr>
+                </a:lvl5pPr>
+                <a:lvl6pPr marL="2514600" indent="-228600" eaLnBrk="0" fontAlgn="base" hangingPunct="0">
+                  <a:spcBef>
+                    <a:spcPct val="0"/>
+                  </a:spcBef>
+                  <a:spcAft>
+                    <a:spcPct val="0"/>
+                  </a:spcAft>
+                  <a:defRPr>
+                    <a:solidFill>
+                      <a:schemeClr val="tx1"/>
+                    </a:solidFill>
+                    <a:latin typeface="Calibri" panose="020F0502020204030204" pitchFamily="34" charset="0"/>
+                  </a:defRPr>
+                </a:lvl6pPr>
+                <a:lvl7pPr marL="2971800" indent="-228600" eaLnBrk="0" fontAlgn="base" hangingPunct="0">
+                  <a:spcBef>
+                    <a:spcPct val="0"/>
+                  </a:spcBef>
+                  <a:spcAft>
+                    <a:spcPct val="0"/>
+                  </a:spcAft>
+                  <a:defRPr>
+                    <a:solidFill>
+                      <a:schemeClr val="tx1"/>
+                    </a:solidFill>
+                    <a:latin typeface="Calibri" panose="020F0502020204030204" pitchFamily="34" charset="0"/>
+                  </a:defRPr>
+                </a:lvl7pPr>
+                <a:lvl8pPr marL="3429000" indent="-228600" eaLnBrk="0" fontAlgn="base" hangingPunct="0">
+                  <a:spcBef>
+                    <a:spcPct val="0"/>
+                  </a:spcBef>
+                  <a:spcAft>
+                    <a:spcPct val="0"/>
+                  </a:spcAft>
+                  <a:defRPr>
+                    <a:solidFill>
+                      <a:schemeClr val="tx1"/>
+                    </a:solidFill>
+                    <a:latin typeface="Calibri" panose="020F0502020204030204" pitchFamily="34" charset="0"/>
+                  </a:defRPr>
+                </a:lvl8pPr>
+                <a:lvl9pPr marL="3886200" indent="-228600" eaLnBrk="0" fontAlgn="base" hangingPunct="0">
+                  <a:spcBef>
+                    <a:spcPct val="0"/>
+                  </a:spcBef>
+                  <a:spcAft>
+                    <a:spcPct val="0"/>
+                  </a:spcAft>
+                  <a:defRPr>
+                    <a:solidFill>
+                      <a:schemeClr val="tx1"/>
+                    </a:solidFill>
+                    <a:latin typeface="Calibri" panose="020F0502020204030204" pitchFamily="34" charset="0"/>
+                  </a:defRPr>
+                </a:lvl9pPr>
+              </a:lstStyle>
+              <a:p>
+                <a:pPr algn="ctr" eaLnBrk="1" hangingPunct="1"/>
+                <a:r>
+                  <a:rPr lang="en-US" altLang="en-US" sz="1200" dirty="0">
+                    <a:latin typeface="Arial" panose="020B0604020202020204" pitchFamily="34" charset="0"/>
+                    <a:ea typeface="Amazon Ember" panose="020B0603020204020204" pitchFamily="34" charset="0"/>
+                    <a:cs typeface="Arial" panose="020B0604020202020204" pitchFamily="34" charset="0"/>
+                  </a:rPr>
+                  <a:t>Amazon Simple Storage Service (Amazon S3)</a:t>
+                </a:r>
+              </a:p>
+            </p:txBody>
+          </p:sp>
+        </p:grpSp>
+        <p:cxnSp>
+          <p:nvCxnSpPr>
+            <p:cNvPr id="8" name="Straight Arrow Connector 7"/>
+            <p:cNvCxnSpPr/>
+            <p:nvPr/>
+          </p:nvCxnSpPr>
+          <p:spPr>
+            <a:xfrm flipH="1">
+              <a:off x="5730781" y="1904741"/>
+              <a:ext cx="7072" cy="935646"/>
+            </a:xfrm>
+            <a:prstGeom prst="straightConnector1">
+              <a:avLst/>
+            </a:prstGeom>
+            <a:ln w="50800">
+              <a:solidFill>
+                <a:schemeClr val="accent1"/>
+              </a:solidFill>
+              <a:headEnd type="none" w="med" len="med"/>
+              <a:tailEnd type="arrow" w="med" len="med"/>
+            </a:ln>
+          </p:spPr>
+          <p:style>
+            <a:lnRef idx="1">
+              <a:schemeClr val="accent1"/>
+            </a:lnRef>
+            <a:fillRef idx="0">
+              <a:schemeClr val="accent1"/>
+            </a:fillRef>
+            <a:effectRef idx="0">
+              <a:schemeClr val="accent1"/>
+            </a:effectRef>
+            <a:fontRef idx="minor">
+              <a:schemeClr val="tx1"/>
+            </a:fontRef>
+          </p:style>
+        </p:cxnSp>
+        <p:sp>
+          <p:nvSpPr>
+            <p:cNvPr id="11" name="TextBox 10"/>
+            <p:cNvSpPr txBox="1"/>
+            <p:nvPr/>
+          </p:nvSpPr>
+          <p:spPr>
+            <a:xfrm>
+              <a:off x="5728383" y="2090720"/>
+              <a:ext cx="2266070" cy="369332"/>
+            </a:xfrm>
+            <a:prstGeom prst="rect">
+              <a:avLst/>
+            </a:prstGeom>
+            <a:noFill/>
+          </p:spPr>
+          <p:txBody>
+            <a:bodyPr wrap="none" rtlCol="0">
+              <a:spAutoFit/>
+            </a:bodyPr>
+            <a:lstStyle/>
+            <a:p>
+              <a:r>
+                <a:rPr lang="en-US" b="1" dirty="0" smtClean="0"/>
+                <a:t>1. </a:t>
+              </a:r>
+              <a:r>
+                <a:rPr lang="en-US" sz="1400" dirty="0" smtClean="0"/>
+                <a:t>Event Notification </a:t>
+              </a:r>
+              <a:r>
+                <a:rPr lang="en-US" sz="1400" dirty="0" smtClean="0"/>
+                <a:t>Trigger</a:t>
+              </a:r>
+              <a:endParaRPr lang="en-US" sz="1400" dirty="0"/>
+            </a:p>
+          </p:txBody>
+        </p:sp>
+        <p:grpSp>
+          <p:nvGrpSpPr>
+            <p:cNvPr id="20" name="Group 19"/>
+            <p:cNvGrpSpPr/>
+            <p:nvPr/>
+          </p:nvGrpSpPr>
+          <p:grpSpPr>
+            <a:xfrm>
+              <a:off x="1280246" y="2910782"/>
+              <a:ext cx="2279650" cy="1038999"/>
+              <a:chOff x="6786563" y="1184275"/>
+              <a:chExt cx="2279650" cy="1038999"/>
+            </a:xfrm>
+          </p:grpSpPr>
+          <p:pic>
+            <p:nvPicPr>
+              <p:cNvPr id="18" name="Graphic 21">
+                <a:extLst>
+                  <a:ext uri="{FF2B5EF4-FFF2-40B4-BE49-F238E27FC236}">
+                    <a16:creationId xmlns:a16="http://schemas.microsoft.com/office/drawing/2014/main" xmlns="" id="{29EBF3FF-7F82-FD4A-89C8-1202691CCAE4}"/>
+                  </a:ext>
+                </a:extLst>
+              </p:cNvPr>
+              <p:cNvPicPr>
+                <a:picLocks noChangeAspect="1" noChangeArrowheads="1"/>
+              </p:cNvPicPr>
+              <p:nvPr/>
+            </p:nvPicPr>
+            <p:blipFill>
+              <a:blip r:embed="rId5" cstate="print">
+                <a:extLst>
+                  <a:ext uri="{28A0092B-C50C-407E-A947-70E740481C1C}">
+                    <a14:useLocalDpi xmlns:a14="http://schemas.microsoft.com/office/drawing/2010/main" val="0"/>
+                  </a:ext>
+                </a:extLst>
+              </a:blip>
+              <a:srcRect/>
+              <a:stretch>
+                <a:fillRect/>
+              </a:stretch>
+            </p:blipFill>
+            <p:spPr bwMode="auto">
+              <a:xfrm>
+                <a:off x="7534275" y="1184275"/>
+                <a:ext cx="762000" cy="762000"/>
+              </a:xfrm>
+              <a:prstGeom prst="rect">
+                <a:avLst/>
+              </a:prstGeom>
+              <a:noFill/>
+              <a:ln>
+                <a:noFill/>
+              </a:ln>
+              <a:extLst>
+                <a:ext uri="{909E8E84-426E-40DD-AFC4-6F175D3DCCD1}">
+                  <a14:hiddenFill xmlns:a14="http://schemas.microsoft.com/office/drawing/2010/main">
+                    <a:solidFill>
+                      <a:srgbClr val="FFFFFF"/>
+                    </a:solidFill>
+                  </a14:hiddenFill>
+                </a:ext>
+                <a:ext uri="{91240B29-F687-4F45-9708-019B960494DF}">
+                  <a14:hiddenLine xmlns:a14="http://schemas.microsoft.com/office/drawing/2010/main" w="9525">
+                    <a:solidFill>
+                      <a:srgbClr val="000000"/>
+                    </a:solidFill>
+                    <a:miter lim="800000"/>
+                    <a:headEnd/>
+                    <a:tailEnd/>
+                  </a14:hiddenLine>
+                </a:ext>
+              </a:extLst>
+            </p:spPr>
+          </p:pic>
+          <p:sp>
+            <p:nvSpPr>
+              <p:cNvPr id="19" name="TextBox 12">
+                <a:extLst>
+                  <a:ext uri="{FF2B5EF4-FFF2-40B4-BE49-F238E27FC236}">
+                    <a16:creationId xmlns:a16="http://schemas.microsoft.com/office/drawing/2014/main" xmlns="" id="{0FDF1365-7056-D948-913F-18757388B2CD}"/>
+                  </a:ext>
+                </a:extLst>
+              </p:cNvPr>
+              <p:cNvSpPr txBox="1">
+                <a:spLocks noChangeArrowheads="1"/>
+              </p:cNvSpPr>
+              <p:nvPr/>
+            </p:nvSpPr>
+            <p:spPr bwMode="auto">
+              <a:xfrm>
+                <a:off x="6786563" y="1946275"/>
+                <a:ext cx="2279650" cy="276999"/>
+              </a:xfrm>
+              <a:prstGeom prst="rect">
+                <a:avLst/>
+              </a:prstGeom>
+              <a:noFill/>
+              <a:ln>
+                <a:noFill/>
+              </a:ln>
+              <a:extLst>
+                <a:ext uri="{909E8E84-426E-40DD-AFC4-6F175D3DCCD1}">
+                  <a14:hiddenFill xmlns:a14="http://schemas.microsoft.com/office/drawing/2010/main">
+                    <a:solidFill>
+                      <a:srgbClr val="FFFFFF"/>
+                    </a:solidFill>
+                  </a14:hiddenFill>
+                </a:ext>
+                <a:ext uri="{91240B29-F687-4F45-9708-019B960494DF}">
+                  <a14:hiddenLine xmlns:a14="http://schemas.microsoft.com/office/drawing/2010/main" w="9525">
+                    <a:solidFill>
+                      <a:srgbClr val="000000"/>
+                    </a:solidFill>
+                    <a:miter lim="800000"/>
+                    <a:headEnd/>
+                    <a:tailEnd/>
+                  </a14:hiddenLine>
+                </a:ext>
+              </a:extLst>
+            </p:spPr>
+            <p:txBody>
+              <a:bodyPr>
+                <a:spAutoFit/>
+              </a:bodyPr>
+              <a:lstStyle>
+                <a:lvl1pPr>
+                  <a:defRPr>
+                    <a:solidFill>
+                      <a:schemeClr val="tx1"/>
+                    </a:solidFill>
+                    <a:latin typeface="Calibri" panose="020F0502020204030204" pitchFamily="34" charset="0"/>
+                  </a:defRPr>
+                </a:lvl1pPr>
+                <a:lvl2pPr marL="742950" indent="-285750">
+                  <a:defRPr>
+                    <a:solidFill>
+                      <a:schemeClr val="tx1"/>
+                    </a:solidFill>
+                    <a:latin typeface="Calibri" panose="020F0502020204030204" pitchFamily="34" charset="0"/>
+                  </a:defRPr>
+                </a:lvl2pPr>
+                <a:lvl3pPr marL="1143000" indent="-228600">
+                  <a:defRPr>
+                    <a:solidFill>
+                      <a:schemeClr val="tx1"/>
+                    </a:solidFill>
+                    <a:latin typeface="Calibri" panose="020F0502020204030204" pitchFamily="34" charset="0"/>
+                  </a:defRPr>
+                </a:lvl3pPr>
+                <a:lvl4pPr marL="1600200" indent="-228600">
+                  <a:defRPr>
+                    <a:solidFill>
+                      <a:schemeClr val="tx1"/>
+                    </a:solidFill>
+                    <a:latin typeface="Calibri" panose="020F0502020204030204" pitchFamily="34" charset="0"/>
+                  </a:defRPr>
+                </a:lvl4pPr>
+                <a:lvl5pPr marL="2057400" indent="-228600">
+                  <a:defRPr>
+                    <a:solidFill>
+                      <a:schemeClr val="tx1"/>
+                    </a:solidFill>
+                    <a:latin typeface="Calibri" panose="020F0502020204030204" pitchFamily="34" charset="0"/>
+                  </a:defRPr>
+                </a:lvl5pPr>
+                <a:lvl6pPr marL="2514600" indent="-228600" eaLnBrk="0" fontAlgn="base" hangingPunct="0">
+                  <a:spcBef>
+                    <a:spcPct val="0"/>
+                  </a:spcBef>
+                  <a:spcAft>
+                    <a:spcPct val="0"/>
+                  </a:spcAft>
+                  <a:defRPr>
+                    <a:solidFill>
+                      <a:schemeClr val="tx1"/>
+                    </a:solidFill>
+                    <a:latin typeface="Calibri" panose="020F0502020204030204" pitchFamily="34" charset="0"/>
+                  </a:defRPr>
+                </a:lvl6pPr>
+                <a:lvl7pPr marL="2971800" indent="-228600" eaLnBrk="0" fontAlgn="base" hangingPunct="0">
+                  <a:spcBef>
+                    <a:spcPct val="0"/>
+                  </a:spcBef>
+                  <a:spcAft>
+                    <a:spcPct val="0"/>
+                  </a:spcAft>
+                  <a:defRPr>
+                    <a:solidFill>
+                      <a:schemeClr val="tx1"/>
+                    </a:solidFill>
+                    <a:latin typeface="Calibri" panose="020F0502020204030204" pitchFamily="34" charset="0"/>
+                  </a:defRPr>
+                </a:lvl7pPr>
+                <a:lvl8pPr marL="3429000" indent="-228600" eaLnBrk="0" fontAlgn="base" hangingPunct="0">
+                  <a:spcBef>
+                    <a:spcPct val="0"/>
+                  </a:spcBef>
+                  <a:spcAft>
+                    <a:spcPct val="0"/>
+                  </a:spcAft>
+                  <a:defRPr>
+                    <a:solidFill>
+                      <a:schemeClr val="tx1"/>
+                    </a:solidFill>
+                    <a:latin typeface="Calibri" panose="020F0502020204030204" pitchFamily="34" charset="0"/>
+                  </a:defRPr>
+                </a:lvl8pPr>
+                <a:lvl9pPr marL="3886200" indent="-228600" eaLnBrk="0" fontAlgn="base" hangingPunct="0">
+                  <a:spcBef>
+                    <a:spcPct val="0"/>
+                  </a:spcBef>
+                  <a:spcAft>
+                    <a:spcPct val="0"/>
+                  </a:spcAft>
+                  <a:defRPr>
+                    <a:solidFill>
+                      <a:schemeClr val="tx1"/>
+                    </a:solidFill>
+                    <a:latin typeface="Calibri" panose="020F0502020204030204" pitchFamily="34" charset="0"/>
+                  </a:defRPr>
+                </a:lvl9pPr>
+              </a:lstStyle>
+              <a:p>
+                <a:pPr algn="ctr" eaLnBrk="1" hangingPunct="1"/>
+                <a:r>
+                  <a:rPr lang="en-US" altLang="en-US" sz="1200" dirty="0">
+                    <a:latin typeface="Arial" panose="020B0604020202020204" pitchFamily="34" charset="0"/>
+                    <a:ea typeface="Amazon Ember" panose="020B0603020204020204" pitchFamily="34" charset="0"/>
+                    <a:cs typeface="Arial" panose="020B0604020202020204" pitchFamily="34" charset="0"/>
+                  </a:rPr>
+                  <a:t>AWS DataSync</a:t>
+                </a:r>
+              </a:p>
+            </p:txBody>
+          </p:sp>
+        </p:grpSp>
+        <p:cxnSp>
+          <p:nvCxnSpPr>
+            <p:cNvPr id="32" name="Straight Arrow Connector 31"/>
+            <p:cNvCxnSpPr/>
+            <p:nvPr/>
+          </p:nvCxnSpPr>
+          <p:spPr>
+            <a:xfrm flipH="1">
+              <a:off x="2931459" y="3311659"/>
+              <a:ext cx="2178423" cy="6920"/>
+            </a:xfrm>
+            <a:prstGeom prst="straightConnector1">
+              <a:avLst/>
+            </a:prstGeom>
+            <a:ln w="50800">
+              <a:solidFill>
+                <a:schemeClr val="accent1"/>
+              </a:solidFill>
+              <a:headEnd type="none" w="med" len="med"/>
+              <a:tailEnd type="arrow" w="med" len="med"/>
+            </a:ln>
+          </p:spPr>
+          <p:style>
+            <a:lnRef idx="1">
+              <a:schemeClr val="accent1"/>
+            </a:lnRef>
+            <a:fillRef idx="0">
+              <a:schemeClr val="accent1"/>
+            </a:fillRef>
+            <a:effectRef idx="0">
+              <a:schemeClr val="accent1"/>
+            </a:effectRef>
+            <a:fontRef idx="minor">
+              <a:schemeClr val="tx1"/>
+            </a:fontRef>
+          </p:style>
+        </p:cxnSp>
+        <p:sp>
+          <p:nvSpPr>
+            <p:cNvPr id="37" name="TextBox 36"/>
+            <p:cNvSpPr txBox="1"/>
+            <p:nvPr/>
+          </p:nvSpPr>
+          <p:spPr>
+            <a:xfrm>
+              <a:off x="3083481" y="2882954"/>
+              <a:ext cx="1929374" cy="369332"/>
+            </a:xfrm>
+            <a:prstGeom prst="rect">
+              <a:avLst/>
+            </a:prstGeom>
+            <a:noFill/>
+          </p:spPr>
+          <p:txBody>
+            <a:bodyPr wrap="none" rtlCol="0">
+              <a:spAutoFit/>
+            </a:bodyPr>
+            <a:lstStyle/>
+            <a:p>
+              <a:r>
+                <a:rPr lang="en-US" b="1" dirty="0" smtClean="0"/>
+                <a:t>2.</a:t>
+              </a:r>
+              <a:r>
+                <a:rPr lang="en-US" sz="1400" dirty="0" smtClean="0"/>
+                <a:t> Invoke </a:t>
+              </a:r>
+              <a:r>
+                <a:rPr lang="en-US" sz="1400" dirty="0" err="1" smtClean="0"/>
+                <a:t>DataSync</a:t>
+              </a:r>
+              <a:r>
+                <a:rPr lang="en-US" sz="1400" dirty="0" smtClean="0"/>
+                <a:t> task</a:t>
+              </a:r>
+              <a:endParaRPr lang="en-US" sz="1400" dirty="0"/>
+            </a:p>
+          </p:txBody>
+        </p:sp>
+        <p:cxnSp>
+          <p:nvCxnSpPr>
+            <p:cNvPr id="40" name="Elbow Connector 39"/>
+            <p:cNvCxnSpPr>
+              <a:endCxn id="18" idx="0"/>
+            </p:cNvCxnSpPr>
+            <p:nvPr/>
+          </p:nvCxnSpPr>
+          <p:spPr>
+            <a:xfrm rot="10800000" flipV="1">
+              <a:off x="2408958" y="797858"/>
+              <a:ext cx="2700924" cy="2112923"/>
+            </a:xfrm>
+            <a:prstGeom prst="bentConnector2">
+              <a:avLst/>
+            </a:prstGeom>
+            <a:ln w="50800">
+              <a:prstDash val="sysDash"/>
+              <a:tailEnd type="triangle"/>
+            </a:ln>
+          </p:spPr>
+          <p:style>
+            <a:lnRef idx="1">
+              <a:schemeClr val="accent1"/>
+            </a:lnRef>
+            <a:fillRef idx="0">
+              <a:schemeClr val="accent1"/>
+            </a:fillRef>
+            <a:effectRef idx="0">
+              <a:schemeClr val="accent1"/>
+            </a:effectRef>
+            <a:fontRef idx="minor">
+              <a:schemeClr val="tx1"/>
+            </a:fontRef>
+          </p:style>
+        </p:cxnSp>
+        <p:cxnSp>
+          <p:nvCxnSpPr>
+            <p:cNvPr id="42" name="Elbow Connector 41"/>
+            <p:cNvCxnSpPr>
+              <a:stCxn id="19" idx="2"/>
+              <a:endCxn id="14" idx="1"/>
+            </p:cNvCxnSpPr>
+            <p:nvPr/>
+          </p:nvCxnSpPr>
+          <p:spPr>
+            <a:xfrm rot="16200000" flipH="1">
+              <a:off x="3101416" y="3268435"/>
+              <a:ext cx="1491068" cy="2853759"/>
+            </a:xfrm>
+            <a:prstGeom prst="bentConnector2">
+              <a:avLst/>
+            </a:prstGeom>
+            <a:ln w="50800">
+              <a:prstDash val="sysDash"/>
+              <a:tailEnd type="triangle"/>
+            </a:ln>
+          </p:spPr>
+          <p:style>
+            <a:lnRef idx="1">
+              <a:schemeClr val="accent1"/>
+            </a:lnRef>
+            <a:fillRef idx="0">
+              <a:schemeClr val="accent1"/>
+            </a:fillRef>
+            <a:effectRef idx="0">
+              <a:schemeClr val="accent1"/>
+            </a:effectRef>
+            <a:fontRef idx="minor">
+              <a:schemeClr val="tx1"/>
+            </a:fontRef>
+          </p:style>
+        </p:cxnSp>
+        <p:sp>
+          <p:nvSpPr>
+            <p:cNvPr id="43" name="TextBox 42"/>
+            <p:cNvSpPr txBox="1"/>
+            <p:nvPr/>
+          </p:nvSpPr>
+          <p:spPr>
+            <a:xfrm>
+              <a:off x="2931459" y="5035852"/>
+              <a:ext cx="1614609" cy="369332"/>
+            </a:xfrm>
+            <a:prstGeom prst="rect">
+              <a:avLst/>
+            </a:prstGeom>
+            <a:noFill/>
+          </p:spPr>
+          <p:txBody>
+            <a:bodyPr wrap="none" rtlCol="0">
+              <a:spAutoFit/>
+            </a:bodyPr>
+            <a:lstStyle/>
+            <a:p>
+              <a:r>
+                <a:rPr lang="en-US" b="1" dirty="0" smtClean="0"/>
+                <a:t>3.</a:t>
+              </a:r>
+              <a:r>
+                <a:rPr lang="en-US" dirty="0" smtClean="0"/>
+                <a:t> </a:t>
+              </a:r>
+              <a:r>
+                <a:rPr lang="en-US" sz="1400" dirty="0" smtClean="0"/>
+                <a:t>Sync EFS with S3</a:t>
+              </a:r>
+              <a:endParaRPr lang="en-US" sz="1400" dirty="0"/>
+            </a:p>
+          </p:txBody>
+        </p:sp>
+      </p:grpSp>
+    </p:spTree>
+    <p:extLst>
+      <p:ext uri="{BB962C8B-B14F-4D97-AF65-F5344CB8AC3E}">
+        <p14:creationId xmlns:p14="http://schemas.microsoft.com/office/powerpoint/2010/main" val="2087895538"/>
+      </p:ext>
+    </p:extLst>
+  </p:cSld>
+  <p:clrMapOvr>
+    <a:masterClrMapping/>
+  </p:clrMapOvr>
+</p:sld>
+</file>
+
+<file path=ppt/slides/slide7.xml><?xml version="1.0" encoding="utf-8"?>
+<p:sld xmlns:a="http://schemas.openxmlformats.org/drawingml/2006/main" xmlns:r="http://schemas.openxmlformats.org/officeDocument/2006/relationships" xmlns:p="http://schemas.openxmlformats.org/presentationml/2006/main">
+  <p:cSld>
+    <p:spTree>
+      <p:nvGrpSpPr>
+        <p:cNvPr id="1" name=""/>
+        <p:cNvGrpSpPr/>
+        <p:nvPr/>
+      </p:nvGrpSpPr>
+      <p:grpSpPr>
+        <a:xfrm>
+          <a:off x="0" y="0"/>
+          <a:ext cx="0" cy="0"/>
+          <a:chOff x="0" y="0"/>
+          <a:chExt cx="0" cy="0"/>
+        </a:xfrm>
+      </p:grpSpPr>
+      <p:grpSp>
+        <p:nvGrpSpPr>
+          <p:cNvPr id="30" name="Group 29"/>
+          <p:cNvGrpSpPr/>
+          <p:nvPr/>
+        </p:nvGrpSpPr>
+        <p:grpSpPr>
+          <a:xfrm>
+            <a:off x="1280246" y="496741"/>
+            <a:ext cx="8474873" cy="5862219"/>
+            <a:chOff x="1280246" y="496741"/>
+            <a:chExt cx="8474873" cy="5862219"/>
+          </a:xfrm>
+        </p:grpSpPr>
+        <p:grpSp>
+          <p:nvGrpSpPr>
+            <p:cNvPr id="5" name="Group 4"/>
+            <p:cNvGrpSpPr/>
+            <p:nvPr/>
+          </p:nvGrpSpPr>
+          <p:grpSpPr>
+            <a:xfrm>
+              <a:off x="4461110" y="2894177"/>
+              <a:ext cx="2553487" cy="1156474"/>
+              <a:chOff x="4487863" y="1185069"/>
+              <a:chExt cx="2292350" cy="1038205"/>
+            </a:xfrm>
+          </p:grpSpPr>
+          <p:pic>
+            <p:nvPicPr>
+              <p:cNvPr id="22" name="Graphic 10">
+                <a:extLst>
+                  <a:ext uri="{FF2B5EF4-FFF2-40B4-BE49-F238E27FC236}">
+                    <a16:creationId xmlns="" xmlns:a16="http://schemas.microsoft.com/office/drawing/2014/main" id="{7249C1EC-5A69-3C4D-9DDF-0DB93BB70BC6}"/>
+                  </a:ext>
+                </a:extLst>
+              </p:cNvPr>
+              <p:cNvPicPr>
+                <a:picLocks noChangeAspect="1" noChangeArrowheads="1"/>
+              </p:cNvPicPr>
+              <p:nvPr/>
+            </p:nvPicPr>
+            <p:blipFill>
+              <a:blip r:embed="rId2" cstate="print">
+                <a:extLst>
+                  <a:ext uri="{28A0092B-C50C-407E-A947-70E740481C1C}">
+                    <a14:useLocalDpi xmlns:a14="http://schemas.microsoft.com/office/drawing/2010/main" val="0"/>
+                  </a:ext>
+                </a:extLst>
+              </a:blip>
+              <a:srcRect/>
+              <a:stretch>
+                <a:fillRect/>
+              </a:stretch>
+            </p:blipFill>
+            <p:spPr bwMode="auto">
+              <a:xfrm>
+                <a:off x="5246688" y="1185069"/>
+                <a:ext cx="762000" cy="762000"/>
+              </a:xfrm>
+              <a:prstGeom prst="rect">
+                <a:avLst/>
+              </a:prstGeom>
+              <a:noFill/>
+              <a:ln>
+                <a:noFill/>
+              </a:ln>
+              <a:extLst>
+                <a:ext uri="{909E8E84-426E-40DD-AFC4-6F175D3DCCD1}">
+                  <a14:hiddenFill xmlns:a14="http://schemas.microsoft.com/office/drawing/2010/main">
+                    <a:solidFill>
+                      <a:srgbClr val="FFFFFF"/>
+                    </a:solidFill>
+                  </a14:hiddenFill>
+                </a:ext>
+                <a:ext uri="{91240B29-F687-4F45-9708-019B960494DF}">
+                  <a14:hiddenLine xmlns:a14="http://schemas.microsoft.com/office/drawing/2010/main" w="9525">
+                    <a:solidFill>
+                      <a:srgbClr val="000000"/>
+                    </a:solidFill>
+                    <a:miter lim="800000"/>
+                    <a:headEnd/>
+                    <a:tailEnd/>
+                  </a14:hiddenLine>
+                </a:ext>
+              </a:extLst>
+            </p:spPr>
+          </p:pic>
+          <p:sp>
+            <p:nvSpPr>
+              <p:cNvPr id="23" name="TextBox 20">
+                <a:extLst>
+                  <a:ext uri="{FF2B5EF4-FFF2-40B4-BE49-F238E27FC236}">
+                    <a16:creationId xmlns="" xmlns:a16="http://schemas.microsoft.com/office/drawing/2014/main" id="{E5D4A7D0-5E44-1943-968A-C198F40D0E71}"/>
+                  </a:ext>
+                </a:extLst>
+              </p:cNvPr>
+              <p:cNvSpPr txBox="1">
+                <a:spLocks noChangeArrowheads="1"/>
+              </p:cNvSpPr>
+              <p:nvPr/>
+            </p:nvSpPr>
+            <p:spPr bwMode="auto">
+              <a:xfrm>
+                <a:off x="4487863" y="1946275"/>
+                <a:ext cx="2292350" cy="276999"/>
+              </a:xfrm>
+              <a:prstGeom prst="rect">
+                <a:avLst/>
+              </a:prstGeom>
+              <a:noFill/>
+              <a:ln>
+                <a:noFill/>
+              </a:ln>
+              <a:extLst>
+                <a:ext uri="{909E8E84-426E-40DD-AFC4-6F175D3DCCD1}">
+                  <a14:hiddenFill xmlns:a14="http://schemas.microsoft.com/office/drawing/2010/main">
+                    <a:solidFill>
+                      <a:srgbClr val="FFFFFF"/>
+                    </a:solidFill>
+                  </a14:hiddenFill>
+                </a:ext>
+                <a:ext uri="{91240B29-F687-4F45-9708-019B960494DF}">
+                  <a14:hiddenLine xmlns:a14="http://schemas.microsoft.com/office/drawing/2010/main" w="9525">
+                    <a:solidFill>
+                      <a:srgbClr val="000000"/>
+                    </a:solidFill>
+                    <a:miter lim="800000"/>
+                    <a:headEnd/>
+                    <a:tailEnd/>
+                  </a14:hiddenLine>
+                </a:ext>
+              </a:extLst>
+            </p:spPr>
+            <p:txBody>
+              <a:bodyPr>
+                <a:spAutoFit/>
+              </a:bodyPr>
+              <a:lstStyle>
+                <a:lvl1pPr>
+                  <a:defRPr>
+                    <a:solidFill>
+                      <a:schemeClr val="tx1"/>
+                    </a:solidFill>
+                    <a:latin typeface="Calibri" panose="020F0502020204030204" pitchFamily="34" charset="0"/>
+                  </a:defRPr>
+                </a:lvl1pPr>
+                <a:lvl2pPr marL="742950" indent="-285750">
+                  <a:defRPr>
+                    <a:solidFill>
+                      <a:schemeClr val="tx1"/>
+                    </a:solidFill>
+                    <a:latin typeface="Calibri" panose="020F0502020204030204" pitchFamily="34" charset="0"/>
+                  </a:defRPr>
+                </a:lvl2pPr>
+                <a:lvl3pPr marL="1143000" indent="-228600">
+                  <a:defRPr>
+                    <a:solidFill>
+                      <a:schemeClr val="tx1"/>
+                    </a:solidFill>
+                    <a:latin typeface="Calibri" panose="020F0502020204030204" pitchFamily="34" charset="0"/>
+                  </a:defRPr>
+                </a:lvl3pPr>
+                <a:lvl4pPr marL="1600200" indent="-228600">
+                  <a:defRPr>
+                    <a:solidFill>
+                      <a:schemeClr val="tx1"/>
+                    </a:solidFill>
+                    <a:latin typeface="Calibri" panose="020F0502020204030204" pitchFamily="34" charset="0"/>
+                  </a:defRPr>
+                </a:lvl4pPr>
+                <a:lvl5pPr marL="2057400" indent="-228600">
+                  <a:defRPr>
+                    <a:solidFill>
+                      <a:schemeClr val="tx1"/>
+                    </a:solidFill>
+                    <a:latin typeface="Calibri" panose="020F0502020204030204" pitchFamily="34" charset="0"/>
+                  </a:defRPr>
+                </a:lvl5pPr>
+                <a:lvl6pPr marL="2514600" indent="-228600" eaLnBrk="0" fontAlgn="base" hangingPunct="0">
+                  <a:spcBef>
+                    <a:spcPct val="0"/>
+                  </a:spcBef>
+                  <a:spcAft>
+                    <a:spcPct val="0"/>
+                  </a:spcAft>
+                  <a:defRPr>
+                    <a:solidFill>
+                      <a:schemeClr val="tx1"/>
+                    </a:solidFill>
+                    <a:latin typeface="Calibri" panose="020F0502020204030204" pitchFamily="34" charset="0"/>
+                  </a:defRPr>
+                </a:lvl6pPr>
+                <a:lvl7pPr marL="2971800" indent="-228600" eaLnBrk="0" fontAlgn="base" hangingPunct="0">
+                  <a:spcBef>
+                    <a:spcPct val="0"/>
+                  </a:spcBef>
+                  <a:spcAft>
+                    <a:spcPct val="0"/>
+                  </a:spcAft>
+                  <a:defRPr>
+                    <a:solidFill>
+                      <a:schemeClr val="tx1"/>
+                    </a:solidFill>
+                    <a:latin typeface="Calibri" panose="020F0502020204030204" pitchFamily="34" charset="0"/>
+                  </a:defRPr>
+                </a:lvl7pPr>
+                <a:lvl8pPr marL="3429000" indent="-228600" eaLnBrk="0" fontAlgn="base" hangingPunct="0">
+                  <a:spcBef>
+                    <a:spcPct val="0"/>
+                  </a:spcBef>
+                  <a:spcAft>
+                    <a:spcPct val="0"/>
+                  </a:spcAft>
+                  <a:defRPr>
+                    <a:solidFill>
+                      <a:schemeClr val="tx1"/>
+                    </a:solidFill>
+                    <a:latin typeface="Calibri" panose="020F0502020204030204" pitchFamily="34" charset="0"/>
+                  </a:defRPr>
+                </a:lvl8pPr>
+                <a:lvl9pPr marL="3886200" indent="-228600" eaLnBrk="0" fontAlgn="base" hangingPunct="0">
+                  <a:spcBef>
+                    <a:spcPct val="0"/>
+                  </a:spcBef>
+                  <a:spcAft>
+                    <a:spcPct val="0"/>
+                  </a:spcAft>
+                  <a:defRPr>
+                    <a:solidFill>
+                      <a:schemeClr val="tx1"/>
+                    </a:solidFill>
+                    <a:latin typeface="Calibri" panose="020F0502020204030204" pitchFamily="34" charset="0"/>
+                  </a:defRPr>
+                </a:lvl9pPr>
+              </a:lstStyle>
+              <a:p>
+                <a:pPr algn="ctr" eaLnBrk="1" hangingPunct="1"/>
+                <a:r>
+                  <a:rPr lang="en-US" altLang="en-US" sz="1200" dirty="0">
+                    <a:latin typeface="Arial" panose="020B0604020202020204" pitchFamily="34" charset="0"/>
+                    <a:ea typeface="Amazon Ember" panose="020B0603020204020204" pitchFamily="34" charset="0"/>
+                    <a:cs typeface="Arial" panose="020B0604020202020204" pitchFamily="34" charset="0"/>
+                  </a:rPr>
+                  <a:t>AWS Lambda</a:t>
+                </a:r>
+              </a:p>
+            </p:txBody>
+          </p:sp>
+        </p:grpSp>
+        <p:grpSp>
+          <p:nvGrpSpPr>
+            <p:cNvPr id="6" name="Group 5"/>
+            <p:cNvGrpSpPr/>
+            <p:nvPr/>
+          </p:nvGrpSpPr>
+          <p:grpSpPr>
+            <a:xfrm>
+              <a:off x="4370406" y="4986296"/>
+              <a:ext cx="2734894" cy="1372664"/>
+              <a:chOff x="1251604" y="1565275"/>
+              <a:chExt cx="2292350" cy="1150548"/>
+            </a:xfrm>
+          </p:grpSpPr>
+          <p:pic>
+            <p:nvPicPr>
+              <p:cNvPr id="20" name="Graphic 19">
+                <a:extLst>
+                  <a:ext uri="{FF2B5EF4-FFF2-40B4-BE49-F238E27FC236}">
+                    <a16:creationId xmlns="" xmlns:a16="http://schemas.microsoft.com/office/drawing/2014/main" id="{1FC33CE7-C98D-E547-BC90-92306552093A}"/>
+                  </a:ext>
+                </a:extLst>
+              </p:cNvPr>
+              <p:cNvPicPr>
+                <a:picLocks noChangeAspect="1" noChangeArrowheads="1"/>
+              </p:cNvPicPr>
+              <p:nvPr/>
+            </p:nvPicPr>
+            <p:blipFill>
+              <a:blip r:embed="rId3" cstate="print">
+                <a:extLst>
+                  <a:ext uri="{28A0092B-C50C-407E-A947-70E740481C1C}">
+                    <a14:useLocalDpi xmlns:a14="http://schemas.microsoft.com/office/drawing/2010/main" val="0"/>
+                  </a:ext>
+                </a:extLst>
+              </a:blip>
+              <a:srcRect/>
+              <a:stretch>
+                <a:fillRect/>
+              </a:stretch>
+            </p:blipFill>
+            <p:spPr bwMode="auto">
+              <a:xfrm>
+                <a:off x="2008841" y="1565275"/>
+                <a:ext cx="762000" cy="762000"/>
+              </a:xfrm>
+              <a:prstGeom prst="rect">
+                <a:avLst/>
+              </a:prstGeom>
+              <a:noFill/>
+              <a:ln>
+                <a:noFill/>
+              </a:ln>
+              <a:extLst>
+                <a:ext uri="{909E8E84-426E-40DD-AFC4-6F175D3DCCD1}">
+                  <a14:hiddenFill xmlns:a14="http://schemas.microsoft.com/office/drawing/2010/main">
+                    <a:solidFill>
+                      <a:srgbClr val="FFFFFF"/>
+                    </a:solidFill>
+                  </a14:hiddenFill>
+                </a:ext>
+                <a:ext uri="{91240B29-F687-4F45-9708-019B960494DF}">
+                  <a14:hiddenLine xmlns:a14="http://schemas.microsoft.com/office/drawing/2010/main" w="9525">
+                    <a:solidFill>
+                      <a:srgbClr val="000000"/>
+                    </a:solidFill>
+                    <a:miter lim="800000"/>
+                    <a:headEnd/>
+                    <a:tailEnd/>
+                  </a14:hiddenLine>
+                </a:ext>
+              </a:extLst>
+            </p:spPr>
+          </p:pic>
+          <p:sp>
+            <p:nvSpPr>
+              <p:cNvPr id="21" name="TextBox 11">
+                <a:extLst>
+                  <a:ext uri="{FF2B5EF4-FFF2-40B4-BE49-F238E27FC236}">
+                    <a16:creationId xmlns="" xmlns:a16="http://schemas.microsoft.com/office/drawing/2014/main" id="{0355EC56-8BE5-9F4E-BD29-5DC1160E4BC4}"/>
+                  </a:ext>
+                </a:extLst>
+              </p:cNvPr>
+              <p:cNvSpPr txBox="1">
+                <a:spLocks noChangeArrowheads="1"/>
+              </p:cNvSpPr>
+              <p:nvPr/>
+            </p:nvSpPr>
+            <p:spPr bwMode="auto">
+              <a:xfrm>
+                <a:off x="1251604" y="2328862"/>
+                <a:ext cx="2292350" cy="386961"/>
+              </a:xfrm>
+              <a:prstGeom prst="rect">
+                <a:avLst/>
+              </a:prstGeom>
+              <a:noFill/>
+              <a:ln>
+                <a:noFill/>
+              </a:ln>
+              <a:extLst>
+                <a:ext uri="{909E8E84-426E-40DD-AFC4-6F175D3DCCD1}">
+                  <a14:hiddenFill xmlns:a14="http://schemas.microsoft.com/office/drawing/2010/main">
+                    <a:solidFill>
+                      <a:srgbClr val="FFFFFF"/>
+                    </a:solidFill>
+                  </a14:hiddenFill>
+                </a:ext>
+                <a:ext uri="{91240B29-F687-4F45-9708-019B960494DF}">
+                  <a14:hiddenLine xmlns:a14="http://schemas.microsoft.com/office/drawing/2010/main" w="9525">
+                    <a:solidFill>
+                      <a:srgbClr val="000000"/>
+                    </a:solidFill>
+                    <a:miter lim="800000"/>
+                    <a:headEnd/>
+                    <a:tailEnd/>
+                  </a14:hiddenLine>
+                </a:ext>
+              </a:extLst>
+            </p:spPr>
+            <p:txBody>
+              <a:bodyPr>
+                <a:spAutoFit/>
+              </a:bodyPr>
+              <a:lstStyle>
+                <a:lvl1pPr>
+                  <a:defRPr>
+                    <a:solidFill>
+                      <a:schemeClr val="tx1"/>
+                    </a:solidFill>
+                    <a:latin typeface="Calibri" panose="020F0502020204030204" pitchFamily="34" charset="0"/>
+                  </a:defRPr>
+                </a:lvl1pPr>
+                <a:lvl2pPr marL="742950" indent="-285750">
+                  <a:defRPr>
+                    <a:solidFill>
+                      <a:schemeClr val="tx1"/>
+                    </a:solidFill>
+                    <a:latin typeface="Calibri" panose="020F0502020204030204" pitchFamily="34" charset="0"/>
+                  </a:defRPr>
+                </a:lvl2pPr>
+                <a:lvl3pPr marL="1143000" indent="-228600">
+                  <a:defRPr>
+                    <a:solidFill>
+                      <a:schemeClr val="tx1"/>
+                    </a:solidFill>
+                    <a:latin typeface="Calibri" panose="020F0502020204030204" pitchFamily="34" charset="0"/>
+                  </a:defRPr>
+                </a:lvl3pPr>
+                <a:lvl4pPr marL="1600200" indent="-228600">
+                  <a:defRPr>
+                    <a:solidFill>
+                      <a:schemeClr val="tx1"/>
+                    </a:solidFill>
+                    <a:latin typeface="Calibri" panose="020F0502020204030204" pitchFamily="34" charset="0"/>
+                  </a:defRPr>
+                </a:lvl4pPr>
+                <a:lvl5pPr marL="2057400" indent="-228600">
+                  <a:defRPr>
+                    <a:solidFill>
+                      <a:schemeClr val="tx1"/>
+                    </a:solidFill>
+                    <a:latin typeface="Calibri" panose="020F0502020204030204" pitchFamily="34" charset="0"/>
+                  </a:defRPr>
+                </a:lvl5pPr>
+                <a:lvl6pPr marL="2514600" indent="-228600" eaLnBrk="0" fontAlgn="base" hangingPunct="0">
+                  <a:spcBef>
+                    <a:spcPct val="0"/>
+                  </a:spcBef>
+                  <a:spcAft>
+                    <a:spcPct val="0"/>
+                  </a:spcAft>
+                  <a:defRPr>
+                    <a:solidFill>
+                      <a:schemeClr val="tx1"/>
+                    </a:solidFill>
+                    <a:latin typeface="Calibri" panose="020F0502020204030204" pitchFamily="34" charset="0"/>
+                  </a:defRPr>
+                </a:lvl6pPr>
+                <a:lvl7pPr marL="2971800" indent="-228600" eaLnBrk="0" fontAlgn="base" hangingPunct="0">
+                  <a:spcBef>
+                    <a:spcPct val="0"/>
+                  </a:spcBef>
+                  <a:spcAft>
+                    <a:spcPct val="0"/>
+                  </a:spcAft>
+                  <a:defRPr>
+                    <a:solidFill>
+                      <a:schemeClr val="tx1"/>
+                    </a:solidFill>
+                    <a:latin typeface="Calibri" panose="020F0502020204030204" pitchFamily="34" charset="0"/>
+                  </a:defRPr>
+                </a:lvl7pPr>
+                <a:lvl8pPr marL="3429000" indent="-228600" eaLnBrk="0" fontAlgn="base" hangingPunct="0">
+                  <a:spcBef>
+                    <a:spcPct val="0"/>
+                  </a:spcBef>
+                  <a:spcAft>
+                    <a:spcPct val="0"/>
+                  </a:spcAft>
+                  <a:defRPr>
+                    <a:solidFill>
+                      <a:schemeClr val="tx1"/>
+                    </a:solidFill>
+                    <a:latin typeface="Calibri" panose="020F0502020204030204" pitchFamily="34" charset="0"/>
+                  </a:defRPr>
+                </a:lvl8pPr>
+                <a:lvl9pPr marL="3886200" indent="-228600" eaLnBrk="0" fontAlgn="base" hangingPunct="0">
+                  <a:spcBef>
+                    <a:spcPct val="0"/>
+                  </a:spcBef>
+                  <a:spcAft>
+                    <a:spcPct val="0"/>
+                  </a:spcAft>
+                  <a:defRPr>
+                    <a:solidFill>
+                      <a:schemeClr val="tx1"/>
+                    </a:solidFill>
+                    <a:latin typeface="Calibri" panose="020F0502020204030204" pitchFamily="34" charset="0"/>
+                  </a:defRPr>
+                </a:lvl9pPr>
+              </a:lstStyle>
+              <a:p>
+                <a:pPr algn="ctr" eaLnBrk="1" hangingPunct="1"/>
+                <a:r>
+                  <a:rPr lang="en-US" altLang="en-US" sz="1200" dirty="0">
+                    <a:latin typeface="Arial" panose="020B0604020202020204" pitchFamily="34" charset="0"/>
+                    <a:ea typeface="Amazon Ember" panose="020B0603020204020204" pitchFamily="34" charset="0"/>
+                    <a:cs typeface="Arial" panose="020B0604020202020204" pitchFamily="34" charset="0"/>
+                  </a:rPr>
+                  <a:t>Amazon Elastic File System </a:t>
+                </a:r>
+                <a:endParaRPr lang="en-US" altLang="en-US" sz="1200" dirty="0" smtClean="0">
+                  <a:latin typeface="Arial" panose="020B0604020202020204" pitchFamily="34" charset="0"/>
+                  <a:ea typeface="Amazon Ember" panose="020B0603020204020204" pitchFamily="34" charset="0"/>
+                  <a:cs typeface="Arial" panose="020B0604020202020204" pitchFamily="34" charset="0"/>
+                </a:endParaRPr>
+              </a:p>
+              <a:p>
+                <a:pPr algn="ctr" eaLnBrk="1" hangingPunct="1"/>
+                <a:r>
+                  <a:rPr lang="en-US" altLang="en-US" sz="1200" dirty="0" smtClean="0">
+                    <a:latin typeface="Arial" panose="020B0604020202020204" pitchFamily="34" charset="0"/>
+                    <a:ea typeface="Amazon Ember" panose="020B0603020204020204" pitchFamily="34" charset="0"/>
+                    <a:cs typeface="Arial" panose="020B0604020202020204" pitchFamily="34" charset="0"/>
+                  </a:rPr>
+                  <a:t>(</a:t>
+                </a:r>
+                <a:r>
+                  <a:rPr lang="en-US" altLang="en-US" sz="1200" dirty="0">
+                    <a:latin typeface="Arial" panose="020B0604020202020204" pitchFamily="34" charset="0"/>
+                    <a:ea typeface="Amazon Ember" panose="020B0603020204020204" pitchFamily="34" charset="0"/>
+                    <a:cs typeface="Arial" panose="020B0604020202020204" pitchFamily="34" charset="0"/>
+                  </a:rPr>
+                  <a:t>Amazon EFS)</a:t>
+                </a:r>
+              </a:p>
+            </p:txBody>
+          </p:sp>
+        </p:grpSp>
+        <p:grpSp>
+          <p:nvGrpSpPr>
+            <p:cNvPr id="7" name="Group 6"/>
+            <p:cNvGrpSpPr/>
+            <p:nvPr/>
+          </p:nvGrpSpPr>
+          <p:grpSpPr>
+            <a:xfrm>
+              <a:off x="4427745" y="496741"/>
+              <a:ext cx="2620216" cy="1461790"/>
+              <a:chOff x="7915182" y="2223274"/>
+              <a:chExt cx="2239962" cy="1225252"/>
+            </a:xfrm>
+          </p:grpSpPr>
+          <p:pic>
+            <p:nvPicPr>
+              <p:cNvPr id="18" name="Graphic 8">
+                <a:extLst>
+                  <a:ext uri="{FF2B5EF4-FFF2-40B4-BE49-F238E27FC236}">
+                    <a16:creationId xmlns="" xmlns:a16="http://schemas.microsoft.com/office/drawing/2014/main" id="{0D4A9B47-8231-EF4D-B9AB-A3D9E4B81350}"/>
+                  </a:ext>
+                </a:extLst>
+              </p:cNvPr>
+              <p:cNvPicPr>
+                <a:picLocks noChangeAspect="1" noChangeArrowheads="1"/>
+              </p:cNvPicPr>
+              <p:nvPr/>
+            </p:nvPicPr>
+            <p:blipFill>
+              <a:blip r:embed="rId4" cstate="print">
+                <a:extLst>
+                  <a:ext uri="{28A0092B-C50C-407E-A947-70E740481C1C}">
+                    <a14:useLocalDpi xmlns:a14="http://schemas.microsoft.com/office/drawing/2010/main" val="0"/>
+                  </a:ext>
+                </a:extLst>
+              </a:blip>
+              <a:srcRect/>
+              <a:stretch>
+                <a:fillRect/>
+              </a:stretch>
+            </p:blipFill>
+            <p:spPr bwMode="auto">
+              <a:xfrm>
+                <a:off x="8654957" y="2223274"/>
+                <a:ext cx="762000" cy="762000"/>
+              </a:xfrm>
+              <a:prstGeom prst="rect">
+                <a:avLst/>
+              </a:prstGeom>
+              <a:noFill/>
+              <a:ln>
+                <a:noFill/>
+              </a:ln>
+              <a:extLst>
+                <a:ext uri="{909E8E84-426E-40DD-AFC4-6F175D3DCCD1}">
+                  <a14:hiddenFill xmlns:a14="http://schemas.microsoft.com/office/drawing/2010/main">
+                    <a:solidFill>
+                      <a:srgbClr val="FFFFFF"/>
+                    </a:solidFill>
+                  </a14:hiddenFill>
+                </a:ext>
+                <a:ext uri="{91240B29-F687-4F45-9708-019B960494DF}">
+                  <a14:hiddenLine xmlns:a14="http://schemas.microsoft.com/office/drawing/2010/main" w="9525">
+                    <a:solidFill>
+                      <a:srgbClr val="000000"/>
+                    </a:solidFill>
+                    <a:miter lim="800000"/>
+                    <a:headEnd/>
+                    <a:tailEnd/>
+                  </a14:hiddenLine>
+                </a:ext>
+              </a:extLst>
+            </p:spPr>
+          </p:pic>
+          <p:sp>
+            <p:nvSpPr>
+              <p:cNvPr id="19" name="TextBox 9">
+                <a:extLst>
+                  <a:ext uri="{FF2B5EF4-FFF2-40B4-BE49-F238E27FC236}">
+                    <a16:creationId xmlns="" xmlns:a16="http://schemas.microsoft.com/office/drawing/2014/main" id="{5B6C5DC4-5A01-E14D-BEE5-909FCF8B05F2}"/>
+                  </a:ext>
+                </a:extLst>
+              </p:cNvPr>
+              <p:cNvSpPr txBox="1">
+                <a:spLocks noChangeArrowheads="1"/>
+              </p:cNvSpPr>
+              <p:nvPr/>
+            </p:nvSpPr>
+            <p:spPr bwMode="auto">
+              <a:xfrm>
+                <a:off x="7915182" y="2986861"/>
+                <a:ext cx="2239962" cy="461665"/>
+              </a:xfrm>
+              <a:prstGeom prst="rect">
+                <a:avLst/>
+              </a:prstGeom>
+              <a:noFill/>
+              <a:ln>
+                <a:noFill/>
+              </a:ln>
+              <a:extLst>
+                <a:ext uri="{909E8E84-426E-40DD-AFC4-6F175D3DCCD1}">
+                  <a14:hiddenFill xmlns:a14="http://schemas.microsoft.com/office/drawing/2010/main">
+                    <a:solidFill>
+                      <a:srgbClr val="FFFFFF"/>
+                    </a:solidFill>
+                  </a14:hiddenFill>
+                </a:ext>
+                <a:ext uri="{91240B29-F687-4F45-9708-019B960494DF}">
+                  <a14:hiddenLine xmlns:a14="http://schemas.microsoft.com/office/drawing/2010/main" w="9525">
+                    <a:solidFill>
+                      <a:srgbClr val="000000"/>
+                    </a:solidFill>
+                    <a:miter lim="800000"/>
+                    <a:headEnd/>
+                    <a:tailEnd/>
+                  </a14:hiddenLine>
+                </a:ext>
+              </a:extLst>
+            </p:spPr>
+            <p:txBody>
+              <a:bodyPr>
+                <a:spAutoFit/>
+              </a:bodyPr>
+              <a:lstStyle>
+                <a:lvl1pPr>
+                  <a:defRPr>
+                    <a:solidFill>
+                      <a:schemeClr val="tx1"/>
+                    </a:solidFill>
+                    <a:latin typeface="Calibri" panose="020F0502020204030204" pitchFamily="34" charset="0"/>
+                  </a:defRPr>
+                </a:lvl1pPr>
+                <a:lvl2pPr marL="742950" indent="-285750">
+                  <a:defRPr>
+                    <a:solidFill>
+                      <a:schemeClr val="tx1"/>
+                    </a:solidFill>
+                    <a:latin typeface="Calibri" panose="020F0502020204030204" pitchFamily="34" charset="0"/>
+                  </a:defRPr>
+                </a:lvl2pPr>
+                <a:lvl3pPr marL="1143000" indent="-228600">
+                  <a:defRPr>
+                    <a:solidFill>
+                      <a:schemeClr val="tx1"/>
+                    </a:solidFill>
+                    <a:latin typeface="Calibri" panose="020F0502020204030204" pitchFamily="34" charset="0"/>
+                  </a:defRPr>
+                </a:lvl3pPr>
+                <a:lvl4pPr marL="1600200" indent="-228600">
+                  <a:defRPr>
+                    <a:solidFill>
+                      <a:schemeClr val="tx1"/>
+                    </a:solidFill>
+                    <a:latin typeface="Calibri" panose="020F0502020204030204" pitchFamily="34" charset="0"/>
+                  </a:defRPr>
+                </a:lvl4pPr>
+                <a:lvl5pPr marL="2057400" indent="-228600">
+                  <a:defRPr>
+                    <a:solidFill>
+                      <a:schemeClr val="tx1"/>
+                    </a:solidFill>
+                    <a:latin typeface="Calibri" panose="020F0502020204030204" pitchFamily="34" charset="0"/>
+                  </a:defRPr>
+                </a:lvl5pPr>
+                <a:lvl6pPr marL="2514600" indent="-228600" eaLnBrk="0" fontAlgn="base" hangingPunct="0">
+                  <a:spcBef>
+                    <a:spcPct val="0"/>
+                  </a:spcBef>
+                  <a:spcAft>
+                    <a:spcPct val="0"/>
+                  </a:spcAft>
+                  <a:defRPr>
+                    <a:solidFill>
+                      <a:schemeClr val="tx1"/>
+                    </a:solidFill>
+                    <a:latin typeface="Calibri" panose="020F0502020204030204" pitchFamily="34" charset="0"/>
+                  </a:defRPr>
+                </a:lvl6pPr>
+                <a:lvl7pPr marL="2971800" indent="-228600" eaLnBrk="0" fontAlgn="base" hangingPunct="0">
+                  <a:spcBef>
+                    <a:spcPct val="0"/>
+                  </a:spcBef>
+                  <a:spcAft>
+                    <a:spcPct val="0"/>
+                  </a:spcAft>
+                  <a:defRPr>
+                    <a:solidFill>
+                      <a:schemeClr val="tx1"/>
+                    </a:solidFill>
+                    <a:latin typeface="Calibri" panose="020F0502020204030204" pitchFamily="34" charset="0"/>
+                  </a:defRPr>
+                </a:lvl7pPr>
+                <a:lvl8pPr marL="3429000" indent="-228600" eaLnBrk="0" fontAlgn="base" hangingPunct="0">
+                  <a:spcBef>
+                    <a:spcPct val="0"/>
+                  </a:spcBef>
+                  <a:spcAft>
+                    <a:spcPct val="0"/>
+                  </a:spcAft>
+                  <a:defRPr>
+                    <a:solidFill>
+                      <a:schemeClr val="tx1"/>
+                    </a:solidFill>
+                    <a:latin typeface="Calibri" panose="020F0502020204030204" pitchFamily="34" charset="0"/>
+                  </a:defRPr>
+                </a:lvl8pPr>
+                <a:lvl9pPr marL="3886200" indent="-228600" eaLnBrk="0" fontAlgn="base" hangingPunct="0">
+                  <a:spcBef>
+                    <a:spcPct val="0"/>
+                  </a:spcBef>
+                  <a:spcAft>
+                    <a:spcPct val="0"/>
+                  </a:spcAft>
+                  <a:defRPr>
+                    <a:solidFill>
+                      <a:schemeClr val="tx1"/>
+                    </a:solidFill>
+                    <a:latin typeface="Calibri" panose="020F0502020204030204" pitchFamily="34" charset="0"/>
+                  </a:defRPr>
+                </a:lvl9pPr>
+              </a:lstStyle>
+              <a:p>
+                <a:pPr algn="ctr" eaLnBrk="1" hangingPunct="1"/>
+                <a:r>
+                  <a:rPr lang="en-US" altLang="en-US" sz="1200" dirty="0">
+                    <a:latin typeface="Arial" panose="020B0604020202020204" pitchFamily="34" charset="0"/>
+                    <a:ea typeface="Amazon Ember" panose="020B0603020204020204" pitchFamily="34" charset="0"/>
+                    <a:cs typeface="Arial" panose="020B0604020202020204" pitchFamily="34" charset="0"/>
+                  </a:rPr>
+                  <a:t>Amazon Simple Storage Service (Amazon S3)</a:t>
+                </a:r>
+              </a:p>
+            </p:txBody>
+          </p:sp>
+        </p:grpSp>
+        <p:cxnSp>
+          <p:nvCxnSpPr>
+            <p:cNvPr id="8" name="Straight Arrow Connector 7"/>
+            <p:cNvCxnSpPr/>
+            <p:nvPr/>
+          </p:nvCxnSpPr>
+          <p:spPr>
+            <a:xfrm flipH="1">
+              <a:off x="6351680" y="3311659"/>
+              <a:ext cx="1623920" cy="6920"/>
+            </a:xfrm>
+            <a:prstGeom prst="straightConnector1">
+              <a:avLst/>
+            </a:prstGeom>
+            <a:ln w="50800">
+              <a:solidFill>
+                <a:schemeClr val="accent1"/>
+              </a:solidFill>
+              <a:headEnd type="none" w="med" len="med"/>
+              <a:tailEnd type="arrow" w="med" len="med"/>
+            </a:ln>
+          </p:spPr>
+          <p:style>
+            <a:lnRef idx="1">
+              <a:schemeClr val="accent1"/>
+            </a:lnRef>
+            <a:fillRef idx="0">
+              <a:schemeClr val="accent1"/>
+            </a:fillRef>
+            <a:effectRef idx="0">
+              <a:schemeClr val="accent1"/>
+            </a:effectRef>
+            <a:fontRef idx="minor">
+              <a:schemeClr val="tx1"/>
+            </a:fontRef>
+          </p:style>
+        </p:cxnSp>
+        <p:sp>
+          <p:nvSpPr>
+            <p:cNvPr id="9" name="TextBox 8"/>
+            <p:cNvSpPr txBox="1"/>
+            <p:nvPr/>
+          </p:nvSpPr>
+          <p:spPr>
+            <a:xfrm>
+              <a:off x="6396240" y="2882954"/>
+              <a:ext cx="1699696" cy="369332"/>
+            </a:xfrm>
+            <a:prstGeom prst="rect">
+              <a:avLst/>
+            </a:prstGeom>
+            <a:noFill/>
+          </p:spPr>
+          <p:txBody>
+            <a:bodyPr wrap="none" rtlCol="0">
+              <a:spAutoFit/>
+            </a:bodyPr>
+            <a:lstStyle/>
+            <a:p>
+              <a:r>
+                <a:rPr lang="en-US" b="1" dirty="0" smtClean="0"/>
+                <a:t>1. </a:t>
+              </a:r>
+              <a:r>
+                <a:rPr lang="en-US" sz="1400" dirty="0" smtClean="0"/>
+                <a:t>Scheduled trigger</a:t>
+              </a:r>
+              <a:endParaRPr lang="en-US" sz="1400" dirty="0"/>
+            </a:p>
+          </p:txBody>
+        </p:sp>
+        <p:grpSp>
+          <p:nvGrpSpPr>
+            <p:cNvPr id="10" name="Group 9"/>
+            <p:cNvGrpSpPr/>
+            <p:nvPr/>
+          </p:nvGrpSpPr>
+          <p:grpSpPr>
+            <a:xfrm>
+              <a:off x="1280246" y="2910782"/>
+              <a:ext cx="2279650" cy="1038999"/>
+              <a:chOff x="6786563" y="1184275"/>
+              <a:chExt cx="2279650" cy="1038999"/>
+            </a:xfrm>
+          </p:grpSpPr>
+          <p:pic>
+            <p:nvPicPr>
+              <p:cNvPr id="16" name="Graphic 21">
+                <a:extLst>
+                  <a:ext uri="{FF2B5EF4-FFF2-40B4-BE49-F238E27FC236}">
+                    <a16:creationId xmlns:a16="http://schemas.microsoft.com/office/drawing/2014/main" xmlns="" id="{29EBF3FF-7F82-FD4A-89C8-1202691CCAE4}"/>
+                  </a:ext>
+                </a:extLst>
+              </p:cNvPr>
+              <p:cNvPicPr>
+                <a:picLocks noChangeAspect="1" noChangeArrowheads="1"/>
+              </p:cNvPicPr>
+              <p:nvPr/>
+            </p:nvPicPr>
+            <p:blipFill>
+              <a:blip r:embed="rId5" cstate="print">
+                <a:extLst>
+                  <a:ext uri="{28A0092B-C50C-407E-A947-70E740481C1C}">
+                    <a14:useLocalDpi xmlns:a14="http://schemas.microsoft.com/office/drawing/2010/main" val="0"/>
+                  </a:ext>
+                </a:extLst>
+              </a:blip>
+              <a:srcRect/>
+              <a:stretch>
+                <a:fillRect/>
+              </a:stretch>
+            </p:blipFill>
+            <p:spPr bwMode="auto">
+              <a:xfrm>
+                <a:off x="7534275" y="1184275"/>
+                <a:ext cx="762000" cy="762000"/>
+              </a:xfrm>
+              <a:prstGeom prst="rect">
+                <a:avLst/>
+              </a:prstGeom>
+              <a:noFill/>
+              <a:ln>
+                <a:noFill/>
+              </a:ln>
+              <a:extLst>
+                <a:ext uri="{909E8E84-426E-40DD-AFC4-6F175D3DCCD1}">
+                  <a14:hiddenFill xmlns:a14="http://schemas.microsoft.com/office/drawing/2010/main">
+                    <a:solidFill>
+                      <a:srgbClr val="FFFFFF"/>
+                    </a:solidFill>
+                  </a14:hiddenFill>
+                </a:ext>
+                <a:ext uri="{91240B29-F687-4F45-9708-019B960494DF}">
+                  <a14:hiddenLine xmlns:a14="http://schemas.microsoft.com/office/drawing/2010/main" w="9525">
+                    <a:solidFill>
+                      <a:srgbClr val="000000"/>
+                    </a:solidFill>
+                    <a:miter lim="800000"/>
+                    <a:headEnd/>
+                    <a:tailEnd/>
+                  </a14:hiddenLine>
+                </a:ext>
+              </a:extLst>
+            </p:spPr>
+          </p:pic>
+          <p:sp>
+            <p:nvSpPr>
+              <p:cNvPr id="17" name="TextBox 12">
+                <a:extLst>
+                  <a:ext uri="{FF2B5EF4-FFF2-40B4-BE49-F238E27FC236}">
+                    <a16:creationId xmlns:a16="http://schemas.microsoft.com/office/drawing/2014/main" xmlns="" id="{0FDF1365-7056-D948-913F-18757388B2CD}"/>
+                  </a:ext>
+                </a:extLst>
+              </p:cNvPr>
+              <p:cNvSpPr txBox="1">
+                <a:spLocks noChangeArrowheads="1"/>
+              </p:cNvSpPr>
+              <p:nvPr/>
+            </p:nvSpPr>
+            <p:spPr bwMode="auto">
+              <a:xfrm>
+                <a:off x="6786563" y="1946275"/>
+                <a:ext cx="2279650" cy="276999"/>
+              </a:xfrm>
+              <a:prstGeom prst="rect">
+                <a:avLst/>
+              </a:prstGeom>
+              <a:noFill/>
+              <a:ln>
+                <a:noFill/>
+              </a:ln>
+              <a:extLst>
+                <a:ext uri="{909E8E84-426E-40DD-AFC4-6F175D3DCCD1}">
+                  <a14:hiddenFill xmlns:a14="http://schemas.microsoft.com/office/drawing/2010/main">
+                    <a:solidFill>
+                      <a:srgbClr val="FFFFFF"/>
+                    </a:solidFill>
+                  </a14:hiddenFill>
+                </a:ext>
+                <a:ext uri="{91240B29-F687-4F45-9708-019B960494DF}">
+                  <a14:hiddenLine xmlns:a14="http://schemas.microsoft.com/office/drawing/2010/main" w="9525">
+                    <a:solidFill>
+                      <a:srgbClr val="000000"/>
+                    </a:solidFill>
+                    <a:miter lim="800000"/>
+                    <a:headEnd/>
+                    <a:tailEnd/>
+                  </a14:hiddenLine>
+                </a:ext>
+              </a:extLst>
+            </p:spPr>
+            <p:txBody>
+              <a:bodyPr>
+                <a:spAutoFit/>
+              </a:bodyPr>
+              <a:lstStyle>
+                <a:lvl1pPr>
+                  <a:defRPr>
+                    <a:solidFill>
+                      <a:schemeClr val="tx1"/>
+                    </a:solidFill>
+                    <a:latin typeface="Calibri" panose="020F0502020204030204" pitchFamily="34" charset="0"/>
+                  </a:defRPr>
+                </a:lvl1pPr>
+                <a:lvl2pPr marL="742950" indent="-285750">
+                  <a:defRPr>
+                    <a:solidFill>
+                      <a:schemeClr val="tx1"/>
+                    </a:solidFill>
+                    <a:latin typeface="Calibri" panose="020F0502020204030204" pitchFamily="34" charset="0"/>
+                  </a:defRPr>
+                </a:lvl2pPr>
+                <a:lvl3pPr marL="1143000" indent="-228600">
+                  <a:defRPr>
+                    <a:solidFill>
+                      <a:schemeClr val="tx1"/>
+                    </a:solidFill>
+                    <a:latin typeface="Calibri" panose="020F0502020204030204" pitchFamily="34" charset="0"/>
+                  </a:defRPr>
+                </a:lvl3pPr>
+                <a:lvl4pPr marL="1600200" indent="-228600">
+                  <a:defRPr>
+                    <a:solidFill>
+                      <a:schemeClr val="tx1"/>
+                    </a:solidFill>
+                    <a:latin typeface="Calibri" panose="020F0502020204030204" pitchFamily="34" charset="0"/>
+                  </a:defRPr>
+                </a:lvl4pPr>
+                <a:lvl5pPr marL="2057400" indent="-228600">
+                  <a:defRPr>
+                    <a:solidFill>
+                      <a:schemeClr val="tx1"/>
+                    </a:solidFill>
+                    <a:latin typeface="Calibri" panose="020F0502020204030204" pitchFamily="34" charset="0"/>
+                  </a:defRPr>
+                </a:lvl5pPr>
+                <a:lvl6pPr marL="2514600" indent="-228600" eaLnBrk="0" fontAlgn="base" hangingPunct="0">
+                  <a:spcBef>
+                    <a:spcPct val="0"/>
+                  </a:spcBef>
+                  <a:spcAft>
+                    <a:spcPct val="0"/>
+                  </a:spcAft>
+                  <a:defRPr>
+                    <a:solidFill>
+                      <a:schemeClr val="tx1"/>
+                    </a:solidFill>
+                    <a:latin typeface="Calibri" panose="020F0502020204030204" pitchFamily="34" charset="0"/>
+                  </a:defRPr>
+                </a:lvl6pPr>
+                <a:lvl7pPr marL="2971800" indent="-228600" eaLnBrk="0" fontAlgn="base" hangingPunct="0">
+                  <a:spcBef>
+                    <a:spcPct val="0"/>
+                  </a:spcBef>
+                  <a:spcAft>
+                    <a:spcPct val="0"/>
+                  </a:spcAft>
+                  <a:defRPr>
+                    <a:solidFill>
+                      <a:schemeClr val="tx1"/>
+                    </a:solidFill>
+                    <a:latin typeface="Calibri" panose="020F0502020204030204" pitchFamily="34" charset="0"/>
+                  </a:defRPr>
+                </a:lvl7pPr>
+                <a:lvl8pPr marL="3429000" indent="-228600" eaLnBrk="0" fontAlgn="base" hangingPunct="0">
+                  <a:spcBef>
+                    <a:spcPct val="0"/>
+                  </a:spcBef>
+                  <a:spcAft>
+                    <a:spcPct val="0"/>
+                  </a:spcAft>
+                  <a:defRPr>
+                    <a:solidFill>
+                      <a:schemeClr val="tx1"/>
+                    </a:solidFill>
+                    <a:latin typeface="Calibri" panose="020F0502020204030204" pitchFamily="34" charset="0"/>
+                  </a:defRPr>
+                </a:lvl8pPr>
+                <a:lvl9pPr marL="3886200" indent="-228600" eaLnBrk="0" fontAlgn="base" hangingPunct="0">
+                  <a:spcBef>
+                    <a:spcPct val="0"/>
+                  </a:spcBef>
+                  <a:spcAft>
+                    <a:spcPct val="0"/>
+                  </a:spcAft>
+                  <a:defRPr>
+                    <a:solidFill>
+                      <a:schemeClr val="tx1"/>
+                    </a:solidFill>
+                    <a:latin typeface="Calibri" panose="020F0502020204030204" pitchFamily="34" charset="0"/>
+                  </a:defRPr>
+                </a:lvl9pPr>
+              </a:lstStyle>
+              <a:p>
+                <a:pPr algn="ctr" eaLnBrk="1" hangingPunct="1"/>
+                <a:r>
+                  <a:rPr lang="en-US" altLang="en-US" sz="1200" dirty="0">
+                    <a:latin typeface="Arial" panose="020B0604020202020204" pitchFamily="34" charset="0"/>
+                    <a:ea typeface="Amazon Ember" panose="020B0603020204020204" pitchFamily="34" charset="0"/>
+                    <a:cs typeface="Arial" panose="020B0604020202020204" pitchFamily="34" charset="0"/>
+                  </a:rPr>
+                  <a:t>AWS DataSync</a:t>
+                </a:r>
+              </a:p>
+            </p:txBody>
+          </p:sp>
+        </p:grpSp>
+        <p:cxnSp>
+          <p:nvCxnSpPr>
+            <p:cNvPr id="11" name="Straight Arrow Connector 10"/>
+            <p:cNvCxnSpPr/>
+            <p:nvPr/>
+          </p:nvCxnSpPr>
+          <p:spPr>
+            <a:xfrm flipH="1">
+              <a:off x="2931459" y="3311659"/>
+              <a:ext cx="2178423" cy="6920"/>
+            </a:xfrm>
+            <a:prstGeom prst="straightConnector1">
+              <a:avLst/>
+            </a:prstGeom>
+            <a:ln w="50800">
+              <a:solidFill>
+                <a:schemeClr val="accent1"/>
+              </a:solidFill>
+              <a:headEnd type="none" w="med" len="med"/>
+              <a:tailEnd type="arrow" w="med" len="med"/>
+            </a:ln>
+          </p:spPr>
+          <p:style>
+            <a:lnRef idx="1">
+              <a:schemeClr val="accent1"/>
+            </a:lnRef>
+            <a:fillRef idx="0">
+              <a:schemeClr val="accent1"/>
+            </a:fillRef>
+            <a:effectRef idx="0">
+              <a:schemeClr val="accent1"/>
+            </a:effectRef>
+            <a:fontRef idx="minor">
+              <a:schemeClr val="tx1"/>
+            </a:fontRef>
+          </p:style>
+        </p:cxnSp>
+        <p:sp>
+          <p:nvSpPr>
+            <p:cNvPr id="12" name="TextBox 11"/>
+            <p:cNvSpPr txBox="1"/>
+            <p:nvPr/>
+          </p:nvSpPr>
+          <p:spPr>
+            <a:xfrm>
+              <a:off x="3083481" y="2882954"/>
+              <a:ext cx="1929374" cy="369332"/>
+            </a:xfrm>
+            <a:prstGeom prst="rect">
+              <a:avLst/>
+            </a:prstGeom>
+            <a:noFill/>
+          </p:spPr>
+          <p:txBody>
+            <a:bodyPr wrap="none" rtlCol="0">
+              <a:spAutoFit/>
+            </a:bodyPr>
+            <a:lstStyle/>
+            <a:p>
+              <a:r>
+                <a:rPr lang="en-US" b="1" dirty="0" smtClean="0"/>
+                <a:t>2.</a:t>
+              </a:r>
+              <a:r>
+                <a:rPr lang="en-US" sz="1400" dirty="0" smtClean="0"/>
+                <a:t> Invoke </a:t>
+              </a:r>
+              <a:r>
+                <a:rPr lang="en-US" sz="1400" dirty="0" err="1" smtClean="0"/>
+                <a:t>DataSync</a:t>
+              </a:r>
+              <a:r>
+                <a:rPr lang="en-US" sz="1400" dirty="0" smtClean="0"/>
+                <a:t> task</a:t>
+              </a:r>
+              <a:endParaRPr lang="en-US" sz="1400" dirty="0"/>
+            </a:p>
+          </p:txBody>
+        </p:sp>
+        <p:cxnSp>
+          <p:nvCxnSpPr>
+            <p:cNvPr id="13" name="Elbow Connector 12"/>
+            <p:cNvCxnSpPr>
+              <a:endCxn id="16" idx="0"/>
+            </p:cNvCxnSpPr>
+            <p:nvPr/>
+          </p:nvCxnSpPr>
+          <p:spPr>
+            <a:xfrm rot="10800000" flipV="1">
+              <a:off x="2408958" y="797858"/>
+              <a:ext cx="2700924" cy="2112923"/>
+            </a:xfrm>
+            <a:prstGeom prst="bentConnector2">
+              <a:avLst/>
+            </a:prstGeom>
+            <a:ln w="50800">
+              <a:prstDash val="sysDash"/>
+              <a:tailEnd type="triangle"/>
+            </a:ln>
+          </p:spPr>
+          <p:style>
+            <a:lnRef idx="1">
+              <a:schemeClr val="accent1"/>
+            </a:lnRef>
+            <a:fillRef idx="0">
+              <a:schemeClr val="accent1"/>
+            </a:fillRef>
+            <a:effectRef idx="0">
+              <a:schemeClr val="accent1"/>
+            </a:effectRef>
+            <a:fontRef idx="minor">
+              <a:schemeClr val="tx1"/>
+            </a:fontRef>
+          </p:style>
+        </p:cxnSp>
+        <p:cxnSp>
+          <p:nvCxnSpPr>
+            <p:cNvPr id="14" name="Elbow Connector 13"/>
+            <p:cNvCxnSpPr>
+              <a:stCxn id="17" idx="2"/>
+              <a:endCxn id="20" idx="1"/>
+            </p:cNvCxnSpPr>
+            <p:nvPr/>
+          </p:nvCxnSpPr>
+          <p:spPr>
+            <a:xfrm rot="16200000" flipH="1">
+              <a:off x="3101416" y="3268435"/>
+              <a:ext cx="1491068" cy="2853759"/>
+            </a:xfrm>
+            <a:prstGeom prst="bentConnector2">
+              <a:avLst/>
+            </a:prstGeom>
+            <a:ln w="50800">
+              <a:prstDash val="sysDash"/>
+              <a:tailEnd type="triangle"/>
+            </a:ln>
+          </p:spPr>
+          <p:style>
+            <a:lnRef idx="1">
+              <a:schemeClr val="accent1"/>
+            </a:lnRef>
+            <a:fillRef idx="0">
+              <a:schemeClr val="accent1"/>
+            </a:fillRef>
+            <a:effectRef idx="0">
+              <a:schemeClr val="accent1"/>
+            </a:effectRef>
+            <a:fontRef idx="minor">
+              <a:schemeClr val="tx1"/>
+            </a:fontRef>
+          </p:style>
+        </p:cxnSp>
+        <p:sp>
+          <p:nvSpPr>
+            <p:cNvPr id="15" name="TextBox 14"/>
+            <p:cNvSpPr txBox="1"/>
+            <p:nvPr/>
+          </p:nvSpPr>
+          <p:spPr>
+            <a:xfrm>
+              <a:off x="2931459" y="5035852"/>
+              <a:ext cx="1614609" cy="369332"/>
+            </a:xfrm>
+            <a:prstGeom prst="rect">
+              <a:avLst/>
+            </a:prstGeom>
+            <a:noFill/>
+          </p:spPr>
+          <p:txBody>
+            <a:bodyPr wrap="none" rtlCol="0">
+              <a:spAutoFit/>
+            </a:bodyPr>
+            <a:lstStyle/>
+            <a:p>
+              <a:r>
+                <a:rPr lang="en-US" b="1" dirty="0" smtClean="0"/>
+                <a:t>3.</a:t>
+              </a:r>
+              <a:r>
+                <a:rPr lang="en-US" dirty="0" smtClean="0"/>
+                <a:t> </a:t>
+              </a:r>
+              <a:r>
+                <a:rPr lang="en-US" sz="1400" dirty="0" smtClean="0"/>
+                <a:t>Sync EFS with S3</a:t>
+              </a:r>
+              <a:endParaRPr lang="en-US" sz="1400" dirty="0"/>
+            </a:p>
+          </p:txBody>
+        </p:sp>
+        <p:grpSp>
+          <p:nvGrpSpPr>
+            <p:cNvPr id="28" name="Group 27"/>
+            <p:cNvGrpSpPr/>
+            <p:nvPr/>
+          </p:nvGrpSpPr>
+          <p:grpSpPr>
+            <a:xfrm>
+              <a:off x="7462769" y="2882954"/>
+              <a:ext cx="2292350" cy="1048524"/>
+              <a:chOff x="7790250" y="2930659"/>
+              <a:chExt cx="2292350" cy="1048524"/>
+            </a:xfrm>
+          </p:grpSpPr>
+          <p:pic>
+            <p:nvPicPr>
+              <p:cNvPr id="24" name="Graphic 19">
+                <a:extLst>
+                  <a:ext uri="{FF2B5EF4-FFF2-40B4-BE49-F238E27FC236}">
+                    <a16:creationId xmlns:a16="http://schemas.microsoft.com/office/drawing/2014/main" xmlns="" id="{820E96C4-59EB-2648-98B1-156ACC2C9039}"/>
+                  </a:ext>
+                </a:extLst>
+              </p:cNvPr>
+              <p:cNvPicPr>
+                <a:picLocks noChangeAspect="1" noChangeArrowheads="1"/>
+              </p:cNvPicPr>
+              <p:nvPr/>
+            </p:nvPicPr>
+            <p:blipFill>
+              <a:blip r:embed="rId6" cstate="print">
+                <a:extLst>
+                  <a:ext uri="{28A0092B-C50C-407E-A947-70E740481C1C}">
+                    <a14:useLocalDpi xmlns:a14="http://schemas.microsoft.com/office/drawing/2010/main" val="0"/>
+                  </a:ext>
+                </a:extLst>
+              </a:blip>
+              <a:srcRect/>
+              <a:stretch>
+                <a:fillRect/>
+              </a:stretch>
+            </p:blipFill>
+            <p:spPr bwMode="auto">
+              <a:xfrm>
+                <a:off x="8547487" y="2930659"/>
+                <a:ext cx="762000" cy="762000"/>
+              </a:xfrm>
+              <a:prstGeom prst="rect">
+                <a:avLst/>
+              </a:prstGeom>
+              <a:noFill/>
+              <a:ln>
+                <a:noFill/>
+              </a:ln>
+              <a:extLst>
+                <a:ext uri="{909E8E84-426E-40DD-AFC4-6F175D3DCCD1}">
+                  <a14:hiddenFill xmlns:a14="http://schemas.microsoft.com/office/drawing/2010/main">
+                    <a:solidFill>
+                      <a:srgbClr val="FFFFFF"/>
+                    </a:solidFill>
+                  </a14:hiddenFill>
+                </a:ext>
+                <a:ext uri="{91240B29-F687-4F45-9708-019B960494DF}">
+                  <a14:hiddenLine xmlns:a14="http://schemas.microsoft.com/office/drawing/2010/main" w="9525">
+                    <a:solidFill>
+                      <a:srgbClr val="000000"/>
+                    </a:solidFill>
+                    <a:miter lim="800000"/>
+                    <a:headEnd/>
+                    <a:tailEnd/>
+                  </a14:hiddenLine>
+                </a:ext>
+              </a:extLst>
+            </p:spPr>
+          </p:pic>
+          <p:sp>
+            <p:nvSpPr>
+              <p:cNvPr id="25" name="TextBox 11">
+                <a:extLst>
+                  <a:ext uri="{FF2B5EF4-FFF2-40B4-BE49-F238E27FC236}">
+                    <a16:creationId xmlns:a16="http://schemas.microsoft.com/office/drawing/2014/main" xmlns="" id="{C9BB1F7E-248D-424E-8B74-0C0C9C2B1E04}"/>
+                  </a:ext>
+                </a:extLst>
+              </p:cNvPr>
+              <p:cNvSpPr txBox="1">
+                <a:spLocks noChangeArrowheads="1"/>
+              </p:cNvSpPr>
+              <p:nvPr/>
+            </p:nvSpPr>
+            <p:spPr bwMode="auto">
+              <a:xfrm>
+                <a:off x="7790250" y="3702184"/>
+                <a:ext cx="2292350" cy="276999"/>
+              </a:xfrm>
+              <a:prstGeom prst="rect">
+                <a:avLst/>
+              </a:prstGeom>
+              <a:noFill/>
+              <a:ln>
+                <a:noFill/>
+              </a:ln>
+              <a:extLst>
+                <a:ext uri="{909E8E84-426E-40DD-AFC4-6F175D3DCCD1}">
+                  <a14:hiddenFill xmlns:a14="http://schemas.microsoft.com/office/drawing/2010/main">
+                    <a:solidFill>
+                      <a:srgbClr val="FFFFFF"/>
+                    </a:solidFill>
+                  </a14:hiddenFill>
+                </a:ext>
+                <a:ext uri="{91240B29-F687-4F45-9708-019B960494DF}">
+                  <a14:hiddenLine xmlns:a14="http://schemas.microsoft.com/office/drawing/2010/main" w="9525">
+                    <a:solidFill>
+                      <a:srgbClr val="000000"/>
+                    </a:solidFill>
+                    <a:miter lim="800000"/>
+                    <a:headEnd/>
+                    <a:tailEnd/>
+                  </a14:hiddenLine>
+                </a:ext>
+              </a:extLst>
+            </p:spPr>
+            <p:txBody>
+              <a:bodyPr>
+                <a:spAutoFit/>
+              </a:bodyPr>
+              <a:lstStyle>
+                <a:lvl1pPr>
+                  <a:defRPr>
+                    <a:solidFill>
+                      <a:schemeClr val="tx1"/>
+                    </a:solidFill>
+                    <a:latin typeface="Calibri" panose="020F0502020204030204" pitchFamily="34" charset="0"/>
+                  </a:defRPr>
+                </a:lvl1pPr>
+                <a:lvl2pPr marL="742950" indent="-285750">
+                  <a:defRPr>
+                    <a:solidFill>
+                      <a:schemeClr val="tx1"/>
+                    </a:solidFill>
+                    <a:latin typeface="Calibri" panose="020F0502020204030204" pitchFamily="34" charset="0"/>
+                  </a:defRPr>
+                </a:lvl2pPr>
+                <a:lvl3pPr marL="1143000" indent="-228600">
+                  <a:defRPr>
+                    <a:solidFill>
+                      <a:schemeClr val="tx1"/>
+                    </a:solidFill>
+                    <a:latin typeface="Calibri" panose="020F0502020204030204" pitchFamily="34" charset="0"/>
+                  </a:defRPr>
+                </a:lvl3pPr>
+                <a:lvl4pPr marL="1600200" indent="-228600">
+                  <a:defRPr>
+                    <a:solidFill>
+                      <a:schemeClr val="tx1"/>
+                    </a:solidFill>
+                    <a:latin typeface="Calibri" panose="020F0502020204030204" pitchFamily="34" charset="0"/>
+                  </a:defRPr>
+                </a:lvl4pPr>
+                <a:lvl5pPr marL="2057400" indent="-228600">
+                  <a:defRPr>
+                    <a:solidFill>
+                      <a:schemeClr val="tx1"/>
+                    </a:solidFill>
+                    <a:latin typeface="Calibri" panose="020F0502020204030204" pitchFamily="34" charset="0"/>
+                  </a:defRPr>
+                </a:lvl5pPr>
+                <a:lvl6pPr marL="2514600" indent="-228600" eaLnBrk="0" fontAlgn="base" hangingPunct="0">
+                  <a:spcBef>
+                    <a:spcPct val="0"/>
+                  </a:spcBef>
+                  <a:spcAft>
+                    <a:spcPct val="0"/>
+                  </a:spcAft>
+                  <a:defRPr>
+                    <a:solidFill>
+                      <a:schemeClr val="tx1"/>
+                    </a:solidFill>
+                    <a:latin typeface="Calibri" panose="020F0502020204030204" pitchFamily="34" charset="0"/>
+                  </a:defRPr>
+                </a:lvl6pPr>
+                <a:lvl7pPr marL="2971800" indent="-228600" eaLnBrk="0" fontAlgn="base" hangingPunct="0">
+                  <a:spcBef>
+                    <a:spcPct val="0"/>
+                  </a:spcBef>
+                  <a:spcAft>
+                    <a:spcPct val="0"/>
+                  </a:spcAft>
+                  <a:defRPr>
+                    <a:solidFill>
+                      <a:schemeClr val="tx1"/>
+                    </a:solidFill>
+                    <a:latin typeface="Calibri" panose="020F0502020204030204" pitchFamily="34" charset="0"/>
+                  </a:defRPr>
+                </a:lvl7pPr>
+                <a:lvl8pPr marL="3429000" indent="-228600" eaLnBrk="0" fontAlgn="base" hangingPunct="0">
+                  <a:spcBef>
+                    <a:spcPct val="0"/>
+                  </a:spcBef>
+                  <a:spcAft>
+                    <a:spcPct val="0"/>
+                  </a:spcAft>
+                  <a:defRPr>
+                    <a:solidFill>
+                      <a:schemeClr val="tx1"/>
+                    </a:solidFill>
+                    <a:latin typeface="Calibri" panose="020F0502020204030204" pitchFamily="34" charset="0"/>
+                  </a:defRPr>
+                </a:lvl8pPr>
+                <a:lvl9pPr marL="3886200" indent="-228600" eaLnBrk="0" fontAlgn="base" hangingPunct="0">
+                  <a:spcBef>
+                    <a:spcPct val="0"/>
+                  </a:spcBef>
+                  <a:spcAft>
+                    <a:spcPct val="0"/>
+                  </a:spcAft>
+                  <a:defRPr>
+                    <a:solidFill>
+                      <a:schemeClr val="tx1"/>
+                    </a:solidFill>
+                    <a:latin typeface="Calibri" panose="020F0502020204030204" pitchFamily="34" charset="0"/>
+                  </a:defRPr>
+                </a:lvl9pPr>
+              </a:lstStyle>
+              <a:p>
+                <a:pPr algn="ctr" eaLnBrk="1" hangingPunct="1"/>
+                <a:r>
+                  <a:rPr lang="en-US" altLang="en-US" sz="1200" dirty="0">
+                    <a:latin typeface="Arial" panose="020B0604020202020204" pitchFamily="34" charset="0"/>
+                    <a:ea typeface="Amazon Ember" panose="020B0603020204020204" pitchFamily="34" charset="0"/>
+                    <a:cs typeface="Arial" panose="020B0604020202020204" pitchFamily="34" charset="0"/>
+                  </a:rPr>
+                  <a:t>Amazon EventBridge</a:t>
+                </a:r>
+              </a:p>
+            </p:txBody>
+          </p:sp>
+        </p:grpSp>
+      </p:grpSp>
+    </p:spTree>
+    <p:extLst>
+      <p:ext uri="{BB962C8B-B14F-4D97-AF65-F5344CB8AC3E}">
+        <p14:creationId xmlns:p14="http://schemas.microsoft.com/office/powerpoint/2010/main" val="2983434296"/>
       </p:ext>
     </p:extLst>
   </p:cSld>

--- a/images/pics_slides/pics_slides.pptx
+++ b/images/pics_slides/pics_slides.pptx
@@ -9,6 +9,9 @@
     <p:sldId id="257" r:id="rId3"/>
     <p:sldId id="258" r:id="rId4"/>
     <p:sldId id="259" r:id="rId5"/>
+    <p:sldId id="260" r:id="rId6"/>
+    <p:sldId id="261" r:id="rId7"/>
+    <p:sldId id="262" r:id="rId8"/>
   </p:sldIdLst>
   <p:sldSz cx="12192000" cy="6858000"/>
   <p:notesSz cx="6858000" cy="9144000"/>
@@ -246,7 +249,7 @@
           <a:p>
             <a:fld id="{4A31C449-260C-4C88-9D36-C81523339FAD}" type="datetimeFigureOut">
               <a:rPr lang="en-US" smtClean="0"/>
-              <a:t>3/14/2022</a:t>
+              <a:t>3/31/2022</a:t>
             </a:fld>
             <a:endParaRPr lang="en-US"/>
           </a:p>
@@ -416,7 +419,7 @@
           <a:p>
             <a:fld id="{4A31C449-260C-4C88-9D36-C81523339FAD}" type="datetimeFigureOut">
               <a:rPr lang="en-US" smtClean="0"/>
-              <a:t>3/14/2022</a:t>
+              <a:t>3/31/2022</a:t>
             </a:fld>
             <a:endParaRPr lang="en-US"/>
           </a:p>
@@ -596,7 +599,7 @@
           <a:p>
             <a:fld id="{4A31C449-260C-4C88-9D36-C81523339FAD}" type="datetimeFigureOut">
               <a:rPr lang="en-US" smtClean="0"/>
-              <a:t>3/14/2022</a:t>
+              <a:t>3/31/2022</a:t>
             </a:fld>
             <a:endParaRPr lang="en-US"/>
           </a:p>
@@ -766,7 +769,7 @@
           <a:p>
             <a:fld id="{4A31C449-260C-4C88-9D36-C81523339FAD}" type="datetimeFigureOut">
               <a:rPr lang="en-US" smtClean="0"/>
-              <a:t>3/14/2022</a:t>
+              <a:t>3/31/2022</a:t>
             </a:fld>
             <a:endParaRPr lang="en-US"/>
           </a:p>
@@ -1012,7 +1015,7 @@
           <a:p>
             <a:fld id="{4A31C449-260C-4C88-9D36-C81523339FAD}" type="datetimeFigureOut">
               <a:rPr lang="en-US" smtClean="0"/>
-              <a:t>3/14/2022</a:t>
+              <a:t>3/31/2022</a:t>
             </a:fld>
             <a:endParaRPr lang="en-US"/>
           </a:p>
@@ -1244,7 +1247,7 @@
           <a:p>
             <a:fld id="{4A31C449-260C-4C88-9D36-C81523339FAD}" type="datetimeFigureOut">
               <a:rPr lang="en-US" smtClean="0"/>
-              <a:t>3/14/2022</a:t>
+              <a:t>3/31/2022</a:t>
             </a:fld>
             <a:endParaRPr lang="en-US"/>
           </a:p>
@@ -1611,7 +1614,7 @@
           <a:p>
             <a:fld id="{4A31C449-260C-4C88-9D36-C81523339FAD}" type="datetimeFigureOut">
               <a:rPr lang="en-US" smtClean="0"/>
-              <a:t>3/14/2022</a:t>
+              <a:t>3/31/2022</a:t>
             </a:fld>
             <a:endParaRPr lang="en-US"/>
           </a:p>
@@ -1729,7 +1732,7 @@
           <a:p>
             <a:fld id="{4A31C449-260C-4C88-9D36-C81523339FAD}" type="datetimeFigureOut">
               <a:rPr lang="en-US" smtClean="0"/>
-              <a:t>3/14/2022</a:t>
+              <a:t>3/31/2022</a:t>
             </a:fld>
             <a:endParaRPr lang="en-US"/>
           </a:p>
@@ -1824,7 +1827,7 @@
           <a:p>
             <a:fld id="{4A31C449-260C-4C88-9D36-C81523339FAD}" type="datetimeFigureOut">
               <a:rPr lang="en-US" smtClean="0"/>
-              <a:t>3/14/2022</a:t>
+              <a:t>3/31/2022</a:t>
             </a:fld>
             <a:endParaRPr lang="en-US"/>
           </a:p>
@@ -2101,7 +2104,7 @@
           <a:p>
             <a:fld id="{4A31C449-260C-4C88-9D36-C81523339FAD}" type="datetimeFigureOut">
               <a:rPr lang="en-US" smtClean="0"/>
-              <a:t>3/14/2022</a:t>
+              <a:t>3/31/2022</a:t>
             </a:fld>
             <a:endParaRPr lang="en-US"/>
           </a:p>
@@ -2354,7 +2357,7 @@
           <a:p>
             <a:fld id="{4A31C449-260C-4C88-9D36-C81523339FAD}" type="datetimeFigureOut">
               <a:rPr lang="en-US" smtClean="0"/>
-              <a:t>3/14/2022</a:t>
+              <a:t>3/31/2022</a:t>
             </a:fld>
             <a:endParaRPr lang="en-US"/>
           </a:p>
@@ -2567,7 +2570,7 @@
           <a:p>
             <a:fld id="{4A31C449-260C-4C88-9D36-C81523339FAD}" type="datetimeFigureOut">
               <a:rPr lang="en-US" smtClean="0"/>
-              <a:t>3/14/2022</a:t>
+              <a:t>3/31/2022</a:t>
             </a:fld>
             <a:endParaRPr lang="en-US"/>
           </a:p>
@@ -4505,6 +4508,3705 @@
 </p:sld>
 </file>
 
+<file path=ppt/slides/slide5.xml><?xml version="1.0" encoding="utf-8"?>
+<p:sld xmlns:a="http://schemas.openxmlformats.org/drawingml/2006/main" xmlns:r="http://schemas.openxmlformats.org/officeDocument/2006/relationships" xmlns:p="http://schemas.openxmlformats.org/presentationml/2006/main">
+  <p:cSld>
+    <p:spTree>
+      <p:nvGrpSpPr>
+        <p:cNvPr id="1" name=""/>
+        <p:cNvGrpSpPr/>
+        <p:nvPr/>
+      </p:nvGrpSpPr>
+      <p:grpSpPr>
+        <a:xfrm>
+          <a:off x="0" y="0"/>
+          <a:ext cx="0" cy="0"/>
+          <a:chOff x="0" y="0"/>
+          <a:chExt cx="0" cy="0"/>
+        </a:xfrm>
+      </p:grpSpPr>
+      <p:grpSp>
+        <p:nvGrpSpPr>
+          <p:cNvPr id="18" name="Group 17"/>
+          <p:cNvGrpSpPr/>
+          <p:nvPr/>
+        </p:nvGrpSpPr>
+        <p:grpSpPr>
+          <a:xfrm>
+            <a:off x="1241740" y="1054382"/>
+            <a:ext cx="9103531" cy="1474208"/>
+            <a:chOff x="1241740" y="1054382"/>
+            <a:chExt cx="9103531" cy="1474208"/>
+          </a:xfrm>
+        </p:grpSpPr>
+        <p:grpSp>
+          <p:nvGrpSpPr>
+            <p:cNvPr id="11" name="Group 10"/>
+            <p:cNvGrpSpPr/>
+            <p:nvPr/>
+          </p:nvGrpSpPr>
+          <p:grpSpPr>
+            <a:xfrm>
+              <a:off x="4574101" y="1066800"/>
+              <a:ext cx="2553487" cy="1156474"/>
+              <a:chOff x="4487863" y="1185069"/>
+              <a:chExt cx="2292350" cy="1038205"/>
+            </a:xfrm>
+          </p:grpSpPr>
+          <p:pic>
+            <p:nvPicPr>
+              <p:cNvPr id="4" name="Graphic 10">
+                <a:extLst>
+                  <a:ext uri="{FF2B5EF4-FFF2-40B4-BE49-F238E27FC236}">
+                    <a16:creationId xmlns="" xmlns:a16="http://schemas.microsoft.com/office/drawing/2014/main" id="{7249C1EC-5A69-3C4D-9DDF-0DB93BB70BC6}"/>
+                  </a:ext>
+                </a:extLst>
+              </p:cNvPr>
+              <p:cNvPicPr>
+                <a:picLocks noChangeAspect="1" noChangeArrowheads="1"/>
+              </p:cNvPicPr>
+              <p:nvPr/>
+            </p:nvPicPr>
+            <p:blipFill>
+              <a:blip r:embed="rId2" cstate="print">
+                <a:extLst>
+                  <a:ext uri="{28A0092B-C50C-407E-A947-70E740481C1C}">
+                    <a14:useLocalDpi xmlns:a14="http://schemas.microsoft.com/office/drawing/2010/main" val="0"/>
+                  </a:ext>
+                </a:extLst>
+              </a:blip>
+              <a:srcRect/>
+              <a:stretch>
+                <a:fillRect/>
+              </a:stretch>
+            </p:blipFill>
+            <p:spPr bwMode="auto">
+              <a:xfrm>
+                <a:off x="5246688" y="1185069"/>
+                <a:ext cx="762000" cy="762000"/>
+              </a:xfrm>
+              <a:prstGeom prst="rect">
+                <a:avLst/>
+              </a:prstGeom>
+              <a:noFill/>
+              <a:ln>
+                <a:noFill/>
+              </a:ln>
+              <a:extLst>
+                <a:ext uri="{909E8E84-426E-40DD-AFC4-6F175D3DCCD1}">
+                  <a14:hiddenFill xmlns:a14="http://schemas.microsoft.com/office/drawing/2010/main">
+                    <a:solidFill>
+                      <a:srgbClr val="FFFFFF"/>
+                    </a:solidFill>
+                  </a14:hiddenFill>
+                </a:ext>
+                <a:ext uri="{91240B29-F687-4F45-9708-019B960494DF}">
+                  <a14:hiddenLine xmlns:a14="http://schemas.microsoft.com/office/drawing/2010/main" w="9525">
+                    <a:solidFill>
+                      <a:srgbClr val="000000"/>
+                    </a:solidFill>
+                    <a:miter lim="800000"/>
+                    <a:headEnd/>
+                    <a:tailEnd/>
+                  </a14:hiddenLine>
+                </a:ext>
+              </a:extLst>
+            </p:spPr>
+          </p:pic>
+          <p:sp>
+            <p:nvSpPr>
+              <p:cNvPr id="5" name="TextBox 20">
+                <a:extLst>
+                  <a:ext uri="{FF2B5EF4-FFF2-40B4-BE49-F238E27FC236}">
+                    <a16:creationId xmlns="" xmlns:a16="http://schemas.microsoft.com/office/drawing/2014/main" id="{E5D4A7D0-5E44-1943-968A-C198F40D0E71}"/>
+                  </a:ext>
+                </a:extLst>
+              </p:cNvPr>
+              <p:cNvSpPr txBox="1">
+                <a:spLocks noChangeArrowheads="1"/>
+              </p:cNvSpPr>
+              <p:nvPr/>
+            </p:nvSpPr>
+            <p:spPr bwMode="auto">
+              <a:xfrm>
+                <a:off x="4487863" y="1946275"/>
+                <a:ext cx="2292350" cy="276999"/>
+              </a:xfrm>
+              <a:prstGeom prst="rect">
+                <a:avLst/>
+              </a:prstGeom>
+              <a:noFill/>
+              <a:ln>
+                <a:noFill/>
+              </a:ln>
+              <a:extLst>
+                <a:ext uri="{909E8E84-426E-40DD-AFC4-6F175D3DCCD1}">
+                  <a14:hiddenFill xmlns:a14="http://schemas.microsoft.com/office/drawing/2010/main">
+                    <a:solidFill>
+                      <a:srgbClr val="FFFFFF"/>
+                    </a:solidFill>
+                  </a14:hiddenFill>
+                </a:ext>
+                <a:ext uri="{91240B29-F687-4F45-9708-019B960494DF}">
+                  <a14:hiddenLine xmlns:a14="http://schemas.microsoft.com/office/drawing/2010/main" w="9525">
+                    <a:solidFill>
+                      <a:srgbClr val="000000"/>
+                    </a:solidFill>
+                    <a:miter lim="800000"/>
+                    <a:headEnd/>
+                    <a:tailEnd/>
+                  </a14:hiddenLine>
+                </a:ext>
+              </a:extLst>
+            </p:spPr>
+            <p:txBody>
+              <a:bodyPr>
+                <a:spAutoFit/>
+              </a:bodyPr>
+              <a:lstStyle>
+                <a:lvl1pPr>
+                  <a:defRPr>
+                    <a:solidFill>
+                      <a:schemeClr val="tx1"/>
+                    </a:solidFill>
+                    <a:latin typeface="Calibri" panose="020F0502020204030204" pitchFamily="34" charset="0"/>
+                  </a:defRPr>
+                </a:lvl1pPr>
+                <a:lvl2pPr marL="742950" indent="-285750">
+                  <a:defRPr>
+                    <a:solidFill>
+                      <a:schemeClr val="tx1"/>
+                    </a:solidFill>
+                    <a:latin typeface="Calibri" panose="020F0502020204030204" pitchFamily="34" charset="0"/>
+                  </a:defRPr>
+                </a:lvl2pPr>
+                <a:lvl3pPr marL="1143000" indent="-228600">
+                  <a:defRPr>
+                    <a:solidFill>
+                      <a:schemeClr val="tx1"/>
+                    </a:solidFill>
+                    <a:latin typeface="Calibri" panose="020F0502020204030204" pitchFamily="34" charset="0"/>
+                  </a:defRPr>
+                </a:lvl3pPr>
+                <a:lvl4pPr marL="1600200" indent="-228600">
+                  <a:defRPr>
+                    <a:solidFill>
+                      <a:schemeClr val="tx1"/>
+                    </a:solidFill>
+                    <a:latin typeface="Calibri" panose="020F0502020204030204" pitchFamily="34" charset="0"/>
+                  </a:defRPr>
+                </a:lvl4pPr>
+                <a:lvl5pPr marL="2057400" indent="-228600">
+                  <a:defRPr>
+                    <a:solidFill>
+                      <a:schemeClr val="tx1"/>
+                    </a:solidFill>
+                    <a:latin typeface="Calibri" panose="020F0502020204030204" pitchFamily="34" charset="0"/>
+                  </a:defRPr>
+                </a:lvl5pPr>
+                <a:lvl6pPr marL="2514600" indent="-228600" eaLnBrk="0" fontAlgn="base" hangingPunct="0">
+                  <a:spcBef>
+                    <a:spcPct val="0"/>
+                  </a:spcBef>
+                  <a:spcAft>
+                    <a:spcPct val="0"/>
+                  </a:spcAft>
+                  <a:defRPr>
+                    <a:solidFill>
+                      <a:schemeClr val="tx1"/>
+                    </a:solidFill>
+                    <a:latin typeface="Calibri" panose="020F0502020204030204" pitchFamily="34" charset="0"/>
+                  </a:defRPr>
+                </a:lvl6pPr>
+                <a:lvl7pPr marL="2971800" indent="-228600" eaLnBrk="0" fontAlgn="base" hangingPunct="0">
+                  <a:spcBef>
+                    <a:spcPct val="0"/>
+                  </a:spcBef>
+                  <a:spcAft>
+                    <a:spcPct val="0"/>
+                  </a:spcAft>
+                  <a:defRPr>
+                    <a:solidFill>
+                      <a:schemeClr val="tx1"/>
+                    </a:solidFill>
+                    <a:latin typeface="Calibri" panose="020F0502020204030204" pitchFamily="34" charset="0"/>
+                  </a:defRPr>
+                </a:lvl7pPr>
+                <a:lvl8pPr marL="3429000" indent="-228600" eaLnBrk="0" fontAlgn="base" hangingPunct="0">
+                  <a:spcBef>
+                    <a:spcPct val="0"/>
+                  </a:spcBef>
+                  <a:spcAft>
+                    <a:spcPct val="0"/>
+                  </a:spcAft>
+                  <a:defRPr>
+                    <a:solidFill>
+                      <a:schemeClr val="tx1"/>
+                    </a:solidFill>
+                    <a:latin typeface="Calibri" panose="020F0502020204030204" pitchFamily="34" charset="0"/>
+                  </a:defRPr>
+                </a:lvl8pPr>
+                <a:lvl9pPr marL="3886200" indent="-228600" eaLnBrk="0" fontAlgn="base" hangingPunct="0">
+                  <a:spcBef>
+                    <a:spcPct val="0"/>
+                  </a:spcBef>
+                  <a:spcAft>
+                    <a:spcPct val="0"/>
+                  </a:spcAft>
+                  <a:defRPr>
+                    <a:solidFill>
+                      <a:schemeClr val="tx1"/>
+                    </a:solidFill>
+                    <a:latin typeface="Calibri" panose="020F0502020204030204" pitchFamily="34" charset="0"/>
+                  </a:defRPr>
+                </a:lvl9pPr>
+              </a:lstStyle>
+              <a:p>
+                <a:pPr algn="ctr" eaLnBrk="1" hangingPunct="1"/>
+                <a:r>
+                  <a:rPr lang="en-US" altLang="en-US" sz="1200" dirty="0">
+                    <a:latin typeface="Arial" panose="020B0604020202020204" pitchFamily="34" charset="0"/>
+                    <a:ea typeface="Amazon Ember" panose="020B0603020204020204" pitchFamily="34" charset="0"/>
+                    <a:cs typeface="Arial" panose="020B0604020202020204" pitchFamily="34" charset="0"/>
+                  </a:rPr>
+                  <a:t>AWS Lambda</a:t>
+                </a:r>
+              </a:p>
+            </p:txBody>
+          </p:sp>
+        </p:grpSp>
+        <p:grpSp>
+          <p:nvGrpSpPr>
+            <p:cNvPr id="10" name="Group 9"/>
+            <p:cNvGrpSpPr/>
+            <p:nvPr/>
+          </p:nvGrpSpPr>
+          <p:grpSpPr>
+            <a:xfrm>
+              <a:off x="1241740" y="1066800"/>
+              <a:ext cx="2734894" cy="1372664"/>
+              <a:chOff x="1251604" y="1565275"/>
+              <a:chExt cx="2292350" cy="1150548"/>
+            </a:xfrm>
+          </p:grpSpPr>
+          <p:pic>
+            <p:nvPicPr>
+              <p:cNvPr id="6" name="Graphic 19">
+                <a:extLst>
+                  <a:ext uri="{FF2B5EF4-FFF2-40B4-BE49-F238E27FC236}">
+                    <a16:creationId xmlns="" xmlns:a16="http://schemas.microsoft.com/office/drawing/2014/main" id="{1FC33CE7-C98D-E547-BC90-92306552093A}"/>
+                  </a:ext>
+                </a:extLst>
+              </p:cNvPr>
+              <p:cNvPicPr>
+                <a:picLocks noChangeAspect="1" noChangeArrowheads="1"/>
+              </p:cNvPicPr>
+              <p:nvPr/>
+            </p:nvPicPr>
+            <p:blipFill>
+              <a:blip r:embed="rId3" cstate="print">
+                <a:extLst>
+                  <a:ext uri="{28A0092B-C50C-407E-A947-70E740481C1C}">
+                    <a14:useLocalDpi xmlns:a14="http://schemas.microsoft.com/office/drawing/2010/main" val="0"/>
+                  </a:ext>
+                </a:extLst>
+              </a:blip>
+              <a:srcRect/>
+              <a:stretch>
+                <a:fillRect/>
+              </a:stretch>
+            </p:blipFill>
+            <p:spPr bwMode="auto">
+              <a:xfrm>
+                <a:off x="2008841" y="1565275"/>
+                <a:ext cx="762000" cy="762000"/>
+              </a:xfrm>
+              <a:prstGeom prst="rect">
+                <a:avLst/>
+              </a:prstGeom>
+              <a:noFill/>
+              <a:ln>
+                <a:noFill/>
+              </a:ln>
+              <a:extLst>
+                <a:ext uri="{909E8E84-426E-40DD-AFC4-6F175D3DCCD1}">
+                  <a14:hiddenFill xmlns:a14="http://schemas.microsoft.com/office/drawing/2010/main">
+                    <a:solidFill>
+                      <a:srgbClr val="FFFFFF"/>
+                    </a:solidFill>
+                  </a14:hiddenFill>
+                </a:ext>
+                <a:ext uri="{91240B29-F687-4F45-9708-019B960494DF}">
+                  <a14:hiddenLine xmlns:a14="http://schemas.microsoft.com/office/drawing/2010/main" w="9525">
+                    <a:solidFill>
+                      <a:srgbClr val="000000"/>
+                    </a:solidFill>
+                    <a:miter lim="800000"/>
+                    <a:headEnd/>
+                    <a:tailEnd/>
+                  </a14:hiddenLine>
+                </a:ext>
+              </a:extLst>
+            </p:spPr>
+          </p:pic>
+          <p:sp>
+            <p:nvSpPr>
+              <p:cNvPr id="7" name="TextBox 11">
+                <a:extLst>
+                  <a:ext uri="{FF2B5EF4-FFF2-40B4-BE49-F238E27FC236}">
+                    <a16:creationId xmlns="" xmlns:a16="http://schemas.microsoft.com/office/drawing/2014/main" id="{0355EC56-8BE5-9F4E-BD29-5DC1160E4BC4}"/>
+                  </a:ext>
+                </a:extLst>
+              </p:cNvPr>
+              <p:cNvSpPr txBox="1">
+                <a:spLocks noChangeArrowheads="1"/>
+              </p:cNvSpPr>
+              <p:nvPr/>
+            </p:nvSpPr>
+            <p:spPr bwMode="auto">
+              <a:xfrm>
+                <a:off x="1251604" y="2328862"/>
+                <a:ext cx="2292350" cy="386961"/>
+              </a:xfrm>
+              <a:prstGeom prst="rect">
+                <a:avLst/>
+              </a:prstGeom>
+              <a:noFill/>
+              <a:ln>
+                <a:noFill/>
+              </a:ln>
+              <a:extLst>
+                <a:ext uri="{909E8E84-426E-40DD-AFC4-6F175D3DCCD1}">
+                  <a14:hiddenFill xmlns:a14="http://schemas.microsoft.com/office/drawing/2010/main">
+                    <a:solidFill>
+                      <a:srgbClr val="FFFFFF"/>
+                    </a:solidFill>
+                  </a14:hiddenFill>
+                </a:ext>
+                <a:ext uri="{91240B29-F687-4F45-9708-019B960494DF}">
+                  <a14:hiddenLine xmlns:a14="http://schemas.microsoft.com/office/drawing/2010/main" w="9525">
+                    <a:solidFill>
+                      <a:srgbClr val="000000"/>
+                    </a:solidFill>
+                    <a:miter lim="800000"/>
+                    <a:headEnd/>
+                    <a:tailEnd/>
+                  </a14:hiddenLine>
+                </a:ext>
+              </a:extLst>
+            </p:spPr>
+            <p:txBody>
+              <a:bodyPr>
+                <a:spAutoFit/>
+              </a:bodyPr>
+              <a:lstStyle>
+                <a:lvl1pPr>
+                  <a:defRPr>
+                    <a:solidFill>
+                      <a:schemeClr val="tx1"/>
+                    </a:solidFill>
+                    <a:latin typeface="Calibri" panose="020F0502020204030204" pitchFamily="34" charset="0"/>
+                  </a:defRPr>
+                </a:lvl1pPr>
+                <a:lvl2pPr marL="742950" indent="-285750">
+                  <a:defRPr>
+                    <a:solidFill>
+                      <a:schemeClr val="tx1"/>
+                    </a:solidFill>
+                    <a:latin typeface="Calibri" panose="020F0502020204030204" pitchFamily="34" charset="0"/>
+                  </a:defRPr>
+                </a:lvl2pPr>
+                <a:lvl3pPr marL="1143000" indent="-228600">
+                  <a:defRPr>
+                    <a:solidFill>
+                      <a:schemeClr val="tx1"/>
+                    </a:solidFill>
+                    <a:latin typeface="Calibri" panose="020F0502020204030204" pitchFamily="34" charset="0"/>
+                  </a:defRPr>
+                </a:lvl3pPr>
+                <a:lvl4pPr marL="1600200" indent="-228600">
+                  <a:defRPr>
+                    <a:solidFill>
+                      <a:schemeClr val="tx1"/>
+                    </a:solidFill>
+                    <a:latin typeface="Calibri" panose="020F0502020204030204" pitchFamily="34" charset="0"/>
+                  </a:defRPr>
+                </a:lvl4pPr>
+                <a:lvl5pPr marL="2057400" indent="-228600">
+                  <a:defRPr>
+                    <a:solidFill>
+                      <a:schemeClr val="tx1"/>
+                    </a:solidFill>
+                    <a:latin typeface="Calibri" panose="020F0502020204030204" pitchFamily="34" charset="0"/>
+                  </a:defRPr>
+                </a:lvl5pPr>
+                <a:lvl6pPr marL="2514600" indent="-228600" eaLnBrk="0" fontAlgn="base" hangingPunct="0">
+                  <a:spcBef>
+                    <a:spcPct val="0"/>
+                  </a:spcBef>
+                  <a:spcAft>
+                    <a:spcPct val="0"/>
+                  </a:spcAft>
+                  <a:defRPr>
+                    <a:solidFill>
+                      <a:schemeClr val="tx1"/>
+                    </a:solidFill>
+                    <a:latin typeface="Calibri" panose="020F0502020204030204" pitchFamily="34" charset="0"/>
+                  </a:defRPr>
+                </a:lvl6pPr>
+                <a:lvl7pPr marL="2971800" indent="-228600" eaLnBrk="0" fontAlgn="base" hangingPunct="0">
+                  <a:spcBef>
+                    <a:spcPct val="0"/>
+                  </a:spcBef>
+                  <a:spcAft>
+                    <a:spcPct val="0"/>
+                  </a:spcAft>
+                  <a:defRPr>
+                    <a:solidFill>
+                      <a:schemeClr val="tx1"/>
+                    </a:solidFill>
+                    <a:latin typeface="Calibri" panose="020F0502020204030204" pitchFamily="34" charset="0"/>
+                  </a:defRPr>
+                </a:lvl7pPr>
+                <a:lvl8pPr marL="3429000" indent="-228600" eaLnBrk="0" fontAlgn="base" hangingPunct="0">
+                  <a:spcBef>
+                    <a:spcPct val="0"/>
+                  </a:spcBef>
+                  <a:spcAft>
+                    <a:spcPct val="0"/>
+                  </a:spcAft>
+                  <a:defRPr>
+                    <a:solidFill>
+                      <a:schemeClr val="tx1"/>
+                    </a:solidFill>
+                    <a:latin typeface="Calibri" panose="020F0502020204030204" pitchFamily="34" charset="0"/>
+                  </a:defRPr>
+                </a:lvl8pPr>
+                <a:lvl9pPr marL="3886200" indent="-228600" eaLnBrk="0" fontAlgn="base" hangingPunct="0">
+                  <a:spcBef>
+                    <a:spcPct val="0"/>
+                  </a:spcBef>
+                  <a:spcAft>
+                    <a:spcPct val="0"/>
+                  </a:spcAft>
+                  <a:defRPr>
+                    <a:solidFill>
+                      <a:schemeClr val="tx1"/>
+                    </a:solidFill>
+                    <a:latin typeface="Calibri" panose="020F0502020204030204" pitchFamily="34" charset="0"/>
+                  </a:defRPr>
+                </a:lvl9pPr>
+              </a:lstStyle>
+              <a:p>
+                <a:pPr algn="ctr" eaLnBrk="1" hangingPunct="1"/>
+                <a:r>
+                  <a:rPr lang="en-US" altLang="en-US" sz="1200" dirty="0">
+                    <a:latin typeface="Arial" panose="020B0604020202020204" pitchFamily="34" charset="0"/>
+                    <a:ea typeface="Amazon Ember" panose="020B0603020204020204" pitchFamily="34" charset="0"/>
+                    <a:cs typeface="Arial" panose="020B0604020202020204" pitchFamily="34" charset="0"/>
+                  </a:rPr>
+                  <a:t>Amazon Elastic File System </a:t>
+                </a:r>
+                <a:endParaRPr lang="en-US" altLang="en-US" sz="1200" dirty="0" smtClean="0">
+                  <a:latin typeface="Arial" panose="020B0604020202020204" pitchFamily="34" charset="0"/>
+                  <a:ea typeface="Amazon Ember" panose="020B0603020204020204" pitchFamily="34" charset="0"/>
+                  <a:cs typeface="Arial" panose="020B0604020202020204" pitchFamily="34" charset="0"/>
+                </a:endParaRPr>
+              </a:p>
+              <a:p>
+                <a:pPr algn="ctr" eaLnBrk="1" hangingPunct="1"/>
+                <a:r>
+                  <a:rPr lang="en-US" altLang="en-US" sz="1200" dirty="0" smtClean="0">
+                    <a:latin typeface="Arial" panose="020B0604020202020204" pitchFamily="34" charset="0"/>
+                    <a:ea typeface="Amazon Ember" panose="020B0603020204020204" pitchFamily="34" charset="0"/>
+                    <a:cs typeface="Arial" panose="020B0604020202020204" pitchFamily="34" charset="0"/>
+                  </a:rPr>
+                  <a:t>(</a:t>
+                </a:r>
+                <a:r>
+                  <a:rPr lang="en-US" altLang="en-US" sz="1200" dirty="0">
+                    <a:latin typeface="Arial" panose="020B0604020202020204" pitchFamily="34" charset="0"/>
+                    <a:ea typeface="Amazon Ember" panose="020B0603020204020204" pitchFamily="34" charset="0"/>
+                    <a:cs typeface="Arial" panose="020B0604020202020204" pitchFamily="34" charset="0"/>
+                  </a:rPr>
+                  <a:t>Amazon EFS)</a:t>
+                </a:r>
+              </a:p>
+            </p:txBody>
+          </p:sp>
+        </p:grpSp>
+        <p:grpSp>
+          <p:nvGrpSpPr>
+            <p:cNvPr id="12" name="Group 11"/>
+            <p:cNvGrpSpPr/>
+            <p:nvPr/>
+          </p:nvGrpSpPr>
+          <p:grpSpPr>
+            <a:xfrm>
+              <a:off x="7725055" y="1066800"/>
+              <a:ext cx="2620216" cy="1461790"/>
+              <a:chOff x="7915182" y="2223274"/>
+              <a:chExt cx="2239962" cy="1225252"/>
+            </a:xfrm>
+          </p:grpSpPr>
+          <p:pic>
+            <p:nvPicPr>
+              <p:cNvPr id="8" name="Graphic 8">
+                <a:extLst>
+                  <a:ext uri="{FF2B5EF4-FFF2-40B4-BE49-F238E27FC236}">
+                    <a16:creationId xmlns="" xmlns:a16="http://schemas.microsoft.com/office/drawing/2014/main" id="{0D4A9B47-8231-EF4D-B9AB-A3D9E4B81350}"/>
+                  </a:ext>
+                </a:extLst>
+              </p:cNvPr>
+              <p:cNvPicPr>
+                <a:picLocks noChangeAspect="1" noChangeArrowheads="1"/>
+              </p:cNvPicPr>
+              <p:nvPr/>
+            </p:nvPicPr>
+            <p:blipFill>
+              <a:blip r:embed="rId4" cstate="print">
+                <a:extLst>
+                  <a:ext uri="{28A0092B-C50C-407E-A947-70E740481C1C}">
+                    <a14:useLocalDpi xmlns:a14="http://schemas.microsoft.com/office/drawing/2010/main" val="0"/>
+                  </a:ext>
+                </a:extLst>
+              </a:blip>
+              <a:srcRect/>
+              <a:stretch>
+                <a:fillRect/>
+              </a:stretch>
+            </p:blipFill>
+            <p:spPr bwMode="auto">
+              <a:xfrm>
+                <a:off x="8654957" y="2223274"/>
+                <a:ext cx="762000" cy="762000"/>
+              </a:xfrm>
+              <a:prstGeom prst="rect">
+                <a:avLst/>
+              </a:prstGeom>
+              <a:noFill/>
+              <a:ln>
+                <a:noFill/>
+              </a:ln>
+              <a:extLst>
+                <a:ext uri="{909E8E84-426E-40DD-AFC4-6F175D3DCCD1}">
+                  <a14:hiddenFill xmlns:a14="http://schemas.microsoft.com/office/drawing/2010/main">
+                    <a:solidFill>
+                      <a:srgbClr val="FFFFFF"/>
+                    </a:solidFill>
+                  </a14:hiddenFill>
+                </a:ext>
+                <a:ext uri="{91240B29-F687-4F45-9708-019B960494DF}">
+                  <a14:hiddenLine xmlns:a14="http://schemas.microsoft.com/office/drawing/2010/main" w="9525">
+                    <a:solidFill>
+                      <a:srgbClr val="000000"/>
+                    </a:solidFill>
+                    <a:miter lim="800000"/>
+                    <a:headEnd/>
+                    <a:tailEnd/>
+                  </a14:hiddenLine>
+                </a:ext>
+              </a:extLst>
+            </p:spPr>
+          </p:pic>
+          <p:sp>
+            <p:nvSpPr>
+              <p:cNvPr id="9" name="TextBox 9">
+                <a:extLst>
+                  <a:ext uri="{FF2B5EF4-FFF2-40B4-BE49-F238E27FC236}">
+                    <a16:creationId xmlns="" xmlns:a16="http://schemas.microsoft.com/office/drawing/2014/main" id="{5B6C5DC4-5A01-E14D-BEE5-909FCF8B05F2}"/>
+                  </a:ext>
+                </a:extLst>
+              </p:cNvPr>
+              <p:cNvSpPr txBox="1">
+                <a:spLocks noChangeArrowheads="1"/>
+              </p:cNvSpPr>
+              <p:nvPr/>
+            </p:nvSpPr>
+            <p:spPr bwMode="auto">
+              <a:xfrm>
+                <a:off x="7915182" y="2986861"/>
+                <a:ext cx="2239962" cy="461665"/>
+              </a:xfrm>
+              <a:prstGeom prst="rect">
+                <a:avLst/>
+              </a:prstGeom>
+              <a:noFill/>
+              <a:ln>
+                <a:noFill/>
+              </a:ln>
+              <a:extLst>
+                <a:ext uri="{909E8E84-426E-40DD-AFC4-6F175D3DCCD1}">
+                  <a14:hiddenFill xmlns:a14="http://schemas.microsoft.com/office/drawing/2010/main">
+                    <a:solidFill>
+                      <a:srgbClr val="FFFFFF"/>
+                    </a:solidFill>
+                  </a14:hiddenFill>
+                </a:ext>
+                <a:ext uri="{91240B29-F687-4F45-9708-019B960494DF}">
+                  <a14:hiddenLine xmlns:a14="http://schemas.microsoft.com/office/drawing/2010/main" w="9525">
+                    <a:solidFill>
+                      <a:srgbClr val="000000"/>
+                    </a:solidFill>
+                    <a:miter lim="800000"/>
+                    <a:headEnd/>
+                    <a:tailEnd/>
+                  </a14:hiddenLine>
+                </a:ext>
+              </a:extLst>
+            </p:spPr>
+            <p:txBody>
+              <a:bodyPr>
+                <a:spAutoFit/>
+              </a:bodyPr>
+              <a:lstStyle>
+                <a:lvl1pPr>
+                  <a:defRPr>
+                    <a:solidFill>
+                      <a:schemeClr val="tx1"/>
+                    </a:solidFill>
+                    <a:latin typeface="Calibri" panose="020F0502020204030204" pitchFamily="34" charset="0"/>
+                  </a:defRPr>
+                </a:lvl1pPr>
+                <a:lvl2pPr marL="742950" indent="-285750">
+                  <a:defRPr>
+                    <a:solidFill>
+                      <a:schemeClr val="tx1"/>
+                    </a:solidFill>
+                    <a:latin typeface="Calibri" panose="020F0502020204030204" pitchFamily="34" charset="0"/>
+                  </a:defRPr>
+                </a:lvl2pPr>
+                <a:lvl3pPr marL="1143000" indent="-228600">
+                  <a:defRPr>
+                    <a:solidFill>
+                      <a:schemeClr val="tx1"/>
+                    </a:solidFill>
+                    <a:latin typeface="Calibri" panose="020F0502020204030204" pitchFamily="34" charset="0"/>
+                  </a:defRPr>
+                </a:lvl3pPr>
+                <a:lvl4pPr marL="1600200" indent="-228600">
+                  <a:defRPr>
+                    <a:solidFill>
+                      <a:schemeClr val="tx1"/>
+                    </a:solidFill>
+                    <a:latin typeface="Calibri" panose="020F0502020204030204" pitchFamily="34" charset="0"/>
+                  </a:defRPr>
+                </a:lvl4pPr>
+                <a:lvl5pPr marL="2057400" indent="-228600">
+                  <a:defRPr>
+                    <a:solidFill>
+                      <a:schemeClr val="tx1"/>
+                    </a:solidFill>
+                    <a:latin typeface="Calibri" panose="020F0502020204030204" pitchFamily="34" charset="0"/>
+                  </a:defRPr>
+                </a:lvl5pPr>
+                <a:lvl6pPr marL="2514600" indent="-228600" eaLnBrk="0" fontAlgn="base" hangingPunct="0">
+                  <a:spcBef>
+                    <a:spcPct val="0"/>
+                  </a:spcBef>
+                  <a:spcAft>
+                    <a:spcPct val="0"/>
+                  </a:spcAft>
+                  <a:defRPr>
+                    <a:solidFill>
+                      <a:schemeClr val="tx1"/>
+                    </a:solidFill>
+                    <a:latin typeface="Calibri" panose="020F0502020204030204" pitchFamily="34" charset="0"/>
+                  </a:defRPr>
+                </a:lvl6pPr>
+                <a:lvl7pPr marL="2971800" indent="-228600" eaLnBrk="0" fontAlgn="base" hangingPunct="0">
+                  <a:spcBef>
+                    <a:spcPct val="0"/>
+                  </a:spcBef>
+                  <a:spcAft>
+                    <a:spcPct val="0"/>
+                  </a:spcAft>
+                  <a:defRPr>
+                    <a:solidFill>
+                      <a:schemeClr val="tx1"/>
+                    </a:solidFill>
+                    <a:latin typeface="Calibri" panose="020F0502020204030204" pitchFamily="34" charset="0"/>
+                  </a:defRPr>
+                </a:lvl7pPr>
+                <a:lvl8pPr marL="3429000" indent="-228600" eaLnBrk="0" fontAlgn="base" hangingPunct="0">
+                  <a:spcBef>
+                    <a:spcPct val="0"/>
+                  </a:spcBef>
+                  <a:spcAft>
+                    <a:spcPct val="0"/>
+                  </a:spcAft>
+                  <a:defRPr>
+                    <a:solidFill>
+                      <a:schemeClr val="tx1"/>
+                    </a:solidFill>
+                    <a:latin typeface="Calibri" panose="020F0502020204030204" pitchFamily="34" charset="0"/>
+                  </a:defRPr>
+                </a:lvl8pPr>
+                <a:lvl9pPr marL="3886200" indent="-228600" eaLnBrk="0" fontAlgn="base" hangingPunct="0">
+                  <a:spcBef>
+                    <a:spcPct val="0"/>
+                  </a:spcBef>
+                  <a:spcAft>
+                    <a:spcPct val="0"/>
+                  </a:spcAft>
+                  <a:defRPr>
+                    <a:solidFill>
+                      <a:schemeClr val="tx1"/>
+                    </a:solidFill>
+                    <a:latin typeface="Calibri" panose="020F0502020204030204" pitchFamily="34" charset="0"/>
+                  </a:defRPr>
+                </a:lvl9pPr>
+              </a:lstStyle>
+              <a:p>
+                <a:pPr algn="ctr" eaLnBrk="1" hangingPunct="1"/>
+                <a:r>
+                  <a:rPr lang="en-US" altLang="en-US" sz="1200" dirty="0">
+                    <a:latin typeface="Arial" panose="020B0604020202020204" pitchFamily="34" charset="0"/>
+                    <a:ea typeface="Amazon Ember" panose="020B0603020204020204" pitchFamily="34" charset="0"/>
+                    <a:cs typeface="Arial" panose="020B0604020202020204" pitchFamily="34" charset="0"/>
+                  </a:rPr>
+                  <a:t>Amazon Simple Storage Service (Amazon S3)</a:t>
+                </a:r>
+              </a:p>
+            </p:txBody>
+          </p:sp>
+        </p:grpSp>
+        <p:cxnSp>
+          <p:nvCxnSpPr>
+            <p:cNvPr id="14" name="Straight Arrow Connector 13"/>
+            <p:cNvCxnSpPr/>
+            <p:nvPr/>
+          </p:nvCxnSpPr>
+          <p:spPr>
+            <a:xfrm flipH="1">
+              <a:off x="6651812" y="1485298"/>
+              <a:ext cx="1308847" cy="0"/>
+            </a:xfrm>
+            <a:prstGeom prst="straightConnector1">
+              <a:avLst/>
+            </a:prstGeom>
+            <a:ln w="57150">
+              <a:solidFill>
+                <a:schemeClr val="accent1"/>
+              </a:solidFill>
+              <a:headEnd type="none" w="med" len="med"/>
+              <a:tailEnd type="arrow" w="med" len="med"/>
+            </a:ln>
+          </p:spPr>
+          <p:style>
+            <a:lnRef idx="1">
+              <a:schemeClr val="accent1"/>
+            </a:lnRef>
+            <a:fillRef idx="0">
+              <a:schemeClr val="accent1"/>
+            </a:fillRef>
+            <a:effectRef idx="0">
+              <a:schemeClr val="accent1"/>
+            </a:effectRef>
+            <a:fontRef idx="minor">
+              <a:schemeClr val="tx1"/>
+            </a:fontRef>
+          </p:style>
+        </p:cxnSp>
+        <p:cxnSp>
+          <p:nvCxnSpPr>
+            <p:cNvPr id="15" name="Straight Arrow Connector 14"/>
+            <p:cNvCxnSpPr/>
+            <p:nvPr/>
+          </p:nvCxnSpPr>
+          <p:spPr>
+            <a:xfrm flipH="1">
+              <a:off x="3657600" y="1485298"/>
+              <a:ext cx="1308847" cy="0"/>
+            </a:xfrm>
+            <a:prstGeom prst="straightConnector1">
+              <a:avLst/>
+            </a:prstGeom>
+            <a:ln w="57150">
+              <a:solidFill>
+                <a:schemeClr val="accent1"/>
+              </a:solidFill>
+              <a:headEnd type="none" w="med" len="med"/>
+              <a:tailEnd type="arrow" w="med" len="med"/>
+            </a:ln>
+          </p:spPr>
+          <p:style>
+            <a:lnRef idx="1">
+              <a:schemeClr val="accent1"/>
+            </a:lnRef>
+            <a:fillRef idx="0">
+              <a:schemeClr val="accent1"/>
+            </a:fillRef>
+            <a:effectRef idx="0">
+              <a:schemeClr val="accent1"/>
+            </a:effectRef>
+            <a:fontRef idx="minor">
+              <a:schemeClr val="tx1"/>
+            </a:fontRef>
+          </p:style>
+        </p:cxnSp>
+        <p:sp>
+          <p:nvSpPr>
+            <p:cNvPr id="16" name="TextBox 15"/>
+            <p:cNvSpPr txBox="1"/>
+            <p:nvPr/>
+          </p:nvSpPr>
+          <p:spPr>
+            <a:xfrm>
+              <a:off x="3982256" y="1054382"/>
+              <a:ext cx="611449" cy="369332"/>
+            </a:xfrm>
+            <a:prstGeom prst="rect">
+              <a:avLst/>
+            </a:prstGeom>
+            <a:noFill/>
+          </p:spPr>
+          <p:txBody>
+            <a:bodyPr wrap="none" rtlCol="0">
+              <a:spAutoFit/>
+            </a:bodyPr>
+            <a:lstStyle/>
+            <a:p>
+              <a:r>
+                <a:rPr lang="en-US" dirty="0" smtClean="0"/>
+                <a:t>Sync</a:t>
+              </a:r>
+              <a:endParaRPr lang="en-US" dirty="0"/>
+            </a:p>
+          </p:txBody>
+        </p:sp>
+        <p:sp>
+          <p:nvSpPr>
+            <p:cNvPr id="17" name="TextBox 16"/>
+            <p:cNvSpPr txBox="1"/>
+            <p:nvPr/>
+          </p:nvSpPr>
+          <p:spPr>
+            <a:xfrm>
+              <a:off x="7014597" y="1054382"/>
+              <a:ext cx="829394" cy="369332"/>
+            </a:xfrm>
+            <a:prstGeom prst="rect">
+              <a:avLst/>
+            </a:prstGeom>
+            <a:noFill/>
+          </p:spPr>
+          <p:txBody>
+            <a:bodyPr wrap="none" rtlCol="0">
+              <a:spAutoFit/>
+            </a:bodyPr>
+            <a:lstStyle/>
+            <a:p>
+              <a:r>
+                <a:rPr lang="en-US" dirty="0" smtClean="0"/>
+                <a:t>Trigger</a:t>
+              </a:r>
+              <a:endParaRPr lang="en-US" dirty="0"/>
+            </a:p>
+          </p:txBody>
+        </p:sp>
+      </p:grpSp>
+    </p:spTree>
+    <p:extLst>
+      <p:ext uri="{BB962C8B-B14F-4D97-AF65-F5344CB8AC3E}">
+        <p14:creationId xmlns:p14="http://schemas.microsoft.com/office/powerpoint/2010/main" val="1692419717"/>
+      </p:ext>
+    </p:extLst>
+  </p:cSld>
+  <p:clrMapOvr>
+    <a:masterClrMapping/>
+  </p:clrMapOvr>
+</p:sld>
+</file>
+
+<file path=ppt/slides/slide6.xml><?xml version="1.0" encoding="utf-8"?>
+<p:sld xmlns:a="http://schemas.openxmlformats.org/drawingml/2006/main" xmlns:r="http://schemas.openxmlformats.org/officeDocument/2006/relationships" xmlns:p="http://schemas.openxmlformats.org/presentationml/2006/main">
+  <p:cSld>
+    <p:spTree>
+      <p:nvGrpSpPr>
+        <p:cNvPr id="1" name=""/>
+        <p:cNvGrpSpPr/>
+        <p:nvPr/>
+      </p:nvGrpSpPr>
+      <p:grpSpPr>
+        <a:xfrm>
+          <a:off x="0" y="0"/>
+          <a:ext cx="0" cy="0"/>
+          <a:chOff x="0" y="0"/>
+          <a:chExt cx="0" cy="0"/>
+        </a:xfrm>
+      </p:grpSpPr>
+      <p:grpSp>
+        <p:nvGrpSpPr>
+          <p:cNvPr id="45" name="Group 44"/>
+          <p:cNvGrpSpPr/>
+          <p:nvPr/>
+        </p:nvGrpSpPr>
+        <p:grpSpPr>
+          <a:xfrm>
+            <a:off x="1280246" y="496741"/>
+            <a:ext cx="6714207" cy="5862219"/>
+            <a:chOff x="1280246" y="496741"/>
+            <a:chExt cx="6714207" cy="5862219"/>
+          </a:xfrm>
+        </p:grpSpPr>
+        <p:grpSp>
+          <p:nvGrpSpPr>
+            <p:cNvPr id="5" name="Group 4"/>
+            <p:cNvGrpSpPr/>
+            <p:nvPr/>
+          </p:nvGrpSpPr>
+          <p:grpSpPr>
+            <a:xfrm>
+              <a:off x="4461110" y="2894177"/>
+              <a:ext cx="2553487" cy="1156474"/>
+              <a:chOff x="4487863" y="1185069"/>
+              <a:chExt cx="2292350" cy="1038205"/>
+            </a:xfrm>
+          </p:grpSpPr>
+          <p:pic>
+            <p:nvPicPr>
+              <p:cNvPr id="16" name="Graphic 10">
+                <a:extLst>
+                  <a:ext uri="{FF2B5EF4-FFF2-40B4-BE49-F238E27FC236}">
+                    <a16:creationId xmlns="" xmlns:a16="http://schemas.microsoft.com/office/drawing/2014/main" id="{7249C1EC-5A69-3C4D-9DDF-0DB93BB70BC6}"/>
+                  </a:ext>
+                </a:extLst>
+              </p:cNvPr>
+              <p:cNvPicPr>
+                <a:picLocks noChangeAspect="1" noChangeArrowheads="1"/>
+              </p:cNvPicPr>
+              <p:nvPr/>
+            </p:nvPicPr>
+            <p:blipFill>
+              <a:blip r:embed="rId2" cstate="print">
+                <a:extLst>
+                  <a:ext uri="{28A0092B-C50C-407E-A947-70E740481C1C}">
+                    <a14:useLocalDpi xmlns:a14="http://schemas.microsoft.com/office/drawing/2010/main" val="0"/>
+                  </a:ext>
+                </a:extLst>
+              </a:blip>
+              <a:srcRect/>
+              <a:stretch>
+                <a:fillRect/>
+              </a:stretch>
+            </p:blipFill>
+            <p:spPr bwMode="auto">
+              <a:xfrm>
+                <a:off x="5246688" y="1185069"/>
+                <a:ext cx="762000" cy="762000"/>
+              </a:xfrm>
+              <a:prstGeom prst="rect">
+                <a:avLst/>
+              </a:prstGeom>
+              <a:noFill/>
+              <a:ln>
+                <a:noFill/>
+              </a:ln>
+              <a:extLst>
+                <a:ext uri="{909E8E84-426E-40DD-AFC4-6F175D3DCCD1}">
+                  <a14:hiddenFill xmlns:a14="http://schemas.microsoft.com/office/drawing/2010/main">
+                    <a:solidFill>
+                      <a:srgbClr val="FFFFFF"/>
+                    </a:solidFill>
+                  </a14:hiddenFill>
+                </a:ext>
+                <a:ext uri="{91240B29-F687-4F45-9708-019B960494DF}">
+                  <a14:hiddenLine xmlns:a14="http://schemas.microsoft.com/office/drawing/2010/main" w="9525">
+                    <a:solidFill>
+                      <a:srgbClr val="000000"/>
+                    </a:solidFill>
+                    <a:miter lim="800000"/>
+                    <a:headEnd/>
+                    <a:tailEnd/>
+                  </a14:hiddenLine>
+                </a:ext>
+              </a:extLst>
+            </p:spPr>
+          </p:pic>
+          <p:sp>
+            <p:nvSpPr>
+              <p:cNvPr id="17" name="TextBox 20">
+                <a:extLst>
+                  <a:ext uri="{FF2B5EF4-FFF2-40B4-BE49-F238E27FC236}">
+                    <a16:creationId xmlns="" xmlns:a16="http://schemas.microsoft.com/office/drawing/2014/main" id="{E5D4A7D0-5E44-1943-968A-C198F40D0E71}"/>
+                  </a:ext>
+                </a:extLst>
+              </p:cNvPr>
+              <p:cNvSpPr txBox="1">
+                <a:spLocks noChangeArrowheads="1"/>
+              </p:cNvSpPr>
+              <p:nvPr/>
+            </p:nvSpPr>
+            <p:spPr bwMode="auto">
+              <a:xfrm>
+                <a:off x="4487863" y="1946275"/>
+                <a:ext cx="2292350" cy="276999"/>
+              </a:xfrm>
+              <a:prstGeom prst="rect">
+                <a:avLst/>
+              </a:prstGeom>
+              <a:noFill/>
+              <a:ln>
+                <a:noFill/>
+              </a:ln>
+              <a:extLst>
+                <a:ext uri="{909E8E84-426E-40DD-AFC4-6F175D3DCCD1}">
+                  <a14:hiddenFill xmlns:a14="http://schemas.microsoft.com/office/drawing/2010/main">
+                    <a:solidFill>
+                      <a:srgbClr val="FFFFFF"/>
+                    </a:solidFill>
+                  </a14:hiddenFill>
+                </a:ext>
+                <a:ext uri="{91240B29-F687-4F45-9708-019B960494DF}">
+                  <a14:hiddenLine xmlns:a14="http://schemas.microsoft.com/office/drawing/2010/main" w="9525">
+                    <a:solidFill>
+                      <a:srgbClr val="000000"/>
+                    </a:solidFill>
+                    <a:miter lim="800000"/>
+                    <a:headEnd/>
+                    <a:tailEnd/>
+                  </a14:hiddenLine>
+                </a:ext>
+              </a:extLst>
+            </p:spPr>
+            <p:txBody>
+              <a:bodyPr>
+                <a:spAutoFit/>
+              </a:bodyPr>
+              <a:lstStyle>
+                <a:lvl1pPr>
+                  <a:defRPr>
+                    <a:solidFill>
+                      <a:schemeClr val="tx1"/>
+                    </a:solidFill>
+                    <a:latin typeface="Calibri" panose="020F0502020204030204" pitchFamily="34" charset="0"/>
+                  </a:defRPr>
+                </a:lvl1pPr>
+                <a:lvl2pPr marL="742950" indent="-285750">
+                  <a:defRPr>
+                    <a:solidFill>
+                      <a:schemeClr val="tx1"/>
+                    </a:solidFill>
+                    <a:latin typeface="Calibri" panose="020F0502020204030204" pitchFamily="34" charset="0"/>
+                  </a:defRPr>
+                </a:lvl2pPr>
+                <a:lvl3pPr marL="1143000" indent="-228600">
+                  <a:defRPr>
+                    <a:solidFill>
+                      <a:schemeClr val="tx1"/>
+                    </a:solidFill>
+                    <a:latin typeface="Calibri" panose="020F0502020204030204" pitchFamily="34" charset="0"/>
+                  </a:defRPr>
+                </a:lvl3pPr>
+                <a:lvl4pPr marL="1600200" indent="-228600">
+                  <a:defRPr>
+                    <a:solidFill>
+                      <a:schemeClr val="tx1"/>
+                    </a:solidFill>
+                    <a:latin typeface="Calibri" panose="020F0502020204030204" pitchFamily="34" charset="0"/>
+                  </a:defRPr>
+                </a:lvl4pPr>
+                <a:lvl5pPr marL="2057400" indent="-228600">
+                  <a:defRPr>
+                    <a:solidFill>
+                      <a:schemeClr val="tx1"/>
+                    </a:solidFill>
+                    <a:latin typeface="Calibri" panose="020F0502020204030204" pitchFamily="34" charset="0"/>
+                  </a:defRPr>
+                </a:lvl5pPr>
+                <a:lvl6pPr marL="2514600" indent="-228600" eaLnBrk="0" fontAlgn="base" hangingPunct="0">
+                  <a:spcBef>
+                    <a:spcPct val="0"/>
+                  </a:spcBef>
+                  <a:spcAft>
+                    <a:spcPct val="0"/>
+                  </a:spcAft>
+                  <a:defRPr>
+                    <a:solidFill>
+                      <a:schemeClr val="tx1"/>
+                    </a:solidFill>
+                    <a:latin typeface="Calibri" panose="020F0502020204030204" pitchFamily="34" charset="0"/>
+                  </a:defRPr>
+                </a:lvl6pPr>
+                <a:lvl7pPr marL="2971800" indent="-228600" eaLnBrk="0" fontAlgn="base" hangingPunct="0">
+                  <a:spcBef>
+                    <a:spcPct val="0"/>
+                  </a:spcBef>
+                  <a:spcAft>
+                    <a:spcPct val="0"/>
+                  </a:spcAft>
+                  <a:defRPr>
+                    <a:solidFill>
+                      <a:schemeClr val="tx1"/>
+                    </a:solidFill>
+                    <a:latin typeface="Calibri" panose="020F0502020204030204" pitchFamily="34" charset="0"/>
+                  </a:defRPr>
+                </a:lvl7pPr>
+                <a:lvl8pPr marL="3429000" indent="-228600" eaLnBrk="0" fontAlgn="base" hangingPunct="0">
+                  <a:spcBef>
+                    <a:spcPct val="0"/>
+                  </a:spcBef>
+                  <a:spcAft>
+                    <a:spcPct val="0"/>
+                  </a:spcAft>
+                  <a:defRPr>
+                    <a:solidFill>
+                      <a:schemeClr val="tx1"/>
+                    </a:solidFill>
+                    <a:latin typeface="Calibri" panose="020F0502020204030204" pitchFamily="34" charset="0"/>
+                  </a:defRPr>
+                </a:lvl8pPr>
+                <a:lvl9pPr marL="3886200" indent="-228600" eaLnBrk="0" fontAlgn="base" hangingPunct="0">
+                  <a:spcBef>
+                    <a:spcPct val="0"/>
+                  </a:spcBef>
+                  <a:spcAft>
+                    <a:spcPct val="0"/>
+                  </a:spcAft>
+                  <a:defRPr>
+                    <a:solidFill>
+                      <a:schemeClr val="tx1"/>
+                    </a:solidFill>
+                    <a:latin typeface="Calibri" panose="020F0502020204030204" pitchFamily="34" charset="0"/>
+                  </a:defRPr>
+                </a:lvl9pPr>
+              </a:lstStyle>
+              <a:p>
+                <a:pPr algn="ctr" eaLnBrk="1" hangingPunct="1"/>
+                <a:r>
+                  <a:rPr lang="en-US" altLang="en-US" sz="1200" dirty="0">
+                    <a:latin typeface="Arial" panose="020B0604020202020204" pitchFamily="34" charset="0"/>
+                    <a:ea typeface="Amazon Ember" panose="020B0603020204020204" pitchFamily="34" charset="0"/>
+                    <a:cs typeface="Arial" panose="020B0604020202020204" pitchFamily="34" charset="0"/>
+                  </a:rPr>
+                  <a:t>AWS Lambda</a:t>
+                </a:r>
+              </a:p>
+            </p:txBody>
+          </p:sp>
+        </p:grpSp>
+        <p:grpSp>
+          <p:nvGrpSpPr>
+            <p:cNvPr id="6" name="Group 5"/>
+            <p:cNvGrpSpPr/>
+            <p:nvPr/>
+          </p:nvGrpSpPr>
+          <p:grpSpPr>
+            <a:xfrm>
+              <a:off x="4370406" y="4986296"/>
+              <a:ext cx="2734894" cy="1372664"/>
+              <a:chOff x="1251604" y="1565275"/>
+              <a:chExt cx="2292350" cy="1150548"/>
+            </a:xfrm>
+          </p:grpSpPr>
+          <p:pic>
+            <p:nvPicPr>
+              <p:cNvPr id="14" name="Graphic 19">
+                <a:extLst>
+                  <a:ext uri="{FF2B5EF4-FFF2-40B4-BE49-F238E27FC236}">
+                    <a16:creationId xmlns="" xmlns:a16="http://schemas.microsoft.com/office/drawing/2014/main" id="{1FC33CE7-C98D-E547-BC90-92306552093A}"/>
+                  </a:ext>
+                </a:extLst>
+              </p:cNvPr>
+              <p:cNvPicPr>
+                <a:picLocks noChangeAspect="1" noChangeArrowheads="1"/>
+              </p:cNvPicPr>
+              <p:nvPr/>
+            </p:nvPicPr>
+            <p:blipFill>
+              <a:blip r:embed="rId3" cstate="print">
+                <a:extLst>
+                  <a:ext uri="{28A0092B-C50C-407E-A947-70E740481C1C}">
+                    <a14:useLocalDpi xmlns:a14="http://schemas.microsoft.com/office/drawing/2010/main" val="0"/>
+                  </a:ext>
+                </a:extLst>
+              </a:blip>
+              <a:srcRect/>
+              <a:stretch>
+                <a:fillRect/>
+              </a:stretch>
+            </p:blipFill>
+            <p:spPr bwMode="auto">
+              <a:xfrm>
+                <a:off x="2008841" y="1565275"/>
+                <a:ext cx="762000" cy="762000"/>
+              </a:xfrm>
+              <a:prstGeom prst="rect">
+                <a:avLst/>
+              </a:prstGeom>
+              <a:noFill/>
+              <a:ln>
+                <a:noFill/>
+              </a:ln>
+              <a:extLst>
+                <a:ext uri="{909E8E84-426E-40DD-AFC4-6F175D3DCCD1}">
+                  <a14:hiddenFill xmlns:a14="http://schemas.microsoft.com/office/drawing/2010/main">
+                    <a:solidFill>
+                      <a:srgbClr val="FFFFFF"/>
+                    </a:solidFill>
+                  </a14:hiddenFill>
+                </a:ext>
+                <a:ext uri="{91240B29-F687-4F45-9708-019B960494DF}">
+                  <a14:hiddenLine xmlns:a14="http://schemas.microsoft.com/office/drawing/2010/main" w="9525">
+                    <a:solidFill>
+                      <a:srgbClr val="000000"/>
+                    </a:solidFill>
+                    <a:miter lim="800000"/>
+                    <a:headEnd/>
+                    <a:tailEnd/>
+                  </a14:hiddenLine>
+                </a:ext>
+              </a:extLst>
+            </p:spPr>
+          </p:pic>
+          <p:sp>
+            <p:nvSpPr>
+              <p:cNvPr id="15" name="TextBox 11">
+                <a:extLst>
+                  <a:ext uri="{FF2B5EF4-FFF2-40B4-BE49-F238E27FC236}">
+                    <a16:creationId xmlns="" xmlns:a16="http://schemas.microsoft.com/office/drawing/2014/main" id="{0355EC56-8BE5-9F4E-BD29-5DC1160E4BC4}"/>
+                  </a:ext>
+                </a:extLst>
+              </p:cNvPr>
+              <p:cNvSpPr txBox="1">
+                <a:spLocks noChangeArrowheads="1"/>
+              </p:cNvSpPr>
+              <p:nvPr/>
+            </p:nvSpPr>
+            <p:spPr bwMode="auto">
+              <a:xfrm>
+                <a:off x="1251604" y="2328862"/>
+                <a:ext cx="2292350" cy="386961"/>
+              </a:xfrm>
+              <a:prstGeom prst="rect">
+                <a:avLst/>
+              </a:prstGeom>
+              <a:noFill/>
+              <a:ln>
+                <a:noFill/>
+              </a:ln>
+              <a:extLst>
+                <a:ext uri="{909E8E84-426E-40DD-AFC4-6F175D3DCCD1}">
+                  <a14:hiddenFill xmlns:a14="http://schemas.microsoft.com/office/drawing/2010/main">
+                    <a:solidFill>
+                      <a:srgbClr val="FFFFFF"/>
+                    </a:solidFill>
+                  </a14:hiddenFill>
+                </a:ext>
+                <a:ext uri="{91240B29-F687-4F45-9708-019B960494DF}">
+                  <a14:hiddenLine xmlns:a14="http://schemas.microsoft.com/office/drawing/2010/main" w="9525">
+                    <a:solidFill>
+                      <a:srgbClr val="000000"/>
+                    </a:solidFill>
+                    <a:miter lim="800000"/>
+                    <a:headEnd/>
+                    <a:tailEnd/>
+                  </a14:hiddenLine>
+                </a:ext>
+              </a:extLst>
+            </p:spPr>
+            <p:txBody>
+              <a:bodyPr>
+                <a:spAutoFit/>
+              </a:bodyPr>
+              <a:lstStyle>
+                <a:lvl1pPr>
+                  <a:defRPr>
+                    <a:solidFill>
+                      <a:schemeClr val="tx1"/>
+                    </a:solidFill>
+                    <a:latin typeface="Calibri" panose="020F0502020204030204" pitchFamily="34" charset="0"/>
+                  </a:defRPr>
+                </a:lvl1pPr>
+                <a:lvl2pPr marL="742950" indent="-285750">
+                  <a:defRPr>
+                    <a:solidFill>
+                      <a:schemeClr val="tx1"/>
+                    </a:solidFill>
+                    <a:latin typeface="Calibri" panose="020F0502020204030204" pitchFamily="34" charset="0"/>
+                  </a:defRPr>
+                </a:lvl2pPr>
+                <a:lvl3pPr marL="1143000" indent="-228600">
+                  <a:defRPr>
+                    <a:solidFill>
+                      <a:schemeClr val="tx1"/>
+                    </a:solidFill>
+                    <a:latin typeface="Calibri" panose="020F0502020204030204" pitchFamily="34" charset="0"/>
+                  </a:defRPr>
+                </a:lvl3pPr>
+                <a:lvl4pPr marL="1600200" indent="-228600">
+                  <a:defRPr>
+                    <a:solidFill>
+                      <a:schemeClr val="tx1"/>
+                    </a:solidFill>
+                    <a:latin typeface="Calibri" panose="020F0502020204030204" pitchFamily="34" charset="0"/>
+                  </a:defRPr>
+                </a:lvl4pPr>
+                <a:lvl5pPr marL="2057400" indent="-228600">
+                  <a:defRPr>
+                    <a:solidFill>
+                      <a:schemeClr val="tx1"/>
+                    </a:solidFill>
+                    <a:latin typeface="Calibri" panose="020F0502020204030204" pitchFamily="34" charset="0"/>
+                  </a:defRPr>
+                </a:lvl5pPr>
+                <a:lvl6pPr marL="2514600" indent="-228600" eaLnBrk="0" fontAlgn="base" hangingPunct="0">
+                  <a:spcBef>
+                    <a:spcPct val="0"/>
+                  </a:spcBef>
+                  <a:spcAft>
+                    <a:spcPct val="0"/>
+                  </a:spcAft>
+                  <a:defRPr>
+                    <a:solidFill>
+                      <a:schemeClr val="tx1"/>
+                    </a:solidFill>
+                    <a:latin typeface="Calibri" panose="020F0502020204030204" pitchFamily="34" charset="0"/>
+                  </a:defRPr>
+                </a:lvl6pPr>
+                <a:lvl7pPr marL="2971800" indent="-228600" eaLnBrk="0" fontAlgn="base" hangingPunct="0">
+                  <a:spcBef>
+                    <a:spcPct val="0"/>
+                  </a:spcBef>
+                  <a:spcAft>
+                    <a:spcPct val="0"/>
+                  </a:spcAft>
+                  <a:defRPr>
+                    <a:solidFill>
+                      <a:schemeClr val="tx1"/>
+                    </a:solidFill>
+                    <a:latin typeface="Calibri" panose="020F0502020204030204" pitchFamily="34" charset="0"/>
+                  </a:defRPr>
+                </a:lvl7pPr>
+                <a:lvl8pPr marL="3429000" indent="-228600" eaLnBrk="0" fontAlgn="base" hangingPunct="0">
+                  <a:spcBef>
+                    <a:spcPct val="0"/>
+                  </a:spcBef>
+                  <a:spcAft>
+                    <a:spcPct val="0"/>
+                  </a:spcAft>
+                  <a:defRPr>
+                    <a:solidFill>
+                      <a:schemeClr val="tx1"/>
+                    </a:solidFill>
+                    <a:latin typeface="Calibri" panose="020F0502020204030204" pitchFamily="34" charset="0"/>
+                  </a:defRPr>
+                </a:lvl8pPr>
+                <a:lvl9pPr marL="3886200" indent="-228600" eaLnBrk="0" fontAlgn="base" hangingPunct="0">
+                  <a:spcBef>
+                    <a:spcPct val="0"/>
+                  </a:spcBef>
+                  <a:spcAft>
+                    <a:spcPct val="0"/>
+                  </a:spcAft>
+                  <a:defRPr>
+                    <a:solidFill>
+                      <a:schemeClr val="tx1"/>
+                    </a:solidFill>
+                    <a:latin typeface="Calibri" panose="020F0502020204030204" pitchFamily="34" charset="0"/>
+                  </a:defRPr>
+                </a:lvl9pPr>
+              </a:lstStyle>
+              <a:p>
+                <a:pPr algn="ctr" eaLnBrk="1" hangingPunct="1"/>
+                <a:r>
+                  <a:rPr lang="en-US" altLang="en-US" sz="1200" dirty="0">
+                    <a:latin typeface="Arial" panose="020B0604020202020204" pitchFamily="34" charset="0"/>
+                    <a:ea typeface="Amazon Ember" panose="020B0603020204020204" pitchFamily="34" charset="0"/>
+                    <a:cs typeface="Arial" panose="020B0604020202020204" pitchFamily="34" charset="0"/>
+                  </a:rPr>
+                  <a:t>Amazon Elastic File System </a:t>
+                </a:r>
+                <a:endParaRPr lang="en-US" altLang="en-US" sz="1200" dirty="0" smtClean="0">
+                  <a:latin typeface="Arial" panose="020B0604020202020204" pitchFamily="34" charset="0"/>
+                  <a:ea typeface="Amazon Ember" panose="020B0603020204020204" pitchFamily="34" charset="0"/>
+                  <a:cs typeface="Arial" panose="020B0604020202020204" pitchFamily="34" charset="0"/>
+                </a:endParaRPr>
+              </a:p>
+              <a:p>
+                <a:pPr algn="ctr" eaLnBrk="1" hangingPunct="1"/>
+                <a:r>
+                  <a:rPr lang="en-US" altLang="en-US" sz="1200" dirty="0" smtClean="0">
+                    <a:latin typeface="Arial" panose="020B0604020202020204" pitchFamily="34" charset="0"/>
+                    <a:ea typeface="Amazon Ember" panose="020B0603020204020204" pitchFamily="34" charset="0"/>
+                    <a:cs typeface="Arial" panose="020B0604020202020204" pitchFamily="34" charset="0"/>
+                  </a:rPr>
+                  <a:t>(</a:t>
+                </a:r>
+                <a:r>
+                  <a:rPr lang="en-US" altLang="en-US" sz="1200" dirty="0">
+                    <a:latin typeface="Arial" panose="020B0604020202020204" pitchFamily="34" charset="0"/>
+                    <a:ea typeface="Amazon Ember" panose="020B0603020204020204" pitchFamily="34" charset="0"/>
+                    <a:cs typeface="Arial" panose="020B0604020202020204" pitchFamily="34" charset="0"/>
+                  </a:rPr>
+                  <a:t>Amazon EFS)</a:t>
+                </a:r>
+              </a:p>
+            </p:txBody>
+          </p:sp>
+        </p:grpSp>
+        <p:grpSp>
+          <p:nvGrpSpPr>
+            <p:cNvPr id="7" name="Group 6"/>
+            <p:cNvGrpSpPr/>
+            <p:nvPr/>
+          </p:nvGrpSpPr>
+          <p:grpSpPr>
+            <a:xfrm>
+              <a:off x="4427745" y="496741"/>
+              <a:ext cx="2620216" cy="1461790"/>
+              <a:chOff x="7915182" y="2223274"/>
+              <a:chExt cx="2239962" cy="1225252"/>
+            </a:xfrm>
+          </p:grpSpPr>
+          <p:pic>
+            <p:nvPicPr>
+              <p:cNvPr id="12" name="Graphic 8">
+                <a:extLst>
+                  <a:ext uri="{FF2B5EF4-FFF2-40B4-BE49-F238E27FC236}">
+                    <a16:creationId xmlns="" xmlns:a16="http://schemas.microsoft.com/office/drawing/2014/main" id="{0D4A9B47-8231-EF4D-B9AB-A3D9E4B81350}"/>
+                  </a:ext>
+                </a:extLst>
+              </p:cNvPr>
+              <p:cNvPicPr>
+                <a:picLocks noChangeAspect="1" noChangeArrowheads="1"/>
+              </p:cNvPicPr>
+              <p:nvPr/>
+            </p:nvPicPr>
+            <p:blipFill>
+              <a:blip r:embed="rId4" cstate="print">
+                <a:extLst>
+                  <a:ext uri="{28A0092B-C50C-407E-A947-70E740481C1C}">
+                    <a14:useLocalDpi xmlns:a14="http://schemas.microsoft.com/office/drawing/2010/main" val="0"/>
+                  </a:ext>
+                </a:extLst>
+              </a:blip>
+              <a:srcRect/>
+              <a:stretch>
+                <a:fillRect/>
+              </a:stretch>
+            </p:blipFill>
+            <p:spPr bwMode="auto">
+              <a:xfrm>
+                <a:off x="8654957" y="2223274"/>
+                <a:ext cx="762000" cy="762000"/>
+              </a:xfrm>
+              <a:prstGeom prst="rect">
+                <a:avLst/>
+              </a:prstGeom>
+              <a:noFill/>
+              <a:ln>
+                <a:noFill/>
+              </a:ln>
+              <a:extLst>
+                <a:ext uri="{909E8E84-426E-40DD-AFC4-6F175D3DCCD1}">
+                  <a14:hiddenFill xmlns:a14="http://schemas.microsoft.com/office/drawing/2010/main">
+                    <a:solidFill>
+                      <a:srgbClr val="FFFFFF"/>
+                    </a:solidFill>
+                  </a14:hiddenFill>
+                </a:ext>
+                <a:ext uri="{91240B29-F687-4F45-9708-019B960494DF}">
+                  <a14:hiddenLine xmlns:a14="http://schemas.microsoft.com/office/drawing/2010/main" w="9525">
+                    <a:solidFill>
+                      <a:srgbClr val="000000"/>
+                    </a:solidFill>
+                    <a:miter lim="800000"/>
+                    <a:headEnd/>
+                    <a:tailEnd/>
+                  </a14:hiddenLine>
+                </a:ext>
+              </a:extLst>
+            </p:spPr>
+          </p:pic>
+          <p:sp>
+            <p:nvSpPr>
+              <p:cNvPr id="13" name="TextBox 9">
+                <a:extLst>
+                  <a:ext uri="{FF2B5EF4-FFF2-40B4-BE49-F238E27FC236}">
+                    <a16:creationId xmlns="" xmlns:a16="http://schemas.microsoft.com/office/drawing/2014/main" id="{5B6C5DC4-5A01-E14D-BEE5-909FCF8B05F2}"/>
+                  </a:ext>
+                </a:extLst>
+              </p:cNvPr>
+              <p:cNvSpPr txBox="1">
+                <a:spLocks noChangeArrowheads="1"/>
+              </p:cNvSpPr>
+              <p:nvPr/>
+            </p:nvSpPr>
+            <p:spPr bwMode="auto">
+              <a:xfrm>
+                <a:off x="7915182" y="2986861"/>
+                <a:ext cx="2239962" cy="461665"/>
+              </a:xfrm>
+              <a:prstGeom prst="rect">
+                <a:avLst/>
+              </a:prstGeom>
+              <a:noFill/>
+              <a:ln>
+                <a:noFill/>
+              </a:ln>
+              <a:extLst>
+                <a:ext uri="{909E8E84-426E-40DD-AFC4-6F175D3DCCD1}">
+                  <a14:hiddenFill xmlns:a14="http://schemas.microsoft.com/office/drawing/2010/main">
+                    <a:solidFill>
+                      <a:srgbClr val="FFFFFF"/>
+                    </a:solidFill>
+                  </a14:hiddenFill>
+                </a:ext>
+                <a:ext uri="{91240B29-F687-4F45-9708-019B960494DF}">
+                  <a14:hiddenLine xmlns:a14="http://schemas.microsoft.com/office/drawing/2010/main" w="9525">
+                    <a:solidFill>
+                      <a:srgbClr val="000000"/>
+                    </a:solidFill>
+                    <a:miter lim="800000"/>
+                    <a:headEnd/>
+                    <a:tailEnd/>
+                  </a14:hiddenLine>
+                </a:ext>
+              </a:extLst>
+            </p:spPr>
+            <p:txBody>
+              <a:bodyPr>
+                <a:spAutoFit/>
+              </a:bodyPr>
+              <a:lstStyle>
+                <a:lvl1pPr>
+                  <a:defRPr>
+                    <a:solidFill>
+                      <a:schemeClr val="tx1"/>
+                    </a:solidFill>
+                    <a:latin typeface="Calibri" panose="020F0502020204030204" pitchFamily="34" charset="0"/>
+                  </a:defRPr>
+                </a:lvl1pPr>
+                <a:lvl2pPr marL="742950" indent="-285750">
+                  <a:defRPr>
+                    <a:solidFill>
+                      <a:schemeClr val="tx1"/>
+                    </a:solidFill>
+                    <a:latin typeface="Calibri" panose="020F0502020204030204" pitchFamily="34" charset="0"/>
+                  </a:defRPr>
+                </a:lvl2pPr>
+                <a:lvl3pPr marL="1143000" indent="-228600">
+                  <a:defRPr>
+                    <a:solidFill>
+                      <a:schemeClr val="tx1"/>
+                    </a:solidFill>
+                    <a:latin typeface="Calibri" panose="020F0502020204030204" pitchFamily="34" charset="0"/>
+                  </a:defRPr>
+                </a:lvl3pPr>
+                <a:lvl4pPr marL="1600200" indent="-228600">
+                  <a:defRPr>
+                    <a:solidFill>
+                      <a:schemeClr val="tx1"/>
+                    </a:solidFill>
+                    <a:latin typeface="Calibri" panose="020F0502020204030204" pitchFamily="34" charset="0"/>
+                  </a:defRPr>
+                </a:lvl4pPr>
+                <a:lvl5pPr marL="2057400" indent="-228600">
+                  <a:defRPr>
+                    <a:solidFill>
+                      <a:schemeClr val="tx1"/>
+                    </a:solidFill>
+                    <a:latin typeface="Calibri" panose="020F0502020204030204" pitchFamily="34" charset="0"/>
+                  </a:defRPr>
+                </a:lvl5pPr>
+                <a:lvl6pPr marL="2514600" indent="-228600" eaLnBrk="0" fontAlgn="base" hangingPunct="0">
+                  <a:spcBef>
+                    <a:spcPct val="0"/>
+                  </a:spcBef>
+                  <a:spcAft>
+                    <a:spcPct val="0"/>
+                  </a:spcAft>
+                  <a:defRPr>
+                    <a:solidFill>
+                      <a:schemeClr val="tx1"/>
+                    </a:solidFill>
+                    <a:latin typeface="Calibri" panose="020F0502020204030204" pitchFamily="34" charset="0"/>
+                  </a:defRPr>
+                </a:lvl6pPr>
+                <a:lvl7pPr marL="2971800" indent="-228600" eaLnBrk="0" fontAlgn="base" hangingPunct="0">
+                  <a:spcBef>
+                    <a:spcPct val="0"/>
+                  </a:spcBef>
+                  <a:spcAft>
+                    <a:spcPct val="0"/>
+                  </a:spcAft>
+                  <a:defRPr>
+                    <a:solidFill>
+                      <a:schemeClr val="tx1"/>
+                    </a:solidFill>
+                    <a:latin typeface="Calibri" panose="020F0502020204030204" pitchFamily="34" charset="0"/>
+                  </a:defRPr>
+                </a:lvl7pPr>
+                <a:lvl8pPr marL="3429000" indent="-228600" eaLnBrk="0" fontAlgn="base" hangingPunct="0">
+                  <a:spcBef>
+                    <a:spcPct val="0"/>
+                  </a:spcBef>
+                  <a:spcAft>
+                    <a:spcPct val="0"/>
+                  </a:spcAft>
+                  <a:defRPr>
+                    <a:solidFill>
+                      <a:schemeClr val="tx1"/>
+                    </a:solidFill>
+                    <a:latin typeface="Calibri" panose="020F0502020204030204" pitchFamily="34" charset="0"/>
+                  </a:defRPr>
+                </a:lvl8pPr>
+                <a:lvl9pPr marL="3886200" indent="-228600" eaLnBrk="0" fontAlgn="base" hangingPunct="0">
+                  <a:spcBef>
+                    <a:spcPct val="0"/>
+                  </a:spcBef>
+                  <a:spcAft>
+                    <a:spcPct val="0"/>
+                  </a:spcAft>
+                  <a:defRPr>
+                    <a:solidFill>
+                      <a:schemeClr val="tx1"/>
+                    </a:solidFill>
+                    <a:latin typeface="Calibri" panose="020F0502020204030204" pitchFamily="34" charset="0"/>
+                  </a:defRPr>
+                </a:lvl9pPr>
+              </a:lstStyle>
+              <a:p>
+                <a:pPr algn="ctr" eaLnBrk="1" hangingPunct="1"/>
+                <a:r>
+                  <a:rPr lang="en-US" altLang="en-US" sz="1200" dirty="0">
+                    <a:latin typeface="Arial" panose="020B0604020202020204" pitchFamily="34" charset="0"/>
+                    <a:ea typeface="Amazon Ember" panose="020B0603020204020204" pitchFamily="34" charset="0"/>
+                    <a:cs typeface="Arial" panose="020B0604020202020204" pitchFamily="34" charset="0"/>
+                  </a:rPr>
+                  <a:t>Amazon Simple Storage Service (Amazon S3)</a:t>
+                </a:r>
+              </a:p>
+            </p:txBody>
+          </p:sp>
+        </p:grpSp>
+        <p:cxnSp>
+          <p:nvCxnSpPr>
+            <p:cNvPr id="8" name="Straight Arrow Connector 7"/>
+            <p:cNvCxnSpPr/>
+            <p:nvPr/>
+          </p:nvCxnSpPr>
+          <p:spPr>
+            <a:xfrm flipH="1">
+              <a:off x="5730781" y="1904741"/>
+              <a:ext cx="7072" cy="935646"/>
+            </a:xfrm>
+            <a:prstGeom prst="straightConnector1">
+              <a:avLst/>
+            </a:prstGeom>
+            <a:ln w="50800">
+              <a:solidFill>
+                <a:schemeClr val="accent1"/>
+              </a:solidFill>
+              <a:headEnd type="none" w="med" len="med"/>
+              <a:tailEnd type="arrow" w="med" len="med"/>
+            </a:ln>
+          </p:spPr>
+          <p:style>
+            <a:lnRef idx="1">
+              <a:schemeClr val="accent1"/>
+            </a:lnRef>
+            <a:fillRef idx="0">
+              <a:schemeClr val="accent1"/>
+            </a:fillRef>
+            <a:effectRef idx="0">
+              <a:schemeClr val="accent1"/>
+            </a:effectRef>
+            <a:fontRef idx="minor">
+              <a:schemeClr val="tx1"/>
+            </a:fontRef>
+          </p:style>
+        </p:cxnSp>
+        <p:sp>
+          <p:nvSpPr>
+            <p:cNvPr id="11" name="TextBox 10"/>
+            <p:cNvSpPr txBox="1"/>
+            <p:nvPr/>
+          </p:nvSpPr>
+          <p:spPr>
+            <a:xfrm>
+              <a:off x="5728383" y="2090720"/>
+              <a:ext cx="2266070" cy="369332"/>
+            </a:xfrm>
+            <a:prstGeom prst="rect">
+              <a:avLst/>
+            </a:prstGeom>
+            <a:noFill/>
+          </p:spPr>
+          <p:txBody>
+            <a:bodyPr wrap="none" rtlCol="0">
+              <a:spAutoFit/>
+            </a:bodyPr>
+            <a:lstStyle/>
+            <a:p>
+              <a:r>
+                <a:rPr lang="en-US" b="1" dirty="0" smtClean="0"/>
+                <a:t>1. </a:t>
+              </a:r>
+              <a:r>
+                <a:rPr lang="en-US" sz="1400" dirty="0" smtClean="0"/>
+                <a:t>Event Notification </a:t>
+              </a:r>
+              <a:r>
+                <a:rPr lang="en-US" sz="1400" dirty="0" smtClean="0"/>
+                <a:t>Trigger</a:t>
+              </a:r>
+              <a:endParaRPr lang="en-US" sz="1400" dirty="0"/>
+            </a:p>
+          </p:txBody>
+        </p:sp>
+        <p:grpSp>
+          <p:nvGrpSpPr>
+            <p:cNvPr id="20" name="Group 19"/>
+            <p:cNvGrpSpPr/>
+            <p:nvPr/>
+          </p:nvGrpSpPr>
+          <p:grpSpPr>
+            <a:xfrm>
+              <a:off x="1280246" y="2910782"/>
+              <a:ext cx="2279650" cy="1038999"/>
+              <a:chOff x="6786563" y="1184275"/>
+              <a:chExt cx="2279650" cy="1038999"/>
+            </a:xfrm>
+          </p:grpSpPr>
+          <p:pic>
+            <p:nvPicPr>
+              <p:cNvPr id="18" name="Graphic 21">
+                <a:extLst>
+                  <a:ext uri="{FF2B5EF4-FFF2-40B4-BE49-F238E27FC236}">
+                    <a16:creationId xmlns:a16="http://schemas.microsoft.com/office/drawing/2014/main" xmlns="" id="{29EBF3FF-7F82-FD4A-89C8-1202691CCAE4}"/>
+                  </a:ext>
+                </a:extLst>
+              </p:cNvPr>
+              <p:cNvPicPr>
+                <a:picLocks noChangeAspect="1" noChangeArrowheads="1"/>
+              </p:cNvPicPr>
+              <p:nvPr/>
+            </p:nvPicPr>
+            <p:blipFill>
+              <a:blip r:embed="rId5" cstate="print">
+                <a:extLst>
+                  <a:ext uri="{28A0092B-C50C-407E-A947-70E740481C1C}">
+                    <a14:useLocalDpi xmlns:a14="http://schemas.microsoft.com/office/drawing/2010/main" val="0"/>
+                  </a:ext>
+                </a:extLst>
+              </a:blip>
+              <a:srcRect/>
+              <a:stretch>
+                <a:fillRect/>
+              </a:stretch>
+            </p:blipFill>
+            <p:spPr bwMode="auto">
+              <a:xfrm>
+                <a:off x="7534275" y="1184275"/>
+                <a:ext cx="762000" cy="762000"/>
+              </a:xfrm>
+              <a:prstGeom prst="rect">
+                <a:avLst/>
+              </a:prstGeom>
+              <a:noFill/>
+              <a:ln>
+                <a:noFill/>
+              </a:ln>
+              <a:extLst>
+                <a:ext uri="{909E8E84-426E-40DD-AFC4-6F175D3DCCD1}">
+                  <a14:hiddenFill xmlns:a14="http://schemas.microsoft.com/office/drawing/2010/main">
+                    <a:solidFill>
+                      <a:srgbClr val="FFFFFF"/>
+                    </a:solidFill>
+                  </a14:hiddenFill>
+                </a:ext>
+                <a:ext uri="{91240B29-F687-4F45-9708-019B960494DF}">
+                  <a14:hiddenLine xmlns:a14="http://schemas.microsoft.com/office/drawing/2010/main" w="9525">
+                    <a:solidFill>
+                      <a:srgbClr val="000000"/>
+                    </a:solidFill>
+                    <a:miter lim="800000"/>
+                    <a:headEnd/>
+                    <a:tailEnd/>
+                  </a14:hiddenLine>
+                </a:ext>
+              </a:extLst>
+            </p:spPr>
+          </p:pic>
+          <p:sp>
+            <p:nvSpPr>
+              <p:cNvPr id="19" name="TextBox 12">
+                <a:extLst>
+                  <a:ext uri="{FF2B5EF4-FFF2-40B4-BE49-F238E27FC236}">
+                    <a16:creationId xmlns:a16="http://schemas.microsoft.com/office/drawing/2014/main" xmlns="" id="{0FDF1365-7056-D948-913F-18757388B2CD}"/>
+                  </a:ext>
+                </a:extLst>
+              </p:cNvPr>
+              <p:cNvSpPr txBox="1">
+                <a:spLocks noChangeArrowheads="1"/>
+              </p:cNvSpPr>
+              <p:nvPr/>
+            </p:nvSpPr>
+            <p:spPr bwMode="auto">
+              <a:xfrm>
+                <a:off x="6786563" y="1946275"/>
+                <a:ext cx="2279650" cy="276999"/>
+              </a:xfrm>
+              <a:prstGeom prst="rect">
+                <a:avLst/>
+              </a:prstGeom>
+              <a:noFill/>
+              <a:ln>
+                <a:noFill/>
+              </a:ln>
+              <a:extLst>
+                <a:ext uri="{909E8E84-426E-40DD-AFC4-6F175D3DCCD1}">
+                  <a14:hiddenFill xmlns:a14="http://schemas.microsoft.com/office/drawing/2010/main">
+                    <a:solidFill>
+                      <a:srgbClr val="FFFFFF"/>
+                    </a:solidFill>
+                  </a14:hiddenFill>
+                </a:ext>
+                <a:ext uri="{91240B29-F687-4F45-9708-019B960494DF}">
+                  <a14:hiddenLine xmlns:a14="http://schemas.microsoft.com/office/drawing/2010/main" w="9525">
+                    <a:solidFill>
+                      <a:srgbClr val="000000"/>
+                    </a:solidFill>
+                    <a:miter lim="800000"/>
+                    <a:headEnd/>
+                    <a:tailEnd/>
+                  </a14:hiddenLine>
+                </a:ext>
+              </a:extLst>
+            </p:spPr>
+            <p:txBody>
+              <a:bodyPr>
+                <a:spAutoFit/>
+              </a:bodyPr>
+              <a:lstStyle>
+                <a:lvl1pPr>
+                  <a:defRPr>
+                    <a:solidFill>
+                      <a:schemeClr val="tx1"/>
+                    </a:solidFill>
+                    <a:latin typeface="Calibri" panose="020F0502020204030204" pitchFamily="34" charset="0"/>
+                  </a:defRPr>
+                </a:lvl1pPr>
+                <a:lvl2pPr marL="742950" indent="-285750">
+                  <a:defRPr>
+                    <a:solidFill>
+                      <a:schemeClr val="tx1"/>
+                    </a:solidFill>
+                    <a:latin typeface="Calibri" panose="020F0502020204030204" pitchFamily="34" charset="0"/>
+                  </a:defRPr>
+                </a:lvl2pPr>
+                <a:lvl3pPr marL="1143000" indent="-228600">
+                  <a:defRPr>
+                    <a:solidFill>
+                      <a:schemeClr val="tx1"/>
+                    </a:solidFill>
+                    <a:latin typeface="Calibri" panose="020F0502020204030204" pitchFamily="34" charset="0"/>
+                  </a:defRPr>
+                </a:lvl3pPr>
+                <a:lvl4pPr marL="1600200" indent="-228600">
+                  <a:defRPr>
+                    <a:solidFill>
+                      <a:schemeClr val="tx1"/>
+                    </a:solidFill>
+                    <a:latin typeface="Calibri" panose="020F0502020204030204" pitchFamily="34" charset="0"/>
+                  </a:defRPr>
+                </a:lvl4pPr>
+                <a:lvl5pPr marL="2057400" indent="-228600">
+                  <a:defRPr>
+                    <a:solidFill>
+                      <a:schemeClr val="tx1"/>
+                    </a:solidFill>
+                    <a:latin typeface="Calibri" panose="020F0502020204030204" pitchFamily="34" charset="0"/>
+                  </a:defRPr>
+                </a:lvl5pPr>
+                <a:lvl6pPr marL="2514600" indent="-228600" eaLnBrk="0" fontAlgn="base" hangingPunct="0">
+                  <a:spcBef>
+                    <a:spcPct val="0"/>
+                  </a:spcBef>
+                  <a:spcAft>
+                    <a:spcPct val="0"/>
+                  </a:spcAft>
+                  <a:defRPr>
+                    <a:solidFill>
+                      <a:schemeClr val="tx1"/>
+                    </a:solidFill>
+                    <a:latin typeface="Calibri" panose="020F0502020204030204" pitchFamily="34" charset="0"/>
+                  </a:defRPr>
+                </a:lvl6pPr>
+                <a:lvl7pPr marL="2971800" indent="-228600" eaLnBrk="0" fontAlgn="base" hangingPunct="0">
+                  <a:spcBef>
+                    <a:spcPct val="0"/>
+                  </a:spcBef>
+                  <a:spcAft>
+                    <a:spcPct val="0"/>
+                  </a:spcAft>
+                  <a:defRPr>
+                    <a:solidFill>
+                      <a:schemeClr val="tx1"/>
+                    </a:solidFill>
+                    <a:latin typeface="Calibri" panose="020F0502020204030204" pitchFamily="34" charset="0"/>
+                  </a:defRPr>
+                </a:lvl7pPr>
+                <a:lvl8pPr marL="3429000" indent="-228600" eaLnBrk="0" fontAlgn="base" hangingPunct="0">
+                  <a:spcBef>
+                    <a:spcPct val="0"/>
+                  </a:spcBef>
+                  <a:spcAft>
+                    <a:spcPct val="0"/>
+                  </a:spcAft>
+                  <a:defRPr>
+                    <a:solidFill>
+                      <a:schemeClr val="tx1"/>
+                    </a:solidFill>
+                    <a:latin typeface="Calibri" panose="020F0502020204030204" pitchFamily="34" charset="0"/>
+                  </a:defRPr>
+                </a:lvl8pPr>
+                <a:lvl9pPr marL="3886200" indent="-228600" eaLnBrk="0" fontAlgn="base" hangingPunct="0">
+                  <a:spcBef>
+                    <a:spcPct val="0"/>
+                  </a:spcBef>
+                  <a:spcAft>
+                    <a:spcPct val="0"/>
+                  </a:spcAft>
+                  <a:defRPr>
+                    <a:solidFill>
+                      <a:schemeClr val="tx1"/>
+                    </a:solidFill>
+                    <a:latin typeface="Calibri" panose="020F0502020204030204" pitchFamily="34" charset="0"/>
+                  </a:defRPr>
+                </a:lvl9pPr>
+              </a:lstStyle>
+              <a:p>
+                <a:pPr algn="ctr" eaLnBrk="1" hangingPunct="1"/>
+                <a:r>
+                  <a:rPr lang="en-US" altLang="en-US" sz="1200" dirty="0">
+                    <a:latin typeface="Arial" panose="020B0604020202020204" pitchFamily="34" charset="0"/>
+                    <a:ea typeface="Amazon Ember" panose="020B0603020204020204" pitchFamily="34" charset="0"/>
+                    <a:cs typeface="Arial" panose="020B0604020202020204" pitchFamily="34" charset="0"/>
+                  </a:rPr>
+                  <a:t>AWS DataSync</a:t>
+                </a:r>
+              </a:p>
+            </p:txBody>
+          </p:sp>
+        </p:grpSp>
+        <p:cxnSp>
+          <p:nvCxnSpPr>
+            <p:cNvPr id="32" name="Straight Arrow Connector 31"/>
+            <p:cNvCxnSpPr/>
+            <p:nvPr/>
+          </p:nvCxnSpPr>
+          <p:spPr>
+            <a:xfrm flipH="1">
+              <a:off x="2931459" y="3311659"/>
+              <a:ext cx="2178423" cy="6920"/>
+            </a:xfrm>
+            <a:prstGeom prst="straightConnector1">
+              <a:avLst/>
+            </a:prstGeom>
+            <a:ln w="50800">
+              <a:solidFill>
+                <a:schemeClr val="accent1"/>
+              </a:solidFill>
+              <a:headEnd type="none" w="med" len="med"/>
+              <a:tailEnd type="arrow" w="med" len="med"/>
+            </a:ln>
+          </p:spPr>
+          <p:style>
+            <a:lnRef idx="1">
+              <a:schemeClr val="accent1"/>
+            </a:lnRef>
+            <a:fillRef idx="0">
+              <a:schemeClr val="accent1"/>
+            </a:fillRef>
+            <a:effectRef idx="0">
+              <a:schemeClr val="accent1"/>
+            </a:effectRef>
+            <a:fontRef idx="minor">
+              <a:schemeClr val="tx1"/>
+            </a:fontRef>
+          </p:style>
+        </p:cxnSp>
+        <p:sp>
+          <p:nvSpPr>
+            <p:cNvPr id="37" name="TextBox 36"/>
+            <p:cNvSpPr txBox="1"/>
+            <p:nvPr/>
+          </p:nvSpPr>
+          <p:spPr>
+            <a:xfrm>
+              <a:off x="3083481" y="2882954"/>
+              <a:ext cx="1929374" cy="369332"/>
+            </a:xfrm>
+            <a:prstGeom prst="rect">
+              <a:avLst/>
+            </a:prstGeom>
+            <a:noFill/>
+          </p:spPr>
+          <p:txBody>
+            <a:bodyPr wrap="none" rtlCol="0">
+              <a:spAutoFit/>
+            </a:bodyPr>
+            <a:lstStyle/>
+            <a:p>
+              <a:r>
+                <a:rPr lang="en-US" b="1" dirty="0" smtClean="0"/>
+                <a:t>2.</a:t>
+              </a:r>
+              <a:r>
+                <a:rPr lang="en-US" sz="1400" dirty="0" smtClean="0"/>
+                <a:t> Invoke </a:t>
+              </a:r>
+              <a:r>
+                <a:rPr lang="en-US" sz="1400" dirty="0" err="1" smtClean="0"/>
+                <a:t>DataSync</a:t>
+              </a:r>
+              <a:r>
+                <a:rPr lang="en-US" sz="1400" dirty="0" smtClean="0"/>
+                <a:t> task</a:t>
+              </a:r>
+              <a:endParaRPr lang="en-US" sz="1400" dirty="0"/>
+            </a:p>
+          </p:txBody>
+        </p:sp>
+        <p:cxnSp>
+          <p:nvCxnSpPr>
+            <p:cNvPr id="40" name="Elbow Connector 39"/>
+            <p:cNvCxnSpPr>
+              <a:endCxn id="18" idx="0"/>
+            </p:cNvCxnSpPr>
+            <p:nvPr/>
+          </p:nvCxnSpPr>
+          <p:spPr>
+            <a:xfrm rot="10800000" flipV="1">
+              <a:off x="2408958" y="797858"/>
+              <a:ext cx="2700924" cy="2112923"/>
+            </a:xfrm>
+            <a:prstGeom prst="bentConnector2">
+              <a:avLst/>
+            </a:prstGeom>
+            <a:ln w="50800">
+              <a:prstDash val="sysDash"/>
+              <a:tailEnd type="triangle"/>
+            </a:ln>
+          </p:spPr>
+          <p:style>
+            <a:lnRef idx="1">
+              <a:schemeClr val="accent1"/>
+            </a:lnRef>
+            <a:fillRef idx="0">
+              <a:schemeClr val="accent1"/>
+            </a:fillRef>
+            <a:effectRef idx="0">
+              <a:schemeClr val="accent1"/>
+            </a:effectRef>
+            <a:fontRef idx="minor">
+              <a:schemeClr val="tx1"/>
+            </a:fontRef>
+          </p:style>
+        </p:cxnSp>
+        <p:cxnSp>
+          <p:nvCxnSpPr>
+            <p:cNvPr id="42" name="Elbow Connector 41"/>
+            <p:cNvCxnSpPr>
+              <a:stCxn id="19" idx="2"/>
+              <a:endCxn id="14" idx="1"/>
+            </p:cNvCxnSpPr>
+            <p:nvPr/>
+          </p:nvCxnSpPr>
+          <p:spPr>
+            <a:xfrm rot="16200000" flipH="1">
+              <a:off x="3101416" y="3268435"/>
+              <a:ext cx="1491068" cy="2853759"/>
+            </a:xfrm>
+            <a:prstGeom prst="bentConnector2">
+              <a:avLst/>
+            </a:prstGeom>
+            <a:ln w="50800">
+              <a:prstDash val="sysDash"/>
+              <a:tailEnd type="triangle"/>
+            </a:ln>
+          </p:spPr>
+          <p:style>
+            <a:lnRef idx="1">
+              <a:schemeClr val="accent1"/>
+            </a:lnRef>
+            <a:fillRef idx="0">
+              <a:schemeClr val="accent1"/>
+            </a:fillRef>
+            <a:effectRef idx="0">
+              <a:schemeClr val="accent1"/>
+            </a:effectRef>
+            <a:fontRef idx="minor">
+              <a:schemeClr val="tx1"/>
+            </a:fontRef>
+          </p:style>
+        </p:cxnSp>
+        <p:sp>
+          <p:nvSpPr>
+            <p:cNvPr id="43" name="TextBox 42"/>
+            <p:cNvSpPr txBox="1"/>
+            <p:nvPr/>
+          </p:nvSpPr>
+          <p:spPr>
+            <a:xfrm>
+              <a:off x="2931459" y="5035852"/>
+              <a:ext cx="1614609" cy="369332"/>
+            </a:xfrm>
+            <a:prstGeom prst="rect">
+              <a:avLst/>
+            </a:prstGeom>
+            <a:noFill/>
+          </p:spPr>
+          <p:txBody>
+            <a:bodyPr wrap="none" rtlCol="0">
+              <a:spAutoFit/>
+            </a:bodyPr>
+            <a:lstStyle/>
+            <a:p>
+              <a:r>
+                <a:rPr lang="en-US" b="1" dirty="0" smtClean="0"/>
+                <a:t>3.</a:t>
+              </a:r>
+              <a:r>
+                <a:rPr lang="en-US" dirty="0" smtClean="0"/>
+                <a:t> </a:t>
+              </a:r>
+              <a:r>
+                <a:rPr lang="en-US" sz="1400" dirty="0" smtClean="0"/>
+                <a:t>Sync EFS with S3</a:t>
+              </a:r>
+              <a:endParaRPr lang="en-US" sz="1400" dirty="0"/>
+            </a:p>
+          </p:txBody>
+        </p:sp>
+      </p:grpSp>
+    </p:spTree>
+    <p:extLst>
+      <p:ext uri="{BB962C8B-B14F-4D97-AF65-F5344CB8AC3E}">
+        <p14:creationId xmlns:p14="http://schemas.microsoft.com/office/powerpoint/2010/main" val="2087895538"/>
+      </p:ext>
+    </p:extLst>
+  </p:cSld>
+  <p:clrMapOvr>
+    <a:masterClrMapping/>
+  </p:clrMapOvr>
+</p:sld>
+</file>
+
+<file path=ppt/slides/slide7.xml><?xml version="1.0" encoding="utf-8"?>
+<p:sld xmlns:a="http://schemas.openxmlformats.org/drawingml/2006/main" xmlns:r="http://schemas.openxmlformats.org/officeDocument/2006/relationships" xmlns:p="http://schemas.openxmlformats.org/presentationml/2006/main">
+  <p:cSld>
+    <p:spTree>
+      <p:nvGrpSpPr>
+        <p:cNvPr id="1" name=""/>
+        <p:cNvGrpSpPr/>
+        <p:nvPr/>
+      </p:nvGrpSpPr>
+      <p:grpSpPr>
+        <a:xfrm>
+          <a:off x="0" y="0"/>
+          <a:ext cx="0" cy="0"/>
+          <a:chOff x="0" y="0"/>
+          <a:chExt cx="0" cy="0"/>
+        </a:xfrm>
+      </p:grpSpPr>
+      <p:grpSp>
+        <p:nvGrpSpPr>
+          <p:cNvPr id="30" name="Group 29"/>
+          <p:cNvGrpSpPr/>
+          <p:nvPr/>
+        </p:nvGrpSpPr>
+        <p:grpSpPr>
+          <a:xfrm>
+            <a:off x="1280246" y="496741"/>
+            <a:ext cx="8474873" cy="5862219"/>
+            <a:chOff x="1280246" y="496741"/>
+            <a:chExt cx="8474873" cy="5862219"/>
+          </a:xfrm>
+        </p:grpSpPr>
+        <p:grpSp>
+          <p:nvGrpSpPr>
+            <p:cNvPr id="5" name="Group 4"/>
+            <p:cNvGrpSpPr/>
+            <p:nvPr/>
+          </p:nvGrpSpPr>
+          <p:grpSpPr>
+            <a:xfrm>
+              <a:off x="4461110" y="2894177"/>
+              <a:ext cx="2553487" cy="1156474"/>
+              <a:chOff x="4487863" y="1185069"/>
+              <a:chExt cx="2292350" cy="1038205"/>
+            </a:xfrm>
+          </p:grpSpPr>
+          <p:pic>
+            <p:nvPicPr>
+              <p:cNvPr id="22" name="Graphic 10">
+                <a:extLst>
+                  <a:ext uri="{FF2B5EF4-FFF2-40B4-BE49-F238E27FC236}">
+                    <a16:creationId xmlns="" xmlns:a16="http://schemas.microsoft.com/office/drawing/2014/main" id="{7249C1EC-5A69-3C4D-9DDF-0DB93BB70BC6}"/>
+                  </a:ext>
+                </a:extLst>
+              </p:cNvPr>
+              <p:cNvPicPr>
+                <a:picLocks noChangeAspect="1" noChangeArrowheads="1"/>
+              </p:cNvPicPr>
+              <p:nvPr/>
+            </p:nvPicPr>
+            <p:blipFill>
+              <a:blip r:embed="rId2" cstate="print">
+                <a:extLst>
+                  <a:ext uri="{28A0092B-C50C-407E-A947-70E740481C1C}">
+                    <a14:useLocalDpi xmlns:a14="http://schemas.microsoft.com/office/drawing/2010/main" val="0"/>
+                  </a:ext>
+                </a:extLst>
+              </a:blip>
+              <a:srcRect/>
+              <a:stretch>
+                <a:fillRect/>
+              </a:stretch>
+            </p:blipFill>
+            <p:spPr bwMode="auto">
+              <a:xfrm>
+                <a:off x="5246688" y="1185069"/>
+                <a:ext cx="762000" cy="762000"/>
+              </a:xfrm>
+              <a:prstGeom prst="rect">
+                <a:avLst/>
+              </a:prstGeom>
+              <a:noFill/>
+              <a:ln>
+                <a:noFill/>
+              </a:ln>
+              <a:extLst>
+                <a:ext uri="{909E8E84-426E-40DD-AFC4-6F175D3DCCD1}">
+                  <a14:hiddenFill xmlns:a14="http://schemas.microsoft.com/office/drawing/2010/main">
+                    <a:solidFill>
+                      <a:srgbClr val="FFFFFF"/>
+                    </a:solidFill>
+                  </a14:hiddenFill>
+                </a:ext>
+                <a:ext uri="{91240B29-F687-4F45-9708-019B960494DF}">
+                  <a14:hiddenLine xmlns:a14="http://schemas.microsoft.com/office/drawing/2010/main" w="9525">
+                    <a:solidFill>
+                      <a:srgbClr val="000000"/>
+                    </a:solidFill>
+                    <a:miter lim="800000"/>
+                    <a:headEnd/>
+                    <a:tailEnd/>
+                  </a14:hiddenLine>
+                </a:ext>
+              </a:extLst>
+            </p:spPr>
+          </p:pic>
+          <p:sp>
+            <p:nvSpPr>
+              <p:cNvPr id="23" name="TextBox 20">
+                <a:extLst>
+                  <a:ext uri="{FF2B5EF4-FFF2-40B4-BE49-F238E27FC236}">
+                    <a16:creationId xmlns="" xmlns:a16="http://schemas.microsoft.com/office/drawing/2014/main" id="{E5D4A7D0-5E44-1943-968A-C198F40D0E71}"/>
+                  </a:ext>
+                </a:extLst>
+              </p:cNvPr>
+              <p:cNvSpPr txBox="1">
+                <a:spLocks noChangeArrowheads="1"/>
+              </p:cNvSpPr>
+              <p:nvPr/>
+            </p:nvSpPr>
+            <p:spPr bwMode="auto">
+              <a:xfrm>
+                <a:off x="4487863" y="1946275"/>
+                <a:ext cx="2292350" cy="276999"/>
+              </a:xfrm>
+              <a:prstGeom prst="rect">
+                <a:avLst/>
+              </a:prstGeom>
+              <a:noFill/>
+              <a:ln>
+                <a:noFill/>
+              </a:ln>
+              <a:extLst>
+                <a:ext uri="{909E8E84-426E-40DD-AFC4-6F175D3DCCD1}">
+                  <a14:hiddenFill xmlns:a14="http://schemas.microsoft.com/office/drawing/2010/main">
+                    <a:solidFill>
+                      <a:srgbClr val="FFFFFF"/>
+                    </a:solidFill>
+                  </a14:hiddenFill>
+                </a:ext>
+                <a:ext uri="{91240B29-F687-4F45-9708-019B960494DF}">
+                  <a14:hiddenLine xmlns:a14="http://schemas.microsoft.com/office/drawing/2010/main" w="9525">
+                    <a:solidFill>
+                      <a:srgbClr val="000000"/>
+                    </a:solidFill>
+                    <a:miter lim="800000"/>
+                    <a:headEnd/>
+                    <a:tailEnd/>
+                  </a14:hiddenLine>
+                </a:ext>
+              </a:extLst>
+            </p:spPr>
+            <p:txBody>
+              <a:bodyPr>
+                <a:spAutoFit/>
+              </a:bodyPr>
+              <a:lstStyle>
+                <a:lvl1pPr>
+                  <a:defRPr>
+                    <a:solidFill>
+                      <a:schemeClr val="tx1"/>
+                    </a:solidFill>
+                    <a:latin typeface="Calibri" panose="020F0502020204030204" pitchFamily="34" charset="0"/>
+                  </a:defRPr>
+                </a:lvl1pPr>
+                <a:lvl2pPr marL="742950" indent="-285750">
+                  <a:defRPr>
+                    <a:solidFill>
+                      <a:schemeClr val="tx1"/>
+                    </a:solidFill>
+                    <a:latin typeface="Calibri" panose="020F0502020204030204" pitchFamily="34" charset="0"/>
+                  </a:defRPr>
+                </a:lvl2pPr>
+                <a:lvl3pPr marL="1143000" indent="-228600">
+                  <a:defRPr>
+                    <a:solidFill>
+                      <a:schemeClr val="tx1"/>
+                    </a:solidFill>
+                    <a:latin typeface="Calibri" panose="020F0502020204030204" pitchFamily="34" charset="0"/>
+                  </a:defRPr>
+                </a:lvl3pPr>
+                <a:lvl4pPr marL="1600200" indent="-228600">
+                  <a:defRPr>
+                    <a:solidFill>
+                      <a:schemeClr val="tx1"/>
+                    </a:solidFill>
+                    <a:latin typeface="Calibri" panose="020F0502020204030204" pitchFamily="34" charset="0"/>
+                  </a:defRPr>
+                </a:lvl4pPr>
+                <a:lvl5pPr marL="2057400" indent="-228600">
+                  <a:defRPr>
+                    <a:solidFill>
+                      <a:schemeClr val="tx1"/>
+                    </a:solidFill>
+                    <a:latin typeface="Calibri" panose="020F0502020204030204" pitchFamily="34" charset="0"/>
+                  </a:defRPr>
+                </a:lvl5pPr>
+                <a:lvl6pPr marL="2514600" indent="-228600" eaLnBrk="0" fontAlgn="base" hangingPunct="0">
+                  <a:spcBef>
+                    <a:spcPct val="0"/>
+                  </a:spcBef>
+                  <a:spcAft>
+                    <a:spcPct val="0"/>
+                  </a:spcAft>
+                  <a:defRPr>
+                    <a:solidFill>
+                      <a:schemeClr val="tx1"/>
+                    </a:solidFill>
+                    <a:latin typeface="Calibri" panose="020F0502020204030204" pitchFamily="34" charset="0"/>
+                  </a:defRPr>
+                </a:lvl6pPr>
+                <a:lvl7pPr marL="2971800" indent="-228600" eaLnBrk="0" fontAlgn="base" hangingPunct="0">
+                  <a:spcBef>
+                    <a:spcPct val="0"/>
+                  </a:spcBef>
+                  <a:spcAft>
+                    <a:spcPct val="0"/>
+                  </a:spcAft>
+                  <a:defRPr>
+                    <a:solidFill>
+                      <a:schemeClr val="tx1"/>
+                    </a:solidFill>
+                    <a:latin typeface="Calibri" panose="020F0502020204030204" pitchFamily="34" charset="0"/>
+                  </a:defRPr>
+                </a:lvl7pPr>
+                <a:lvl8pPr marL="3429000" indent="-228600" eaLnBrk="0" fontAlgn="base" hangingPunct="0">
+                  <a:spcBef>
+                    <a:spcPct val="0"/>
+                  </a:spcBef>
+                  <a:spcAft>
+                    <a:spcPct val="0"/>
+                  </a:spcAft>
+                  <a:defRPr>
+                    <a:solidFill>
+                      <a:schemeClr val="tx1"/>
+                    </a:solidFill>
+                    <a:latin typeface="Calibri" panose="020F0502020204030204" pitchFamily="34" charset="0"/>
+                  </a:defRPr>
+                </a:lvl8pPr>
+                <a:lvl9pPr marL="3886200" indent="-228600" eaLnBrk="0" fontAlgn="base" hangingPunct="0">
+                  <a:spcBef>
+                    <a:spcPct val="0"/>
+                  </a:spcBef>
+                  <a:spcAft>
+                    <a:spcPct val="0"/>
+                  </a:spcAft>
+                  <a:defRPr>
+                    <a:solidFill>
+                      <a:schemeClr val="tx1"/>
+                    </a:solidFill>
+                    <a:latin typeface="Calibri" panose="020F0502020204030204" pitchFamily="34" charset="0"/>
+                  </a:defRPr>
+                </a:lvl9pPr>
+              </a:lstStyle>
+              <a:p>
+                <a:pPr algn="ctr" eaLnBrk="1" hangingPunct="1"/>
+                <a:r>
+                  <a:rPr lang="en-US" altLang="en-US" sz="1200" dirty="0">
+                    <a:latin typeface="Arial" panose="020B0604020202020204" pitchFamily="34" charset="0"/>
+                    <a:ea typeface="Amazon Ember" panose="020B0603020204020204" pitchFamily="34" charset="0"/>
+                    <a:cs typeface="Arial" panose="020B0604020202020204" pitchFamily="34" charset="0"/>
+                  </a:rPr>
+                  <a:t>AWS Lambda</a:t>
+                </a:r>
+              </a:p>
+            </p:txBody>
+          </p:sp>
+        </p:grpSp>
+        <p:grpSp>
+          <p:nvGrpSpPr>
+            <p:cNvPr id="6" name="Group 5"/>
+            <p:cNvGrpSpPr/>
+            <p:nvPr/>
+          </p:nvGrpSpPr>
+          <p:grpSpPr>
+            <a:xfrm>
+              <a:off x="4370406" y="4986296"/>
+              <a:ext cx="2734894" cy="1372664"/>
+              <a:chOff x="1251604" y="1565275"/>
+              <a:chExt cx="2292350" cy="1150548"/>
+            </a:xfrm>
+          </p:grpSpPr>
+          <p:pic>
+            <p:nvPicPr>
+              <p:cNvPr id="20" name="Graphic 19">
+                <a:extLst>
+                  <a:ext uri="{FF2B5EF4-FFF2-40B4-BE49-F238E27FC236}">
+                    <a16:creationId xmlns="" xmlns:a16="http://schemas.microsoft.com/office/drawing/2014/main" id="{1FC33CE7-C98D-E547-BC90-92306552093A}"/>
+                  </a:ext>
+                </a:extLst>
+              </p:cNvPr>
+              <p:cNvPicPr>
+                <a:picLocks noChangeAspect="1" noChangeArrowheads="1"/>
+              </p:cNvPicPr>
+              <p:nvPr/>
+            </p:nvPicPr>
+            <p:blipFill>
+              <a:blip r:embed="rId3" cstate="print">
+                <a:extLst>
+                  <a:ext uri="{28A0092B-C50C-407E-A947-70E740481C1C}">
+                    <a14:useLocalDpi xmlns:a14="http://schemas.microsoft.com/office/drawing/2010/main" val="0"/>
+                  </a:ext>
+                </a:extLst>
+              </a:blip>
+              <a:srcRect/>
+              <a:stretch>
+                <a:fillRect/>
+              </a:stretch>
+            </p:blipFill>
+            <p:spPr bwMode="auto">
+              <a:xfrm>
+                <a:off x="2008841" y="1565275"/>
+                <a:ext cx="762000" cy="762000"/>
+              </a:xfrm>
+              <a:prstGeom prst="rect">
+                <a:avLst/>
+              </a:prstGeom>
+              <a:noFill/>
+              <a:ln>
+                <a:noFill/>
+              </a:ln>
+              <a:extLst>
+                <a:ext uri="{909E8E84-426E-40DD-AFC4-6F175D3DCCD1}">
+                  <a14:hiddenFill xmlns:a14="http://schemas.microsoft.com/office/drawing/2010/main">
+                    <a:solidFill>
+                      <a:srgbClr val="FFFFFF"/>
+                    </a:solidFill>
+                  </a14:hiddenFill>
+                </a:ext>
+                <a:ext uri="{91240B29-F687-4F45-9708-019B960494DF}">
+                  <a14:hiddenLine xmlns:a14="http://schemas.microsoft.com/office/drawing/2010/main" w="9525">
+                    <a:solidFill>
+                      <a:srgbClr val="000000"/>
+                    </a:solidFill>
+                    <a:miter lim="800000"/>
+                    <a:headEnd/>
+                    <a:tailEnd/>
+                  </a14:hiddenLine>
+                </a:ext>
+              </a:extLst>
+            </p:spPr>
+          </p:pic>
+          <p:sp>
+            <p:nvSpPr>
+              <p:cNvPr id="21" name="TextBox 11">
+                <a:extLst>
+                  <a:ext uri="{FF2B5EF4-FFF2-40B4-BE49-F238E27FC236}">
+                    <a16:creationId xmlns="" xmlns:a16="http://schemas.microsoft.com/office/drawing/2014/main" id="{0355EC56-8BE5-9F4E-BD29-5DC1160E4BC4}"/>
+                  </a:ext>
+                </a:extLst>
+              </p:cNvPr>
+              <p:cNvSpPr txBox="1">
+                <a:spLocks noChangeArrowheads="1"/>
+              </p:cNvSpPr>
+              <p:nvPr/>
+            </p:nvSpPr>
+            <p:spPr bwMode="auto">
+              <a:xfrm>
+                <a:off x="1251604" y="2328862"/>
+                <a:ext cx="2292350" cy="386961"/>
+              </a:xfrm>
+              <a:prstGeom prst="rect">
+                <a:avLst/>
+              </a:prstGeom>
+              <a:noFill/>
+              <a:ln>
+                <a:noFill/>
+              </a:ln>
+              <a:extLst>
+                <a:ext uri="{909E8E84-426E-40DD-AFC4-6F175D3DCCD1}">
+                  <a14:hiddenFill xmlns:a14="http://schemas.microsoft.com/office/drawing/2010/main">
+                    <a:solidFill>
+                      <a:srgbClr val="FFFFFF"/>
+                    </a:solidFill>
+                  </a14:hiddenFill>
+                </a:ext>
+                <a:ext uri="{91240B29-F687-4F45-9708-019B960494DF}">
+                  <a14:hiddenLine xmlns:a14="http://schemas.microsoft.com/office/drawing/2010/main" w="9525">
+                    <a:solidFill>
+                      <a:srgbClr val="000000"/>
+                    </a:solidFill>
+                    <a:miter lim="800000"/>
+                    <a:headEnd/>
+                    <a:tailEnd/>
+                  </a14:hiddenLine>
+                </a:ext>
+              </a:extLst>
+            </p:spPr>
+            <p:txBody>
+              <a:bodyPr>
+                <a:spAutoFit/>
+              </a:bodyPr>
+              <a:lstStyle>
+                <a:lvl1pPr>
+                  <a:defRPr>
+                    <a:solidFill>
+                      <a:schemeClr val="tx1"/>
+                    </a:solidFill>
+                    <a:latin typeface="Calibri" panose="020F0502020204030204" pitchFamily="34" charset="0"/>
+                  </a:defRPr>
+                </a:lvl1pPr>
+                <a:lvl2pPr marL="742950" indent="-285750">
+                  <a:defRPr>
+                    <a:solidFill>
+                      <a:schemeClr val="tx1"/>
+                    </a:solidFill>
+                    <a:latin typeface="Calibri" panose="020F0502020204030204" pitchFamily="34" charset="0"/>
+                  </a:defRPr>
+                </a:lvl2pPr>
+                <a:lvl3pPr marL="1143000" indent="-228600">
+                  <a:defRPr>
+                    <a:solidFill>
+                      <a:schemeClr val="tx1"/>
+                    </a:solidFill>
+                    <a:latin typeface="Calibri" panose="020F0502020204030204" pitchFamily="34" charset="0"/>
+                  </a:defRPr>
+                </a:lvl3pPr>
+                <a:lvl4pPr marL="1600200" indent="-228600">
+                  <a:defRPr>
+                    <a:solidFill>
+                      <a:schemeClr val="tx1"/>
+                    </a:solidFill>
+                    <a:latin typeface="Calibri" panose="020F0502020204030204" pitchFamily="34" charset="0"/>
+                  </a:defRPr>
+                </a:lvl4pPr>
+                <a:lvl5pPr marL="2057400" indent="-228600">
+                  <a:defRPr>
+                    <a:solidFill>
+                      <a:schemeClr val="tx1"/>
+                    </a:solidFill>
+                    <a:latin typeface="Calibri" panose="020F0502020204030204" pitchFamily="34" charset="0"/>
+                  </a:defRPr>
+                </a:lvl5pPr>
+                <a:lvl6pPr marL="2514600" indent="-228600" eaLnBrk="0" fontAlgn="base" hangingPunct="0">
+                  <a:spcBef>
+                    <a:spcPct val="0"/>
+                  </a:spcBef>
+                  <a:spcAft>
+                    <a:spcPct val="0"/>
+                  </a:spcAft>
+                  <a:defRPr>
+                    <a:solidFill>
+                      <a:schemeClr val="tx1"/>
+                    </a:solidFill>
+                    <a:latin typeface="Calibri" panose="020F0502020204030204" pitchFamily="34" charset="0"/>
+                  </a:defRPr>
+                </a:lvl6pPr>
+                <a:lvl7pPr marL="2971800" indent="-228600" eaLnBrk="0" fontAlgn="base" hangingPunct="0">
+                  <a:spcBef>
+                    <a:spcPct val="0"/>
+                  </a:spcBef>
+                  <a:spcAft>
+                    <a:spcPct val="0"/>
+                  </a:spcAft>
+                  <a:defRPr>
+                    <a:solidFill>
+                      <a:schemeClr val="tx1"/>
+                    </a:solidFill>
+                    <a:latin typeface="Calibri" panose="020F0502020204030204" pitchFamily="34" charset="0"/>
+                  </a:defRPr>
+                </a:lvl7pPr>
+                <a:lvl8pPr marL="3429000" indent="-228600" eaLnBrk="0" fontAlgn="base" hangingPunct="0">
+                  <a:spcBef>
+                    <a:spcPct val="0"/>
+                  </a:spcBef>
+                  <a:spcAft>
+                    <a:spcPct val="0"/>
+                  </a:spcAft>
+                  <a:defRPr>
+                    <a:solidFill>
+                      <a:schemeClr val="tx1"/>
+                    </a:solidFill>
+                    <a:latin typeface="Calibri" panose="020F0502020204030204" pitchFamily="34" charset="0"/>
+                  </a:defRPr>
+                </a:lvl8pPr>
+                <a:lvl9pPr marL="3886200" indent="-228600" eaLnBrk="0" fontAlgn="base" hangingPunct="0">
+                  <a:spcBef>
+                    <a:spcPct val="0"/>
+                  </a:spcBef>
+                  <a:spcAft>
+                    <a:spcPct val="0"/>
+                  </a:spcAft>
+                  <a:defRPr>
+                    <a:solidFill>
+                      <a:schemeClr val="tx1"/>
+                    </a:solidFill>
+                    <a:latin typeface="Calibri" panose="020F0502020204030204" pitchFamily="34" charset="0"/>
+                  </a:defRPr>
+                </a:lvl9pPr>
+              </a:lstStyle>
+              <a:p>
+                <a:pPr algn="ctr" eaLnBrk="1" hangingPunct="1"/>
+                <a:r>
+                  <a:rPr lang="en-US" altLang="en-US" sz="1200" dirty="0">
+                    <a:latin typeface="Arial" panose="020B0604020202020204" pitchFamily="34" charset="0"/>
+                    <a:ea typeface="Amazon Ember" panose="020B0603020204020204" pitchFamily="34" charset="0"/>
+                    <a:cs typeface="Arial" panose="020B0604020202020204" pitchFamily="34" charset="0"/>
+                  </a:rPr>
+                  <a:t>Amazon Elastic File System </a:t>
+                </a:r>
+                <a:endParaRPr lang="en-US" altLang="en-US" sz="1200" dirty="0" smtClean="0">
+                  <a:latin typeface="Arial" panose="020B0604020202020204" pitchFamily="34" charset="0"/>
+                  <a:ea typeface="Amazon Ember" panose="020B0603020204020204" pitchFamily="34" charset="0"/>
+                  <a:cs typeface="Arial" panose="020B0604020202020204" pitchFamily="34" charset="0"/>
+                </a:endParaRPr>
+              </a:p>
+              <a:p>
+                <a:pPr algn="ctr" eaLnBrk="1" hangingPunct="1"/>
+                <a:r>
+                  <a:rPr lang="en-US" altLang="en-US" sz="1200" dirty="0" smtClean="0">
+                    <a:latin typeface="Arial" panose="020B0604020202020204" pitchFamily="34" charset="0"/>
+                    <a:ea typeface="Amazon Ember" panose="020B0603020204020204" pitchFamily="34" charset="0"/>
+                    <a:cs typeface="Arial" panose="020B0604020202020204" pitchFamily="34" charset="0"/>
+                  </a:rPr>
+                  <a:t>(</a:t>
+                </a:r>
+                <a:r>
+                  <a:rPr lang="en-US" altLang="en-US" sz="1200" dirty="0">
+                    <a:latin typeface="Arial" panose="020B0604020202020204" pitchFamily="34" charset="0"/>
+                    <a:ea typeface="Amazon Ember" panose="020B0603020204020204" pitchFamily="34" charset="0"/>
+                    <a:cs typeface="Arial" panose="020B0604020202020204" pitchFamily="34" charset="0"/>
+                  </a:rPr>
+                  <a:t>Amazon EFS)</a:t>
+                </a:r>
+              </a:p>
+            </p:txBody>
+          </p:sp>
+        </p:grpSp>
+        <p:grpSp>
+          <p:nvGrpSpPr>
+            <p:cNvPr id="7" name="Group 6"/>
+            <p:cNvGrpSpPr/>
+            <p:nvPr/>
+          </p:nvGrpSpPr>
+          <p:grpSpPr>
+            <a:xfrm>
+              <a:off x="4427745" y="496741"/>
+              <a:ext cx="2620216" cy="1461790"/>
+              <a:chOff x="7915182" y="2223274"/>
+              <a:chExt cx="2239962" cy="1225252"/>
+            </a:xfrm>
+          </p:grpSpPr>
+          <p:pic>
+            <p:nvPicPr>
+              <p:cNvPr id="18" name="Graphic 8">
+                <a:extLst>
+                  <a:ext uri="{FF2B5EF4-FFF2-40B4-BE49-F238E27FC236}">
+                    <a16:creationId xmlns="" xmlns:a16="http://schemas.microsoft.com/office/drawing/2014/main" id="{0D4A9B47-8231-EF4D-B9AB-A3D9E4B81350}"/>
+                  </a:ext>
+                </a:extLst>
+              </p:cNvPr>
+              <p:cNvPicPr>
+                <a:picLocks noChangeAspect="1" noChangeArrowheads="1"/>
+              </p:cNvPicPr>
+              <p:nvPr/>
+            </p:nvPicPr>
+            <p:blipFill>
+              <a:blip r:embed="rId4" cstate="print">
+                <a:extLst>
+                  <a:ext uri="{28A0092B-C50C-407E-A947-70E740481C1C}">
+                    <a14:useLocalDpi xmlns:a14="http://schemas.microsoft.com/office/drawing/2010/main" val="0"/>
+                  </a:ext>
+                </a:extLst>
+              </a:blip>
+              <a:srcRect/>
+              <a:stretch>
+                <a:fillRect/>
+              </a:stretch>
+            </p:blipFill>
+            <p:spPr bwMode="auto">
+              <a:xfrm>
+                <a:off x="8654957" y="2223274"/>
+                <a:ext cx="762000" cy="762000"/>
+              </a:xfrm>
+              <a:prstGeom prst="rect">
+                <a:avLst/>
+              </a:prstGeom>
+              <a:noFill/>
+              <a:ln>
+                <a:noFill/>
+              </a:ln>
+              <a:extLst>
+                <a:ext uri="{909E8E84-426E-40DD-AFC4-6F175D3DCCD1}">
+                  <a14:hiddenFill xmlns:a14="http://schemas.microsoft.com/office/drawing/2010/main">
+                    <a:solidFill>
+                      <a:srgbClr val="FFFFFF"/>
+                    </a:solidFill>
+                  </a14:hiddenFill>
+                </a:ext>
+                <a:ext uri="{91240B29-F687-4F45-9708-019B960494DF}">
+                  <a14:hiddenLine xmlns:a14="http://schemas.microsoft.com/office/drawing/2010/main" w="9525">
+                    <a:solidFill>
+                      <a:srgbClr val="000000"/>
+                    </a:solidFill>
+                    <a:miter lim="800000"/>
+                    <a:headEnd/>
+                    <a:tailEnd/>
+                  </a14:hiddenLine>
+                </a:ext>
+              </a:extLst>
+            </p:spPr>
+          </p:pic>
+          <p:sp>
+            <p:nvSpPr>
+              <p:cNvPr id="19" name="TextBox 9">
+                <a:extLst>
+                  <a:ext uri="{FF2B5EF4-FFF2-40B4-BE49-F238E27FC236}">
+                    <a16:creationId xmlns="" xmlns:a16="http://schemas.microsoft.com/office/drawing/2014/main" id="{5B6C5DC4-5A01-E14D-BEE5-909FCF8B05F2}"/>
+                  </a:ext>
+                </a:extLst>
+              </p:cNvPr>
+              <p:cNvSpPr txBox="1">
+                <a:spLocks noChangeArrowheads="1"/>
+              </p:cNvSpPr>
+              <p:nvPr/>
+            </p:nvSpPr>
+            <p:spPr bwMode="auto">
+              <a:xfrm>
+                <a:off x="7915182" y="2986861"/>
+                <a:ext cx="2239962" cy="461665"/>
+              </a:xfrm>
+              <a:prstGeom prst="rect">
+                <a:avLst/>
+              </a:prstGeom>
+              <a:noFill/>
+              <a:ln>
+                <a:noFill/>
+              </a:ln>
+              <a:extLst>
+                <a:ext uri="{909E8E84-426E-40DD-AFC4-6F175D3DCCD1}">
+                  <a14:hiddenFill xmlns:a14="http://schemas.microsoft.com/office/drawing/2010/main">
+                    <a:solidFill>
+                      <a:srgbClr val="FFFFFF"/>
+                    </a:solidFill>
+                  </a14:hiddenFill>
+                </a:ext>
+                <a:ext uri="{91240B29-F687-4F45-9708-019B960494DF}">
+                  <a14:hiddenLine xmlns:a14="http://schemas.microsoft.com/office/drawing/2010/main" w="9525">
+                    <a:solidFill>
+                      <a:srgbClr val="000000"/>
+                    </a:solidFill>
+                    <a:miter lim="800000"/>
+                    <a:headEnd/>
+                    <a:tailEnd/>
+                  </a14:hiddenLine>
+                </a:ext>
+              </a:extLst>
+            </p:spPr>
+            <p:txBody>
+              <a:bodyPr>
+                <a:spAutoFit/>
+              </a:bodyPr>
+              <a:lstStyle>
+                <a:lvl1pPr>
+                  <a:defRPr>
+                    <a:solidFill>
+                      <a:schemeClr val="tx1"/>
+                    </a:solidFill>
+                    <a:latin typeface="Calibri" panose="020F0502020204030204" pitchFamily="34" charset="0"/>
+                  </a:defRPr>
+                </a:lvl1pPr>
+                <a:lvl2pPr marL="742950" indent="-285750">
+                  <a:defRPr>
+                    <a:solidFill>
+                      <a:schemeClr val="tx1"/>
+                    </a:solidFill>
+                    <a:latin typeface="Calibri" panose="020F0502020204030204" pitchFamily="34" charset="0"/>
+                  </a:defRPr>
+                </a:lvl2pPr>
+                <a:lvl3pPr marL="1143000" indent="-228600">
+                  <a:defRPr>
+                    <a:solidFill>
+                      <a:schemeClr val="tx1"/>
+                    </a:solidFill>
+                    <a:latin typeface="Calibri" panose="020F0502020204030204" pitchFamily="34" charset="0"/>
+                  </a:defRPr>
+                </a:lvl3pPr>
+                <a:lvl4pPr marL="1600200" indent="-228600">
+                  <a:defRPr>
+                    <a:solidFill>
+                      <a:schemeClr val="tx1"/>
+                    </a:solidFill>
+                    <a:latin typeface="Calibri" panose="020F0502020204030204" pitchFamily="34" charset="0"/>
+                  </a:defRPr>
+                </a:lvl4pPr>
+                <a:lvl5pPr marL="2057400" indent="-228600">
+                  <a:defRPr>
+                    <a:solidFill>
+                      <a:schemeClr val="tx1"/>
+                    </a:solidFill>
+                    <a:latin typeface="Calibri" panose="020F0502020204030204" pitchFamily="34" charset="0"/>
+                  </a:defRPr>
+                </a:lvl5pPr>
+                <a:lvl6pPr marL="2514600" indent="-228600" eaLnBrk="0" fontAlgn="base" hangingPunct="0">
+                  <a:spcBef>
+                    <a:spcPct val="0"/>
+                  </a:spcBef>
+                  <a:spcAft>
+                    <a:spcPct val="0"/>
+                  </a:spcAft>
+                  <a:defRPr>
+                    <a:solidFill>
+                      <a:schemeClr val="tx1"/>
+                    </a:solidFill>
+                    <a:latin typeface="Calibri" panose="020F0502020204030204" pitchFamily="34" charset="0"/>
+                  </a:defRPr>
+                </a:lvl6pPr>
+                <a:lvl7pPr marL="2971800" indent="-228600" eaLnBrk="0" fontAlgn="base" hangingPunct="0">
+                  <a:spcBef>
+                    <a:spcPct val="0"/>
+                  </a:spcBef>
+                  <a:spcAft>
+                    <a:spcPct val="0"/>
+                  </a:spcAft>
+                  <a:defRPr>
+                    <a:solidFill>
+                      <a:schemeClr val="tx1"/>
+                    </a:solidFill>
+                    <a:latin typeface="Calibri" panose="020F0502020204030204" pitchFamily="34" charset="0"/>
+                  </a:defRPr>
+                </a:lvl7pPr>
+                <a:lvl8pPr marL="3429000" indent="-228600" eaLnBrk="0" fontAlgn="base" hangingPunct="0">
+                  <a:spcBef>
+                    <a:spcPct val="0"/>
+                  </a:spcBef>
+                  <a:spcAft>
+                    <a:spcPct val="0"/>
+                  </a:spcAft>
+                  <a:defRPr>
+                    <a:solidFill>
+                      <a:schemeClr val="tx1"/>
+                    </a:solidFill>
+                    <a:latin typeface="Calibri" panose="020F0502020204030204" pitchFamily="34" charset="0"/>
+                  </a:defRPr>
+                </a:lvl8pPr>
+                <a:lvl9pPr marL="3886200" indent="-228600" eaLnBrk="0" fontAlgn="base" hangingPunct="0">
+                  <a:spcBef>
+                    <a:spcPct val="0"/>
+                  </a:spcBef>
+                  <a:spcAft>
+                    <a:spcPct val="0"/>
+                  </a:spcAft>
+                  <a:defRPr>
+                    <a:solidFill>
+                      <a:schemeClr val="tx1"/>
+                    </a:solidFill>
+                    <a:latin typeface="Calibri" panose="020F0502020204030204" pitchFamily="34" charset="0"/>
+                  </a:defRPr>
+                </a:lvl9pPr>
+              </a:lstStyle>
+              <a:p>
+                <a:pPr algn="ctr" eaLnBrk="1" hangingPunct="1"/>
+                <a:r>
+                  <a:rPr lang="en-US" altLang="en-US" sz="1200" dirty="0">
+                    <a:latin typeface="Arial" panose="020B0604020202020204" pitchFamily="34" charset="0"/>
+                    <a:ea typeface="Amazon Ember" panose="020B0603020204020204" pitchFamily="34" charset="0"/>
+                    <a:cs typeface="Arial" panose="020B0604020202020204" pitchFamily="34" charset="0"/>
+                  </a:rPr>
+                  <a:t>Amazon Simple Storage Service (Amazon S3)</a:t>
+                </a:r>
+              </a:p>
+            </p:txBody>
+          </p:sp>
+        </p:grpSp>
+        <p:cxnSp>
+          <p:nvCxnSpPr>
+            <p:cNvPr id="8" name="Straight Arrow Connector 7"/>
+            <p:cNvCxnSpPr/>
+            <p:nvPr/>
+          </p:nvCxnSpPr>
+          <p:spPr>
+            <a:xfrm flipH="1">
+              <a:off x="6351680" y="3311659"/>
+              <a:ext cx="1623920" cy="6920"/>
+            </a:xfrm>
+            <a:prstGeom prst="straightConnector1">
+              <a:avLst/>
+            </a:prstGeom>
+            <a:ln w="50800">
+              <a:solidFill>
+                <a:schemeClr val="accent1"/>
+              </a:solidFill>
+              <a:headEnd type="none" w="med" len="med"/>
+              <a:tailEnd type="arrow" w="med" len="med"/>
+            </a:ln>
+          </p:spPr>
+          <p:style>
+            <a:lnRef idx="1">
+              <a:schemeClr val="accent1"/>
+            </a:lnRef>
+            <a:fillRef idx="0">
+              <a:schemeClr val="accent1"/>
+            </a:fillRef>
+            <a:effectRef idx="0">
+              <a:schemeClr val="accent1"/>
+            </a:effectRef>
+            <a:fontRef idx="minor">
+              <a:schemeClr val="tx1"/>
+            </a:fontRef>
+          </p:style>
+        </p:cxnSp>
+        <p:sp>
+          <p:nvSpPr>
+            <p:cNvPr id="9" name="TextBox 8"/>
+            <p:cNvSpPr txBox="1"/>
+            <p:nvPr/>
+          </p:nvSpPr>
+          <p:spPr>
+            <a:xfrm>
+              <a:off x="6396240" y="2882954"/>
+              <a:ext cx="1699696" cy="369332"/>
+            </a:xfrm>
+            <a:prstGeom prst="rect">
+              <a:avLst/>
+            </a:prstGeom>
+            <a:noFill/>
+          </p:spPr>
+          <p:txBody>
+            <a:bodyPr wrap="none" rtlCol="0">
+              <a:spAutoFit/>
+            </a:bodyPr>
+            <a:lstStyle/>
+            <a:p>
+              <a:r>
+                <a:rPr lang="en-US" b="1" dirty="0" smtClean="0"/>
+                <a:t>1. </a:t>
+              </a:r>
+              <a:r>
+                <a:rPr lang="en-US" sz="1400" dirty="0" smtClean="0"/>
+                <a:t>Scheduled trigger</a:t>
+              </a:r>
+              <a:endParaRPr lang="en-US" sz="1400" dirty="0"/>
+            </a:p>
+          </p:txBody>
+        </p:sp>
+        <p:grpSp>
+          <p:nvGrpSpPr>
+            <p:cNvPr id="10" name="Group 9"/>
+            <p:cNvGrpSpPr/>
+            <p:nvPr/>
+          </p:nvGrpSpPr>
+          <p:grpSpPr>
+            <a:xfrm>
+              <a:off x="1280246" y="2910782"/>
+              <a:ext cx="2279650" cy="1038999"/>
+              <a:chOff x="6786563" y="1184275"/>
+              <a:chExt cx="2279650" cy="1038999"/>
+            </a:xfrm>
+          </p:grpSpPr>
+          <p:pic>
+            <p:nvPicPr>
+              <p:cNvPr id="16" name="Graphic 21">
+                <a:extLst>
+                  <a:ext uri="{FF2B5EF4-FFF2-40B4-BE49-F238E27FC236}">
+                    <a16:creationId xmlns:a16="http://schemas.microsoft.com/office/drawing/2014/main" xmlns="" id="{29EBF3FF-7F82-FD4A-89C8-1202691CCAE4}"/>
+                  </a:ext>
+                </a:extLst>
+              </p:cNvPr>
+              <p:cNvPicPr>
+                <a:picLocks noChangeAspect="1" noChangeArrowheads="1"/>
+              </p:cNvPicPr>
+              <p:nvPr/>
+            </p:nvPicPr>
+            <p:blipFill>
+              <a:blip r:embed="rId5" cstate="print">
+                <a:extLst>
+                  <a:ext uri="{28A0092B-C50C-407E-A947-70E740481C1C}">
+                    <a14:useLocalDpi xmlns:a14="http://schemas.microsoft.com/office/drawing/2010/main" val="0"/>
+                  </a:ext>
+                </a:extLst>
+              </a:blip>
+              <a:srcRect/>
+              <a:stretch>
+                <a:fillRect/>
+              </a:stretch>
+            </p:blipFill>
+            <p:spPr bwMode="auto">
+              <a:xfrm>
+                <a:off x="7534275" y="1184275"/>
+                <a:ext cx="762000" cy="762000"/>
+              </a:xfrm>
+              <a:prstGeom prst="rect">
+                <a:avLst/>
+              </a:prstGeom>
+              <a:noFill/>
+              <a:ln>
+                <a:noFill/>
+              </a:ln>
+              <a:extLst>
+                <a:ext uri="{909E8E84-426E-40DD-AFC4-6F175D3DCCD1}">
+                  <a14:hiddenFill xmlns:a14="http://schemas.microsoft.com/office/drawing/2010/main">
+                    <a:solidFill>
+                      <a:srgbClr val="FFFFFF"/>
+                    </a:solidFill>
+                  </a14:hiddenFill>
+                </a:ext>
+                <a:ext uri="{91240B29-F687-4F45-9708-019B960494DF}">
+                  <a14:hiddenLine xmlns:a14="http://schemas.microsoft.com/office/drawing/2010/main" w="9525">
+                    <a:solidFill>
+                      <a:srgbClr val="000000"/>
+                    </a:solidFill>
+                    <a:miter lim="800000"/>
+                    <a:headEnd/>
+                    <a:tailEnd/>
+                  </a14:hiddenLine>
+                </a:ext>
+              </a:extLst>
+            </p:spPr>
+          </p:pic>
+          <p:sp>
+            <p:nvSpPr>
+              <p:cNvPr id="17" name="TextBox 12">
+                <a:extLst>
+                  <a:ext uri="{FF2B5EF4-FFF2-40B4-BE49-F238E27FC236}">
+                    <a16:creationId xmlns:a16="http://schemas.microsoft.com/office/drawing/2014/main" xmlns="" id="{0FDF1365-7056-D948-913F-18757388B2CD}"/>
+                  </a:ext>
+                </a:extLst>
+              </p:cNvPr>
+              <p:cNvSpPr txBox="1">
+                <a:spLocks noChangeArrowheads="1"/>
+              </p:cNvSpPr>
+              <p:nvPr/>
+            </p:nvSpPr>
+            <p:spPr bwMode="auto">
+              <a:xfrm>
+                <a:off x="6786563" y="1946275"/>
+                <a:ext cx="2279650" cy="276999"/>
+              </a:xfrm>
+              <a:prstGeom prst="rect">
+                <a:avLst/>
+              </a:prstGeom>
+              <a:noFill/>
+              <a:ln>
+                <a:noFill/>
+              </a:ln>
+              <a:extLst>
+                <a:ext uri="{909E8E84-426E-40DD-AFC4-6F175D3DCCD1}">
+                  <a14:hiddenFill xmlns:a14="http://schemas.microsoft.com/office/drawing/2010/main">
+                    <a:solidFill>
+                      <a:srgbClr val="FFFFFF"/>
+                    </a:solidFill>
+                  </a14:hiddenFill>
+                </a:ext>
+                <a:ext uri="{91240B29-F687-4F45-9708-019B960494DF}">
+                  <a14:hiddenLine xmlns:a14="http://schemas.microsoft.com/office/drawing/2010/main" w="9525">
+                    <a:solidFill>
+                      <a:srgbClr val="000000"/>
+                    </a:solidFill>
+                    <a:miter lim="800000"/>
+                    <a:headEnd/>
+                    <a:tailEnd/>
+                  </a14:hiddenLine>
+                </a:ext>
+              </a:extLst>
+            </p:spPr>
+            <p:txBody>
+              <a:bodyPr>
+                <a:spAutoFit/>
+              </a:bodyPr>
+              <a:lstStyle>
+                <a:lvl1pPr>
+                  <a:defRPr>
+                    <a:solidFill>
+                      <a:schemeClr val="tx1"/>
+                    </a:solidFill>
+                    <a:latin typeface="Calibri" panose="020F0502020204030204" pitchFamily="34" charset="0"/>
+                  </a:defRPr>
+                </a:lvl1pPr>
+                <a:lvl2pPr marL="742950" indent="-285750">
+                  <a:defRPr>
+                    <a:solidFill>
+                      <a:schemeClr val="tx1"/>
+                    </a:solidFill>
+                    <a:latin typeface="Calibri" panose="020F0502020204030204" pitchFamily="34" charset="0"/>
+                  </a:defRPr>
+                </a:lvl2pPr>
+                <a:lvl3pPr marL="1143000" indent="-228600">
+                  <a:defRPr>
+                    <a:solidFill>
+                      <a:schemeClr val="tx1"/>
+                    </a:solidFill>
+                    <a:latin typeface="Calibri" panose="020F0502020204030204" pitchFamily="34" charset="0"/>
+                  </a:defRPr>
+                </a:lvl3pPr>
+                <a:lvl4pPr marL="1600200" indent="-228600">
+                  <a:defRPr>
+                    <a:solidFill>
+                      <a:schemeClr val="tx1"/>
+                    </a:solidFill>
+                    <a:latin typeface="Calibri" panose="020F0502020204030204" pitchFamily="34" charset="0"/>
+                  </a:defRPr>
+                </a:lvl4pPr>
+                <a:lvl5pPr marL="2057400" indent="-228600">
+                  <a:defRPr>
+                    <a:solidFill>
+                      <a:schemeClr val="tx1"/>
+                    </a:solidFill>
+                    <a:latin typeface="Calibri" panose="020F0502020204030204" pitchFamily="34" charset="0"/>
+                  </a:defRPr>
+                </a:lvl5pPr>
+                <a:lvl6pPr marL="2514600" indent="-228600" eaLnBrk="0" fontAlgn="base" hangingPunct="0">
+                  <a:spcBef>
+                    <a:spcPct val="0"/>
+                  </a:spcBef>
+                  <a:spcAft>
+                    <a:spcPct val="0"/>
+                  </a:spcAft>
+                  <a:defRPr>
+                    <a:solidFill>
+                      <a:schemeClr val="tx1"/>
+                    </a:solidFill>
+                    <a:latin typeface="Calibri" panose="020F0502020204030204" pitchFamily="34" charset="0"/>
+                  </a:defRPr>
+                </a:lvl6pPr>
+                <a:lvl7pPr marL="2971800" indent="-228600" eaLnBrk="0" fontAlgn="base" hangingPunct="0">
+                  <a:spcBef>
+                    <a:spcPct val="0"/>
+                  </a:spcBef>
+                  <a:spcAft>
+                    <a:spcPct val="0"/>
+                  </a:spcAft>
+                  <a:defRPr>
+                    <a:solidFill>
+                      <a:schemeClr val="tx1"/>
+                    </a:solidFill>
+                    <a:latin typeface="Calibri" panose="020F0502020204030204" pitchFamily="34" charset="0"/>
+                  </a:defRPr>
+                </a:lvl7pPr>
+                <a:lvl8pPr marL="3429000" indent="-228600" eaLnBrk="0" fontAlgn="base" hangingPunct="0">
+                  <a:spcBef>
+                    <a:spcPct val="0"/>
+                  </a:spcBef>
+                  <a:spcAft>
+                    <a:spcPct val="0"/>
+                  </a:spcAft>
+                  <a:defRPr>
+                    <a:solidFill>
+                      <a:schemeClr val="tx1"/>
+                    </a:solidFill>
+                    <a:latin typeface="Calibri" panose="020F0502020204030204" pitchFamily="34" charset="0"/>
+                  </a:defRPr>
+                </a:lvl8pPr>
+                <a:lvl9pPr marL="3886200" indent="-228600" eaLnBrk="0" fontAlgn="base" hangingPunct="0">
+                  <a:spcBef>
+                    <a:spcPct val="0"/>
+                  </a:spcBef>
+                  <a:spcAft>
+                    <a:spcPct val="0"/>
+                  </a:spcAft>
+                  <a:defRPr>
+                    <a:solidFill>
+                      <a:schemeClr val="tx1"/>
+                    </a:solidFill>
+                    <a:latin typeface="Calibri" panose="020F0502020204030204" pitchFamily="34" charset="0"/>
+                  </a:defRPr>
+                </a:lvl9pPr>
+              </a:lstStyle>
+              <a:p>
+                <a:pPr algn="ctr" eaLnBrk="1" hangingPunct="1"/>
+                <a:r>
+                  <a:rPr lang="en-US" altLang="en-US" sz="1200" dirty="0">
+                    <a:latin typeface="Arial" panose="020B0604020202020204" pitchFamily="34" charset="0"/>
+                    <a:ea typeface="Amazon Ember" panose="020B0603020204020204" pitchFamily="34" charset="0"/>
+                    <a:cs typeface="Arial" panose="020B0604020202020204" pitchFamily="34" charset="0"/>
+                  </a:rPr>
+                  <a:t>AWS DataSync</a:t>
+                </a:r>
+              </a:p>
+            </p:txBody>
+          </p:sp>
+        </p:grpSp>
+        <p:cxnSp>
+          <p:nvCxnSpPr>
+            <p:cNvPr id="11" name="Straight Arrow Connector 10"/>
+            <p:cNvCxnSpPr/>
+            <p:nvPr/>
+          </p:nvCxnSpPr>
+          <p:spPr>
+            <a:xfrm flipH="1">
+              <a:off x="2931459" y="3311659"/>
+              <a:ext cx="2178423" cy="6920"/>
+            </a:xfrm>
+            <a:prstGeom prst="straightConnector1">
+              <a:avLst/>
+            </a:prstGeom>
+            <a:ln w="50800">
+              <a:solidFill>
+                <a:schemeClr val="accent1"/>
+              </a:solidFill>
+              <a:headEnd type="none" w="med" len="med"/>
+              <a:tailEnd type="arrow" w="med" len="med"/>
+            </a:ln>
+          </p:spPr>
+          <p:style>
+            <a:lnRef idx="1">
+              <a:schemeClr val="accent1"/>
+            </a:lnRef>
+            <a:fillRef idx="0">
+              <a:schemeClr val="accent1"/>
+            </a:fillRef>
+            <a:effectRef idx="0">
+              <a:schemeClr val="accent1"/>
+            </a:effectRef>
+            <a:fontRef idx="minor">
+              <a:schemeClr val="tx1"/>
+            </a:fontRef>
+          </p:style>
+        </p:cxnSp>
+        <p:sp>
+          <p:nvSpPr>
+            <p:cNvPr id="12" name="TextBox 11"/>
+            <p:cNvSpPr txBox="1"/>
+            <p:nvPr/>
+          </p:nvSpPr>
+          <p:spPr>
+            <a:xfrm>
+              <a:off x="3083481" y="2882954"/>
+              <a:ext cx="1929374" cy="369332"/>
+            </a:xfrm>
+            <a:prstGeom prst="rect">
+              <a:avLst/>
+            </a:prstGeom>
+            <a:noFill/>
+          </p:spPr>
+          <p:txBody>
+            <a:bodyPr wrap="none" rtlCol="0">
+              <a:spAutoFit/>
+            </a:bodyPr>
+            <a:lstStyle/>
+            <a:p>
+              <a:r>
+                <a:rPr lang="en-US" b="1" dirty="0" smtClean="0"/>
+                <a:t>2.</a:t>
+              </a:r>
+              <a:r>
+                <a:rPr lang="en-US" sz="1400" dirty="0" smtClean="0"/>
+                <a:t> Invoke </a:t>
+              </a:r>
+              <a:r>
+                <a:rPr lang="en-US" sz="1400" dirty="0" err="1" smtClean="0"/>
+                <a:t>DataSync</a:t>
+              </a:r>
+              <a:r>
+                <a:rPr lang="en-US" sz="1400" dirty="0" smtClean="0"/>
+                <a:t> task</a:t>
+              </a:r>
+              <a:endParaRPr lang="en-US" sz="1400" dirty="0"/>
+            </a:p>
+          </p:txBody>
+        </p:sp>
+        <p:cxnSp>
+          <p:nvCxnSpPr>
+            <p:cNvPr id="13" name="Elbow Connector 12"/>
+            <p:cNvCxnSpPr>
+              <a:endCxn id="16" idx="0"/>
+            </p:cNvCxnSpPr>
+            <p:nvPr/>
+          </p:nvCxnSpPr>
+          <p:spPr>
+            <a:xfrm rot="10800000" flipV="1">
+              <a:off x="2408958" y="797858"/>
+              <a:ext cx="2700924" cy="2112923"/>
+            </a:xfrm>
+            <a:prstGeom prst="bentConnector2">
+              <a:avLst/>
+            </a:prstGeom>
+            <a:ln w="50800">
+              <a:prstDash val="sysDash"/>
+              <a:tailEnd type="triangle"/>
+            </a:ln>
+          </p:spPr>
+          <p:style>
+            <a:lnRef idx="1">
+              <a:schemeClr val="accent1"/>
+            </a:lnRef>
+            <a:fillRef idx="0">
+              <a:schemeClr val="accent1"/>
+            </a:fillRef>
+            <a:effectRef idx="0">
+              <a:schemeClr val="accent1"/>
+            </a:effectRef>
+            <a:fontRef idx="minor">
+              <a:schemeClr val="tx1"/>
+            </a:fontRef>
+          </p:style>
+        </p:cxnSp>
+        <p:cxnSp>
+          <p:nvCxnSpPr>
+            <p:cNvPr id="14" name="Elbow Connector 13"/>
+            <p:cNvCxnSpPr>
+              <a:stCxn id="17" idx="2"/>
+              <a:endCxn id="20" idx="1"/>
+            </p:cNvCxnSpPr>
+            <p:nvPr/>
+          </p:nvCxnSpPr>
+          <p:spPr>
+            <a:xfrm rot="16200000" flipH="1">
+              <a:off x="3101416" y="3268435"/>
+              <a:ext cx="1491068" cy="2853759"/>
+            </a:xfrm>
+            <a:prstGeom prst="bentConnector2">
+              <a:avLst/>
+            </a:prstGeom>
+            <a:ln w="50800">
+              <a:prstDash val="sysDash"/>
+              <a:tailEnd type="triangle"/>
+            </a:ln>
+          </p:spPr>
+          <p:style>
+            <a:lnRef idx="1">
+              <a:schemeClr val="accent1"/>
+            </a:lnRef>
+            <a:fillRef idx="0">
+              <a:schemeClr val="accent1"/>
+            </a:fillRef>
+            <a:effectRef idx="0">
+              <a:schemeClr val="accent1"/>
+            </a:effectRef>
+            <a:fontRef idx="minor">
+              <a:schemeClr val="tx1"/>
+            </a:fontRef>
+          </p:style>
+        </p:cxnSp>
+        <p:sp>
+          <p:nvSpPr>
+            <p:cNvPr id="15" name="TextBox 14"/>
+            <p:cNvSpPr txBox="1"/>
+            <p:nvPr/>
+          </p:nvSpPr>
+          <p:spPr>
+            <a:xfrm>
+              <a:off x="2931459" y="5035852"/>
+              <a:ext cx="1614609" cy="369332"/>
+            </a:xfrm>
+            <a:prstGeom prst="rect">
+              <a:avLst/>
+            </a:prstGeom>
+            <a:noFill/>
+          </p:spPr>
+          <p:txBody>
+            <a:bodyPr wrap="none" rtlCol="0">
+              <a:spAutoFit/>
+            </a:bodyPr>
+            <a:lstStyle/>
+            <a:p>
+              <a:r>
+                <a:rPr lang="en-US" b="1" dirty="0" smtClean="0"/>
+                <a:t>3.</a:t>
+              </a:r>
+              <a:r>
+                <a:rPr lang="en-US" dirty="0" smtClean="0"/>
+                <a:t> </a:t>
+              </a:r>
+              <a:r>
+                <a:rPr lang="en-US" sz="1400" dirty="0" smtClean="0"/>
+                <a:t>Sync EFS with S3</a:t>
+              </a:r>
+              <a:endParaRPr lang="en-US" sz="1400" dirty="0"/>
+            </a:p>
+          </p:txBody>
+        </p:sp>
+        <p:grpSp>
+          <p:nvGrpSpPr>
+            <p:cNvPr id="28" name="Group 27"/>
+            <p:cNvGrpSpPr/>
+            <p:nvPr/>
+          </p:nvGrpSpPr>
+          <p:grpSpPr>
+            <a:xfrm>
+              <a:off x="7462769" y="2882954"/>
+              <a:ext cx="2292350" cy="1048524"/>
+              <a:chOff x="7790250" y="2930659"/>
+              <a:chExt cx="2292350" cy="1048524"/>
+            </a:xfrm>
+          </p:grpSpPr>
+          <p:pic>
+            <p:nvPicPr>
+              <p:cNvPr id="24" name="Graphic 19">
+                <a:extLst>
+                  <a:ext uri="{FF2B5EF4-FFF2-40B4-BE49-F238E27FC236}">
+                    <a16:creationId xmlns:a16="http://schemas.microsoft.com/office/drawing/2014/main" xmlns="" id="{820E96C4-59EB-2648-98B1-156ACC2C9039}"/>
+                  </a:ext>
+                </a:extLst>
+              </p:cNvPr>
+              <p:cNvPicPr>
+                <a:picLocks noChangeAspect="1" noChangeArrowheads="1"/>
+              </p:cNvPicPr>
+              <p:nvPr/>
+            </p:nvPicPr>
+            <p:blipFill>
+              <a:blip r:embed="rId6" cstate="print">
+                <a:extLst>
+                  <a:ext uri="{28A0092B-C50C-407E-A947-70E740481C1C}">
+                    <a14:useLocalDpi xmlns:a14="http://schemas.microsoft.com/office/drawing/2010/main" val="0"/>
+                  </a:ext>
+                </a:extLst>
+              </a:blip>
+              <a:srcRect/>
+              <a:stretch>
+                <a:fillRect/>
+              </a:stretch>
+            </p:blipFill>
+            <p:spPr bwMode="auto">
+              <a:xfrm>
+                <a:off x="8547487" y="2930659"/>
+                <a:ext cx="762000" cy="762000"/>
+              </a:xfrm>
+              <a:prstGeom prst="rect">
+                <a:avLst/>
+              </a:prstGeom>
+              <a:noFill/>
+              <a:ln>
+                <a:noFill/>
+              </a:ln>
+              <a:extLst>
+                <a:ext uri="{909E8E84-426E-40DD-AFC4-6F175D3DCCD1}">
+                  <a14:hiddenFill xmlns:a14="http://schemas.microsoft.com/office/drawing/2010/main">
+                    <a:solidFill>
+                      <a:srgbClr val="FFFFFF"/>
+                    </a:solidFill>
+                  </a14:hiddenFill>
+                </a:ext>
+                <a:ext uri="{91240B29-F687-4F45-9708-019B960494DF}">
+                  <a14:hiddenLine xmlns:a14="http://schemas.microsoft.com/office/drawing/2010/main" w="9525">
+                    <a:solidFill>
+                      <a:srgbClr val="000000"/>
+                    </a:solidFill>
+                    <a:miter lim="800000"/>
+                    <a:headEnd/>
+                    <a:tailEnd/>
+                  </a14:hiddenLine>
+                </a:ext>
+              </a:extLst>
+            </p:spPr>
+          </p:pic>
+          <p:sp>
+            <p:nvSpPr>
+              <p:cNvPr id="25" name="TextBox 11">
+                <a:extLst>
+                  <a:ext uri="{FF2B5EF4-FFF2-40B4-BE49-F238E27FC236}">
+                    <a16:creationId xmlns:a16="http://schemas.microsoft.com/office/drawing/2014/main" xmlns="" id="{C9BB1F7E-248D-424E-8B74-0C0C9C2B1E04}"/>
+                  </a:ext>
+                </a:extLst>
+              </p:cNvPr>
+              <p:cNvSpPr txBox="1">
+                <a:spLocks noChangeArrowheads="1"/>
+              </p:cNvSpPr>
+              <p:nvPr/>
+            </p:nvSpPr>
+            <p:spPr bwMode="auto">
+              <a:xfrm>
+                <a:off x="7790250" y="3702184"/>
+                <a:ext cx="2292350" cy="276999"/>
+              </a:xfrm>
+              <a:prstGeom prst="rect">
+                <a:avLst/>
+              </a:prstGeom>
+              <a:noFill/>
+              <a:ln>
+                <a:noFill/>
+              </a:ln>
+              <a:extLst>
+                <a:ext uri="{909E8E84-426E-40DD-AFC4-6F175D3DCCD1}">
+                  <a14:hiddenFill xmlns:a14="http://schemas.microsoft.com/office/drawing/2010/main">
+                    <a:solidFill>
+                      <a:srgbClr val="FFFFFF"/>
+                    </a:solidFill>
+                  </a14:hiddenFill>
+                </a:ext>
+                <a:ext uri="{91240B29-F687-4F45-9708-019B960494DF}">
+                  <a14:hiddenLine xmlns:a14="http://schemas.microsoft.com/office/drawing/2010/main" w="9525">
+                    <a:solidFill>
+                      <a:srgbClr val="000000"/>
+                    </a:solidFill>
+                    <a:miter lim="800000"/>
+                    <a:headEnd/>
+                    <a:tailEnd/>
+                  </a14:hiddenLine>
+                </a:ext>
+              </a:extLst>
+            </p:spPr>
+            <p:txBody>
+              <a:bodyPr>
+                <a:spAutoFit/>
+              </a:bodyPr>
+              <a:lstStyle>
+                <a:lvl1pPr>
+                  <a:defRPr>
+                    <a:solidFill>
+                      <a:schemeClr val="tx1"/>
+                    </a:solidFill>
+                    <a:latin typeface="Calibri" panose="020F0502020204030204" pitchFamily="34" charset="0"/>
+                  </a:defRPr>
+                </a:lvl1pPr>
+                <a:lvl2pPr marL="742950" indent="-285750">
+                  <a:defRPr>
+                    <a:solidFill>
+                      <a:schemeClr val="tx1"/>
+                    </a:solidFill>
+                    <a:latin typeface="Calibri" panose="020F0502020204030204" pitchFamily="34" charset="0"/>
+                  </a:defRPr>
+                </a:lvl2pPr>
+                <a:lvl3pPr marL="1143000" indent="-228600">
+                  <a:defRPr>
+                    <a:solidFill>
+                      <a:schemeClr val="tx1"/>
+                    </a:solidFill>
+                    <a:latin typeface="Calibri" panose="020F0502020204030204" pitchFamily="34" charset="0"/>
+                  </a:defRPr>
+                </a:lvl3pPr>
+                <a:lvl4pPr marL="1600200" indent="-228600">
+                  <a:defRPr>
+                    <a:solidFill>
+                      <a:schemeClr val="tx1"/>
+                    </a:solidFill>
+                    <a:latin typeface="Calibri" panose="020F0502020204030204" pitchFamily="34" charset="0"/>
+                  </a:defRPr>
+                </a:lvl4pPr>
+                <a:lvl5pPr marL="2057400" indent="-228600">
+                  <a:defRPr>
+                    <a:solidFill>
+                      <a:schemeClr val="tx1"/>
+                    </a:solidFill>
+                    <a:latin typeface="Calibri" panose="020F0502020204030204" pitchFamily="34" charset="0"/>
+                  </a:defRPr>
+                </a:lvl5pPr>
+                <a:lvl6pPr marL="2514600" indent="-228600" eaLnBrk="0" fontAlgn="base" hangingPunct="0">
+                  <a:spcBef>
+                    <a:spcPct val="0"/>
+                  </a:spcBef>
+                  <a:spcAft>
+                    <a:spcPct val="0"/>
+                  </a:spcAft>
+                  <a:defRPr>
+                    <a:solidFill>
+                      <a:schemeClr val="tx1"/>
+                    </a:solidFill>
+                    <a:latin typeface="Calibri" panose="020F0502020204030204" pitchFamily="34" charset="0"/>
+                  </a:defRPr>
+                </a:lvl6pPr>
+                <a:lvl7pPr marL="2971800" indent="-228600" eaLnBrk="0" fontAlgn="base" hangingPunct="0">
+                  <a:spcBef>
+                    <a:spcPct val="0"/>
+                  </a:spcBef>
+                  <a:spcAft>
+                    <a:spcPct val="0"/>
+                  </a:spcAft>
+                  <a:defRPr>
+                    <a:solidFill>
+                      <a:schemeClr val="tx1"/>
+                    </a:solidFill>
+                    <a:latin typeface="Calibri" panose="020F0502020204030204" pitchFamily="34" charset="0"/>
+                  </a:defRPr>
+                </a:lvl7pPr>
+                <a:lvl8pPr marL="3429000" indent="-228600" eaLnBrk="0" fontAlgn="base" hangingPunct="0">
+                  <a:spcBef>
+                    <a:spcPct val="0"/>
+                  </a:spcBef>
+                  <a:spcAft>
+                    <a:spcPct val="0"/>
+                  </a:spcAft>
+                  <a:defRPr>
+                    <a:solidFill>
+                      <a:schemeClr val="tx1"/>
+                    </a:solidFill>
+                    <a:latin typeface="Calibri" panose="020F0502020204030204" pitchFamily="34" charset="0"/>
+                  </a:defRPr>
+                </a:lvl8pPr>
+                <a:lvl9pPr marL="3886200" indent="-228600" eaLnBrk="0" fontAlgn="base" hangingPunct="0">
+                  <a:spcBef>
+                    <a:spcPct val="0"/>
+                  </a:spcBef>
+                  <a:spcAft>
+                    <a:spcPct val="0"/>
+                  </a:spcAft>
+                  <a:defRPr>
+                    <a:solidFill>
+                      <a:schemeClr val="tx1"/>
+                    </a:solidFill>
+                    <a:latin typeface="Calibri" panose="020F0502020204030204" pitchFamily="34" charset="0"/>
+                  </a:defRPr>
+                </a:lvl9pPr>
+              </a:lstStyle>
+              <a:p>
+                <a:pPr algn="ctr" eaLnBrk="1" hangingPunct="1"/>
+                <a:r>
+                  <a:rPr lang="en-US" altLang="en-US" sz="1200" dirty="0">
+                    <a:latin typeface="Arial" panose="020B0604020202020204" pitchFamily="34" charset="0"/>
+                    <a:ea typeface="Amazon Ember" panose="020B0603020204020204" pitchFamily="34" charset="0"/>
+                    <a:cs typeface="Arial" panose="020B0604020202020204" pitchFamily="34" charset="0"/>
+                  </a:rPr>
+                  <a:t>Amazon EventBridge</a:t>
+                </a:r>
+              </a:p>
+            </p:txBody>
+          </p:sp>
+        </p:grpSp>
+      </p:grpSp>
+    </p:spTree>
+    <p:extLst>
+      <p:ext uri="{BB962C8B-B14F-4D97-AF65-F5344CB8AC3E}">
+        <p14:creationId xmlns:p14="http://schemas.microsoft.com/office/powerpoint/2010/main" val="2983434296"/>
+      </p:ext>
+    </p:extLst>
+  </p:cSld>
+  <p:clrMapOvr>
+    <a:masterClrMapping/>
+  </p:clrMapOvr>
+</p:sld>
+</file>
+
 <file path=ppt/theme/theme1.xml><?xml version="1.0" encoding="utf-8"?>
 <a:theme xmlns:a="http://schemas.openxmlformats.org/drawingml/2006/main" name="Office Theme">
   <a:themeElements>

--- a/images/pics_slides/pics_slides.pptx
+++ b/images/pics_slides/pics_slides.pptx
@@ -4,6 +4,9 @@
   <p:sldMasterIdLst>
     <p:sldMasterId id="2147483648" r:id="rId1"/>
   </p:sldMasterIdLst>
+  <p:notesMasterIdLst>
+    <p:notesMasterId r:id="rId10"/>
+  </p:notesMasterIdLst>
   <p:sldIdLst>
     <p:sldId id="256" r:id="rId2"/>
     <p:sldId id="257" r:id="rId3"/>
@@ -12,6 +15,7 @@
     <p:sldId id="260" r:id="rId6"/>
     <p:sldId id="261" r:id="rId7"/>
     <p:sldId id="262" r:id="rId8"/>
+    <p:sldId id="263" r:id="rId9"/>
   </p:sldIdLst>
   <p:sldSz cx="12192000" cy="6858000"/>
   <p:notesSz cx="6858000" cy="9144000"/>
@@ -118,6 +122,444 @@
 </p:presentation>
 </file>
 
+<file path=ppt/notesMasters/notesMaster1.xml><?xml version="1.0" encoding="utf-8"?>
+<p:notesMaster xmlns:a="http://schemas.openxmlformats.org/drawingml/2006/main" xmlns:r="http://schemas.openxmlformats.org/officeDocument/2006/relationships" xmlns:p="http://schemas.openxmlformats.org/presentationml/2006/main">
+  <p:cSld>
+    <p:bg>
+      <p:bgRef idx="1001">
+        <a:schemeClr val="bg1"/>
+      </p:bgRef>
+    </p:bg>
+    <p:spTree>
+      <p:nvGrpSpPr>
+        <p:cNvPr id="1" name=""/>
+        <p:cNvGrpSpPr/>
+        <p:nvPr/>
+      </p:nvGrpSpPr>
+      <p:grpSpPr>
+        <a:xfrm>
+          <a:off x="0" y="0"/>
+          <a:ext cx="0" cy="0"/>
+          <a:chOff x="0" y="0"/>
+          <a:chExt cx="0" cy="0"/>
+        </a:xfrm>
+      </p:grpSpPr>
+      <p:sp>
+        <p:nvSpPr>
+          <p:cNvPr id="2" name="Header Placeholder 1"/>
+          <p:cNvSpPr>
+            <a:spLocks noGrp="1"/>
+          </p:cNvSpPr>
+          <p:nvPr>
+            <p:ph type="hdr" sz="quarter"/>
+          </p:nvPr>
+        </p:nvSpPr>
+        <p:spPr>
+          <a:xfrm>
+            <a:off x="0" y="0"/>
+            <a:ext cx="2971800" cy="458788"/>
+          </a:xfrm>
+          <a:prstGeom prst="rect">
+            <a:avLst/>
+          </a:prstGeom>
+        </p:spPr>
+        <p:txBody>
+          <a:bodyPr vert="horz" lIns="91440" tIns="45720" rIns="91440" bIns="45720" rtlCol="0"/>
+          <a:lstStyle>
+            <a:lvl1pPr algn="l">
+              <a:defRPr sz="1200"/>
+            </a:lvl1pPr>
+          </a:lstStyle>
+          <a:p>
+            <a:endParaRPr lang="en-US"/>
+          </a:p>
+        </p:txBody>
+      </p:sp>
+      <p:sp>
+        <p:nvSpPr>
+          <p:cNvPr id="3" name="Date Placeholder 2"/>
+          <p:cNvSpPr>
+            <a:spLocks noGrp="1"/>
+          </p:cNvSpPr>
+          <p:nvPr>
+            <p:ph type="dt" idx="1"/>
+          </p:nvPr>
+        </p:nvSpPr>
+        <p:spPr>
+          <a:xfrm>
+            <a:off x="3884613" y="0"/>
+            <a:ext cx="2971800" cy="458788"/>
+          </a:xfrm>
+          <a:prstGeom prst="rect">
+            <a:avLst/>
+          </a:prstGeom>
+        </p:spPr>
+        <p:txBody>
+          <a:bodyPr vert="horz" lIns="91440" tIns="45720" rIns="91440" bIns="45720" rtlCol="0"/>
+          <a:lstStyle>
+            <a:lvl1pPr algn="r">
+              <a:defRPr sz="1200"/>
+            </a:lvl1pPr>
+          </a:lstStyle>
+          <a:p>
+            <a:fld id="{AE0760E8-C4C9-4F17-A6E2-DFB404B5E8BA}" type="datetimeFigureOut">
+              <a:rPr lang="en-US" smtClean="0"/>
+              <a:t>6/17/2022</a:t>
+            </a:fld>
+            <a:endParaRPr lang="en-US"/>
+          </a:p>
+        </p:txBody>
+      </p:sp>
+      <p:sp>
+        <p:nvSpPr>
+          <p:cNvPr id="4" name="Slide Image Placeholder 3"/>
+          <p:cNvSpPr>
+            <a:spLocks noGrp="1" noRot="1" noChangeAspect="1"/>
+          </p:cNvSpPr>
+          <p:nvPr>
+            <p:ph type="sldImg" idx="2"/>
+          </p:nvPr>
+        </p:nvSpPr>
+        <p:spPr>
+          <a:xfrm>
+            <a:off x="685800" y="1143000"/>
+            <a:ext cx="5486400" cy="3086100"/>
+          </a:xfrm>
+          <a:prstGeom prst="rect">
+            <a:avLst/>
+          </a:prstGeom>
+          <a:noFill/>
+          <a:ln w="12700">
+            <a:solidFill>
+              <a:prstClr val="black"/>
+            </a:solidFill>
+          </a:ln>
+        </p:spPr>
+        <p:txBody>
+          <a:bodyPr vert="horz" lIns="91440" tIns="45720" rIns="91440" bIns="45720" rtlCol="0" anchor="ctr"/>
+          <a:lstStyle/>
+          <a:p>
+            <a:endParaRPr lang="en-US"/>
+          </a:p>
+        </p:txBody>
+      </p:sp>
+      <p:sp>
+        <p:nvSpPr>
+          <p:cNvPr id="5" name="Notes Placeholder 4"/>
+          <p:cNvSpPr>
+            <a:spLocks noGrp="1"/>
+          </p:cNvSpPr>
+          <p:nvPr>
+            <p:ph type="body" sz="quarter" idx="3"/>
+          </p:nvPr>
+        </p:nvSpPr>
+        <p:spPr>
+          <a:xfrm>
+            <a:off x="685800" y="4400550"/>
+            <a:ext cx="5486400" cy="3600450"/>
+          </a:xfrm>
+          <a:prstGeom prst="rect">
+            <a:avLst/>
+          </a:prstGeom>
+        </p:spPr>
+        <p:txBody>
+          <a:bodyPr vert="horz" lIns="91440" tIns="45720" rIns="91440" bIns="45720" rtlCol="0"/>
+          <a:lstStyle/>
+          <a:p>
+            <a:pPr lvl="0"/>
+            <a:r>
+              <a:rPr lang="en-US" smtClean="0"/>
+              <a:t>Click to edit Master text styles</a:t>
+            </a:r>
+          </a:p>
+          <a:p>
+            <a:pPr lvl="1"/>
+            <a:r>
+              <a:rPr lang="en-US" smtClean="0"/>
+              <a:t>Second level</a:t>
+            </a:r>
+          </a:p>
+          <a:p>
+            <a:pPr lvl="2"/>
+            <a:r>
+              <a:rPr lang="en-US" smtClean="0"/>
+              <a:t>Third level</a:t>
+            </a:r>
+          </a:p>
+          <a:p>
+            <a:pPr lvl="3"/>
+            <a:r>
+              <a:rPr lang="en-US" smtClean="0"/>
+              <a:t>Fourth level</a:t>
+            </a:r>
+          </a:p>
+          <a:p>
+            <a:pPr lvl="4"/>
+            <a:r>
+              <a:rPr lang="en-US" smtClean="0"/>
+              <a:t>Fifth level</a:t>
+            </a:r>
+            <a:endParaRPr lang="en-US"/>
+          </a:p>
+        </p:txBody>
+      </p:sp>
+      <p:sp>
+        <p:nvSpPr>
+          <p:cNvPr id="6" name="Footer Placeholder 5"/>
+          <p:cNvSpPr>
+            <a:spLocks noGrp="1"/>
+          </p:cNvSpPr>
+          <p:nvPr>
+            <p:ph type="ftr" sz="quarter" idx="4"/>
+          </p:nvPr>
+        </p:nvSpPr>
+        <p:spPr>
+          <a:xfrm>
+            <a:off x="0" y="8685213"/>
+            <a:ext cx="2971800" cy="458787"/>
+          </a:xfrm>
+          <a:prstGeom prst="rect">
+            <a:avLst/>
+          </a:prstGeom>
+        </p:spPr>
+        <p:txBody>
+          <a:bodyPr vert="horz" lIns="91440" tIns="45720" rIns="91440" bIns="45720" rtlCol="0" anchor="b"/>
+          <a:lstStyle>
+            <a:lvl1pPr algn="l">
+              <a:defRPr sz="1200"/>
+            </a:lvl1pPr>
+          </a:lstStyle>
+          <a:p>
+            <a:endParaRPr lang="en-US"/>
+          </a:p>
+        </p:txBody>
+      </p:sp>
+      <p:sp>
+        <p:nvSpPr>
+          <p:cNvPr id="7" name="Slide Number Placeholder 6"/>
+          <p:cNvSpPr>
+            <a:spLocks noGrp="1"/>
+          </p:cNvSpPr>
+          <p:nvPr>
+            <p:ph type="sldNum" sz="quarter" idx="5"/>
+          </p:nvPr>
+        </p:nvSpPr>
+        <p:spPr>
+          <a:xfrm>
+            <a:off x="3884613" y="8685213"/>
+            <a:ext cx="2971800" cy="458787"/>
+          </a:xfrm>
+          <a:prstGeom prst="rect">
+            <a:avLst/>
+          </a:prstGeom>
+        </p:spPr>
+        <p:txBody>
+          <a:bodyPr vert="horz" lIns="91440" tIns="45720" rIns="91440" bIns="45720" rtlCol="0" anchor="b"/>
+          <a:lstStyle>
+            <a:lvl1pPr algn="r">
+              <a:defRPr sz="1200"/>
+            </a:lvl1pPr>
+          </a:lstStyle>
+          <a:p>
+            <a:fld id="{58123BFE-E0B1-4877-B66B-FE05C069780D}" type="slidenum">
+              <a:rPr lang="en-US" smtClean="0"/>
+              <a:t>‹#›</a:t>
+            </a:fld>
+            <a:endParaRPr lang="en-US"/>
+          </a:p>
+        </p:txBody>
+      </p:sp>
+    </p:spTree>
+    <p:extLst>
+      <p:ext uri="{BB962C8B-B14F-4D97-AF65-F5344CB8AC3E}">
+        <p14:creationId xmlns:p14="http://schemas.microsoft.com/office/powerpoint/2010/main" val="2571046450"/>
+      </p:ext>
+    </p:extLst>
+  </p:cSld>
+  <p:clrMap bg1="lt1" tx1="dk1" bg2="lt2" tx2="dk2" accent1="accent1" accent2="accent2" accent3="accent3" accent4="accent4" accent5="accent5" accent6="accent6" hlink="hlink" folHlink="folHlink"/>
+  <p:notesStyle>
+    <a:lvl1pPr marL="0" algn="l" defTabSz="914400" rtl="0" eaLnBrk="1" latinLnBrk="0" hangingPunct="1">
+      <a:defRPr sz="1200" kern="1200">
+        <a:solidFill>
+          <a:schemeClr val="tx1"/>
+        </a:solidFill>
+        <a:latin typeface="+mn-lt"/>
+        <a:ea typeface="+mn-ea"/>
+        <a:cs typeface="+mn-cs"/>
+      </a:defRPr>
+    </a:lvl1pPr>
+    <a:lvl2pPr marL="457200" algn="l" defTabSz="914400" rtl="0" eaLnBrk="1" latinLnBrk="0" hangingPunct="1">
+      <a:defRPr sz="1200" kern="1200">
+        <a:solidFill>
+          <a:schemeClr val="tx1"/>
+        </a:solidFill>
+        <a:latin typeface="+mn-lt"/>
+        <a:ea typeface="+mn-ea"/>
+        <a:cs typeface="+mn-cs"/>
+      </a:defRPr>
+    </a:lvl2pPr>
+    <a:lvl3pPr marL="914400" algn="l" defTabSz="914400" rtl="0" eaLnBrk="1" latinLnBrk="0" hangingPunct="1">
+      <a:defRPr sz="1200" kern="1200">
+        <a:solidFill>
+          <a:schemeClr val="tx1"/>
+        </a:solidFill>
+        <a:latin typeface="+mn-lt"/>
+        <a:ea typeface="+mn-ea"/>
+        <a:cs typeface="+mn-cs"/>
+      </a:defRPr>
+    </a:lvl3pPr>
+    <a:lvl4pPr marL="1371600" algn="l" defTabSz="914400" rtl="0" eaLnBrk="1" latinLnBrk="0" hangingPunct="1">
+      <a:defRPr sz="1200" kern="1200">
+        <a:solidFill>
+          <a:schemeClr val="tx1"/>
+        </a:solidFill>
+        <a:latin typeface="+mn-lt"/>
+        <a:ea typeface="+mn-ea"/>
+        <a:cs typeface="+mn-cs"/>
+      </a:defRPr>
+    </a:lvl4pPr>
+    <a:lvl5pPr marL="1828800" algn="l" defTabSz="914400" rtl="0" eaLnBrk="1" latinLnBrk="0" hangingPunct="1">
+      <a:defRPr sz="1200" kern="1200">
+        <a:solidFill>
+          <a:schemeClr val="tx1"/>
+        </a:solidFill>
+        <a:latin typeface="+mn-lt"/>
+        <a:ea typeface="+mn-ea"/>
+        <a:cs typeface="+mn-cs"/>
+      </a:defRPr>
+    </a:lvl5pPr>
+    <a:lvl6pPr marL="2286000" algn="l" defTabSz="914400" rtl="0" eaLnBrk="1" latinLnBrk="0" hangingPunct="1">
+      <a:defRPr sz="1200" kern="1200">
+        <a:solidFill>
+          <a:schemeClr val="tx1"/>
+        </a:solidFill>
+        <a:latin typeface="+mn-lt"/>
+        <a:ea typeface="+mn-ea"/>
+        <a:cs typeface="+mn-cs"/>
+      </a:defRPr>
+    </a:lvl6pPr>
+    <a:lvl7pPr marL="2743200" algn="l" defTabSz="914400" rtl="0" eaLnBrk="1" latinLnBrk="0" hangingPunct="1">
+      <a:defRPr sz="1200" kern="1200">
+        <a:solidFill>
+          <a:schemeClr val="tx1"/>
+        </a:solidFill>
+        <a:latin typeface="+mn-lt"/>
+        <a:ea typeface="+mn-ea"/>
+        <a:cs typeface="+mn-cs"/>
+      </a:defRPr>
+    </a:lvl7pPr>
+    <a:lvl8pPr marL="3200400" algn="l" defTabSz="914400" rtl="0" eaLnBrk="1" latinLnBrk="0" hangingPunct="1">
+      <a:defRPr sz="1200" kern="1200">
+        <a:solidFill>
+          <a:schemeClr val="tx1"/>
+        </a:solidFill>
+        <a:latin typeface="+mn-lt"/>
+        <a:ea typeface="+mn-ea"/>
+        <a:cs typeface="+mn-cs"/>
+      </a:defRPr>
+    </a:lvl8pPr>
+    <a:lvl9pPr marL="3657600" algn="l" defTabSz="914400" rtl="0" eaLnBrk="1" latinLnBrk="0" hangingPunct="1">
+      <a:defRPr sz="1200" kern="1200">
+        <a:solidFill>
+          <a:schemeClr val="tx1"/>
+        </a:solidFill>
+        <a:latin typeface="+mn-lt"/>
+        <a:ea typeface="+mn-ea"/>
+        <a:cs typeface="+mn-cs"/>
+      </a:defRPr>
+    </a:lvl9pPr>
+  </p:notesStyle>
+</p:notesMaster>
+</file>
+
+<file path=ppt/notesSlides/notesSlide1.xml><?xml version="1.0" encoding="utf-8"?>
+<p:notes xmlns:a="http://schemas.openxmlformats.org/drawingml/2006/main" xmlns:r="http://schemas.openxmlformats.org/officeDocument/2006/relationships" xmlns:p="http://schemas.openxmlformats.org/presentationml/2006/main">
+  <p:cSld>
+    <p:spTree>
+      <p:nvGrpSpPr>
+        <p:cNvPr id="1" name=""/>
+        <p:cNvGrpSpPr/>
+        <p:nvPr/>
+      </p:nvGrpSpPr>
+      <p:grpSpPr>
+        <a:xfrm>
+          <a:off x="0" y="0"/>
+          <a:ext cx="0" cy="0"/>
+          <a:chOff x="0" y="0"/>
+          <a:chExt cx="0" cy="0"/>
+        </a:xfrm>
+      </p:grpSpPr>
+      <p:sp>
+        <p:nvSpPr>
+          <p:cNvPr id="2" name="Slide Image Placeholder 1"/>
+          <p:cNvSpPr>
+            <a:spLocks noGrp="1" noRot="1" noChangeAspect="1"/>
+          </p:cNvSpPr>
+          <p:nvPr>
+            <p:ph type="sldImg"/>
+          </p:nvPr>
+        </p:nvSpPr>
+        <p:spPr/>
+      </p:sp>
+      <p:sp>
+        <p:nvSpPr>
+          <p:cNvPr id="3" name="Notes Placeholder 2"/>
+          <p:cNvSpPr>
+            <a:spLocks noGrp="1"/>
+          </p:cNvSpPr>
+          <p:nvPr>
+            <p:ph type="body" idx="1"/>
+          </p:nvPr>
+        </p:nvSpPr>
+        <p:spPr/>
+        <p:txBody>
+          <a:bodyPr/>
+          <a:lstStyle/>
+          <a:p>
+            <a:r>
+              <a:rPr lang="en-US" dirty="0" smtClean="0"/>
+              <a:t>2022-06-17-sagemaker-endpoint</a:t>
+            </a:r>
+            <a:endParaRPr lang="en-US" dirty="0"/>
+          </a:p>
+        </p:txBody>
+      </p:sp>
+      <p:sp>
+        <p:nvSpPr>
+          <p:cNvPr id="4" name="Slide Number Placeholder 3"/>
+          <p:cNvSpPr>
+            <a:spLocks noGrp="1"/>
+          </p:cNvSpPr>
+          <p:nvPr>
+            <p:ph type="sldNum" sz="quarter" idx="10"/>
+          </p:nvPr>
+        </p:nvSpPr>
+        <p:spPr/>
+        <p:txBody>
+          <a:bodyPr/>
+          <a:lstStyle/>
+          <a:p>
+            <a:fld id="{58123BFE-E0B1-4877-B66B-FE05C069780D}" type="slidenum">
+              <a:rPr lang="en-US" smtClean="0"/>
+              <a:t>8</a:t>
+            </a:fld>
+            <a:endParaRPr lang="en-US"/>
+          </a:p>
+        </p:txBody>
+      </p:sp>
+    </p:spTree>
+    <p:extLst>
+      <p:ext uri="{BB962C8B-B14F-4D97-AF65-F5344CB8AC3E}">
+        <p14:creationId xmlns:p14="http://schemas.microsoft.com/office/powerpoint/2010/main" val="2928251560"/>
+      </p:ext>
+    </p:extLst>
+  </p:cSld>
+  <p:clrMapOvr>
+    <a:masterClrMapping/>
+  </p:clrMapOvr>
+</p:notes>
+</file>
+
 <file path=ppt/slideLayouts/slideLayout1.xml><?xml version="1.0" encoding="utf-8"?>
 <p:sldLayout xmlns:a="http://schemas.openxmlformats.org/drawingml/2006/main" xmlns:r="http://schemas.openxmlformats.org/officeDocument/2006/relationships" xmlns:p="http://schemas.openxmlformats.org/presentationml/2006/main" type="title" preserve="1">
   <p:cSld name="Title Slide">
@@ -249,7 +691,7 @@
           <a:p>
             <a:fld id="{4A31C449-260C-4C88-9D36-C81523339FAD}" type="datetimeFigureOut">
               <a:rPr lang="en-US" smtClean="0"/>
-              <a:t>3/31/2022</a:t>
+              <a:t>6/17/2022</a:t>
             </a:fld>
             <a:endParaRPr lang="en-US"/>
           </a:p>
@@ -419,7 +861,7 @@
           <a:p>
             <a:fld id="{4A31C449-260C-4C88-9D36-C81523339FAD}" type="datetimeFigureOut">
               <a:rPr lang="en-US" smtClean="0"/>
-              <a:t>3/31/2022</a:t>
+              <a:t>6/17/2022</a:t>
             </a:fld>
             <a:endParaRPr lang="en-US"/>
           </a:p>
@@ -599,7 +1041,7 @@
           <a:p>
             <a:fld id="{4A31C449-260C-4C88-9D36-C81523339FAD}" type="datetimeFigureOut">
               <a:rPr lang="en-US" smtClean="0"/>
-              <a:t>3/31/2022</a:t>
+              <a:t>6/17/2022</a:t>
             </a:fld>
             <a:endParaRPr lang="en-US"/>
           </a:p>
@@ -769,7 +1211,7 @@
           <a:p>
             <a:fld id="{4A31C449-260C-4C88-9D36-C81523339FAD}" type="datetimeFigureOut">
               <a:rPr lang="en-US" smtClean="0"/>
-              <a:t>3/31/2022</a:t>
+              <a:t>6/17/2022</a:t>
             </a:fld>
             <a:endParaRPr lang="en-US"/>
           </a:p>
@@ -1015,7 +1457,7 @@
           <a:p>
             <a:fld id="{4A31C449-260C-4C88-9D36-C81523339FAD}" type="datetimeFigureOut">
               <a:rPr lang="en-US" smtClean="0"/>
-              <a:t>3/31/2022</a:t>
+              <a:t>6/17/2022</a:t>
             </a:fld>
             <a:endParaRPr lang="en-US"/>
           </a:p>
@@ -1247,7 +1689,7 @@
           <a:p>
             <a:fld id="{4A31C449-260C-4C88-9D36-C81523339FAD}" type="datetimeFigureOut">
               <a:rPr lang="en-US" smtClean="0"/>
-              <a:t>3/31/2022</a:t>
+              <a:t>6/17/2022</a:t>
             </a:fld>
             <a:endParaRPr lang="en-US"/>
           </a:p>
@@ -1614,7 +2056,7 @@
           <a:p>
             <a:fld id="{4A31C449-260C-4C88-9D36-C81523339FAD}" type="datetimeFigureOut">
               <a:rPr lang="en-US" smtClean="0"/>
-              <a:t>3/31/2022</a:t>
+              <a:t>6/17/2022</a:t>
             </a:fld>
             <a:endParaRPr lang="en-US"/>
           </a:p>
@@ -1732,7 +2174,7 @@
           <a:p>
             <a:fld id="{4A31C449-260C-4C88-9D36-C81523339FAD}" type="datetimeFigureOut">
               <a:rPr lang="en-US" smtClean="0"/>
-              <a:t>3/31/2022</a:t>
+              <a:t>6/17/2022</a:t>
             </a:fld>
             <a:endParaRPr lang="en-US"/>
           </a:p>
@@ -1827,7 +2269,7 @@
           <a:p>
             <a:fld id="{4A31C449-260C-4C88-9D36-C81523339FAD}" type="datetimeFigureOut">
               <a:rPr lang="en-US" smtClean="0"/>
-              <a:t>3/31/2022</a:t>
+              <a:t>6/17/2022</a:t>
             </a:fld>
             <a:endParaRPr lang="en-US"/>
           </a:p>
@@ -2104,7 +2546,7 @@
           <a:p>
             <a:fld id="{4A31C449-260C-4C88-9D36-C81523339FAD}" type="datetimeFigureOut">
               <a:rPr lang="en-US" smtClean="0"/>
-              <a:t>3/31/2022</a:t>
+              <a:t>6/17/2022</a:t>
             </a:fld>
             <a:endParaRPr lang="en-US"/>
           </a:p>
@@ -2357,7 +2799,7 @@
           <a:p>
             <a:fld id="{4A31C449-260C-4C88-9D36-C81523339FAD}" type="datetimeFigureOut">
               <a:rPr lang="en-US" smtClean="0"/>
-              <a:t>3/31/2022</a:t>
+              <a:t>6/17/2022</a:t>
             </a:fld>
             <a:endParaRPr lang="en-US"/>
           </a:p>
@@ -2570,7 +3012,7 @@
           <a:p>
             <a:fld id="{4A31C449-260C-4C88-9D36-C81523339FAD}" type="datetimeFigureOut">
               <a:rPr lang="en-US" smtClean="0"/>
-              <a:t>3/31/2022</a:t>
+              <a:t>6/17/2022</a:t>
             </a:fld>
             <a:endParaRPr lang="en-US"/>
           </a:p>
@@ -4078,7 +4520,7 @@
             <p:cNvPr id="4" name="Graphic 21">
               <a:extLst>
                 <a:ext uri="{FF2B5EF4-FFF2-40B4-BE49-F238E27FC236}">
-                  <a16:creationId xmlns:lc="http://schemas.openxmlformats.org/drawingml/2006/lockedCanvas" xmlns:a16="http://schemas.microsoft.com/office/drawing/2014/main" xmlns="" id="{4320B773-4CEB-E940-A9DD-79DF6FCDEFCB}"/>
+                  <a16:creationId xmlns="" xmlns:a16="http://schemas.microsoft.com/office/drawing/2014/main" xmlns:lc="http://schemas.openxmlformats.org/drawingml/2006/lockedCanvas" id="{4320B773-4CEB-E940-A9DD-79DF6FCDEFCB}"/>
                 </a:ext>
               </a:extLst>
             </p:cNvPr>
@@ -4138,7 +4580,7 @@
             <p:cNvPr id="5" name="TextBox 12">
               <a:extLst>
                 <a:ext uri="{FF2B5EF4-FFF2-40B4-BE49-F238E27FC236}">
-                  <a16:creationId xmlns:lc="http://schemas.openxmlformats.org/drawingml/2006/lockedCanvas" xmlns:a16="http://schemas.microsoft.com/office/drawing/2014/main" xmlns="" id="{5CC1F16D-CB68-B24B-90B1-3A527B9AF19A}"/>
+                  <a16:creationId xmlns="" xmlns:a16="http://schemas.microsoft.com/office/drawing/2014/main" xmlns:lc="http://schemas.openxmlformats.org/drawingml/2006/lockedCanvas" id="{5CC1F16D-CB68-B24B-90B1-3A527B9AF19A}"/>
                 </a:ext>
               </a:extLst>
             </p:cNvPr>
@@ -4558,7 +5000,7 @@
               <p:cNvPr id="4" name="Graphic 10">
                 <a:extLst>
                   <a:ext uri="{FF2B5EF4-FFF2-40B4-BE49-F238E27FC236}">
-                    <a16:creationId xmlns="" xmlns:a16="http://schemas.microsoft.com/office/drawing/2014/main" id="{7249C1EC-5A69-3C4D-9DDF-0DB93BB70BC6}"/>
+                    <a16:creationId xmlns:a16="http://schemas.microsoft.com/office/drawing/2014/main" xmlns="" id="{7249C1EC-5A69-3C4D-9DDF-0DB93BB70BC6}"/>
                   </a:ext>
                 </a:extLst>
               </p:cNvPr>
@@ -4618,7 +5060,7 @@
               <p:cNvPr id="5" name="TextBox 20">
                 <a:extLst>
                   <a:ext uri="{FF2B5EF4-FFF2-40B4-BE49-F238E27FC236}">
-                    <a16:creationId xmlns="" xmlns:a16="http://schemas.microsoft.com/office/drawing/2014/main" id="{E5D4A7D0-5E44-1943-968A-C198F40D0E71}"/>
+                    <a16:creationId xmlns:a16="http://schemas.microsoft.com/office/drawing/2014/main" xmlns="" id="{E5D4A7D0-5E44-1943-968A-C198F40D0E71}"/>
                   </a:ext>
                 </a:extLst>
               </p:cNvPr>
@@ -4794,7 +5236,7 @@
               <p:cNvPr id="6" name="Graphic 19">
                 <a:extLst>
                   <a:ext uri="{FF2B5EF4-FFF2-40B4-BE49-F238E27FC236}">
-                    <a16:creationId xmlns="" xmlns:a16="http://schemas.microsoft.com/office/drawing/2014/main" id="{1FC33CE7-C98D-E547-BC90-92306552093A}"/>
+                    <a16:creationId xmlns:a16="http://schemas.microsoft.com/office/drawing/2014/main" xmlns="" id="{1FC33CE7-C98D-E547-BC90-92306552093A}"/>
                   </a:ext>
                 </a:extLst>
               </p:cNvPr>
@@ -4854,7 +5296,7 @@
               <p:cNvPr id="7" name="TextBox 11">
                 <a:extLst>
                   <a:ext uri="{FF2B5EF4-FFF2-40B4-BE49-F238E27FC236}">
-                    <a16:creationId xmlns="" xmlns:a16="http://schemas.microsoft.com/office/drawing/2014/main" id="{0355EC56-8BE5-9F4E-BD29-5DC1160E4BC4}"/>
+                    <a16:creationId xmlns:a16="http://schemas.microsoft.com/office/drawing/2014/main" xmlns="" id="{0355EC56-8BE5-9F4E-BD29-5DC1160E4BC4}"/>
                   </a:ext>
                 </a:extLst>
               </p:cNvPr>
@@ -5054,7 +5496,7 @@
               <p:cNvPr id="8" name="Graphic 8">
                 <a:extLst>
                   <a:ext uri="{FF2B5EF4-FFF2-40B4-BE49-F238E27FC236}">
-                    <a16:creationId xmlns="" xmlns:a16="http://schemas.microsoft.com/office/drawing/2014/main" id="{0D4A9B47-8231-EF4D-B9AB-A3D9E4B81350}"/>
+                    <a16:creationId xmlns:a16="http://schemas.microsoft.com/office/drawing/2014/main" xmlns="" id="{0D4A9B47-8231-EF4D-B9AB-A3D9E4B81350}"/>
                   </a:ext>
                 </a:extLst>
               </p:cNvPr>
@@ -5114,7 +5556,7 @@
               <p:cNvPr id="9" name="TextBox 9">
                 <a:extLst>
                   <a:ext uri="{FF2B5EF4-FFF2-40B4-BE49-F238E27FC236}">
-                    <a16:creationId xmlns="" xmlns:a16="http://schemas.microsoft.com/office/drawing/2014/main" id="{5B6C5DC4-5A01-E14D-BEE5-909FCF8B05F2}"/>
+                    <a16:creationId xmlns:a16="http://schemas.microsoft.com/office/drawing/2014/main" xmlns="" id="{5B6C5DC4-5A01-E14D-BEE5-909FCF8B05F2}"/>
                   </a:ext>
                 </a:extLst>
               </p:cNvPr>
@@ -5469,7 +5911,7 @@
               <p:cNvPr id="16" name="Graphic 10">
                 <a:extLst>
                   <a:ext uri="{FF2B5EF4-FFF2-40B4-BE49-F238E27FC236}">
-                    <a16:creationId xmlns="" xmlns:a16="http://schemas.microsoft.com/office/drawing/2014/main" id="{7249C1EC-5A69-3C4D-9DDF-0DB93BB70BC6}"/>
+                    <a16:creationId xmlns:a16="http://schemas.microsoft.com/office/drawing/2014/main" xmlns="" id="{7249C1EC-5A69-3C4D-9DDF-0DB93BB70BC6}"/>
                   </a:ext>
                 </a:extLst>
               </p:cNvPr>
@@ -5529,7 +5971,7 @@
               <p:cNvPr id="17" name="TextBox 20">
                 <a:extLst>
                   <a:ext uri="{FF2B5EF4-FFF2-40B4-BE49-F238E27FC236}">
-                    <a16:creationId xmlns="" xmlns:a16="http://schemas.microsoft.com/office/drawing/2014/main" id="{E5D4A7D0-5E44-1943-968A-C198F40D0E71}"/>
+                    <a16:creationId xmlns:a16="http://schemas.microsoft.com/office/drawing/2014/main" xmlns="" id="{E5D4A7D0-5E44-1943-968A-C198F40D0E71}"/>
                   </a:ext>
                 </a:extLst>
               </p:cNvPr>
@@ -5705,7 +6147,7 @@
               <p:cNvPr id="14" name="Graphic 19">
                 <a:extLst>
                   <a:ext uri="{FF2B5EF4-FFF2-40B4-BE49-F238E27FC236}">
-                    <a16:creationId xmlns="" xmlns:a16="http://schemas.microsoft.com/office/drawing/2014/main" id="{1FC33CE7-C98D-E547-BC90-92306552093A}"/>
+                    <a16:creationId xmlns:a16="http://schemas.microsoft.com/office/drawing/2014/main" xmlns="" id="{1FC33CE7-C98D-E547-BC90-92306552093A}"/>
                   </a:ext>
                 </a:extLst>
               </p:cNvPr>
@@ -5765,7 +6207,7 @@
               <p:cNvPr id="15" name="TextBox 11">
                 <a:extLst>
                   <a:ext uri="{FF2B5EF4-FFF2-40B4-BE49-F238E27FC236}">
-                    <a16:creationId xmlns="" xmlns:a16="http://schemas.microsoft.com/office/drawing/2014/main" id="{0355EC56-8BE5-9F4E-BD29-5DC1160E4BC4}"/>
+                    <a16:creationId xmlns:a16="http://schemas.microsoft.com/office/drawing/2014/main" xmlns="" id="{0355EC56-8BE5-9F4E-BD29-5DC1160E4BC4}"/>
                   </a:ext>
                 </a:extLst>
               </p:cNvPr>
@@ -5965,7 +6407,7 @@
               <p:cNvPr id="12" name="Graphic 8">
                 <a:extLst>
                   <a:ext uri="{FF2B5EF4-FFF2-40B4-BE49-F238E27FC236}">
-                    <a16:creationId xmlns="" xmlns:a16="http://schemas.microsoft.com/office/drawing/2014/main" id="{0D4A9B47-8231-EF4D-B9AB-A3D9E4B81350}"/>
+                    <a16:creationId xmlns:a16="http://schemas.microsoft.com/office/drawing/2014/main" xmlns="" id="{0D4A9B47-8231-EF4D-B9AB-A3D9E4B81350}"/>
                   </a:ext>
                 </a:extLst>
               </p:cNvPr>
@@ -6025,7 +6467,7 @@
               <p:cNvPr id="13" name="TextBox 9">
                 <a:extLst>
                   <a:ext uri="{FF2B5EF4-FFF2-40B4-BE49-F238E27FC236}">
-                    <a16:creationId xmlns="" xmlns:a16="http://schemas.microsoft.com/office/drawing/2014/main" id="{5B6C5DC4-5A01-E14D-BEE5-909FCF8B05F2}"/>
+                    <a16:creationId xmlns:a16="http://schemas.microsoft.com/office/drawing/2014/main" xmlns="" id="{5B6C5DC4-5A01-E14D-BEE5-909FCF8B05F2}"/>
                   </a:ext>
                 </a:extLst>
               </p:cNvPr>
@@ -6247,11 +6689,7 @@
               </a:r>
               <a:r>
                 <a:rPr lang="en-US" sz="1400" dirty="0" smtClean="0"/>
-                <a:t>Event Notification </a:t>
-              </a:r>
-              <a:r>
-                <a:rPr lang="en-US" sz="1400" dirty="0" smtClean="0"/>
-                <a:t>Trigger</a:t>
+                <a:t>Event Notification Trigger</a:t>
               </a:r>
               <a:endParaRPr lang="en-US" sz="1400" dirty="0"/>
             </a:p>
@@ -6276,7 +6714,7 @@
               <p:cNvPr id="18" name="Graphic 21">
                 <a:extLst>
                   <a:ext uri="{FF2B5EF4-FFF2-40B4-BE49-F238E27FC236}">
-                    <a16:creationId xmlns:a16="http://schemas.microsoft.com/office/drawing/2014/main" xmlns="" id="{29EBF3FF-7F82-FD4A-89C8-1202691CCAE4}"/>
+                    <a16:creationId xmlns="" xmlns:a16="http://schemas.microsoft.com/office/drawing/2014/main" id="{29EBF3FF-7F82-FD4A-89C8-1202691CCAE4}"/>
                   </a:ext>
                 </a:extLst>
               </p:cNvPr>
@@ -6336,7 +6774,7 @@
               <p:cNvPr id="19" name="TextBox 12">
                 <a:extLst>
                   <a:ext uri="{FF2B5EF4-FFF2-40B4-BE49-F238E27FC236}">
-                    <a16:creationId xmlns:a16="http://schemas.microsoft.com/office/drawing/2014/main" xmlns="" id="{0FDF1365-7056-D948-913F-18757388B2CD}"/>
+                    <a16:creationId xmlns="" xmlns:a16="http://schemas.microsoft.com/office/drawing/2014/main" id="{0FDF1365-7056-D948-913F-18757388B2CD}"/>
                   </a:ext>
                 </a:extLst>
               </p:cNvPr>
@@ -6747,7 +7185,7 @@
               <p:cNvPr id="22" name="Graphic 10">
                 <a:extLst>
                   <a:ext uri="{FF2B5EF4-FFF2-40B4-BE49-F238E27FC236}">
-                    <a16:creationId xmlns="" xmlns:a16="http://schemas.microsoft.com/office/drawing/2014/main" id="{7249C1EC-5A69-3C4D-9DDF-0DB93BB70BC6}"/>
+                    <a16:creationId xmlns:a16="http://schemas.microsoft.com/office/drawing/2014/main" xmlns="" id="{7249C1EC-5A69-3C4D-9DDF-0DB93BB70BC6}"/>
                   </a:ext>
                 </a:extLst>
               </p:cNvPr>
@@ -6807,7 +7245,7 @@
               <p:cNvPr id="23" name="TextBox 20">
                 <a:extLst>
                   <a:ext uri="{FF2B5EF4-FFF2-40B4-BE49-F238E27FC236}">
-                    <a16:creationId xmlns="" xmlns:a16="http://schemas.microsoft.com/office/drawing/2014/main" id="{E5D4A7D0-5E44-1943-968A-C198F40D0E71}"/>
+                    <a16:creationId xmlns:a16="http://schemas.microsoft.com/office/drawing/2014/main" xmlns="" id="{E5D4A7D0-5E44-1943-968A-C198F40D0E71}"/>
                   </a:ext>
                 </a:extLst>
               </p:cNvPr>
@@ -6983,7 +7421,7 @@
               <p:cNvPr id="20" name="Graphic 19">
                 <a:extLst>
                   <a:ext uri="{FF2B5EF4-FFF2-40B4-BE49-F238E27FC236}">
-                    <a16:creationId xmlns="" xmlns:a16="http://schemas.microsoft.com/office/drawing/2014/main" id="{1FC33CE7-C98D-E547-BC90-92306552093A}"/>
+                    <a16:creationId xmlns:a16="http://schemas.microsoft.com/office/drawing/2014/main" xmlns="" id="{1FC33CE7-C98D-E547-BC90-92306552093A}"/>
                   </a:ext>
                 </a:extLst>
               </p:cNvPr>
@@ -7043,7 +7481,7 @@
               <p:cNvPr id="21" name="TextBox 11">
                 <a:extLst>
                   <a:ext uri="{FF2B5EF4-FFF2-40B4-BE49-F238E27FC236}">
-                    <a16:creationId xmlns="" xmlns:a16="http://schemas.microsoft.com/office/drawing/2014/main" id="{0355EC56-8BE5-9F4E-BD29-5DC1160E4BC4}"/>
+                    <a16:creationId xmlns:a16="http://schemas.microsoft.com/office/drawing/2014/main" xmlns="" id="{0355EC56-8BE5-9F4E-BD29-5DC1160E4BC4}"/>
                   </a:ext>
                 </a:extLst>
               </p:cNvPr>
@@ -7243,7 +7681,7 @@
               <p:cNvPr id="18" name="Graphic 8">
                 <a:extLst>
                   <a:ext uri="{FF2B5EF4-FFF2-40B4-BE49-F238E27FC236}">
-                    <a16:creationId xmlns="" xmlns:a16="http://schemas.microsoft.com/office/drawing/2014/main" id="{0D4A9B47-8231-EF4D-B9AB-A3D9E4B81350}"/>
+                    <a16:creationId xmlns:a16="http://schemas.microsoft.com/office/drawing/2014/main" xmlns="" id="{0D4A9B47-8231-EF4D-B9AB-A3D9E4B81350}"/>
                   </a:ext>
                 </a:extLst>
               </p:cNvPr>
@@ -7303,7 +7741,7 @@
               <p:cNvPr id="19" name="TextBox 9">
                 <a:extLst>
                   <a:ext uri="{FF2B5EF4-FFF2-40B4-BE49-F238E27FC236}">
-                    <a16:creationId xmlns="" xmlns:a16="http://schemas.microsoft.com/office/drawing/2014/main" id="{5B6C5DC4-5A01-E14D-BEE5-909FCF8B05F2}"/>
+                    <a16:creationId xmlns:a16="http://schemas.microsoft.com/office/drawing/2014/main" xmlns="" id="{5B6C5DC4-5A01-E14D-BEE5-909FCF8B05F2}"/>
                   </a:ext>
                 </a:extLst>
               </p:cNvPr>
@@ -7550,7 +7988,7 @@
               <p:cNvPr id="16" name="Graphic 21">
                 <a:extLst>
                   <a:ext uri="{FF2B5EF4-FFF2-40B4-BE49-F238E27FC236}">
-                    <a16:creationId xmlns:a16="http://schemas.microsoft.com/office/drawing/2014/main" xmlns="" id="{29EBF3FF-7F82-FD4A-89C8-1202691CCAE4}"/>
+                    <a16:creationId xmlns="" xmlns:a16="http://schemas.microsoft.com/office/drawing/2014/main" id="{29EBF3FF-7F82-FD4A-89C8-1202691CCAE4}"/>
                   </a:ext>
                 </a:extLst>
               </p:cNvPr>
@@ -7610,7 +8048,7 @@
               <p:cNvPr id="17" name="TextBox 12">
                 <a:extLst>
                   <a:ext uri="{FF2B5EF4-FFF2-40B4-BE49-F238E27FC236}">
-                    <a16:creationId xmlns:a16="http://schemas.microsoft.com/office/drawing/2014/main" xmlns="" id="{0FDF1365-7056-D948-913F-18757388B2CD}"/>
+                    <a16:creationId xmlns="" xmlns:a16="http://schemas.microsoft.com/office/drawing/2014/main" id="{0FDF1365-7056-D948-913F-18757388B2CD}"/>
                   </a:ext>
                 </a:extLst>
               </p:cNvPr>
@@ -7976,7 +8414,7 @@
               <p:cNvPr id="24" name="Graphic 19">
                 <a:extLst>
                   <a:ext uri="{FF2B5EF4-FFF2-40B4-BE49-F238E27FC236}">
-                    <a16:creationId xmlns:a16="http://schemas.microsoft.com/office/drawing/2014/main" xmlns="" id="{820E96C4-59EB-2648-98B1-156ACC2C9039}"/>
+                    <a16:creationId xmlns="" xmlns:a16="http://schemas.microsoft.com/office/drawing/2014/main" id="{820E96C4-59EB-2648-98B1-156ACC2C9039}"/>
                   </a:ext>
                 </a:extLst>
               </p:cNvPr>
@@ -8036,7 +8474,7 @@
               <p:cNvPr id="25" name="TextBox 11">
                 <a:extLst>
                   <a:ext uri="{FF2B5EF4-FFF2-40B4-BE49-F238E27FC236}">
-                    <a16:creationId xmlns:a16="http://schemas.microsoft.com/office/drawing/2014/main" xmlns="" id="{C9BB1F7E-248D-424E-8B74-0C0C9C2B1E04}"/>
+                    <a16:creationId xmlns="" xmlns:a16="http://schemas.microsoft.com/office/drawing/2014/main" id="{C9BB1F7E-248D-424E-8B74-0C0C9C2B1E04}"/>
                   </a:ext>
                 </a:extLst>
               </p:cNvPr>
@@ -8198,6 +8636,431 @@
     <p:extLst>
       <p:ext uri="{BB962C8B-B14F-4D97-AF65-F5344CB8AC3E}">
         <p14:creationId xmlns:p14="http://schemas.microsoft.com/office/powerpoint/2010/main" val="2983434296"/>
+      </p:ext>
+    </p:extLst>
+  </p:cSld>
+  <p:clrMapOvr>
+    <a:masterClrMapping/>
+  </p:clrMapOvr>
+</p:sld>
+</file>
+
+<file path=ppt/slides/slide8.xml><?xml version="1.0" encoding="utf-8"?>
+<p:sld xmlns:a="http://schemas.openxmlformats.org/drawingml/2006/main" xmlns:r="http://schemas.openxmlformats.org/officeDocument/2006/relationships" xmlns:p="http://schemas.openxmlformats.org/presentationml/2006/main">
+  <p:cSld>
+    <p:spTree>
+      <p:nvGrpSpPr>
+        <p:cNvPr id="1" name=""/>
+        <p:cNvGrpSpPr/>
+        <p:nvPr/>
+      </p:nvGrpSpPr>
+      <p:grpSpPr>
+        <a:xfrm>
+          <a:off x="0" y="0"/>
+          <a:ext cx="0" cy="0"/>
+          <a:chOff x="0" y="0"/>
+          <a:chExt cx="0" cy="0"/>
+        </a:xfrm>
+      </p:grpSpPr>
+      <p:grpSp>
+        <p:nvGrpSpPr>
+          <p:cNvPr id="18" name="Group 17"/>
+          <p:cNvGrpSpPr/>
+          <p:nvPr/>
+        </p:nvGrpSpPr>
+        <p:grpSpPr>
+          <a:xfrm>
+            <a:off x="455296" y="2200593"/>
+            <a:ext cx="10680270" cy="2674084"/>
+            <a:chOff x="455296" y="2200593"/>
+            <a:chExt cx="10680270" cy="2674084"/>
+          </a:xfrm>
+        </p:grpSpPr>
+        <p:pic>
+          <p:nvPicPr>
+            <p:cNvPr id="4" name="Graphic 24">
+              <a:extLst>
+                <a:ext uri="{FF2B5EF4-FFF2-40B4-BE49-F238E27FC236}">
+                  <a16:creationId xmlns:a16="http://schemas.microsoft.com/office/drawing/2014/main" xmlns="" id="{084CA126-51B9-4342-B381-198CA72FE278}"/>
+                </a:ext>
+              </a:extLst>
+            </p:cNvPr>
+            <p:cNvPicPr>
+              <a:picLocks noChangeAspect="1" noChangeArrowheads="1"/>
+            </p:cNvPicPr>
+            <p:nvPr/>
+          </p:nvPicPr>
+          <p:blipFill>
+            <a:blip r:embed="rId3">
+              <a:extLst>
+                <a:ext uri="{28A0092B-C50C-407E-A947-70E740481C1C}">
+                  <a14:useLocalDpi xmlns:a14="http://schemas.microsoft.com/office/drawing/2010/main" val="0"/>
+                </a:ext>
+              </a:extLst>
+            </a:blip>
+            <a:srcRect/>
+            <a:stretch>
+              <a:fillRect/>
+            </a:stretch>
+          </p:blipFill>
+          <p:spPr bwMode="auto">
+            <a:xfrm>
+              <a:off x="455296" y="2200593"/>
+              <a:ext cx="1828800" cy="1828800"/>
+            </a:xfrm>
+            <a:prstGeom prst="rect">
+              <a:avLst/>
+            </a:prstGeom>
+            <a:noFill/>
+            <a:ln>
+              <a:noFill/>
+            </a:ln>
+            <a:extLst>
+              <a:ext uri="{909E8E84-426E-40DD-AFC4-6F175D3DCCD1}">
+                <a14:hiddenFill xmlns:a14="http://schemas.microsoft.com/office/drawing/2010/main">
+                  <a:solidFill>
+                    <a:srgbClr val="FFFFFF"/>
+                  </a:solidFill>
+                </a14:hiddenFill>
+              </a:ext>
+              <a:ext uri="{91240B29-F687-4F45-9708-019B960494DF}">
+                <a14:hiddenLine xmlns:a14="http://schemas.microsoft.com/office/drawing/2010/main" w="9525">
+                  <a:solidFill>
+                    <a:srgbClr val="000000"/>
+                  </a:solidFill>
+                  <a:miter lim="800000"/>
+                  <a:headEnd/>
+                  <a:tailEnd/>
+                </a14:hiddenLine>
+              </a:ext>
+            </a:extLst>
+          </p:spPr>
+        </p:pic>
+        <p:pic>
+          <p:nvPicPr>
+            <p:cNvPr id="5" name="Graphic 10">
+              <a:extLst>
+                <a:ext uri="{FF2B5EF4-FFF2-40B4-BE49-F238E27FC236}">
+                  <a16:creationId xmlns:a16="http://schemas.microsoft.com/office/drawing/2014/main" xmlns="" id="{7249C1EC-5A69-3C4D-9DDF-0DB93BB70BC6}"/>
+                </a:ext>
+              </a:extLst>
+            </p:cNvPr>
+            <p:cNvPicPr>
+              <a:picLocks noChangeAspect="1" noChangeArrowheads="1"/>
+            </p:cNvPicPr>
+            <p:nvPr/>
+          </p:nvPicPr>
+          <p:blipFill>
+            <a:blip r:embed="rId4">
+              <a:extLst>
+                <a:ext uri="{28A0092B-C50C-407E-A947-70E740481C1C}">
+                  <a14:useLocalDpi xmlns:a14="http://schemas.microsoft.com/office/drawing/2010/main" val="0"/>
+                </a:ext>
+              </a:extLst>
+            </a:blip>
+            <a:srcRect/>
+            <a:stretch>
+              <a:fillRect/>
+            </a:stretch>
+          </p:blipFill>
+          <p:spPr bwMode="auto">
+            <a:xfrm>
+              <a:off x="4558348" y="2200593"/>
+              <a:ext cx="1828800" cy="1828800"/>
+            </a:xfrm>
+            <a:prstGeom prst="rect">
+              <a:avLst/>
+            </a:prstGeom>
+            <a:noFill/>
+            <a:ln>
+              <a:noFill/>
+            </a:ln>
+            <a:extLst>
+              <a:ext uri="{909E8E84-426E-40DD-AFC4-6F175D3DCCD1}">
+                <a14:hiddenFill xmlns:a14="http://schemas.microsoft.com/office/drawing/2010/main">
+                  <a:solidFill>
+                    <a:srgbClr val="FFFFFF"/>
+                  </a:solidFill>
+                </a14:hiddenFill>
+              </a:ext>
+              <a:ext uri="{91240B29-F687-4F45-9708-019B960494DF}">
+                <a14:hiddenLine xmlns:a14="http://schemas.microsoft.com/office/drawing/2010/main" w="9525">
+                  <a:solidFill>
+                    <a:srgbClr val="000000"/>
+                  </a:solidFill>
+                  <a:miter lim="800000"/>
+                  <a:headEnd/>
+                  <a:tailEnd/>
+                </a14:hiddenLine>
+              </a:ext>
+            </a:extLst>
+          </p:spPr>
+        </p:pic>
+        <p:pic>
+          <p:nvPicPr>
+            <p:cNvPr id="6" name="Graphic 22">
+              <a:extLst>
+                <a:ext uri="{FF2B5EF4-FFF2-40B4-BE49-F238E27FC236}">
+                  <a16:creationId xmlns:a16="http://schemas.microsoft.com/office/drawing/2014/main" xmlns="" id="{8B426346-8D30-4041-B389-4ACE29B1F51E}"/>
+                </a:ext>
+              </a:extLst>
+            </p:cNvPr>
+            <p:cNvPicPr>
+              <a:picLocks noChangeAspect="1" noChangeArrowheads="1"/>
+            </p:cNvPicPr>
+            <p:nvPr/>
+          </p:nvPicPr>
+          <p:blipFill>
+            <a:blip r:embed="rId5">
+              <a:extLst>
+                <a:ext uri="{28A0092B-C50C-407E-A947-70E740481C1C}">
+                  <a14:useLocalDpi xmlns:a14="http://schemas.microsoft.com/office/drawing/2010/main" val="0"/>
+                </a:ext>
+              </a:extLst>
+            </a:blip>
+            <a:srcRect/>
+            <a:stretch>
+              <a:fillRect/>
+            </a:stretch>
+          </p:blipFill>
+          <p:spPr bwMode="auto">
+            <a:xfrm>
+              <a:off x="8661400" y="2200593"/>
+              <a:ext cx="1828800" cy="1828800"/>
+            </a:xfrm>
+            <a:prstGeom prst="rect">
+              <a:avLst/>
+            </a:prstGeom>
+            <a:noFill/>
+            <a:ln>
+              <a:noFill/>
+            </a:ln>
+            <a:extLst>
+              <a:ext uri="{909E8E84-426E-40DD-AFC4-6F175D3DCCD1}">
+                <a14:hiddenFill xmlns:a14="http://schemas.microsoft.com/office/drawing/2010/main">
+                  <a:solidFill>
+                    <a:srgbClr val="FFFFFF"/>
+                  </a:solidFill>
+                </a14:hiddenFill>
+              </a:ext>
+              <a:ext uri="{91240B29-F687-4F45-9708-019B960494DF}">
+                <a14:hiddenLine xmlns:a14="http://schemas.microsoft.com/office/drawing/2010/main" w="9525">
+                  <a:solidFill>
+                    <a:srgbClr val="000000"/>
+                  </a:solidFill>
+                  <a:miter lim="800000"/>
+                  <a:headEnd/>
+                  <a:tailEnd/>
+                </a14:hiddenLine>
+              </a:ext>
+            </a:extLst>
+          </p:spPr>
+        </p:pic>
+        <p:cxnSp>
+          <p:nvCxnSpPr>
+            <p:cNvPr id="8" name="Straight Arrow Connector 7"/>
+            <p:cNvCxnSpPr>
+              <a:stCxn id="4" idx="3"/>
+              <a:endCxn id="5" idx="1"/>
+            </p:cNvCxnSpPr>
+            <p:nvPr/>
+          </p:nvCxnSpPr>
+          <p:spPr>
+            <a:xfrm>
+              <a:off x="2284096" y="3114993"/>
+              <a:ext cx="2274252" cy="0"/>
+            </a:xfrm>
+            <a:prstGeom prst="straightConnector1">
+              <a:avLst/>
+            </a:prstGeom>
+            <a:ln w="57150">
+              <a:solidFill>
+                <a:schemeClr val="tx1"/>
+              </a:solidFill>
+              <a:headEnd type="none" w="med" len="med"/>
+              <a:tailEnd type="arrow" w="med" len="med"/>
+            </a:ln>
+          </p:spPr>
+          <p:style>
+            <a:lnRef idx="1">
+              <a:schemeClr val="accent1"/>
+            </a:lnRef>
+            <a:fillRef idx="0">
+              <a:schemeClr val="accent1"/>
+            </a:fillRef>
+            <a:effectRef idx="0">
+              <a:schemeClr val="accent1"/>
+            </a:effectRef>
+            <a:fontRef idx="minor">
+              <a:schemeClr val="tx1"/>
+            </a:fontRef>
+          </p:style>
+        </p:cxnSp>
+        <p:cxnSp>
+          <p:nvCxnSpPr>
+            <p:cNvPr id="10" name="Straight Arrow Connector 9"/>
+            <p:cNvCxnSpPr>
+              <a:stCxn id="5" idx="3"/>
+              <a:endCxn id="6" idx="1"/>
+            </p:cNvCxnSpPr>
+            <p:nvPr/>
+          </p:nvCxnSpPr>
+          <p:spPr>
+            <a:xfrm>
+              <a:off x="6387148" y="3114993"/>
+              <a:ext cx="2274252" cy="0"/>
+            </a:xfrm>
+            <a:prstGeom prst="straightConnector1">
+              <a:avLst/>
+            </a:prstGeom>
+            <a:ln w="57150">
+              <a:solidFill>
+                <a:schemeClr val="tx1"/>
+              </a:solidFill>
+              <a:headEnd type="none" w="med" len="med"/>
+              <a:tailEnd type="arrow" w="med" len="med"/>
+            </a:ln>
+          </p:spPr>
+          <p:style>
+            <a:lnRef idx="1">
+              <a:schemeClr val="accent1"/>
+            </a:lnRef>
+            <a:fillRef idx="0">
+              <a:schemeClr val="accent1"/>
+            </a:fillRef>
+            <a:effectRef idx="0">
+              <a:schemeClr val="accent1"/>
+            </a:effectRef>
+            <a:fontRef idx="minor">
+              <a:schemeClr val="tx1"/>
+            </a:fontRef>
+          </p:style>
+        </p:cxnSp>
+        <p:sp>
+          <p:nvSpPr>
+            <p:cNvPr id="13" name="TextBox 12"/>
+            <p:cNvSpPr txBox="1"/>
+            <p:nvPr/>
+          </p:nvSpPr>
+          <p:spPr>
+            <a:xfrm>
+              <a:off x="455296" y="4043680"/>
+              <a:ext cx="1900264" cy="830997"/>
+            </a:xfrm>
+            <a:prstGeom prst="rect">
+              <a:avLst/>
+            </a:prstGeom>
+            <a:noFill/>
+          </p:spPr>
+          <p:txBody>
+            <a:bodyPr wrap="none" rtlCol="0">
+              <a:spAutoFit/>
+            </a:bodyPr>
+            <a:lstStyle/>
+            <a:p>
+              <a:pPr algn="ctr"/>
+              <a:r>
+                <a:rPr lang="en-US" sz="2400" b="1" dirty="0" smtClean="0"/>
+                <a:t>Client </a:t>
+              </a:r>
+            </a:p>
+            <a:p>
+              <a:r>
+                <a:rPr lang="en-US" sz="2400" b="1" dirty="0" smtClean="0"/>
+                <a:t>Web Browser</a:t>
+              </a:r>
+              <a:endParaRPr lang="en-US" sz="2400" b="1" dirty="0"/>
+            </a:p>
+          </p:txBody>
+        </p:sp>
+        <p:sp>
+          <p:nvSpPr>
+            <p:cNvPr id="14" name="TextBox 13"/>
+            <p:cNvSpPr txBox="1"/>
+            <p:nvPr/>
+          </p:nvSpPr>
+          <p:spPr>
+            <a:xfrm>
+              <a:off x="4558348" y="4043680"/>
+              <a:ext cx="1934440" cy="830997"/>
+            </a:xfrm>
+            <a:prstGeom prst="rect">
+              <a:avLst/>
+            </a:prstGeom>
+            <a:noFill/>
+          </p:spPr>
+          <p:txBody>
+            <a:bodyPr wrap="none" rtlCol="0">
+              <a:spAutoFit/>
+            </a:bodyPr>
+            <a:lstStyle/>
+            <a:p>
+              <a:pPr algn="ctr"/>
+              <a:r>
+                <a:rPr lang="en-US" sz="2400" b="1" dirty="0" smtClean="0"/>
+                <a:t>AWS Lambda </a:t>
+              </a:r>
+            </a:p>
+            <a:p>
+              <a:r>
+                <a:rPr lang="en-US" sz="2400" b="1" dirty="0" smtClean="0"/>
+                <a:t>Function URL</a:t>
+              </a:r>
+              <a:endParaRPr lang="en-US" sz="2400" b="1" dirty="0"/>
+            </a:p>
+          </p:txBody>
+        </p:sp>
+        <p:sp>
+          <p:nvSpPr>
+            <p:cNvPr id="16" name="TextBox 15"/>
+            <p:cNvSpPr txBox="1"/>
+            <p:nvPr/>
+          </p:nvSpPr>
+          <p:spPr>
+            <a:xfrm>
+              <a:off x="8356600" y="4043680"/>
+              <a:ext cx="2778966" cy="830997"/>
+            </a:xfrm>
+            <a:prstGeom prst="rect">
+              <a:avLst/>
+            </a:prstGeom>
+            <a:noFill/>
+          </p:spPr>
+          <p:txBody>
+            <a:bodyPr wrap="none" rtlCol="0">
+              <a:spAutoFit/>
+            </a:bodyPr>
+            <a:lstStyle/>
+            <a:p>
+              <a:pPr algn="ctr"/>
+              <a:r>
+                <a:rPr lang="en-US" sz="2400" b="1" dirty="0" smtClean="0"/>
+                <a:t>Amazon </a:t>
+              </a:r>
+              <a:r>
+                <a:rPr lang="en-US" sz="2400" b="1" dirty="0" err="1" smtClean="0"/>
+                <a:t>SageMaker</a:t>
+              </a:r>
+              <a:r>
+                <a:rPr lang="en-US" sz="2400" b="1" dirty="0" smtClean="0"/>
+                <a:t> </a:t>
+              </a:r>
+            </a:p>
+            <a:p>
+              <a:pPr algn="ctr"/>
+              <a:r>
+                <a:rPr lang="en-US" sz="2400" b="1" dirty="0" smtClean="0"/>
+                <a:t>Model Endpoint</a:t>
+              </a:r>
+              <a:endParaRPr lang="en-US" sz="2400" b="1" dirty="0"/>
+            </a:p>
+          </p:txBody>
+        </p:sp>
+      </p:grpSp>
+    </p:spTree>
+    <p:extLst>
+      <p:ext uri="{BB962C8B-B14F-4D97-AF65-F5344CB8AC3E}">
+        <p14:creationId xmlns:p14="http://schemas.microsoft.com/office/powerpoint/2010/main" val="2654820889"/>
       </p:ext>
     </p:extLst>
   </p:cSld>
@@ -8466,4 +9329,265 @@
     </a:ext>
   </a:extLst>
 </a:theme>
+</file>
+
+<file path=ppt/theme/theme2.xml><?xml version="1.0" encoding="utf-8"?>
+<a:theme xmlns:a="http://schemas.openxmlformats.org/drawingml/2006/main" name="Office Theme">
+  <a:themeElements>
+    <a:clrScheme name="Office">
+      <a:dk1>
+        <a:sysClr val="windowText" lastClr="000000"/>
+      </a:dk1>
+      <a:lt1>
+        <a:sysClr val="window" lastClr="FFFFFF"/>
+      </a:lt1>
+      <a:dk2>
+        <a:srgbClr val="44546A"/>
+      </a:dk2>
+      <a:lt2>
+        <a:srgbClr val="E7E6E6"/>
+      </a:lt2>
+      <a:accent1>
+        <a:srgbClr val="5B9BD5"/>
+      </a:accent1>
+      <a:accent2>
+        <a:srgbClr val="ED7D31"/>
+      </a:accent2>
+      <a:accent3>
+        <a:srgbClr val="A5A5A5"/>
+      </a:accent3>
+      <a:accent4>
+        <a:srgbClr val="FFC000"/>
+      </a:accent4>
+      <a:accent5>
+        <a:srgbClr val="4472C4"/>
+      </a:accent5>
+      <a:accent6>
+        <a:srgbClr val="70AD47"/>
+      </a:accent6>
+      <a:hlink>
+        <a:srgbClr val="0563C1"/>
+      </a:hlink>
+      <a:folHlink>
+        <a:srgbClr val="954F72"/>
+      </a:folHlink>
+    </a:clrScheme>
+    <a:fontScheme name="Office">
+      <a:majorFont>
+        <a:latin typeface="Calibri Light" panose="020F0302020204030204"/>
+        <a:ea typeface=""/>
+        <a:cs typeface=""/>
+        <a:font script="Jpan" typeface="ＭＳ Ｐゴシック"/>
+        <a:font script="Hang" typeface="맑은 고딕"/>
+        <a:font script="Hans" typeface="宋体"/>
+        <a:font script="Hant" typeface="新細明體"/>
+        <a:font script="Arab" typeface="Times New Roman"/>
+        <a:font script="Hebr" typeface="Times New Roman"/>
+        <a:font script="Thai" typeface="Angsana New"/>
+        <a:font script="Ethi" typeface="Nyala"/>
+        <a:font script="Beng" typeface="Vrinda"/>
+        <a:font script="Gujr" typeface="Shruti"/>
+        <a:font script="Khmr" typeface="MoolBoran"/>
+        <a:font script="Knda" typeface="Tunga"/>
+        <a:font script="Guru" typeface="Raavi"/>
+        <a:font script="Cans" typeface="Euphemia"/>
+        <a:font script="Cher" typeface="Plantagenet Cherokee"/>
+        <a:font script="Yiii" typeface="Microsoft Yi Baiti"/>
+        <a:font script="Tibt" typeface="Microsoft Himalaya"/>
+        <a:font script="Thaa" typeface="MV Boli"/>
+        <a:font script="Deva" typeface="Mangal"/>
+        <a:font script="Telu" typeface="Gautami"/>
+        <a:font script="Taml" typeface="Latha"/>
+        <a:font script="Syrc" typeface="Estrangelo Edessa"/>
+        <a:font script="Orya" typeface="Kalinga"/>
+        <a:font script="Mlym" typeface="Kartika"/>
+        <a:font script="Laoo" typeface="DokChampa"/>
+        <a:font script="Sinh" typeface="Iskoola Pota"/>
+        <a:font script="Mong" typeface="Mongolian Baiti"/>
+        <a:font script="Viet" typeface="Times New Roman"/>
+        <a:font script="Uigh" typeface="Microsoft Uighur"/>
+        <a:font script="Geor" typeface="Sylfaen"/>
+      </a:majorFont>
+      <a:minorFont>
+        <a:latin typeface="Calibri" panose="020F0502020204030204"/>
+        <a:ea typeface=""/>
+        <a:cs typeface=""/>
+        <a:font script="Jpan" typeface="ＭＳ Ｐゴシック"/>
+        <a:font script="Hang" typeface="맑은 고딕"/>
+        <a:font script="Hans" typeface="宋体"/>
+        <a:font script="Hant" typeface="新細明體"/>
+        <a:font script="Arab" typeface="Arial"/>
+        <a:font script="Hebr" typeface="Arial"/>
+        <a:font script="Thai" typeface="Cordia New"/>
+        <a:font script="Ethi" typeface="Nyala"/>
+        <a:font script="Beng" typeface="Vrinda"/>
+        <a:font script="Gujr" typeface="Shruti"/>
+        <a:font script="Khmr" typeface="DaunPenh"/>
+        <a:font script="Knda" typeface="Tunga"/>
+        <a:font script="Guru" typeface="Raavi"/>
+        <a:font script="Cans" typeface="Euphemia"/>
+        <a:font script="Cher" typeface="Plantagenet Cherokee"/>
+        <a:font script="Yiii" typeface="Microsoft Yi Baiti"/>
+        <a:font script="Tibt" typeface="Microsoft Himalaya"/>
+        <a:font script="Thaa" typeface="MV Boli"/>
+        <a:font script="Deva" typeface="Mangal"/>
+        <a:font script="Telu" typeface="Gautami"/>
+        <a:font script="Taml" typeface="Latha"/>
+        <a:font script="Syrc" typeface="Estrangelo Edessa"/>
+        <a:font script="Orya" typeface="Kalinga"/>
+        <a:font script="Mlym" typeface="Kartika"/>
+        <a:font script="Laoo" typeface="DokChampa"/>
+        <a:font script="Sinh" typeface="Iskoola Pota"/>
+        <a:font script="Mong" typeface="Mongolian Baiti"/>
+        <a:font script="Viet" typeface="Arial"/>
+        <a:font script="Uigh" typeface="Microsoft Uighur"/>
+        <a:font script="Geor" typeface="Sylfaen"/>
+      </a:minorFont>
+    </a:fontScheme>
+    <a:fmtScheme name="Office">
+      <a:fillStyleLst>
+        <a:solidFill>
+          <a:schemeClr val="phClr"/>
+        </a:solidFill>
+        <a:gradFill rotWithShape="1">
+          <a:gsLst>
+            <a:gs pos="0">
+              <a:schemeClr val="phClr">
+                <a:lumMod val="110000"/>
+                <a:satMod val="105000"/>
+                <a:tint val="67000"/>
+              </a:schemeClr>
+            </a:gs>
+            <a:gs pos="50000">
+              <a:schemeClr val="phClr">
+                <a:lumMod val="105000"/>
+                <a:satMod val="103000"/>
+                <a:tint val="73000"/>
+              </a:schemeClr>
+            </a:gs>
+            <a:gs pos="100000">
+              <a:schemeClr val="phClr">
+                <a:lumMod val="105000"/>
+                <a:satMod val="109000"/>
+                <a:tint val="81000"/>
+              </a:schemeClr>
+            </a:gs>
+          </a:gsLst>
+          <a:lin ang="5400000" scaled="0"/>
+        </a:gradFill>
+        <a:gradFill rotWithShape="1">
+          <a:gsLst>
+            <a:gs pos="0">
+              <a:schemeClr val="phClr">
+                <a:satMod val="103000"/>
+                <a:lumMod val="102000"/>
+                <a:tint val="94000"/>
+              </a:schemeClr>
+            </a:gs>
+            <a:gs pos="50000">
+              <a:schemeClr val="phClr">
+                <a:satMod val="110000"/>
+                <a:lumMod val="100000"/>
+                <a:shade val="100000"/>
+              </a:schemeClr>
+            </a:gs>
+            <a:gs pos="100000">
+              <a:schemeClr val="phClr">
+                <a:lumMod val="99000"/>
+                <a:satMod val="120000"/>
+                <a:shade val="78000"/>
+              </a:schemeClr>
+            </a:gs>
+          </a:gsLst>
+          <a:lin ang="5400000" scaled="0"/>
+        </a:gradFill>
+      </a:fillStyleLst>
+      <a:lnStyleLst>
+        <a:ln w="6350" cap="flat" cmpd="sng" algn="ctr">
+          <a:solidFill>
+            <a:schemeClr val="phClr"/>
+          </a:solidFill>
+          <a:prstDash val="solid"/>
+          <a:miter lim="800000"/>
+        </a:ln>
+        <a:ln w="12700" cap="flat" cmpd="sng" algn="ctr">
+          <a:solidFill>
+            <a:schemeClr val="phClr"/>
+          </a:solidFill>
+          <a:prstDash val="solid"/>
+          <a:miter lim="800000"/>
+        </a:ln>
+        <a:ln w="19050" cap="flat" cmpd="sng" algn="ctr">
+          <a:solidFill>
+            <a:schemeClr val="phClr"/>
+          </a:solidFill>
+          <a:prstDash val="solid"/>
+          <a:miter lim="800000"/>
+        </a:ln>
+      </a:lnStyleLst>
+      <a:effectStyleLst>
+        <a:effectStyle>
+          <a:effectLst/>
+        </a:effectStyle>
+        <a:effectStyle>
+          <a:effectLst/>
+        </a:effectStyle>
+        <a:effectStyle>
+          <a:effectLst>
+            <a:outerShdw blurRad="57150" dist="19050" dir="5400000" algn="ctr" rotWithShape="0">
+              <a:srgbClr val="000000">
+                <a:alpha val="63000"/>
+              </a:srgbClr>
+            </a:outerShdw>
+          </a:effectLst>
+        </a:effectStyle>
+      </a:effectStyleLst>
+      <a:bgFillStyleLst>
+        <a:solidFill>
+          <a:schemeClr val="phClr"/>
+        </a:solidFill>
+        <a:solidFill>
+          <a:schemeClr val="phClr">
+            <a:tint val="95000"/>
+            <a:satMod val="170000"/>
+          </a:schemeClr>
+        </a:solidFill>
+        <a:gradFill rotWithShape="1">
+          <a:gsLst>
+            <a:gs pos="0">
+              <a:schemeClr val="phClr">
+                <a:tint val="93000"/>
+                <a:satMod val="150000"/>
+                <a:shade val="98000"/>
+                <a:lumMod val="102000"/>
+              </a:schemeClr>
+            </a:gs>
+            <a:gs pos="50000">
+              <a:schemeClr val="phClr">
+                <a:tint val="98000"/>
+                <a:satMod val="130000"/>
+                <a:shade val="90000"/>
+                <a:lumMod val="103000"/>
+              </a:schemeClr>
+            </a:gs>
+            <a:gs pos="100000">
+              <a:schemeClr val="phClr">
+                <a:shade val="63000"/>
+                <a:satMod val="120000"/>
+              </a:schemeClr>
+            </a:gs>
+          </a:gsLst>
+          <a:lin ang="5400000" scaled="0"/>
+        </a:gradFill>
+      </a:bgFillStyleLst>
+    </a:fmtScheme>
+  </a:themeElements>
+  <a:objectDefaults/>
+  <a:extraClrSchemeLst/>
+  <a:extLst>
+    <a:ext uri="{05A4C25C-085E-4340-85A3-A5531E510DB2}">
+      <thm15:themeFamily xmlns:thm15="http://schemas.microsoft.com/office/thememl/2012/main" name="Office Theme" id="{62F939B6-93AF-4DB8-9C6B-D6C7DFDC589F}" vid="{4A3C46E8-61CC-4603-A589-7422A47A8E4A}"/>
+    </a:ext>
+  </a:extLst>
+</a:theme>
 </file>